--- a/研究生毕业设计/文档管理/预答辩/毕业设计预答辩.pptx
+++ b/研究生毕业设计/文档管理/预答辩/毕业设计预答辩.pptx
@@ -6,21 +6,19 @@
   </p:sldMasterIdLst>
   <p:sldIdLst>
     <p:sldId id="256" r:id="rId2"/>
-    <p:sldId id="272" r:id="rId3"/>
-    <p:sldId id="265" r:id="rId4"/>
-    <p:sldId id="266" r:id="rId5"/>
-    <p:sldId id="267" r:id="rId6"/>
-    <p:sldId id="268" r:id="rId7"/>
-    <p:sldId id="269" r:id="rId8"/>
-    <p:sldId id="257" r:id="rId9"/>
-    <p:sldId id="262" r:id="rId10"/>
-    <p:sldId id="259" r:id="rId11"/>
-    <p:sldId id="263" r:id="rId12"/>
-    <p:sldId id="260" r:id="rId13"/>
-    <p:sldId id="264" r:id="rId14"/>
-    <p:sldId id="270" r:id="rId15"/>
-    <p:sldId id="261" r:id="rId16"/>
-    <p:sldId id="271" r:id="rId17"/>
+    <p:sldId id="265" r:id="rId3"/>
+    <p:sldId id="267" r:id="rId4"/>
+    <p:sldId id="268" r:id="rId5"/>
+    <p:sldId id="269" r:id="rId6"/>
+    <p:sldId id="257" r:id="rId7"/>
+    <p:sldId id="262" r:id="rId8"/>
+    <p:sldId id="259" r:id="rId9"/>
+    <p:sldId id="263" r:id="rId10"/>
+    <p:sldId id="260" r:id="rId11"/>
+    <p:sldId id="264" r:id="rId12"/>
+    <p:sldId id="270" r:id="rId13"/>
+    <p:sldId id="261" r:id="rId14"/>
+    <p:sldId id="271" r:id="rId15"/>
   </p:sldIdLst>
   <p:sldSz cx="9144000" cy="6858000" type="screen4x3"/>
   <p:notesSz cx="6858000" cy="9144000"/>
@@ -544,7 +542,7 @@
           <a:p>
             <a:fld id="{530820CF-B880-4189-942D-D702A7CBA730}" type="datetimeFigureOut">
               <a:rPr lang="zh-CN" altLang="en-US" smtClean="0"/>
-              <a:t>2013/10/18</a:t>
+              <a:t>2013/10/19</a:t>
             </a:fld>
             <a:endParaRPr lang="zh-CN" altLang="en-US"/>
           </a:p>
@@ -756,7 +754,7 @@
           <a:p>
             <a:fld id="{530820CF-B880-4189-942D-D702A7CBA730}" type="datetimeFigureOut">
               <a:rPr lang="zh-CN" altLang="en-US" smtClean="0"/>
-              <a:t>2013/10/18</a:t>
+              <a:t>2013/10/19</a:t>
             </a:fld>
             <a:endParaRPr lang="zh-CN" altLang="en-US"/>
           </a:p>
@@ -943,7 +941,7 @@
           <a:p>
             <a:fld id="{530820CF-B880-4189-942D-D702A7CBA730}" type="datetimeFigureOut">
               <a:rPr lang="zh-CN" altLang="en-US" smtClean="0"/>
-              <a:t>2013/10/18</a:t>
+              <a:t>2013/10/19</a:t>
             </a:fld>
             <a:endParaRPr lang="zh-CN" altLang="en-US"/>
           </a:p>
@@ -1040,7 +1038,7 @@
           <a:p>
             <a:fld id="{530820CF-B880-4189-942D-D702A7CBA730}" type="datetimeFigureOut">
               <a:rPr lang="zh-CN" altLang="en-US" smtClean="0"/>
-              <a:t>2013/10/18</a:t>
+              <a:t>2013/10/19</a:t>
             </a:fld>
             <a:endParaRPr lang="zh-CN" altLang="en-US"/>
           </a:p>
@@ -1636,7 +1634,7 @@
           <a:p>
             <a:fld id="{530820CF-B880-4189-942D-D702A7CBA730}" type="datetimeFigureOut">
               <a:rPr lang="zh-CN" altLang="en-US" smtClean="0"/>
-              <a:t>2013/10/18</a:t>
+              <a:t>2013/10/19</a:t>
             </a:fld>
             <a:endParaRPr lang="zh-CN" altLang="en-US"/>
           </a:p>
@@ -1733,7 +1731,7 @@
           <a:p>
             <a:fld id="{530820CF-B880-4189-942D-D702A7CBA730}" type="datetimeFigureOut">
               <a:rPr lang="zh-CN" altLang="en-US" smtClean="0"/>
-              <a:t>2013/10/18</a:t>
+              <a:t>2013/10/19</a:t>
             </a:fld>
             <a:endParaRPr lang="zh-CN" altLang="en-US"/>
           </a:p>
@@ -2338,7 +2336,7 @@
           <a:p>
             <a:fld id="{530820CF-B880-4189-942D-D702A7CBA730}" type="datetimeFigureOut">
               <a:rPr lang="zh-CN" altLang="en-US" smtClean="0"/>
-              <a:t>2013/10/18</a:t>
+              <a:t>2013/10/19</a:t>
             </a:fld>
             <a:endParaRPr lang="zh-CN" altLang="en-US"/>
           </a:p>
@@ -2481,7 +2479,7 @@
           <a:p>
             <a:fld id="{530820CF-B880-4189-942D-D702A7CBA730}" type="datetimeFigureOut">
               <a:rPr lang="zh-CN" altLang="en-US" smtClean="0"/>
-              <a:t>2013/10/18</a:t>
+              <a:t>2013/10/19</a:t>
             </a:fld>
             <a:endParaRPr lang="zh-CN" altLang="en-US"/>
           </a:p>
@@ -2578,7 +2576,7 @@
           <a:p>
             <a:fld id="{530820CF-B880-4189-942D-D702A7CBA730}" type="datetimeFigureOut">
               <a:rPr lang="zh-CN" altLang="en-US" smtClean="0"/>
-              <a:t>2013/10/18</a:t>
+              <a:t>2013/10/19</a:t>
             </a:fld>
             <a:endParaRPr lang="zh-CN" altLang="en-US"/>
           </a:p>
@@ -2862,7 +2860,7 @@
           <a:p>
             <a:fld id="{530820CF-B880-4189-942D-D702A7CBA730}" type="datetimeFigureOut">
               <a:rPr lang="zh-CN" altLang="en-US" smtClean="0"/>
-              <a:t>2013/10/18</a:t>
+              <a:t>2013/10/19</a:t>
             </a:fld>
             <a:endParaRPr lang="zh-CN" altLang="en-US"/>
           </a:p>
@@ -3384,7 +3382,7 @@
           <a:p>
             <a:fld id="{530820CF-B880-4189-942D-D702A7CBA730}" type="datetimeFigureOut">
               <a:rPr lang="zh-CN" altLang="en-US" smtClean="0"/>
-              <a:t>2013/10/18</a:t>
+              <a:t>2013/10/19</a:t>
             </a:fld>
             <a:endParaRPr lang="zh-CN" altLang="en-US"/>
           </a:p>
@@ -3904,7 +3902,7 @@
           <a:p>
             <a:fld id="{530820CF-B880-4189-942D-D702A7CBA730}" type="datetimeFigureOut">
               <a:rPr lang="zh-CN" altLang="en-US" smtClean="0"/>
-              <a:t>2013/10/18</a:t>
+              <a:t>2013/10/19</a:t>
             </a:fld>
             <a:endParaRPr lang="zh-CN" altLang="en-US"/>
           </a:p>
@@ -4594,12 +4592,8 @@
           <a:lstStyle/>
           <a:p>
             <a:r>
-              <a:rPr lang="zh-CN" altLang="en-US" smtClean="0"/>
-              <a:t>特征提取关键</a:t>
-            </a:r>
-            <a:r>
               <a:rPr lang="zh-CN" altLang="en-US" dirty="0" smtClean="0"/>
-              <a:t>技术</a:t>
+              <a:t>技术难点</a:t>
             </a:r>
             <a:endParaRPr lang="zh-CN" altLang="en-US" dirty="0"/>
           </a:p>
@@ -4607,236 +4601,101 @@
       </p:sp>
       <p:sp>
         <p:nvSpPr>
-          <p:cNvPr id="8" name="左大括号 7"/>
-          <p:cNvSpPr/>
-          <p:nvPr/>
-        </p:nvSpPr>
-        <p:spPr>
-          <a:xfrm>
-            <a:off x="2995273" y="2348880"/>
-            <a:ext cx="396044" cy="1903566"/>
-          </a:xfrm>
-          <a:prstGeom prst="leftBrace">
-            <a:avLst/>
-          </a:prstGeom>
-        </p:spPr>
-        <p:style>
-          <a:lnRef idx="1">
-            <a:schemeClr val="accent1"/>
-          </a:lnRef>
-          <a:fillRef idx="0">
-            <a:schemeClr val="accent1"/>
-          </a:fillRef>
-          <a:effectRef idx="0">
-            <a:schemeClr val="accent1"/>
-          </a:effectRef>
-          <a:fontRef idx="minor">
-            <a:schemeClr val="tx1"/>
-          </a:fontRef>
-        </p:style>
-        <p:txBody>
-          <a:bodyPr rtlCol="0" anchor="ctr"/>
-          <a:lstStyle/>
-          <a:p>
-            <a:pPr algn="ctr"/>
-            <a:endParaRPr lang="zh-CN" altLang="en-US"/>
-          </a:p>
-        </p:txBody>
-      </p:sp>
-      <p:sp>
-        <p:nvSpPr>
-          <p:cNvPr id="9" name="TextBox 8"/>
-          <p:cNvSpPr txBox="1"/>
-          <p:nvPr/>
-        </p:nvSpPr>
-        <p:spPr>
-          <a:xfrm>
-            <a:off x="3369643" y="2122970"/>
-            <a:ext cx="2749471" cy="400110"/>
-          </a:xfrm>
-          <a:prstGeom prst="rect">
-            <a:avLst/>
-          </a:prstGeom>
-          <a:noFill/>
-        </p:spPr>
-        <p:txBody>
-          <a:bodyPr wrap="none" rtlCol="0">
-            <a:spAutoFit/>
+          <p:cNvPr id="3" name="内容占位符 2"/>
+          <p:cNvSpPr>
+            <a:spLocks noGrp="1"/>
+          </p:cNvSpPr>
+          <p:nvPr>
+            <p:ph sz="quarter" idx="13"/>
+          </p:nvPr>
+        </p:nvSpPr>
+        <p:spPr/>
+        <p:txBody>
+          <a:bodyPr>
+            <a:normAutofit fontScale="92500"/>
           </a:bodyPr>
           <a:lstStyle/>
           <a:p>
             <a:r>
-              <a:rPr lang="zh-CN" altLang="en-US" sz="2000" dirty="0" smtClean="0"/>
-              <a:t>颜色特征：颜色直方图</a:t>
-            </a:r>
-            <a:endParaRPr lang="zh-CN" altLang="en-US" sz="2000" dirty="0"/>
-          </a:p>
-        </p:txBody>
-      </p:sp>
-      <p:sp>
-        <p:nvSpPr>
-          <p:cNvPr id="10" name="矩形 9"/>
-          <p:cNvSpPr/>
-          <p:nvPr/>
-        </p:nvSpPr>
-        <p:spPr>
-          <a:xfrm>
-            <a:off x="3339733" y="2627026"/>
-            <a:ext cx="2539157" cy="400110"/>
-          </a:xfrm>
-          <a:prstGeom prst="rect">
-            <a:avLst/>
-          </a:prstGeom>
-        </p:spPr>
-        <p:txBody>
-          <a:bodyPr wrap="none">
-            <a:spAutoFit/>
-          </a:bodyPr>
-          <a:lstStyle/>
+              <a:rPr lang="zh-CN" altLang="en-US" dirty="0" smtClean="0"/>
+              <a:t>运动对象的复杂性</a:t>
+            </a:r>
+            <a:endParaRPr lang="en-US" altLang="zh-CN" dirty="0" smtClean="0"/>
+          </a:p>
           <a:p>
             <a:pPr marL="45720" indent="0">
               <a:buNone/>
             </a:pPr>
             <a:r>
-              <a:rPr lang="zh-CN" altLang="en-US" sz="2000" dirty="0" smtClean="0"/>
-              <a:t>运动方向：轨迹跟踪</a:t>
-            </a:r>
-            <a:endParaRPr lang="en-US" altLang="zh-CN" sz="2000" dirty="0"/>
-          </a:p>
-        </p:txBody>
-      </p:sp>
-      <p:sp>
-        <p:nvSpPr>
-          <p:cNvPr id="11" name="矩形 10"/>
-          <p:cNvSpPr/>
-          <p:nvPr/>
-        </p:nvSpPr>
-        <p:spPr>
-          <a:xfrm>
-            <a:off x="3341767" y="3121790"/>
-            <a:ext cx="4591000" cy="400110"/>
-          </a:xfrm>
-          <a:prstGeom prst="rect">
-            <a:avLst/>
-          </a:prstGeom>
-        </p:spPr>
-        <p:txBody>
-          <a:bodyPr wrap="none">
-            <a:spAutoFit/>
-          </a:bodyPr>
-          <a:lstStyle/>
+              <a:rPr lang="en-US" altLang="zh-CN" dirty="0"/>
+              <a:t> </a:t>
+            </a:r>
+            <a:r>
+              <a:rPr lang="en-US" altLang="zh-CN" dirty="0" smtClean="0"/>
+              <a:t>  </a:t>
+            </a:r>
+            <a:r>
+              <a:rPr lang="zh-CN" altLang="en-US" dirty="0" smtClean="0"/>
+              <a:t>运动对象太多，太杂会对跟踪造成很大的影响，具体表现为当两个运动对象有交错重叠的时候应该如何区分。</a:t>
+            </a:r>
+            <a:endParaRPr lang="en-US" altLang="zh-CN" dirty="0" smtClean="0"/>
+          </a:p>
+          <a:p>
+            <a:r>
+              <a:rPr lang="zh-CN" altLang="en-US" dirty="0" smtClean="0"/>
+              <a:t>场景的复杂性</a:t>
+            </a:r>
+            <a:endParaRPr lang="en-US" altLang="zh-CN" dirty="0" smtClean="0"/>
+          </a:p>
           <a:p>
             <a:pPr marL="45720" indent="0">
               <a:buNone/>
             </a:pPr>
             <a:r>
-              <a:rPr lang="zh-CN" altLang="en-US" sz="2000" dirty="0" smtClean="0"/>
-              <a:t>目标类型：行人分类器和车辆分类器等</a:t>
-            </a:r>
-            <a:endParaRPr lang="en-US" altLang="zh-CN" sz="2000" dirty="0"/>
-          </a:p>
-        </p:txBody>
-      </p:sp>
-      <p:sp>
-        <p:nvSpPr>
-          <p:cNvPr id="12" name="矩形 11"/>
-          <p:cNvSpPr/>
-          <p:nvPr/>
-        </p:nvSpPr>
-        <p:spPr>
-          <a:xfrm>
-            <a:off x="3318209" y="3521900"/>
-            <a:ext cx="2539157" cy="400110"/>
-          </a:xfrm>
-          <a:prstGeom prst="rect">
-            <a:avLst/>
-          </a:prstGeom>
-        </p:spPr>
-        <p:txBody>
-          <a:bodyPr wrap="none">
-            <a:spAutoFit/>
-          </a:bodyPr>
-          <a:lstStyle/>
+              <a:rPr lang="en-US" altLang="zh-CN" dirty="0"/>
+              <a:t> </a:t>
+            </a:r>
+            <a:r>
+              <a:rPr lang="en-US" altLang="zh-CN" dirty="0" smtClean="0"/>
+              <a:t>  </a:t>
+            </a:r>
+            <a:r>
+              <a:rPr lang="zh-CN" altLang="en-US" dirty="0" smtClean="0"/>
+              <a:t>背景因素的干扰会对运动物体检测造成一定的影响，比如下雨天的雨点，随风摇摆的树枝等。</a:t>
+            </a:r>
+            <a:endParaRPr lang="en-US" altLang="zh-CN" dirty="0" smtClean="0"/>
+          </a:p>
+          <a:p>
+            <a:r>
+              <a:rPr lang="zh-CN" altLang="en-US" dirty="0" smtClean="0"/>
+              <a:t>监控视频色彩失真</a:t>
+            </a:r>
+            <a:endParaRPr lang="en-US" altLang="zh-CN" dirty="0" smtClean="0"/>
+          </a:p>
           <a:p>
             <a:pPr marL="45720" indent="0">
               <a:buNone/>
             </a:pPr>
             <a:r>
-              <a:rPr lang="zh-CN" altLang="en-US" sz="2000" dirty="0" smtClean="0"/>
-              <a:t>入侵区域：轨迹跟踪</a:t>
-            </a:r>
-            <a:endParaRPr lang="en-US" altLang="zh-CN" sz="2000" dirty="0"/>
-          </a:p>
-        </p:txBody>
-      </p:sp>
-      <p:sp>
-        <p:nvSpPr>
-          <p:cNvPr id="13" name="矩形 12"/>
-          <p:cNvSpPr/>
-          <p:nvPr/>
-        </p:nvSpPr>
-        <p:spPr>
-          <a:xfrm>
-            <a:off x="3353279" y="4067780"/>
-            <a:ext cx="1256754" cy="400110"/>
-          </a:xfrm>
-          <a:prstGeom prst="rect">
-            <a:avLst/>
-          </a:prstGeom>
-        </p:spPr>
-        <p:txBody>
-          <a:bodyPr wrap="none">
-            <a:spAutoFit/>
-          </a:bodyPr>
-          <a:lstStyle/>
-          <a:p>
-            <a:pPr marL="45720" indent="0">
-              <a:buNone/>
-            </a:pPr>
-            <a:r>
-              <a:rPr lang="zh-CN" altLang="en-US" sz="2000" dirty="0" smtClean="0"/>
-              <a:t>形状大小</a:t>
-            </a:r>
-            <a:endParaRPr lang="en-US" altLang="zh-CN" sz="2000" dirty="0"/>
-          </a:p>
-        </p:txBody>
-      </p:sp>
-      <p:sp>
-        <p:nvSpPr>
-          <p:cNvPr id="15" name="矩形 14"/>
-          <p:cNvSpPr/>
-          <p:nvPr/>
-        </p:nvSpPr>
-        <p:spPr>
-          <a:xfrm>
-            <a:off x="1547664" y="3068960"/>
-            <a:ext cx="1461939" cy="461665"/>
-          </a:xfrm>
-          <a:prstGeom prst="rect">
-            <a:avLst/>
-          </a:prstGeom>
-        </p:spPr>
-        <p:txBody>
-          <a:bodyPr wrap="none">
-            <a:spAutoFit/>
-          </a:bodyPr>
-          <a:lstStyle/>
-          <a:p>
-            <a:pPr marL="45720" indent="0">
-              <a:buNone/>
-            </a:pPr>
-            <a:r>
-              <a:rPr lang="zh-CN" altLang="en-US" sz="2400" dirty="0" smtClean="0"/>
-              <a:t>特征查找</a:t>
-            </a:r>
-            <a:endParaRPr lang="en-US" altLang="zh-CN" sz="2400" dirty="0"/>
+              <a:rPr lang="en-US" altLang="zh-CN" dirty="0"/>
+              <a:t> </a:t>
+            </a:r>
+            <a:r>
+              <a:rPr lang="en-US" altLang="zh-CN" dirty="0" smtClean="0"/>
+              <a:t>  </a:t>
+            </a:r>
+            <a:r>
+              <a:rPr lang="zh-CN" altLang="en-US" dirty="0" smtClean="0"/>
+              <a:t>监控摄像头拍摄的画面可能会有些许颜色失真，会对事件的特征分析带来一定影响。</a:t>
+            </a:r>
+            <a:endParaRPr lang="zh-CN" altLang="en-US" dirty="0"/>
           </a:p>
         </p:txBody>
       </p:sp>
     </p:spTree>
     <p:extLst>
       <p:ext uri="{BB962C8B-B14F-4D97-AF65-F5344CB8AC3E}">
-        <p14:creationId xmlns:p14="http://schemas.microsoft.com/office/powerpoint/2010/main" val="412558560"/>
+        <p14:creationId xmlns:p14="http://schemas.microsoft.com/office/powerpoint/2010/main" val="2528434094"/>
       </p:ext>
     </p:extLst>
   </p:cSld>
@@ -4882,7 +4741,7 @@
         </p:nvSpPr>
         <p:spPr>
           <a:xfrm>
-            <a:off x="2595993" y="5742384"/>
+            <a:off x="2627784" y="5742384"/>
             <a:ext cx="6512511" cy="1143000"/>
           </a:xfrm>
         </p:spPr>
@@ -4892,100 +4751,46 @@
           <a:p>
             <a:r>
               <a:rPr lang="zh-CN" altLang="en-US" dirty="0" smtClean="0"/>
-              <a:t>特征提取技术路线</a:t>
+              <a:t>视频云摘要和云检索</a:t>
             </a:r>
             <a:endParaRPr lang="zh-CN" altLang="en-US" dirty="0"/>
           </a:p>
         </p:txBody>
       </p:sp>
-      <p:pic>
-        <p:nvPicPr>
-          <p:cNvPr id="1026" name="Picture 2"/>
-          <p:cNvPicPr>
-            <a:picLocks noChangeAspect="1" noChangeArrowheads="1"/>
-          </p:cNvPicPr>
-          <p:nvPr/>
-        </p:nvPicPr>
-        <p:blipFill>
-          <a:blip r:embed="rId2">
-            <a:extLst>
-              <a:ext uri="{28A0092B-C50C-407E-A947-70E740481C1C}">
-                <a14:useLocalDpi xmlns:a14="http://schemas.microsoft.com/office/drawing/2010/main" val="0"/>
-              </a:ext>
-            </a:extLst>
-          </a:blip>
-          <a:srcRect/>
-          <a:stretch>
-            <a:fillRect/>
-          </a:stretch>
-        </p:blipFill>
-        <p:spPr bwMode="auto">
-          <a:xfrm>
-            <a:off x="4352900" y="7494"/>
-            <a:ext cx="2019300" cy="5200650"/>
-          </a:xfrm>
-          <a:prstGeom prst="rect">
-            <a:avLst/>
-          </a:prstGeom>
-          <a:noFill/>
-          <a:ln>
-            <a:noFill/>
-          </a:ln>
-          <a:extLst>
-            <a:ext uri="{909E8E84-426E-40DD-AFC4-6F175D3DCCD1}">
-              <a14:hiddenFill xmlns:a14="http://schemas.microsoft.com/office/drawing/2010/main">
-                <a:solidFill>
-                  <a:schemeClr val="accent1"/>
-                </a:solidFill>
-              </a14:hiddenFill>
-            </a:ext>
-            <a:ext uri="{91240B29-F687-4F45-9708-019B960494DF}">
-              <a14:hiddenLine xmlns:a14="http://schemas.microsoft.com/office/drawing/2010/main" w="9525">
-                <a:solidFill>
-                  <a:schemeClr val="tx1"/>
-                </a:solidFill>
-                <a:miter lim="800000"/>
-                <a:headEnd/>
-                <a:tailEnd/>
-              </a14:hiddenLine>
-            </a:ext>
-          </a:extLst>
-        </p:spPr>
-      </p:pic>
-      <p:sp>
-        <p:nvSpPr>
-          <p:cNvPr id="3" name="TextBox 2"/>
-          <p:cNvSpPr txBox="1"/>
-          <p:nvPr/>
-        </p:nvSpPr>
-        <p:spPr>
-          <a:xfrm>
-            <a:off x="2404209" y="548680"/>
-            <a:ext cx="1015663" cy="4392488"/>
-          </a:xfrm>
-          <a:prstGeom prst="rect">
-            <a:avLst/>
-          </a:prstGeom>
-          <a:noFill/>
-        </p:spPr>
-        <p:txBody>
-          <a:bodyPr vert="eaVert" wrap="square" rtlCol="0">
-            <a:spAutoFit/>
-          </a:bodyPr>
-          <a:lstStyle/>
-          <a:p>
-            <a:r>
-              <a:rPr lang="zh-CN" altLang="en-US" dirty="0"/>
-              <a:t>基于视频摘要的视频信息检索，只需要对视频有意义的部分进行检索操作，将大大缩小视频特征处理的时间。</a:t>
-            </a:r>
-            <a:endParaRPr lang="en-US" altLang="zh-CN" dirty="0"/>
+      <p:sp>
+        <p:nvSpPr>
+          <p:cNvPr id="3" name="内容占位符 2"/>
+          <p:cNvSpPr>
+            <a:spLocks noGrp="1"/>
+          </p:cNvSpPr>
+          <p:nvPr>
+            <p:ph sz="quarter" idx="13"/>
+          </p:nvPr>
+        </p:nvSpPr>
+        <p:spPr/>
+        <p:txBody>
+          <a:bodyPr/>
+          <a:lstStyle/>
+          <a:p>
+            <a:r>
+              <a:rPr lang="zh-CN" altLang="en-US" dirty="0" smtClean="0"/>
+              <a:t>单一监控摄像头或视频的摘要和查询问题解决了，但是仅仅解决了局部问题而不是整体问题。</a:t>
+            </a:r>
+            <a:endParaRPr lang="en-US" altLang="zh-CN" dirty="0" smtClean="0"/>
+          </a:p>
+          <a:p>
+            <a:r>
+              <a:rPr lang="zh-CN" altLang="en-US" dirty="0" smtClean="0"/>
+              <a:t>将视频摘要和视频信息检索跟云处理相结合，成为了海量监控视频摘要与检索的唯一出路。</a:t>
+            </a:r>
+            <a:endParaRPr lang="zh-CN" altLang="en-US" dirty="0"/>
           </a:p>
         </p:txBody>
       </p:sp>
     </p:spTree>
     <p:extLst>
       <p:ext uri="{BB962C8B-B14F-4D97-AF65-F5344CB8AC3E}">
-        <p14:creationId xmlns:p14="http://schemas.microsoft.com/office/powerpoint/2010/main" val="1037395504"/>
+        <p14:creationId xmlns:p14="http://schemas.microsoft.com/office/powerpoint/2010/main" val="3756721532"/>
       </p:ext>
     </p:extLst>
   </p:cSld>
@@ -5041,109 +4846,70 @@
           <a:p>
             <a:r>
               <a:rPr lang="zh-CN" altLang="en-US" dirty="0" smtClean="0"/>
-              <a:t>技术难点</a:t>
+              <a:t>云框架</a:t>
             </a:r>
             <a:endParaRPr lang="zh-CN" altLang="en-US" dirty="0"/>
           </a:p>
         </p:txBody>
       </p:sp>
-      <p:sp>
-        <p:nvSpPr>
-          <p:cNvPr id="3" name="内容占位符 2"/>
-          <p:cNvSpPr>
-            <a:spLocks noGrp="1"/>
-          </p:cNvSpPr>
-          <p:nvPr>
-            <p:ph sz="quarter" idx="13"/>
-          </p:nvPr>
-        </p:nvSpPr>
-        <p:spPr/>
-        <p:txBody>
-          <a:bodyPr>
-            <a:normAutofit fontScale="92500"/>
-          </a:bodyPr>
-          <a:lstStyle/>
-          <a:p>
-            <a:r>
-              <a:rPr lang="zh-CN" altLang="en-US" dirty="0" smtClean="0"/>
-              <a:t>运动对象的复杂性</a:t>
-            </a:r>
-            <a:endParaRPr lang="en-US" altLang="zh-CN" dirty="0" smtClean="0"/>
-          </a:p>
-          <a:p>
-            <a:pPr marL="45720" indent="0">
-              <a:buNone/>
-            </a:pPr>
-            <a:r>
-              <a:rPr lang="en-US" altLang="zh-CN" dirty="0"/>
-              <a:t> </a:t>
-            </a:r>
-            <a:r>
-              <a:rPr lang="en-US" altLang="zh-CN" dirty="0" smtClean="0"/>
-              <a:t>  </a:t>
-            </a:r>
-            <a:r>
-              <a:rPr lang="zh-CN" altLang="en-US" dirty="0" smtClean="0"/>
-              <a:t>运动对象太多，太杂会对跟踪造成很大的影响，具体表现为当两个运动对象有交错重叠的时候应该如何区分。</a:t>
-            </a:r>
-            <a:endParaRPr lang="en-US" altLang="zh-CN" dirty="0" smtClean="0"/>
-          </a:p>
-          <a:p>
-            <a:r>
-              <a:rPr lang="zh-CN" altLang="en-US" dirty="0" smtClean="0"/>
-              <a:t>场景的复杂性</a:t>
-            </a:r>
-            <a:endParaRPr lang="en-US" altLang="zh-CN" dirty="0" smtClean="0"/>
-          </a:p>
-          <a:p>
-            <a:pPr marL="45720" indent="0">
-              <a:buNone/>
-            </a:pPr>
-            <a:r>
-              <a:rPr lang="en-US" altLang="zh-CN" dirty="0"/>
-              <a:t> </a:t>
-            </a:r>
-            <a:r>
-              <a:rPr lang="en-US" altLang="zh-CN" dirty="0" smtClean="0"/>
-              <a:t>  </a:t>
-            </a:r>
-            <a:r>
-              <a:rPr lang="zh-CN" altLang="en-US" dirty="0" smtClean="0"/>
-              <a:t>背景因素的干扰会对运动物体检测造成一定的影响，比如下雨天的雨点，随风摇摆的树枝等。</a:t>
-            </a:r>
-            <a:endParaRPr lang="en-US" altLang="zh-CN" dirty="0" smtClean="0"/>
-          </a:p>
-          <a:p>
-            <a:r>
-              <a:rPr lang="zh-CN" altLang="en-US" dirty="0" smtClean="0"/>
-              <a:t>监控视频色彩失真</a:t>
-            </a:r>
-            <a:endParaRPr lang="en-US" altLang="zh-CN" dirty="0" smtClean="0"/>
-          </a:p>
-          <a:p>
-            <a:pPr marL="45720" indent="0">
-              <a:buNone/>
-            </a:pPr>
-            <a:r>
-              <a:rPr lang="en-US" altLang="zh-CN" dirty="0"/>
-              <a:t> </a:t>
-            </a:r>
-            <a:r>
-              <a:rPr lang="en-US" altLang="zh-CN" dirty="0" smtClean="0"/>
-              <a:t>  </a:t>
-            </a:r>
-            <a:r>
-              <a:rPr lang="zh-CN" altLang="en-US" dirty="0" smtClean="0"/>
-              <a:t>监控摄像头拍摄的画面可能会有些许颜色失真，会对事件的特征分析带来一定影响。</a:t>
-            </a:r>
-            <a:endParaRPr lang="zh-CN" altLang="en-US" dirty="0"/>
-          </a:p>
-        </p:txBody>
-      </p:sp>
+      <p:pic>
+        <p:nvPicPr>
+          <p:cNvPr id="2050" name="Picture 2"/>
+          <p:cNvPicPr>
+            <a:picLocks noChangeAspect="1" noChangeArrowheads="1"/>
+          </p:cNvPicPr>
+          <p:nvPr/>
+        </p:nvPicPr>
+        <p:blipFill>
+          <a:blip r:embed="rId2">
+            <a:extLst>
+              <a:ext uri="{28A0092B-C50C-407E-A947-70E740481C1C}">
+                <a14:useLocalDpi xmlns:a14="http://schemas.microsoft.com/office/drawing/2010/main" val="0"/>
+              </a:ext>
+            </a:extLst>
+          </a:blip>
+          <a:srcRect/>
+          <a:stretch>
+            <a:fillRect/>
+          </a:stretch>
+        </p:blipFill>
+        <p:spPr bwMode="auto">
+          <a:xfrm>
+            <a:off x="971600" y="0"/>
+            <a:ext cx="6840760" cy="5655028"/>
+          </a:xfrm>
+          <a:prstGeom prst="rect">
+            <a:avLst/>
+          </a:prstGeom>
+          <a:noFill/>
+          <a:ln>
+            <a:noFill/>
+          </a:ln>
+          <a:extLst>
+            <a:ext uri="{909E8E84-426E-40DD-AFC4-6F175D3DCCD1}">
+              <a14:hiddenFill xmlns:a14="http://schemas.microsoft.com/office/drawing/2010/main">
+                <a:solidFill>
+                  <a:schemeClr val="accent1"/>
+                </a:solidFill>
+              </a14:hiddenFill>
+            </a:ext>
+            <a:ext uri="{91240B29-F687-4F45-9708-019B960494DF}">
+              <a14:hiddenLine xmlns:a14="http://schemas.microsoft.com/office/drawing/2010/main" w="9525">
+                <a:solidFill>
+                  <a:schemeClr val="tx1"/>
+                </a:solidFill>
+                <a:miter lim="800000"/>
+                <a:headEnd/>
+                <a:tailEnd/>
+              </a14:hiddenLine>
+            </a:ext>
+          </a:extLst>
+        </p:spPr>
+      </p:pic>
     </p:spTree>
     <p:extLst>
       <p:ext uri="{BB962C8B-B14F-4D97-AF65-F5344CB8AC3E}">
-        <p14:creationId xmlns:p14="http://schemas.microsoft.com/office/powerpoint/2010/main" val="2528434094"/>
+        <p14:creationId xmlns:p14="http://schemas.microsoft.com/office/powerpoint/2010/main" val="1059875998"/>
       </p:ext>
     </p:extLst>
   </p:cSld>
@@ -5199,220 +4965,6 @@
           <a:p>
             <a:r>
               <a:rPr lang="zh-CN" altLang="en-US" dirty="0" smtClean="0"/>
-              <a:t>视频云摘要和云检索</a:t>
-            </a:r>
-            <a:endParaRPr lang="zh-CN" altLang="en-US" dirty="0"/>
-          </a:p>
-        </p:txBody>
-      </p:sp>
-      <p:sp>
-        <p:nvSpPr>
-          <p:cNvPr id="3" name="内容占位符 2"/>
-          <p:cNvSpPr>
-            <a:spLocks noGrp="1"/>
-          </p:cNvSpPr>
-          <p:nvPr>
-            <p:ph sz="quarter" idx="13"/>
-          </p:nvPr>
-        </p:nvSpPr>
-        <p:spPr/>
-        <p:txBody>
-          <a:bodyPr/>
-          <a:lstStyle/>
-          <a:p>
-            <a:r>
-              <a:rPr lang="zh-CN" altLang="en-US" dirty="0" smtClean="0"/>
-              <a:t>单一监控摄像头或视频的摘要和查询问题解决了，但是仅仅解决了局部问题而不是整体问题。</a:t>
-            </a:r>
-            <a:endParaRPr lang="en-US" altLang="zh-CN" dirty="0" smtClean="0"/>
-          </a:p>
-          <a:p>
-            <a:r>
-              <a:rPr lang="zh-CN" altLang="en-US" dirty="0" smtClean="0"/>
-              <a:t>将视频摘要和视频信息检索跟云处理相结合，成为了海量监控视频摘要与检索的唯一出路。</a:t>
-            </a:r>
-            <a:endParaRPr lang="zh-CN" altLang="en-US" dirty="0"/>
-          </a:p>
-        </p:txBody>
-      </p:sp>
-    </p:spTree>
-    <p:extLst>
-      <p:ext uri="{BB962C8B-B14F-4D97-AF65-F5344CB8AC3E}">
-        <p14:creationId xmlns:p14="http://schemas.microsoft.com/office/powerpoint/2010/main" val="3756721532"/>
-      </p:ext>
-    </p:extLst>
-  </p:cSld>
-  <p:clrMapOvr>
-    <a:masterClrMapping/>
-  </p:clrMapOvr>
-  <p:timing>
-    <p:tnLst>
-      <p:par>
-        <p:cTn id="1" dur="indefinite" restart="never" nodeType="tmRoot"/>
-      </p:par>
-    </p:tnLst>
-  </p:timing>
-</p:sld>
-</file>
-
-<file path=ppt/slides/slide14.xml><?xml version="1.0" encoding="utf-8"?>
-<p:sld xmlns:a="http://schemas.openxmlformats.org/drawingml/2006/main" xmlns:r="http://schemas.openxmlformats.org/officeDocument/2006/relationships" xmlns:p="http://schemas.openxmlformats.org/presentationml/2006/main">
-  <p:cSld>
-    <p:spTree>
-      <p:nvGrpSpPr>
-        <p:cNvPr id="1" name=""/>
-        <p:cNvGrpSpPr/>
-        <p:nvPr/>
-      </p:nvGrpSpPr>
-      <p:grpSpPr>
-        <a:xfrm>
-          <a:off x="0" y="0"/>
-          <a:ext cx="0" cy="0"/>
-          <a:chOff x="0" y="0"/>
-          <a:chExt cx="0" cy="0"/>
-        </a:xfrm>
-      </p:grpSpPr>
-      <p:sp>
-        <p:nvSpPr>
-          <p:cNvPr id="2" name="标题 1"/>
-          <p:cNvSpPr>
-            <a:spLocks noGrp="1"/>
-          </p:cNvSpPr>
-          <p:nvPr>
-            <p:ph type="title"/>
-          </p:nvPr>
-        </p:nvSpPr>
-        <p:spPr>
-          <a:xfrm>
-            <a:off x="2627784" y="5742384"/>
-            <a:ext cx="6512511" cy="1143000"/>
-          </a:xfrm>
-        </p:spPr>
-        <p:txBody>
-          <a:bodyPr/>
-          <a:lstStyle/>
-          <a:p>
-            <a:r>
-              <a:rPr lang="zh-CN" altLang="en-US" dirty="0" smtClean="0"/>
-              <a:t>云框架</a:t>
-            </a:r>
-            <a:endParaRPr lang="zh-CN" altLang="en-US" dirty="0"/>
-          </a:p>
-        </p:txBody>
-      </p:sp>
-      <p:pic>
-        <p:nvPicPr>
-          <p:cNvPr id="2050" name="Picture 2"/>
-          <p:cNvPicPr>
-            <a:picLocks noChangeAspect="1" noChangeArrowheads="1"/>
-          </p:cNvPicPr>
-          <p:nvPr/>
-        </p:nvPicPr>
-        <p:blipFill>
-          <a:blip r:embed="rId2">
-            <a:extLst>
-              <a:ext uri="{28A0092B-C50C-407E-A947-70E740481C1C}">
-                <a14:useLocalDpi xmlns:a14="http://schemas.microsoft.com/office/drawing/2010/main" val="0"/>
-              </a:ext>
-            </a:extLst>
-          </a:blip>
-          <a:srcRect/>
-          <a:stretch>
-            <a:fillRect/>
-          </a:stretch>
-        </p:blipFill>
-        <p:spPr bwMode="auto">
-          <a:xfrm>
-            <a:off x="971600" y="0"/>
-            <a:ext cx="6840760" cy="5655028"/>
-          </a:xfrm>
-          <a:prstGeom prst="rect">
-            <a:avLst/>
-          </a:prstGeom>
-          <a:noFill/>
-          <a:ln>
-            <a:noFill/>
-          </a:ln>
-          <a:extLst>
-            <a:ext uri="{909E8E84-426E-40DD-AFC4-6F175D3DCCD1}">
-              <a14:hiddenFill xmlns:a14="http://schemas.microsoft.com/office/drawing/2010/main">
-                <a:solidFill>
-                  <a:schemeClr val="accent1"/>
-                </a:solidFill>
-              </a14:hiddenFill>
-            </a:ext>
-            <a:ext uri="{91240B29-F687-4F45-9708-019B960494DF}">
-              <a14:hiddenLine xmlns:a14="http://schemas.microsoft.com/office/drawing/2010/main" w="9525">
-                <a:solidFill>
-                  <a:schemeClr val="tx1"/>
-                </a:solidFill>
-                <a:miter lim="800000"/>
-                <a:headEnd/>
-                <a:tailEnd/>
-              </a14:hiddenLine>
-            </a:ext>
-          </a:extLst>
-        </p:spPr>
-      </p:pic>
-    </p:spTree>
-    <p:extLst>
-      <p:ext uri="{BB962C8B-B14F-4D97-AF65-F5344CB8AC3E}">
-        <p14:creationId xmlns:p14="http://schemas.microsoft.com/office/powerpoint/2010/main" val="1059875998"/>
-      </p:ext>
-    </p:extLst>
-  </p:cSld>
-  <p:clrMapOvr>
-    <a:masterClrMapping/>
-  </p:clrMapOvr>
-  <p:timing>
-    <p:tnLst>
-      <p:par>
-        <p:cTn id="1" dur="indefinite" restart="never" nodeType="tmRoot"/>
-      </p:par>
-    </p:tnLst>
-  </p:timing>
-</p:sld>
-</file>
-
-<file path=ppt/slides/slide15.xml><?xml version="1.0" encoding="utf-8"?>
-<p:sld xmlns:a="http://schemas.openxmlformats.org/drawingml/2006/main" xmlns:r="http://schemas.openxmlformats.org/officeDocument/2006/relationships" xmlns:p="http://schemas.openxmlformats.org/presentationml/2006/main">
-  <p:cSld>
-    <p:spTree>
-      <p:nvGrpSpPr>
-        <p:cNvPr id="1" name=""/>
-        <p:cNvGrpSpPr/>
-        <p:nvPr/>
-      </p:nvGrpSpPr>
-      <p:grpSpPr>
-        <a:xfrm>
-          <a:off x="0" y="0"/>
-          <a:ext cx="0" cy="0"/>
-          <a:chOff x="0" y="0"/>
-          <a:chExt cx="0" cy="0"/>
-        </a:xfrm>
-      </p:grpSpPr>
-      <p:sp>
-        <p:nvSpPr>
-          <p:cNvPr id="2" name="标题 1"/>
-          <p:cNvSpPr>
-            <a:spLocks noGrp="1"/>
-          </p:cNvSpPr>
-          <p:nvPr>
-            <p:ph type="title"/>
-          </p:nvPr>
-        </p:nvSpPr>
-        <p:spPr>
-          <a:xfrm>
-            <a:off x="2627784" y="5742384"/>
-            <a:ext cx="6512511" cy="1143000"/>
-          </a:xfrm>
-        </p:spPr>
-        <p:txBody>
-          <a:bodyPr/>
-          <a:lstStyle/>
-          <a:p>
-            <a:r>
-              <a:rPr lang="zh-CN" altLang="en-US" dirty="0" smtClean="0"/>
               <a:t>应用举例</a:t>
             </a:r>
             <a:endParaRPr lang="zh-CN" altLang="en-US" dirty="0"/>
@@ -5475,7 +5027,7 @@
 </p:sld>
 </file>
 
-<file path=ppt/slides/slide16.xml><?xml version="1.0" encoding="utf-8"?>
+<file path=ppt/slides/slide14.xml><?xml version="1.0" encoding="utf-8"?>
 <p:sld xmlns:a="http://schemas.openxmlformats.org/drawingml/2006/main" xmlns:r="http://schemas.openxmlformats.org/officeDocument/2006/relationships" xmlns:p="http://schemas.openxmlformats.org/presentationml/2006/main">
   <p:cSld>
     <p:spTree>
@@ -5570,88 +5122,6 @@
             <p:ph type="title"/>
           </p:nvPr>
         </p:nvSpPr>
-        <p:spPr/>
-        <p:txBody>
-          <a:bodyPr/>
-          <a:lstStyle/>
-          <a:p>
-            <a:r>
-              <a:rPr lang="zh-CN" altLang="en-US" dirty="0" smtClean="0"/>
-              <a:t>目录</a:t>
-            </a:r>
-            <a:endParaRPr lang="zh-CN" altLang="en-US" dirty="0"/>
-          </a:p>
-        </p:txBody>
-      </p:sp>
-      <p:sp>
-        <p:nvSpPr>
-          <p:cNvPr id="3" name="内容占位符 2"/>
-          <p:cNvSpPr>
-            <a:spLocks noGrp="1"/>
-          </p:cNvSpPr>
-          <p:nvPr>
-            <p:ph sz="quarter" idx="13"/>
-          </p:nvPr>
-        </p:nvSpPr>
-        <p:spPr/>
-        <p:txBody>
-          <a:bodyPr/>
-          <a:lstStyle/>
-          <a:p>
-            <a:r>
-              <a:rPr lang="zh-CN" altLang="en-US" dirty="0" smtClean="0"/>
-              <a:t>背景</a:t>
-            </a:r>
-            <a:endParaRPr lang="en-US" altLang="zh-CN" smtClean="0"/>
-          </a:p>
-          <a:p>
-            <a:endParaRPr lang="en-US" altLang="zh-CN" dirty="0" smtClean="0"/>
-          </a:p>
-          <a:p>
-            <a:endParaRPr lang="zh-CN" altLang="en-US" dirty="0"/>
-          </a:p>
-        </p:txBody>
-      </p:sp>
-    </p:spTree>
-    <p:extLst>
-      <p:ext uri="{BB962C8B-B14F-4D97-AF65-F5344CB8AC3E}">
-        <p14:creationId xmlns:p14="http://schemas.microsoft.com/office/powerpoint/2010/main" val="303211201"/>
-      </p:ext>
-    </p:extLst>
-  </p:cSld>
-  <p:clrMapOvr>
-    <a:masterClrMapping/>
-  </p:clrMapOvr>
-</p:sld>
-</file>
-
-<file path=ppt/slides/slide3.xml><?xml version="1.0" encoding="utf-8"?>
-<p:sld xmlns:a="http://schemas.openxmlformats.org/drawingml/2006/main" xmlns:r="http://schemas.openxmlformats.org/officeDocument/2006/relationships" xmlns:p="http://schemas.openxmlformats.org/presentationml/2006/main">
-  <p:cSld>
-    <p:spTree>
-      <p:nvGrpSpPr>
-        <p:cNvPr id="1" name=""/>
-        <p:cNvGrpSpPr/>
-        <p:nvPr/>
-      </p:nvGrpSpPr>
-      <p:grpSpPr>
-        <a:xfrm>
-          <a:off x="0" y="0"/>
-          <a:ext cx="0" cy="0"/>
-          <a:chOff x="0" y="0"/>
-          <a:chExt cx="0" cy="0"/>
-        </a:xfrm>
-      </p:grpSpPr>
-      <p:sp>
-        <p:nvSpPr>
-          <p:cNvPr id="2" name="标题 1"/>
-          <p:cNvSpPr>
-            <a:spLocks noGrp="1"/>
-          </p:cNvSpPr>
-          <p:nvPr>
-            <p:ph type="title"/>
-          </p:nvPr>
-        </p:nvSpPr>
         <p:spPr>
           <a:xfrm>
             <a:off x="2627784" y="5742384"/>
@@ -6206,6 +5676,135 @@
     <p:extLst>
       <p:ext uri="{BB962C8B-B14F-4D97-AF65-F5344CB8AC3E}">
         <p14:creationId xmlns:p14="http://schemas.microsoft.com/office/powerpoint/2010/main" val="455628246"/>
+      </p:ext>
+    </p:extLst>
+  </p:cSld>
+  <p:clrMapOvr>
+    <a:masterClrMapping/>
+  </p:clrMapOvr>
+  <p:timing>
+    <p:tnLst>
+      <p:par>
+        <p:cTn id="1" dur="indefinite" restart="never" nodeType="tmRoot"/>
+      </p:par>
+    </p:tnLst>
+  </p:timing>
+</p:sld>
+</file>
+
+<file path=ppt/slides/slide3.xml><?xml version="1.0" encoding="utf-8"?>
+<p:sld xmlns:a="http://schemas.openxmlformats.org/drawingml/2006/main" xmlns:r="http://schemas.openxmlformats.org/officeDocument/2006/relationships" xmlns:p="http://schemas.openxmlformats.org/presentationml/2006/main">
+  <p:cSld>
+    <p:spTree>
+      <p:nvGrpSpPr>
+        <p:cNvPr id="1" name=""/>
+        <p:cNvGrpSpPr/>
+        <p:nvPr/>
+      </p:nvGrpSpPr>
+      <p:grpSpPr>
+        <a:xfrm>
+          <a:off x="0" y="0"/>
+          <a:ext cx="0" cy="0"/>
+          <a:chOff x="0" y="0"/>
+          <a:chExt cx="0" cy="0"/>
+        </a:xfrm>
+      </p:grpSpPr>
+      <p:sp>
+        <p:nvSpPr>
+          <p:cNvPr id="2" name="标题 1"/>
+          <p:cNvSpPr>
+            <a:spLocks noGrp="1"/>
+          </p:cNvSpPr>
+          <p:nvPr>
+            <p:ph type="title"/>
+          </p:nvPr>
+        </p:nvSpPr>
+        <p:spPr>
+          <a:xfrm>
+            <a:off x="2627784" y="5742384"/>
+            <a:ext cx="6512511" cy="1143000"/>
+          </a:xfrm>
+        </p:spPr>
+        <p:txBody>
+          <a:bodyPr/>
+          <a:lstStyle/>
+          <a:p>
+            <a:r>
+              <a:rPr lang="zh-CN" altLang="en-US" dirty="0" smtClean="0"/>
+              <a:t>存在的问题？</a:t>
+            </a:r>
+            <a:endParaRPr lang="zh-CN" altLang="en-US" dirty="0"/>
+          </a:p>
+        </p:txBody>
+      </p:sp>
+      <p:sp>
+        <p:nvSpPr>
+          <p:cNvPr id="3" name="内容占位符 2"/>
+          <p:cNvSpPr>
+            <a:spLocks noGrp="1"/>
+          </p:cNvSpPr>
+          <p:nvPr>
+            <p:ph sz="quarter" idx="13"/>
+          </p:nvPr>
+        </p:nvSpPr>
+        <p:spPr/>
+        <p:txBody>
+          <a:bodyPr/>
+          <a:lstStyle/>
+          <a:p>
+            <a:r>
+              <a:rPr lang="en-US" altLang="zh-CN" dirty="0" smtClean="0"/>
+              <a:t>1.</a:t>
+            </a:r>
+            <a:r>
+              <a:rPr lang="zh-CN" altLang="en-US" dirty="0" smtClean="0"/>
+              <a:t>海量视频数据堆积，存储了大量无用数据</a:t>
+            </a:r>
+            <a:endParaRPr lang="en-US" altLang="zh-CN" dirty="0" smtClean="0"/>
+          </a:p>
+          <a:p>
+            <a:r>
+              <a:rPr lang="en-US" altLang="zh-CN" dirty="0" smtClean="0"/>
+              <a:t>2.</a:t>
+            </a:r>
+            <a:r>
+              <a:rPr lang="zh-CN" altLang="en-US" dirty="0" smtClean="0"/>
+              <a:t>人为查看视频效率低下</a:t>
+            </a:r>
+            <a:endParaRPr lang="en-US" altLang="zh-CN" dirty="0" smtClean="0"/>
+          </a:p>
+          <a:p>
+            <a:r>
+              <a:rPr lang="en-US" altLang="zh-CN" dirty="0" smtClean="0"/>
+              <a:t>3.</a:t>
+            </a:r>
+            <a:r>
+              <a:rPr lang="zh-CN" altLang="en-US" dirty="0" smtClean="0"/>
+              <a:t>人为查看视频成本高</a:t>
+            </a:r>
+            <a:endParaRPr lang="en-US" altLang="zh-CN" dirty="0" smtClean="0"/>
+          </a:p>
+          <a:p>
+            <a:r>
+              <a:rPr lang="en-US" altLang="zh-CN" dirty="0"/>
+              <a:t>4</a:t>
+            </a:r>
+            <a:r>
+              <a:rPr lang="en-US" altLang="zh-CN" dirty="0" smtClean="0"/>
+              <a:t>.</a:t>
+            </a:r>
+            <a:r>
+              <a:rPr lang="zh-CN" altLang="en-US" dirty="0" smtClean="0"/>
+              <a:t>人为查看视频容易丢失事件</a:t>
+            </a:r>
+            <a:endParaRPr lang="zh-CN" altLang="en-US" dirty="0"/>
+          </a:p>
+        </p:txBody>
+      </p:sp>
+    </p:spTree>
+    <p:extLst>
+      <p:ext uri="{BB962C8B-B14F-4D97-AF65-F5344CB8AC3E}">
+        <p14:creationId xmlns:p14="http://schemas.microsoft.com/office/powerpoint/2010/main" val="1592459702"/>
       </p:ext>
     </p:extLst>
   </p:cSld>
@@ -6251,7 +5850,7 @@
         </p:nvSpPr>
         <p:spPr>
           <a:xfrm>
-            <a:off x="2627784" y="5742384"/>
+            <a:off x="2631489" y="5705812"/>
             <a:ext cx="6512511" cy="1143000"/>
           </a:xfrm>
         </p:spPr>
@@ -6261,7 +5860,7 @@
           <a:p>
             <a:r>
               <a:rPr lang="zh-CN" altLang="en-US" dirty="0" smtClean="0"/>
-              <a:t>监控领域现状</a:t>
+              <a:t>解决方案</a:t>
             </a:r>
             <a:endParaRPr lang="zh-CN" altLang="en-US" dirty="0"/>
           </a:p>
@@ -6269,158 +5868,34 @@
       </p:sp>
       <p:sp>
         <p:nvSpPr>
-          <p:cNvPr id="3" name="内容占位符 2"/>
-          <p:cNvSpPr>
-            <a:spLocks noGrp="1"/>
-          </p:cNvSpPr>
-          <p:nvPr>
-            <p:ph sz="quarter" idx="13"/>
-          </p:nvPr>
-        </p:nvSpPr>
-        <p:spPr>
-          <a:xfrm>
-            <a:off x="1143000" y="98296"/>
-            <a:ext cx="6400800" cy="3474720"/>
-          </a:xfrm>
-        </p:spPr>
-        <p:txBody>
-          <a:bodyPr/>
-          <a:lstStyle/>
-          <a:p>
-            <a:r>
-              <a:rPr lang="zh-CN" altLang="en-US" dirty="0"/>
-              <a:t>如今的网络水平和云技术也使得能让监控人员随意调用查看联网的每一个摄像头。</a:t>
-            </a:r>
-            <a:endParaRPr lang="en-US" altLang="zh-CN" dirty="0"/>
-          </a:p>
-          <a:p>
-            <a:endParaRPr lang="zh-CN" altLang="en-US" dirty="0"/>
-          </a:p>
-        </p:txBody>
-      </p:sp>
-      <p:pic>
-        <p:nvPicPr>
-          <p:cNvPr id="1026" name="Picture 2" descr="C:\Users\liuyuanyi\Desktop\ppt图片素材\监控摄像头1.jpg"/>
-          <p:cNvPicPr>
-            <a:picLocks noChangeAspect="1" noChangeArrowheads="1"/>
-          </p:cNvPicPr>
+          <p:cNvPr id="4" name="TextBox 3"/>
+          <p:cNvSpPr txBox="1"/>
           <p:nvPr/>
-        </p:nvPicPr>
-        <p:blipFill>
-          <a:blip r:embed="rId2" cstate="print">
-            <a:extLst>
-              <a:ext uri="{28A0092B-C50C-407E-A947-70E740481C1C}">
-                <a14:useLocalDpi xmlns:a14="http://schemas.microsoft.com/office/drawing/2010/main" val="0"/>
-              </a:ext>
-            </a:extLst>
-          </a:blip>
-          <a:srcRect/>
-          <a:stretch>
-            <a:fillRect/>
-          </a:stretch>
-        </p:blipFill>
-        <p:spPr bwMode="auto">
-          <a:xfrm>
-            <a:off x="1532213" y="980728"/>
-            <a:ext cx="941865" cy="1152128"/>
+        </p:nvSpPr>
+        <p:spPr>
+          <a:xfrm>
+            <a:off x="611560" y="1196752"/>
+            <a:ext cx="7776864" cy="584775"/>
           </a:xfrm>
           <a:prstGeom prst="rect">
             <a:avLst/>
           </a:prstGeom>
           <a:noFill/>
-          <a:extLst>
-            <a:ext uri="{909E8E84-426E-40DD-AFC4-6F175D3DCCD1}">
-              <a14:hiddenFill xmlns:a14="http://schemas.microsoft.com/office/drawing/2010/main">
-                <a:solidFill>
-                  <a:srgbClr val="FFFFFF"/>
-                </a:solidFill>
-              </a14:hiddenFill>
-            </a:ext>
-          </a:extLst>
-        </p:spPr>
-      </p:pic>
-      <p:pic>
-        <p:nvPicPr>
-          <p:cNvPr id="1028" name="Picture 4" descr="C:\Users\liuyuanyi\Desktop\ppt图片素材\监控摄像头2.jpg"/>
-          <p:cNvPicPr>
-            <a:picLocks noChangeAspect="1" noChangeArrowheads="1"/>
-          </p:cNvPicPr>
-          <p:nvPr/>
-        </p:nvPicPr>
-        <p:blipFill>
-          <a:blip r:embed="rId3" cstate="print">
-            <a:extLst>
-              <a:ext uri="{28A0092B-C50C-407E-A947-70E740481C1C}">
-                <a14:useLocalDpi xmlns:a14="http://schemas.microsoft.com/office/drawing/2010/main" val="0"/>
-              </a:ext>
-            </a:extLst>
-          </a:blip>
-          <a:srcRect/>
-          <a:stretch>
-            <a:fillRect/>
-          </a:stretch>
-        </p:blipFill>
-        <p:spPr bwMode="auto">
-          <a:xfrm>
-            <a:off x="1403648" y="2204864"/>
-            <a:ext cx="1198993" cy="1152127"/>
-          </a:xfrm>
-          <a:prstGeom prst="rect">
-            <a:avLst/>
-          </a:prstGeom>
-          <a:noFill/>
-          <a:extLst>
-            <a:ext uri="{909E8E84-426E-40DD-AFC4-6F175D3DCCD1}">
-              <a14:hiddenFill xmlns:a14="http://schemas.microsoft.com/office/drawing/2010/main">
-                <a:solidFill>
-                  <a:srgbClr val="FFFFFF"/>
-                </a:solidFill>
-              </a14:hiddenFill>
-            </a:ext>
-          </a:extLst>
-        </p:spPr>
-      </p:pic>
-      <p:pic>
-        <p:nvPicPr>
-          <p:cNvPr id="1029" name="Picture 5" descr="C:\Users\liuyuanyi\Desktop\ppt图片素材\监控摄像头3.jpg"/>
-          <p:cNvPicPr>
-            <a:picLocks noChangeAspect="1" noChangeArrowheads="1"/>
-          </p:cNvPicPr>
-          <p:nvPr/>
-        </p:nvPicPr>
-        <p:blipFill>
-          <a:blip r:embed="rId4">
-            <a:extLst>
-              <a:ext uri="{28A0092B-C50C-407E-A947-70E740481C1C}">
-                <a14:useLocalDpi xmlns:a14="http://schemas.microsoft.com/office/drawing/2010/main" val="0"/>
-              </a:ext>
-            </a:extLst>
-          </a:blip>
-          <a:srcRect/>
-          <a:stretch>
-            <a:fillRect/>
-          </a:stretch>
-        </p:blipFill>
-        <p:spPr bwMode="auto">
-          <a:xfrm>
-            <a:off x="1460205" y="3789040"/>
-            <a:ext cx="1119170" cy="1160115"/>
-          </a:xfrm>
-          <a:prstGeom prst="rect">
-            <a:avLst/>
-          </a:prstGeom>
-          <a:noFill/>
-          <a:extLst>
-            <a:ext uri="{909E8E84-426E-40DD-AFC4-6F175D3DCCD1}">
-              <a14:hiddenFill xmlns:a14="http://schemas.microsoft.com/office/drawing/2010/main">
-                <a:solidFill>
-                  <a:srgbClr val="FFFFFF"/>
-                </a:solidFill>
-              </a14:hiddenFill>
-            </a:ext>
-          </a:extLst>
-        </p:spPr>
-      </p:pic>
+        </p:spPr>
+        <p:txBody>
+          <a:bodyPr wrap="square" rtlCol="0">
+            <a:spAutoFit/>
+          </a:bodyPr>
+          <a:lstStyle/>
+          <a:p>
+            <a:r>
+              <a:rPr lang="zh-CN" altLang="en-US" sz="3200" dirty="0" smtClean="0"/>
+              <a:t>目标：实时高效、 准确具体、 安全可靠</a:t>
+            </a:r>
+            <a:endParaRPr lang="en-US" altLang="zh-CN" sz="3200" dirty="0" smtClean="0"/>
+          </a:p>
+        </p:txBody>
+      </p:sp>
       <p:sp>
         <p:nvSpPr>
           <p:cNvPr id="5" name="TextBox 4"/>
@@ -6429,202 +5904,64 @@
         </p:nvSpPr>
         <p:spPr>
           <a:xfrm>
-            <a:off x="1812223" y="3356992"/>
-            <a:ext cx="461665" cy="432170"/>
+            <a:off x="611560" y="2638653"/>
+            <a:ext cx="3877985" cy="646331"/>
           </a:xfrm>
           <a:prstGeom prst="rect">
             <a:avLst/>
           </a:prstGeom>
           <a:noFill/>
           <a:ln>
-            <a:noFill/>
+            <a:solidFill>
+              <a:schemeClr val="bg2">
+                <a:lumMod val="50000"/>
+              </a:schemeClr>
+            </a:solidFill>
           </a:ln>
         </p:spPr>
         <p:txBody>
-          <a:bodyPr vert="eaVert" wrap="none" rtlCol="0">
+          <a:bodyPr wrap="none" rtlCol="0">
             <a:spAutoFit/>
           </a:bodyPr>
           <a:lstStyle/>
           <a:p>
             <a:r>
-              <a:rPr lang="en-US" altLang="zh-CN" dirty="0" smtClean="0"/>
-              <a:t>……</a:t>
+              <a:rPr lang="zh-CN" altLang="en-US" dirty="0" smtClean="0"/>
+              <a:t>支持实时监控处理和离线监控处理，</a:t>
+            </a:r>
+            <a:endParaRPr lang="en-US" altLang="zh-CN" dirty="0" smtClean="0"/>
+          </a:p>
+          <a:p>
+            <a:r>
+              <a:rPr lang="zh-CN" altLang="en-US" dirty="0" smtClean="0"/>
+              <a:t>处理速度快；</a:t>
             </a:r>
             <a:endParaRPr lang="zh-CN" altLang="en-US" dirty="0"/>
           </a:p>
         </p:txBody>
       </p:sp>
-      <p:pic>
-        <p:nvPicPr>
-          <p:cNvPr id="1030" name="Picture 6" descr="C:\Users\liuyuanyi\Desktop\ppt图片素材\服务器.jpg"/>
-          <p:cNvPicPr>
-            <a:picLocks noChangeAspect="1" noChangeArrowheads="1"/>
-          </p:cNvPicPr>
-          <p:nvPr/>
-        </p:nvPicPr>
-        <p:blipFill>
-          <a:blip r:embed="rId5">
-            <a:extLst>
-              <a:ext uri="{28A0092B-C50C-407E-A947-70E740481C1C}">
-                <a14:useLocalDpi xmlns:a14="http://schemas.microsoft.com/office/drawing/2010/main" val="0"/>
-              </a:ext>
-            </a:extLst>
-          </a:blip>
-          <a:srcRect/>
-          <a:stretch>
-            <a:fillRect/>
-          </a:stretch>
-        </p:blipFill>
-        <p:spPr bwMode="auto">
-          <a:xfrm>
-            <a:off x="4674190" y="1421904"/>
-            <a:ext cx="581025" cy="762000"/>
-          </a:xfrm>
-          <a:prstGeom prst="rect">
-            <a:avLst/>
-          </a:prstGeom>
-          <a:noFill/>
-          <a:extLst>
-            <a:ext uri="{909E8E84-426E-40DD-AFC4-6F175D3DCCD1}">
-              <a14:hiddenFill xmlns:a14="http://schemas.microsoft.com/office/drawing/2010/main">
-                <a:solidFill>
-                  <a:srgbClr val="FFFFFF"/>
-                </a:solidFill>
-              </a14:hiddenFill>
-            </a:ext>
-          </a:extLst>
-        </p:spPr>
-      </p:pic>
-      <p:pic>
-        <p:nvPicPr>
-          <p:cNvPr id="11" name="Picture 6" descr="C:\Users\liuyuanyi\Desktop\ppt图片素材\服务器.jpg"/>
-          <p:cNvPicPr>
-            <a:picLocks noChangeAspect="1" noChangeArrowheads="1"/>
-          </p:cNvPicPr>
-          <p:nvPr/>
-        </p:nvPicPr>
-        <p:blipFill>
-          <a:blip r:embed="rId5">
-            <a:extLst>
-              <a:ext uri="{28A0092B-C50C-407E-A947-70E740481C1C}">
-                <a14:useLocalDpi xmlns:a14="http://schemas.microsoft.com/office/drawing/2010/main" val="0"/>
-              </a:ext>
-            </a:extLst>
-          </a:blip>
-          <a:srcRect/>
-          <a:stretch>
-            <a:fillRect/>
-          </a:stretch>
-        </p:blipFill>
-        <p:spPr bwMode="auto">
-          <a:xfrm>
-            <a:off x="4674189" y="2378968"/>
-            <a:ext cx="581025" cy="762000"/>
-          </a:xfrm>
-          <a:prstGeom prst="rect">
-            <a:avLst/>
-          </a:prstGeom>
-          <a:noFill/>
-          <a:extLst>
-            <a:ext uri="{909E8E84-426E-40DD-AFC4-6F175D3DCCD1}">
-              <a14:hiddenFill xmlns:a14="http://schemas.microsoft.com/office/drawing/2010/main">
-                <a:solidFill>
-                  <a:srgbClr val="FFFFFF"/>
-                </a:solidFill>
-              </a14:hiddenFill>
-            </a:ext>
-          </a:extLst>
-        </p:spPr>
-      </p:pic>
-      <p:pic>
-        <p:nvPicPr>
-          <p:cNvPr id="12" name="Picture 6" descr="C:\Users\liuyuanyi\Desktop\ppt图片素材\服务器.jpg"/>
-          <p:cNvPicPr>
-            <a:picLocks noChangeAspect="1" noChangeArrowheads="1"/>
-          </p:cNvPicPr>
-          <p:nvPr/>
-        </p:nvPicPr>
-        <p:blipFill>
-          <a:blip r:embed="rId5">
-            <a:extLst>
-              <a:ext uri="{28A0092B-C50C-407E-A947-70E740481C1C}">
-                <a14:useLocalDpi xmlns:a14="http://schemas.microsoft.com/office/drawing/2010/main" val="0"/>
-              </a:ext>
-            </a:extLst>
-          </a:blip>
-          <a:srcRect/>
-          <a:stretch>
-            <a:fillRect/>
-          </a:stretch>
-        </p:blipFill>
-        <p:spPr bwMode="auto">
-          <a:xfrm>
-            <a:off x="4700565" y="3603104"/>
-            <a:ext cx="581025" cy="762000"/>
-          </a:xfrm>
-          <a:prstGeom prst="rect">
-            <a:avLst/>
-          </a:prstGeom>
-          <a:noFill/>
-          <a:extLst>
-            <a:ext uri="{909E8E84-426E-40DD-AFC4-6F175D3DCCD1}">
-              <a14:hiddenFill xmlns:a14="http://schemas.microsoft.com/office/drawing/2010/main">
-                <a:solidFill>
-                  <a:srgbClr val="FFFFFF"/>
-                </a:solidFill>
-              </a14:hiddenFill>
-            </a:ext>
-          </a:extLst>
-        </p:spPr>
-      </p:pic>
-      <p:sp>
-        <p:nvSpPr>
-          <p:cNvPr id="13" name="TextBox 12"/>
+      <p:sp>
+        <p:nvSpPr>
+          <p:cNvPr id="6" name="TextBox 5"/>
           <p:cNvSpPr txBox="1"/>
           <p:nvPr/>
         </p:nvSpPr>
         <p:spPr>
           <a:xfrm>
-            <a:off x="4844581" y="3171056"/>
-            <a:ext cx="461665" cy="432170"/>
+            <a:off x="2915816" y="3717031"/>
+            <a:ext cx="3816424" cy="646331"/>
           </a:xfrm>
           <a:prstGeom prst="rect">
             <a:avLst/>
           </a:prstGeom>
           <a:noFill/>
           <a:ln>
-            <a:noFill/>
+            <a:solidFill>
+              <a:schemeClr val="bg2">
+                <a:lumMod val="50000"/>
+              </a:schemeClr>
+            </a:solidFill>
           </a:ln>
-        </p:spPr>
-        <p:txBody>
-          <a:bodyPr vert="eaVert" wrap="none" rtlCol="0">
-            <a:spAutoFit/>
-          </a:bodyPr>
-          <a:lstStyle/>
-          <a:p>
-            <a:r>
-              <a:rPr lang="en-US" altLang="zh-CN" dirty="0" smtClean="0"/>
-              <a:t>……</a:t>
-            </a:r>
-            <a:endParaRPr lang="zh-CN" altLang="en-US" dirty="0"/>
-          </a:p>
-        </p:txBody>
-      </p:sp>
-      <p:sp>
-        <p:nvSpPr>
-          <p:cNvPr id="15" name="TextBox 14"/>
-          <p:cNvSpPr txBox="1"/>
-          <p:nvPr/>
-        </p:nvSpPr>
-        <p:spPr>
-          <a:xfrm>
-            <a:off x="1417521" y="5157192"/>
-            <a:ext cx="1185119" cy="646331"/>
-          </a:xfrm>
-          <a:prstGeom prst="rect">
-            <a:avLst/>
-          </a:prstGeom>
-          <a:noFill/>
         </p:spPr>
         <p:txBody>
           <a:bodyPr wrap="square" rtlCol="0">
@@ -6634,7 +5971,31 @@
           <a:p>
             <a:r>
               <a:rPr lang="zh-CN" altLang="en-US" dirty="0" smtClean="0"/>
-              <a:t>各种监控摄像头</a:t>
+              <a:t>准确识别各种事件</a:t>
+            </a:r>
+            <a:r>
+              <a:rPr lang="zh-CN" altLang="en-US" dirty="0" smtClean="0"/>
+              <a:t>，</a:t>
+            </a:r>
+            <a:r>
+              <a:rPr lang="zh-CN" altLang="en-US" dirty="0"/>
+              <a:t>检出</a:t>
+            </a:r>
+            <a:r>
+              <a:rPr lang="zh-CN" altLang="en-US" dirty="0" smtClean="0"/>
+              <a:t>率</a:t>
+            </a:r>
+            <a:r>
+              <a:rPr lang="zh-CN" altLang="en-US" dirty="0" smtClean="0"/>
+              <a:t>达到</a:t>
+            </a:r>
+            <a:r>
+              <a:rPr lang="en-US" altLang="zh-CN" dirty="0" smtClean="0"/>
+              <a:t>90%</a:t>
+            </a:r>
+            <a:r>
+              <a:rPr lang="zh-CN" altLang="en-US" dirty="0" smtClean="0"/>
+              <a:t>以上，支持多种特征的事件处理；</a:t>
             </a:r>
             <a:endParaRPr lang="zh-CN" altLang="en-US" dirty="0"/>
           </a:p>
@@ -6642,46 +6003,16 @@
       </p:sp>
       <p:sp>
         <p:nvSpPr>
-          <p:cNvPr id="21" name="TextBox 20"/>
-          <p:cNvSpPr txBox="1"/>
-          <p:nvPr/>
-        </p:nvSpPr>
-        <p:spPr>
-          <a:xfrm>
-            <a:off x="4516157" y="4653136"/>
-            <a:ext cx="1120512" cy="646331"/>
-          </a:xfrm>
-          <a:prstGeom prst="rect">
-            <a:avLst/>
-          </a:prstGeom>
-          <a:noFill/>
-        </p:spPr>
-        <p:txBody>
-          <a:bodyPr wrap="square" rtlCol="0">
-            <a:spAutoFit/>
-          </a:bodyPr>
-          <a:lstStyle/>
-          <a:p>
-            <a:r>
-              <a:rPr lang="zh-CN" altLang="en-US" dirty="0" smtClean="0"/>
-              <a:t>云端存储服务器</a:t>
-            </a:r>
-            <a:endParaRPr lang="zh-CN" altLang="en-US" dirty="0"/>
-          </a:p>
-        </p:txBody>
-      </p:sp>
-      <p:sp>
-        <p:nvSpPr>
-          <p:cNvPr id="16" name="右箭头 15"/>
+          <p:cNvPr id="10" name="下箭头 9"/>
           <p:cNvSpPr/>
           <p:nvPr/>
         </p:nvSpPr>
         <p:spPr>
-          <a:xfrm rot="1861810">
-            <a:off x="2529704" y="1897294"/>
-            <a:ext cx="2266330" cy="300005"/>
-          </a:xfrm>
-          <a:prstGeom prst="rightArrow">
+          <a:xfrm>
+            <a:off x="2699792" y="1700807"/>
+            <a:ext cx="432048" cy="937845"/>
+          </a:xfrm>
+          <a:prstGeom prst="downArrow">
             <a:avLst/>
           </a:prstGeom>
         </p:spPr>
@@ -6712,16 +6043,16 @@
       </p:sp>
       <p:sp>
         <p:nvSpPr>
-          <p:cNvPr id="23" name="右箭头 22"/>
+          <p:cNvPr id="11" name="下箭头 10"/>
           <p:cNvSpPr/>
           <p:nvPr/>
         </p:nvSpPr>
         <p:spPr>
           <a:xfrm>
-            <a:off x="2624373" y="2780928"/>
-            <a:ext cx="1932176" cy="288032"/>
-          </a:xfrm>
-          <a:prstGeom prst="rightArrow">
+            <a:off x="4788024" y="1700808"/>
+            <a:ext cx="432048" cy="2016223"/>
+          </a:xfrm>
+          <a:prstGeom prst="downArrow">
             <a:avLst/>
           </a:prstGeom>
         </p:spPr>
@@ -6752,381 +6083,49 @@
       </p:sp>
       <p:sp>
         <p:nvSpPr>
-          <p:cNvPr id="24" name="右箭头 23"/>
-          <p:cNvSpPr/>
-          <p:nvPr/>
-        </p:nvSpPr>
-        <p:spPr>
-          <a:xfrm rot="19595521">
-            <a:off x="2460034" y="3657102"/>
-            <a:ext cx="2314743" cy="329253"/>
-          </a:xfrm>
-          <a:prstGeom prst="rightArrow">
-            <a:avLst/>
-          </a:prstGeom>
-        </p:spPr>
-        <p:style>
-          <a:lnRef idx="2">
-            <a:schemeClr val="accent1">
-              <a:shade val="50000"/>
-            </a:schemeClr>
-          </a:lnRef>
-          <a:fillRef idx="1">
-            <a:schemeClr val="accent1"/>
-          </a:fillRef>
-          <a:effectRef idx="0">
-            <a:schemeClr val="accent1"/>
-          </a:effectRef>
-          <a:fontRef idx="minor">
-            <a:schemeClr val="lt1"/>
-          </a:fontRef>
-        </p:style>
-        <p:txBody>
-          <a:bodyPr rtlCol="0" anchor="ctr"/>
-          <a:lstStyle/>
-          <a:p>
-            <a:pPr algn="ctr"/>
-            <a:endParaRPr lang="zh-CN" altLang="en-US"/>
-          </a:p>
-        </p:txBody>
-      </p:sp>
-      <p:pic>
-        <p:nvPicPr>
-          <p:cNvPr id="1031" name="Picture 7" descr="C:\Users\liuyuanyi\Desktop\ppt图片素材\pc终端.jpg"/>
-          <p:cNvPicPr>
-            <a:picLocks noChangeAspect="1" noChangeArrowheads="1"/>
-          </p:cNvPicPr>
-          <p:nvPr/>
-        </p:nvPicPr>
-        <p:blipFill>
-          <a:blip r:embed="rId6">
-            <a:extLst>
-              <a:ext uri="{28A0092B-C50C-407E-A947-70E740481C1C}">
-                <a14:useLocalDpi xmlns:a14="http://schemas.microsoft.com/office/drawing/2010/main" val="0"/>
-              </a:ext>
-            </a:extLst>
-          </a:blip>
-          <a:srcRect/>
-          <a:stretch>
-            <a:fillRect/>
-          </a:stretch>
-        </p:blipFill>
-        <p:spPr bwMode="auto">
-          <a:xfrm>
-            <a:off x="6770033" y="1334624"/>
-            <a:ext cx="991351" cy="798231"/>
-          </a:xfrm>
-          <a:prstGeom prst="rect">
-            <a:avLst/>
-          </a:prstGeom>
-          <a:noFill/>
-          <a:extLst>
-            <a:ext uri="{909E8E84-426E-40DD-AFC4-6F175D3DCCD1}">
-              <a14:hiddenFill xmlns:a14="http://schemas.microsoft.com/office/drawing/2010/main">
+          <p:cNvPr id="13" name="内容占位符 2"/>
+          <p:cNvSpPr>
+            <a:spLocks noGrp="1"/>
+          </p:cNvSpPr>
+          <p:nvPr>
+            <p:ph sz="quarter" idx="13"/>
+          </p:nvPr>
+        </p:nvSpPr>
+        <p:spPr>
+          <a:xfrm>
+            <a:off x="611560" y="476672"/>
+            <a:ext cx="7264896" cy="465232"/>
+          </a:xfrm>
+        </p:spPr>
+        <p:txBody>
+          <a:bodyPr>
+            <a:noAutofit/>
+          </a:bodyPr>
+          <a:lstStyle/>
+          <a:p>
+            <a:pPr marL="0" indent="0">
+              <a:buNone/>
+            </a:pPr>
+            <a:r>
+              <a:rPr lang="zh-CN" altLang="en-US" sz="3200" dirty="0" smtClean="0">
                 <a:solidFill>
-                  <a:srgbClr val="FFFFFF"/>
+                  <a:schemeClr val="tx1"/>
                 </a:solidFill>
-              </a14:hiddenFill>
-            </a:ext>
-          </a:extLst>
-        </p:spPr>
-      </p:pic>
-      <p:pic>
-        <p:nvPicPr>
-          <p:cNvPr id="1032" name="Picture 8" descr="C:\Users\liuyuanyi\Desktop\ppt图片素材\笔记本终端.jpg"/>
-          <p:cNvPicPr>
-            <a:picLocks noChangeAspect="1" noChangeArrowheads="1"/>
-          </p:cNvPicPr>
-          <p:nvPr/>
-        </p:nvPicPr>
-        <p:blipFill>
-          <a:blip r:embed="rId7">
-            <a:extLst>
-              <a:ext uri="{28A0092B-C50C-407E-A947-70E740481C1C}">
-                <a14:useLocalDpi xmlns:a14="http://schemas.microsoft.com/office/drawing/2010/main" val="0"/>
-              </a:ext>
-            </a:extLst>
-          </a:blip>
-          <a:srcRect/>
-          <a:stretch>
-            <a:fillRect/>
-          </a:stretch>
-        </p:blipFill>
-        <p:spPr bwMode="auto">
-          <a:xfrm>
-            <a:off x="6990236" y="2476128"/>
-            <a:ext cx="806673" cy="759222"/>
-          </a:xfrm>
-          <a:prstGeom prst="rect">
-            <a:avLst/>
-          </a:prstGeom>
-          <a:noFill/>
-          <a:extLst>
-            <a:ext uri="{909E8E84-426E-40DD-AFC4-6F175D3DCCD1}">
-              <a14:hiddenFill xmlns:a14="http://schemas.microsoft.com/office/drawing/2010/main">
-                <a:solidFill>
-                  <a:srgbClr val="FFFFFF"/>
-                </a:solidFill>
-              </a14:hiddenFill>
-            </a:ext>
-          </a:extLst>
-        </p:spPr>
-      </p:pic>
-      <p:pic>
-        <p:nvPicPr>
-          <p:cNvPr id="1033" name="Picture 9" descr="C:\Users\liuyuanyi\Desktop\ppt图片素材\移动终端.jpg"/>
-          <p:cNvPicPr>
-            <a:picLocks noChangeAspect="1" noChangeArrowheads="1"/>
-          </p:cNvPicPr>
-          <p:nvPr/>
-        </p:nvPicPr>
-        <p:blipFill>
-          <a:blip r:embed="rId8">
-            <a:extLst>
-              <a:ext uri="{28A0092B-C50C-407E-A947-70E740481C1C}">
-                <a14:useLocalDpi xmlns:a14="http://schemas.microsoft.com/office/drawing/2010/main" val="0"/>
-              </a:ext>
-            </a:extLst>
-          </a:blip>
-          <a:srcRect/>
-          <a:stretch>
-            <a:fillRect/>
-          </a:stretch>
-        </p:blipFill>
-        <p:spPr bwMode="auto">
-          <a:xfrm>
-            <a:off x="6943397" y="3789040"/>
-            <a:ext cx="925520" cy="732128"/>
-          </a:xfrm>
-          <a:prstGeom prst="rect">
-            <a:avLst/>
-          </a:prstGeom>
-          <a:noFill/>
-          <a:extLst>
-            <a:ext uri="{909E8E84-426E-40DD-AFC4-6F175D3DCCD1}">
-              <a14:hiddenFill xmlns:a14="http://schemas.microsoft.com/office/drawing/2010/main">
-                <a:solidFill>
-                  <a:srgbClr val="FFFFFF"/>
-                </a:solidFill>
-              </a14:hiddenFill>
-            </a:ext>
-          </a:extLst>
-        </p:spPr>
-      </p:pic>
-      <p:sp>
-        <p:nvSpPr>
-          <p:cNvPr id="28" name="右箭头 27"/>
-          <p:cNvSpPr/>
-          <p:nvPr/>
-        </p:nvSpPr>
-        <p:spPr>
-          <a:xfrm rot="1861810">
-            <a:off x="5142577" y="3472271"/>
-            <a:ext cx="1817016" cy="231038"/>
-          </a:xfrm>
-          <a:prstGeom prst="rightArrow">
-            <a:avLst/>
-          </a:prstGeom>
-        </p:spPr>
-        <p:style>
-          <a:lnRef idx="2">
-            <a:schemeClr val="accent1">
-              <a:shade val="50000"/>
-            </a:schemeClr>
-          </a:lnRef>
-          <a:fillRef idx="1">
-            <a:schemeClr val="accent1"/>
-          </a:fillRef>
-          <a:effectRef idx="0">
-            <a:schemeClr val="accent1"/>
-          </a:effectRef>
-          <a:fontRef idx="minor">
-            <a:schemeClr val="lt1"/>
-          </a:fontRef>
-        </p:style>
-        <p:txBody>
-          <a:bodyPr rtlCol="0" anchor="ctr"/>
-          <a:lstStyle/>
-          <a:p>
-            <a:pPr algn="ctr"/>
-            <a:endParaRPr lang="zh-CN" altLang="en-US"/>
-          </a:p>
-        </p:txBody>
-      </p:sp>
-      <p:sp>
-        <p:nvSpPr>
-          <p:cNvPr id="29" name="右箭头 28"/>
-          <p:cNvSpPr/>
-          <p:nvPr/>
-        </p:nvSpPr>
-        <p:spPr>
-          <a:xfrm>
-            <a:off x="5276629" y="2636912"/>
-            <a:ext cx="1641598" cy="288032"/>
-          </a:xfrm>
-          <a:prstGeom prst="rightArrow">
-            <a:avLst/>
-          </a:prstGeom>
-        </p:spPr>
-        <p:style>
-          <a:lnRef idx="2">
-            <a:schemeClr val="accent1">
-              <a:shade val="50000"/>
-            </a:schemeClr>
-          </a:lnRef>
-          <a:fillRef idx="1">
-            <a:schemeClr val="accent1"/>
-          </a:fillRef>
-          <a:effectRef idx="0">
-            <a:schemeClr val="accent1"/>
-          </a:effectRef>
-          <a:fontRef idx="minor">
-            <a:schemeClr val="lt1"/>
-          </a:fontRef>
-        </p:style>
-        <p:txBody>
-          <a:bodyPr rtlCol="0" anchor="ctr"/>
-          <a:lstStyle/>
-          <a:p>
-            <a:pPr algn="ctr"/>
-            <a:endParaRPr lang="zh-CN" altLang="en-US"/>
-          </a:p>
-        </p:txBody>
-      </p:sp>
-      <p:sp>
-        <p:nvSpPr>
-          <p:cNvPr id="30" name="右箭头 29"/>
-          <p:cNvSpPr/>
-          <p:nvPr/>
-        </p:nvSpPr>
-        <p:spPr>
-          <a:xfrm rot="20179190">
-            <a:off x="5212483" y="1831465"/>
-            <a:ext cx="1566974" cy="329253"/>
-          </a:xfrm>
-          <a:prstGeom prst="rightArrow">
-            <a:avLst/>
-          </a:prstGeom>
-        </p:spPr>
-        <p:style>
-          <a:lnRef idx="2">
-            <a:schemeClr val="accent1">
-              <a:shade val="50000"/>
-            </a:schemeClr>
-          </a:lnRef>
-          <a:fillRef idx="1">
-            <a:schemeClr val="accent1"/>
-          </a:fillRef>
-          <a:effectRef idx="0">
-            <a:schemeClr val="accent1"/>
-          </a:effectRef>
-          <a:fontRef idx="minor">
-            <a:schemeClr val="lt1"/>
-          </a:fontRef>
-        </p:style>
-        <p:txBody>
-          <a:bodyPr rtlCol="0" anchor="ctr"/>
-          <a:lstStyle/>
-          <a:p>
-            <a:pPr algn="ctr"/>
-            <a:endParaRPr lang="zh-CN" altLang="en-US"/>
-          </a:p>
-        </p:txBody>
-      </p:sp>
-      <p:sp>
-        <p:nvSpPr>
-          <p:cNvPr id="17" name="TextBox 16"/>
-          <p:cNvSpPr txBox="1"/>
-          <p:nvPr/>
-        </p:nvSpPr>
-        <p:spPr>
-          <a:xfrm>
-            <a:off x="3260405" y="2420888"/>
-            <a:ext cx="646331" cy="369332"/>
-          </a:xfrm>
-          <a:prstGeom prst="rect">
-            <a:avLst/>
-          </a:prstGeom>
-          <a:noFill/>
-        </p:spPr>
-        <p:txBody>
-          <a:bodyPr wrap="none" rtlCol="0">
-            <a:spAutoFit/>
-          </a:bodyPr>
-          <a:lstStyle/>
-          <a:p>
-            <a:r>
-              <a:rPr lang="zh-CN" altLang="en-US" dirty="0" smtClean="0"/>
-              <a:t>网络</a:t>
-            </a:r>
-            <a:endParaRPr lang="zh-CN" altLang="en-US" dirty="0"/>
-          </a:p>
-        </p:txBody>
-      </p:sp>
-      <p:sp>
-        <p:nvSpPr>
-          <p:cNvPr id="32" name="TextBox 31"/>
-          <p:cNvSpPr txBox="1"/>
-          <p:nvPr/>
-        </p:nvSpPr>
-        <p:spPr>
-          <a:xfrm>
-            <a:off x="5708677" y="2348880"/>
-            <a:ext cx="646331" cy="369332"/>
-          </a:xfrm>
-          <a:prstGeom prst="rect">
-            <a:avLst/>
-          </a:prstGeom>
-          <a:noFill/>
-        </p:spPr>
-        <p:txBody>
-          <a:bodyPr wrap="none" rtlCol="0">
-            <a:spAutoFit/>
-          </a:bodyPr>
-          <a:lstStyle/>
-          <a:p>
-            <a:r>
-              <a:rPr lang="zh-CN" altLang="en-US" dirty="0" smtClean="0"/>
-              <a:t>网络</a:t>
-            </a:r>
-            <a:endParaRPr lang="zh-CN" altLang="en-US" dirty="0"/>
-          </a:p>
-        </p:txBody>
-      </p:sp>
-      <p:sp>
-        <p:nvSpPr>
-          <p:cNvPr id="33" name="TextBox 32"/>
-          <p:cNvSpPr txBox="1"/>
-          <p:nvPr/>
-        </p:nvSpPr>
-        <p:spPr>
-          <a:xfrm>
-            <a:off x="6860805" y="4653136"/>
-            <a:ext cx="1120512" cy="369332"/>
-          </a:xfrm>
-          <a:prstGeom prst="rect">
-            <a:avLst/>
-          </a:prstGeom>
-          <a:noFill/>
-        </p:spPr>
-        <p:txBody>
-          <a:bodyPr wrap="square" rtlCol="0">
-            <a:spAutoFit/>
-          </a:bodyPr>
-          <a:lstStyle/>
-          <a:p>
-            <a:r>
-              <a:rPr lang="zh-CN" altLang="en-US" dirty="0" smtClean="0"/>
-              <a:t>监控终端</a:t>
-            </a:r>
-            <a:endParaRPr lang="zh-CN" altLang="en-US" dirty="0"/>
+              </a:rPr>
+              <a:t>基于摘要的监控视频信息检索系统</a:t>
+            </a:r>
+            <a:endParaRPr lang="zh-CN" altLang="en-US" sz="3200" dirty="0">
+              <a:solidFill>
+                <a:schemeClr val="tx1"/>
+              </a:solidFill>
+            </a:endParaRPr>
           </a:p>
         </p:txBody>
       </p:sp>
     </p:spTree>
     <p:extLst>
       <p:ext uri="{BB962C8B-B14F-4D97-AF65-F5344CB8AC3E}">
-        <p14:creationId xmlns:p14="http://schemas.microsoft.com/office/powerpoint/2010/main" val="4120355919"/>
+        <p14:creationId xmlns:p14="http://schemas.microsoft.com/office/powerpoint/2010/main" val="1285044813"/>
       </p:ext>
     </p:extLst>
   </p:cSld>
@@ -7182,7 +6181,7 @@
           <a:p>
             <a:r>
               <a:rPr lang="zh-CN" altLang="en-US" dirty="0" smtClean="0"/>
-              <a:t>存在的问题？</a:t>
+              <a:t>视频摘要</a:t>
             </a:r>
             <a:endParaRPr lang="zh-CN" altLang="en-US" dirty="0"/>
           </a:p>
@@ -7198,64 +6197,74 @@
             <p:ph sz="quarter" idx="13"/>
           </p:nvPr>
         </p:nvSpPr>
-        <p:spPr/>
-        <p:txBody>
-          <a:bodyPr/>
-          <a:lstStyle/>
-          <a:p>
-            <a:r>
-              <a:rPr lang="en-US" altLang="zh-CN" dirty="0" smtClean="0"/>
-              <a:t>1.</a:t>
-            </a:r>
-            <a:r>
-              <a:rPr lang="zh-CN" altLang="en-US" dirty="0" smtClean="0"/>
-              <a:t>海量视频数据堆积，存储了大量无用数据</a:t>
-            </a:r>
-            <a:endParaRPr lang="en-US" altLang="zh-CN" dirty="0" smtClean="0"/>
-          </a:p>
-          <a:p>
-            <a:r>
-              <a:rPr lang="en-US" altLang="zh-CN" dirty="0" smtClean="0"/>
-              <a:t>2.</a:t>
-            </a:r>
-            <a:r>
-              <a:rPr lang="zh-CN" altLang="en-US" dirty="0" smtClean="0"/>
-              <a:t>人为查看视频效率低下</a:t>
-            </a:r>
-            <a:endParaRPr lang="en-US" altLang="zh-CN" dirty="0" smtClean="0"/>
-          </a:p>
-          <a:p>
-            <a:r>
-              <a:rPr lang="en-US" altLang="zh-CN" dirty="0" smtClean="0"/>
-              <a:t>3.</a:t>
-            </a:r>
-            <a:r>
-              <a:rPr lang="zh-CN" altLang="en-US" dirty="0" smtClean="0"/>
-              <a:t>人为查看视频成本高</a:t>
-            </a:r>
-            <a:endParaRPr lang="en-US" altLang="zh-CN" dirty="0" smtClean="0"/>
-          </a:p>
-          <a:p>
-            <a:r>
-              <a:rPr lang="en-US" altLang="zh-CN" dirty="0"/>
-              <a:t>4</a:t>
-            </a:r>
-            <a:r>
-              <a:rPr lang="en-US" altLang="zh-CN" dirty="0" smtClean="0"/>
-              <a:t>.</a:t>
-            </a:r>
-            <a:r>
-              <a:rPr lang="zh-CN" altLang="en-US" dirty="0" smtClean="0"/>
-              <a:t>人为查看视频容易丢失事件</a:t>
-            </a:r>
+        <p:spPr>
+          <a:xfrm>
+            <a:off x="1095374" y="75772"/>
+            <a:ext cx="7149034" cy="1120980"/>
+          </a:xfrm>
+        </p:spPr>
+        <p:txBody>
+          <a:bodyPr>
+            <a:normAutofit lnSpcReduction="10000"/>
+          </a:bodyPr>
+          <a:lstStyle/>
+          <a:p>
+            <a:r>
+              <a:rPr lang="zh-CN" altLang="en-US" dirty="0"/>
+              <a:t>视频摘要是对视频内容的一个浓缩，通过对视频内容进行分析，仅提取视频中有意义的内容，然后形成视频摘要，达到短时间浏览长视频的效果。</a:t>
+            </a:r>
+            <a:endParaRPr lang="en-US" altLang="zh-CN" dirty="0"/>
+          </a:p>
+          <a:p>
             <a:endParaRPr lang="zh-CN" altLang="en-US" dirty="0"/>
           </a:p>
         </p:txBody>
       </p:sp>
+      <p:pic>
+        <p:nvPicPr>
+          <p:cNvPr id="1026" name="Picture 2" descr="C:\Users\liuyuanyi\Desktop\ppt图片素材\car1_20136298379.JPG"/>
+          <p:cNvPicPr>
+            <a:picLocks noChangeAspect="1" noChangeArrowheads="1"/>
+          </p:cNvPicPr>
+          <p:nvPr/>
+        </p:nvPicPr>
+        <p:blipFill>
+          <a:blip r:embed="rId2">
+            <a:extLst>
+              <a:ext uri="{28A0092B-C50C-407E-A947-70E740481C1C}">
+                <a14:useLocalDpi xmlns:a14="http://schemas.microsoft.com/office/drawing/2010/main" val="0"/>
+              </a:ext>
+            </a:extLst>
+          </a:blip>
+          <a:srcRect/>
+          <a:stretch>
+            <a:fillRect/>
+          </a:stretch>
+        </p:blipFill>
+        <p:spPr bwMode="auto">
+          <a:xfrm>
+            <a:off x="1547664" y="1196752"/>
+            <a:ext cx="5112568" cy="4183010"/>
+          </a:xfrm>
+          <a:prstGeom prst="rect">
+            <a:avLst/>
+          </a:prstGeom>
+          <a:noFill/>
+          <a:extLst>
+            <a:ext uri="{909E8E84-426E-40DD-AFC4-6F175D3DCCD1}">
+              <a14:hiddenFill xmlns:a14="http://schemas.microsoft.com/office/drawing/2010/main">
+                <a:solidFill>
+                  <a:srgbClr val="FFFFFF"/>
+                </a:solidFill>
+              </a14:hiddenFill>
+            </a:ext>
+          </a:extLst>
+        </p:spPr>
+      </p:pic>
     </p:spTree>
     <p:extLst>
       <p:ext uri="{BB962C8B-B14F-4D97-AF65-F5344CB8AC3E}">
-        <p14:creationId xmlns:p14="http://schemas.microsoft.com/office/powerpoint/2010/main" val="1592459702"/>
+        <p14:creationId xmlns:p14="http://schemas.microsoft.com/office/powerpoint/2010/main" val="1139543050"/>
       </p:ext>
     </p:extLst>
   </p:cSld>
@@ -7301,522 +6310,6 @@
         </p:nvSpPr>
         <p:spPr>
           <a:xfrm>
-            <a:off x="2631489" y="5705812"/>
-            <a:ext cx="6512511" cy="1143000"/>
-          </a:xfrm>
-        </p:spPr>
-        <p:txBody>
-          <a:bodyPr/>
-          <a:lstStyle/>
-          <a:p>
-            <a:r>
-              <a:rPr lang="zh-CN" altLang="en-US" dirty="0" smtClean="0"/>
-              <a:t>解决方案</a:t>
-            </a:r>
-            <a:endParaRPr lang="zh-CN" altLang="en-US" dirty="0"/>
-          </a:p>
-        </p:txBody>
-      </p:sp>
-      <p:sp>
-        <p:nvSpPr>
-          <p:cNvPr id="4" name="TextBox 3"/>
-          <p:cNvSpPr txBox="1"/>
-          <p:nvPr/>
-        </p:nvSpPr>
-        <p:spPr>
-          <a:xfrm>
-            <a:off x="611560" y="1196752"/>
-            <a:ext cx="7776864" cy="584775"/>
-          </a:xfrm>
-          <a:prstGeom prst="rect">
-            <a:avLst/>
-          </a:prstGeom>
-          <a:noFill/>
-        </p:spPr>
-        <p:txBody>
-          <a:bodyPr wrap="square" rtlCol="0">
-            <a:spAutoFit/>
-          </a:bodyPr>
-          <a:lstStyle/>
-          <a:p>
-            <a:r>
-              <a:rPr lang="zh-CN" altLang="en-US" sz="3200" dirty="0" smtClean="0"/>
-              <a:t>目标：实时高效、 准确具体、 安全可靠</a:t>
-            </a:r>
-            <a:endParaRPr lang="en-US" altLang="zh-CN" sz="3200" dirty="0" smtClean="0"/>
-          </a:p>
-        </p:txBody>
-      </p:sp>
-      <p:sp>
-        <p:nvSpPr>
-          <p:cNvPr id="5" name="TextBox 4"/>
-          <p:cNvSpPr txBox="1"/>
-          <p:nvPr/>
-        </p:nvSpPr>
-        <p:spPr>
-          <a:xfrm>
-            <a:off x="611560" y="2638653"/>
-            <a:ext cx="3877985" cy="646331"/>
-          </a:xfrm>
-          <a:prstGeom prst="rect">
-            <a:avLst/>
-          </a:prstGeom>
-          <a:noFill/>
-          <a:ln>
-            <a:solidFill>
-              <a:schemeClr val="bg2">
-                <a:lumMod val="50000"/>
-              </a:schemeClr>
-            </a:solidFill>
-          </a:ln>
-        </p:spPr>
-        <p:txBody>
-          <a:bodyPr wrap="none" rtlCol="0">
-            <a:spAutoFit/>
-          </a:bodyPr>
-          <a:lstStyle/>
-          <a:p>
-            <a:r>
-              <a:rPr lang="zh-CN" altLang="en-US" dirty="0" smtClean="0"/>
-              <a:t>支持实时监控处理和离线监控处理，</a:t>
-            </a:r>
-            <a:endParaRPr lang="en-US" altLang="zh-CN" dirty="0" smtClean="0"/>
-          </a:p>
-          <a:p>
-            <a:r>
-              <a:rPr lang="zh-CN" altLang="en-US" dirty="0" smtClean="0"/>
-              <a:t>处理和网络响应速度快，即查即得；</a:t>
-            </a:r>
-            <a:endParaRPr lang="zh-CN" altLang="en-US" dirty="0"/>
-          </a:p>
-        </p:txBody>
-      </p:sp>
-      <p:sp>
-        <p:nvSpPr>
-          <p:cNvPr id="6" name="TextBox 5"/>
-          <p:cNvSpPr txBox="1"/>
-          <p:nvPr/>
-        </p:nvSpPr>
-        <p:spPr>
-          <a:xfrm>
-            <a:off x="2915816" y="3717031"/>
-            <a:ext cx="3816424" cy="646331"/>
-          </a:xfrm>
-          <a:prstGeom prst="rect">
-            <a:avLst/>
-          </a:prstGeom>
-          <a:noFill/>
-          <a:ln>
-            <a:solidFill>
-              <a:schemeClr val="bg2">
-                <a:lumMod val="50000"/>
-              </a:schemeClr>
-            </a:solidFill>
-          </a:ln>
-        </p:spPr>
-        <p:txBody>
-          <a:bodyPr wrap="square" rtlCol="0">
-            <a:spAutoFit/>
-          </a:bodyPr>
-          <a:lstStyle/>
-          <a:p>
-            <a:r>
-              <a:rPr lang="zh-CN" altLang="en-US" dirty="0" smtClean="0"/>
-              <a:t>准确识别各种事件，准确率达到</a:t>
-            </a:r>
-            <a:r>
-              <a:rPr lang="en-US" altLang="zh-CN" dirty="0" smtClean="0"/>
-              <a:t>90%</a:t>
-            </a:r>
-            <a:r>
-              <a:rPr lang="zh-CN" altLang="en-US" dirty="0" smtClean="0"/>
-              <a:t>以上，支持多种特征的事件处理；</a:t>
-            </a:r>
-            <a:endParaRPr lang="zh-CN" altLang="en-US" dirty="0"/>
-          </a:p>
-        </p:txBody>
-      </p:sp>
-      <p:sp>
-        <p:nvSpPr>
-          <p:cNvPr id="7" name="TextBox 6"/>
-          <p:cNvSpPr txBox="1"/>
-          <p:nvPr/>
-        </p:nvSpPr>
-        <p:spPr>
-          <a:xfrm>
-            <a:off x="5148064" y="5086925"/>
-            <a:ext cx="3816424" cy="646331"/>
-          </a:xfrm>
-          <a:prstGeom prst="rect">
-            <a:avLst/>
-          </a:prstGeom>
-          <a:noFill/>
-          <a:ln>
-            <a:solidFill>
-              <a:schemeClr val="bg2">
-                <a:lumMod val="50000"/>
-              </a:schemeClr>
-            </a:solidFill>
-          </a:ln>
-        </p:spPr>
-        <p:txBody>
-          <a:bodyPr wrap="square" rtlCol="0">
-            <a:spAutoFit/>
-          </a:bodyPr>
-          <a:lstStyle/>
-          <a:p>
-            <a:r>
-              <a:rPr lang="zh-CN" altLang="en-US" dirty="0" smtClean="0"/>
-              <a:t>网络云安全确保数据保密，网络云服务确保系统性能可靠。</a:t>
-            </a:r>
-            <a:endParaRPr lang="zh-CN" altLang="en-US" dirty="0"/>
-          </a:p>
-        </p:txBody>
-      </p:sp>
-      <p:sp>
-        <p:nvSpPr>
-          <p:cNvPr id="10" name="下箭头 9"/>
-          <p:cNvSpPr/>
-          <p:nvPr/>
-        </p:nvSpPr>
-        <p:spPr>
-          <a:xfrm>
-            <a:off x="2699792" y="1700807"/>
-            <a:ext cx="432048" cy="937845"/>
-          </a:xfrm>
-          <a:prstGeom prst="downArrow">
-            <a:avLst/>
-          </a:prstGeom>
-        </p:spPr>
-        <p:style>
-          <a:lnRef idx="2">
-            <a:schemeClr val="accent1">
-              <a:shade val="50000"/>
-            </a:schemeClr>
-          </a:lnRef>
-          <a:fillRef idx="1">
-            <a:schemeClr val="accent1"/>
-          </a:fillRef>
-          <a:effectRef idx="0">
-            <a:schemeClr val="accent1"/>
-          </a:effectRef>
-          <a:fontRef idx="minor">
-            <a:schemeClr val="lt1"/>
-          </a:fontRef>
-        </p:style>
-        <p:txBody>
-          <a:bodyPr rtlCol="0" anchor="ctr"/>
-          <a:lstStyle/>
-          <a:p>
-            <a:pPr algn="ctr"/>
-            <a:endParaRPr lang="zh-CN" altLang="en-US"/>
-          </a:p>
-        </p:txBody>
-      </p:sp>
-      <p:sp>
-        <p:nvSpPr>
-          <p:cNvPr id="11" name="下箭头 10"/>
-          <p:cNvSpPr/>
-          <p:nvPr/>
-        </p:nvSpPr>
-        <p:spPr>
-          <a:xfrm>
-            <a:off x="4788024" y="1700808"/>
-            <a:ext cx="432048" cy="2016223"/>
-          </a:xfrm>
-          <a:prstGeom prst="downArrow">
-            <a:avLst/>
-          </a:prstGeom>
-        </p:spPr>
-        <p:style>
-          <a:lnRef idx="2">
-            <a:schemeClr val="accent1">
-              <a:shade val="50000"/>
-            </a:schemeClr>
-          </a:lnRef>
-          <a:fillRef idx="1">
-            <a:schemeClr val="accent1"/>
-          </a:fillRef>
-          <a:effectRef idx="0">
-            <a:schemeClr val="accent1"/>
-          </a:effectRef>
-          <a:fontRef idx="minor">
-            <a:schemeClr val="lt1"/>
-          </a:fontRef>
-        </p:style>
-        <p:txBody>
-          <a:bodyPr rtlCol="0" anchor="ctr"/>
-          <a:lstStyle/>
-          <a:p>
-            <a:pPr algn="ctr"/>
-            <a:endParaRPr lang="zh-CN" altLang="en-US"/>
-          </a:p>
-        </p:txBody>
-      </p:sp>
-      <p:sp>
-        <p:nvSpPr>
-          <p:cNvPr id="12" name="下箭头 11"/>
-          <p:cNvSpPr/>
-          <p:nvPr/>
-        </p:nvSpPr>
-        <p:spPr>
-          <a:xfrm>
-            <a:off x="6876256" y="1700808"/>
-            <a:ext cx="432048" cy="3386117"/>
-          </a:xfrm>
-          <a:prstGeom prst="downArrow">
-            <a:avLst/>
-          </a:prstGeom>
-        </p:spPr>
-        <p:style>
-          <a:lnRef idx="2">
-            <a:schemeClr val="accent1">
-              <a:shade val="50000"/>
-            </a:schemeClr>
-          </a:lnRef>
-          <a:fillRef idx="1">
-            <a:schemeClr val="accent1"/>
-          </a:fillRef>
-          <a:effectRef idx="0">
-            <a:schemeClr val="accent1"/>
-          </a:effectRef>
-          <a:fontRef idx="minor">
-            <a:schemeClr val="lt1"/>
-          </a:fontRef>
-        </p:style>
-        <p:txBody>
-          <a:bodyPr rtlCol="0" anchor="ctr"/>
-          <a:lstStyle/>
-          <a:p>
-            <a:pPr algn="ctr"/>
-            <a:endParaRPr lang="zh-CN" altLang="en-US"/>
-          </a:p>
-        </p:txBody>
-      </p:sp>
-      <p:sp>
-        <p:nvSpPr>
-          <p:cNvPr id="13" name="内容占位符 2"/>
-          <p:cNvSpPr>
-            <a:spLocks noGrp="1"/>
-          </p:cNvSpPr>
-          <p:nvPr>
-            <p:ph sz="quarter" idx="13"/>
-          </p:nvPr>
-        </p:nvSpPr>
-        <p:spPr>
-          <a:xfrm>
-            <a:off x="611560" y="476672"/>
-            <a:ext cx="7264896" cy="465232"/>
-          </a:xfrm>
-        </p:spPr>
-        <p:txBody>
-          <a:bodyPr>
-            <a:noAutofit/>
-          </a:bodyPr>
-          <a:lstStyle/>
-          <a:p>
-            <a:pPr marL="0" indent="0">
-              <a:buNone/>
-            </a:pPr>
-            <a:r>
-              <a:rPr lang="zh-CN" altLang="en-US" sz="3200" dirty="0">
-                <a:solidFill>
-                  <a:schemeClr val="tx1"/>
-                </a:solidFill>
-              </a:rPr>
-              <a:t>基于云处理的视频摘要和视频信息检索</a:t>
-            </a:r>
-          </a:p>
-        </p:txBody>
-      </p:sp>
-    </p:spTree>
-    <p:extLst>
-      <p:ext uri="{BB962C8B-B14F-4D97-AF65-F5344CB8AC3E}">
-        <p14:creationId xmlns:p14="http://schemas.microsoft.com/office/powerpoint/2010/main" val="1285044813"/>
-      </p:ext>
-    </p:extLst>
-  </p:cSld>
-  <p:clrMapOvr>
-    <a:masterClrMapping/>
-  </p:clrMapOvr>
-  <p:timing>
-    <p:tnLst>
-      <p:par>
-        <p:cTn id="1" dur="indefinite" restart="never" nodeType="tmRoot"/>
-      </p:par>
-    </p:tnLst>
-  </p:timing>
-</p:sld>
-</file>
-
-<file path=ppt/slides/slide7.xml><?xml version="1.0" encoding="utf-8"?>
-<p:sld xmlns:a="http://schemas.openxmlformats.org/drawingml/2006/main" xmlns:r="http://schemas.openxmlformats.org/officeDocument/2006/relationships" xmlns:p="http://schemas.openxmlformats.org/presentationml/2006/main">
-  <p:cSld>
-    <p:spTree>
-      <p:nvGrpSpPr>
-        <p:cNvPr id="1" name=""/>
-        <p:cNvGrpSpPr/>
-        <p:nvPr/>
-      </p:nvGrpSpPr>
-      <p:grpSpPr>
-        <a:xfrm>
-          <a:off x="0" y="0"/>
-          <a:ext cx="0" cy="0"/>
-          <a:chOff x="0" y="0"/>
-          <a:chExt cx="0" cy="0"/>
-        </a:xfrm>
-      </p:grpSpPr>
-      <p:sp>
-        <p:nvSpPr>
-          <p:cNvPr id="2" name="标题 1"/>
-          <p:cNvSpPr>
-            <a:spLocks noGrp="1"/>
-          </p:cNvSpPr>
-          <p:nvPr>
-            <p:ph type="title"/>
-          </p:nvPr>
-        </p:nvSpPr>
-        <p:spPr>
-          <a:xfrm>
-            <a:off x="2627784" y="5742384"/>
-            <a:ext cx="6512511" cy="1143000"/>
-          </a:xfrm>
-        </p:spPr>
-        <p:txBody>
-          <a:bodyPr/>
-          <a:lstStyle/>
-          <a:p>
-            <a:r>
-              <a:rPr lang="zh-CN" altLang="en-US" dirty="0" smtClean="0"/>
-              <a:t>视频摘要</a:t>
-            </a:r>
-            <a:endParaRPr lang="zh-CN" altLang="en-US" dirty="0"/>
-          </a:p>
-        </p:txBody>
-      </p:sp>
-      <p:sp>
-        <p:nvSpPr>
-          <p:cNvPr id="3" name="内容占位符 2"/>
-          <p:cNvSpPr>
-            <a:spLocks noGrp="1"/>
-          </p:cNvSpPr>
-          <p:nvPr>
-            <p:ph sz="quarter" idx="13"/>
-          </p:nvPr>
-        </p:nvSpPr>
-        <p:spPr>
-          <a:xfrm>
-            <a:off x="1095374" y="75772"/>
-            <a:ext cx="7149034" cy="1120980"/>
-          </a:xfrm>
-        </p:spPr>
-        <p:txBody>
-          <a:bodyPr>
-            <a:normAutofit lnSpcReduction="10000"/>
-          </a:bodyPr>
-          <a:lstStyle/>
-          <a:p>
-            <a:r>
-              <a:rPr lang="zh-CN" altLang="en-US" dirty="0"/>
-              <a:t>视频摘要是对视频内容的一个浓缩，通过对视频内容进行分析，仅提取视频中有意义的内容，然后形成视频摘要，达到短时间浏览长视频的效果。</a:t>
-            </a:r>
-            <a:endParaRPr lang="en-US" altLang="zh-CN" dirty="0"/>
-          </a:p>
-          <a:p>
-            <a:endParaRPr lang="zh-CN" altLang="en-US" dirty="0"/>
-          </a:p>
-        </p:txBody>
-      </p:sp>
-      <p:pic>
-        <p:nvPicPr>
-          <p:cNvPr id="1026" name="Picture 2" descr="C:\Users\liuyuanyi\Desktop\ppt图片素材\car1_20136298379.JPG"/>
-          <p:cNvPicPr>
-            <a:picLocks noChangeAspect="1" noChangeArrowheads="1"/>
-          </p:cNvPicPr>
-          <p:nvPr/>
-        </p:nvPicPr>
-        <p:blipFill>
-          <a:blip r:embed="rId2">
-            <a:extLst>
-              <a:ext uri="{28A0092B-C50C-407E-A947-70E740481C1C}">
-                <a14:useLocalDpi xmlns:a14="http://schemas.microsoft.com/office/drawing/2010/main" val="0"/>
-              </a:ext>
-            </a:extLst>
-          </a:blip>
-          <a:srcRect/>
-          <a:stretch>
-            <a:fillRect/>
-          </a:stretch>
-        </p:blipFill>
-        <p:spPr bwMode="auto">
-          <a:xfrm>
-            <a:off x="1547664" y="1196752"/>
-            <a:ext cx="5112568" cy="4183010"/>
-          </a:xfrm>
-          <a:prstGeom prst="rect">
-            <a:avLst/>
-          </a:prstGeom>
-          <a:noFill/>
-          <a:extLst>
-            <a:ext uri="{909E8E84-426E-40DD-AFC4-6F175D3DCCD1}">
-              <a14:hiddenFill xmlns:a14="http://schemas.microsoft.com/office/drawing/2010/main">
-                <a:solidFill>
-                  <a:srgbClr val="FFFFFF"/>
-                </a:solidFill>
-              </a14:hiddenFill>
-            </a:ext>
-          </a:extLst>
-        </p:spPr>
-      </p:pic>
-    </p:spTree>
-    <p:extLst>
-      <p:ext uri="{BB962C8B-B14F-4D97-AF65-F5344CB8AC3E}">
-        <p14:creationId xmlns:p14="http://schemas.microsoft.com/office/powerpoint/2010/main" val="1139543050"/>
-      </p:ext>
-    </p:extLst>
-  </p:cSld>
-  <p:clrMapOvr>
-    <a:masterClrMapping/>
-  </p:clrMapOvr>
-  <p:timing>
-    <p:tnLst>
-      <p:par>
-        <p:cTn id="1" dur="indefinite" restart="never" nodeType="tmRoot"/>
-      </p:par>
-    </p:tnLst>
-  </p:timing>
-</p:sld>
-</file>
-
-<file path=ppt/slides/slide8.xml><?xml version="1.0" encoding="utf-8"?>
-<p:sld xmlns:a="http://schemas.openxmlformats.org/drawingml/2006/main" xmlns:r="http://schemas.openxmlformats.org/officeDocument/2006/relationships" xmlns:p="http://schemas.openxmlformats.org/presentationml/2006/main">
-  <p:cSld>
-    <p:spTree>
-      <p:nvGrpSpPr>
-        <p:cNvPr id="1" name=""/>
-        <p:cNvGrpSpPr/>
-        <p:nvPr/>
-      </p:nvGrpSpPr>
-      <p:grpSpPr>
-        <a:xfrm>
-          <a:off x="0" y="0"/>
-          <a:ext cx="0" cy="0"/>
-          <a:chOff x="0" y="0"/>
-          <a:chExt cx="0" cy="0"/>
-        </a:xfrm>
-      </p:grpSpPr>
-      <p:sp>
-        <p:nvSpPr>
-          <p:cNvPr id="2" name="标题 1"/>
-          <p:cNvSpPr>
-            <a:spLocks noGrp="1"/>
-          </p:cNvSpPr>
-          <p:nvPr>
-            <p:ph type="title"/>
-          </p:nvPr>
-        </p:nvSpPr>
-        <p:spPr>
-          <a:xfrm>
             <a:off x="2627784" y="5742384"/>
             <a:ext cx="6512511" cy="1143000"/>
           </a:xfrm>
@@ -8025,7 +6518,7 @@
 </p:sld>
 </file>
 
-<file path=ppt/slides/slide9.xml><?xml version="1.0" encoding="utf-8"?>
+<file path=ppt/slides/slide7.xml><?xml version="1.0" encoding="utf-8"?>
 <p:sld xmlns:a="http://schemas.openxmlformats.org/drawingml/2006/main" xmlns:r="http://schemas.openxmlformats.org/officeDocument/2006/relationships" xmlns:p="http://schemas.openxmlformats.org/presentationml/2006/main">
   <p:cSld>
     <p:spTree>
@@ -8140,6 +6633,452 @@
     <p:extLst>
       <p:ext uri="{BB962C8B-B14F-4D97-AF65-F5344CB8AC3E}">
         <p14:creationId xmlns:p14="http://schemas.microsoft.com/office/powerpoint/2010/main" val="4230202167"/>
+      </p:ext>
+    </p:extLst>
+  </p:cSld>
+  <p:clrMapOvr>
+    <a:masterClrMapping/>
+  </p:clrMapOvr>
+  <p:timing>
+    <p:tnLst>
+      <p:par>
+        <p:cTn id="1" dur="indefinite" restart="never" nodeType="tmRoot"/>
+      </p:par>
+    </p:tnLst>
+  </p:timing>
+</p:sld>
+</file>
+
+<file path=ppt/slides/slide8.xml><?xml version="1.0" encoding="utf-8"?>
+<p:sld xmlns:a="http://schemas.openxmlformats.org/drawingml/2006/main" xmlns:r="http://schemas.openxmlformats.org/officeDocument/2006/relationships" xmlns:p="http://schemas.openxmlformats.org/presentationml/2006/main">
+  <p:cSld>
+    <p:spTree>
+      <p:nvGrpSpPr>
+        <p:cNvPr id="1" name=""/>
+        <p:cNvGrpSpPr/>
+        <p:nvPr/>
+      </p:nvGrpSpPr>
+      <p:grpSpPr>
+        <a:xfrm>
+          <a:off x="0" y="0"/>
+          <a:ext cx="0" cy="0"/>
+          <a:chOff x="0" y="0"/>
+          <a:chExt cx="0" cy="0"/>
+        </a:xfrm>
+      </p:grpSpPr>
+      <p:sp>
+        <p:nvSpPr>
+          <p:cNvPr id="2" name="标题 1"/>
+          <p:cNvSpPr>
+            <a:spLocks noGrp="1"/>
+          </p:cNvSpPr>
+          <p:nvPr>
+            <p:ph type="title"/>
+          </p:nvPr>
+        </p:nvSpPr>
+        <p:spPr>
+          <a:xfrm>
+            <a:off x="2627784" y="5742384"/>
+            <a:ext cx="6512511" cy="1143000"/>
+          </a:xfrm>
+        </p:spPr>
+        <p:txBody>
+          <a:bodyPr/>
+          <a:lstStyle/>
+          <a:p>
+            <a:r>
+              <a:rPr lang="zh-CN" altLang="en-US" smtClean="0"/>
+              <a:t>特征提取关键</a:t>
+            </a:r>
+            <a:r>
+              <a:rPr lang="zh-CN" altLang="en-US" dirty="0" smtClean="0"/>
+              <a:t>技术</a:t>
+            </a:r>
+            <a:endParaRPr lang="zh-CN" altLang="en-US" dirty="0"/>
+          </a:p>
+        </p:txBody>
+      </p:sp>
+      <p:sp>
+        <p:nvSpPr>
+          <p:cNvPr id="8" name="左大括号 7"/>
+          <p:cNvSpPr/>
+          <p:nvPr/>
+        </p:nvSpPr>
+        <p:spPr>
+          <a:xfrm>
+            <a:off x="2995273" y="2348880"/>
+            <a:ext cx="396044" cy="1903566"/>
+          </a:xfrm>
+          <a:prstGeom prst="leftBrace">
+            <a:avLst/>
+          </a:prstGeom>
+        </p:spPr>
+        <p:style>
+          <a:lnRef idx="1">
+            <a:schemeClr val="accent1"/>
+          </a:lnRef>
+          <a:fillRef idx="0">
+            <a:schemeClr val="accent1"/>
+          </a:fillRef>
+          <a:effectRef idx="0">
+            <a:schemeClr val="accent1"/>
+          </a:effectRef>
+          <a:fontRef idx="minor">
+            <a:schemeClr val="tx1"/>
+          </a:fontRef>
+        </p:style>
+        <p:txBody>
+          <a:bodyPr rtlCol="0" anchor="ctr"/>
+          <a:lstStyle/>
+          <a:p>
+            <a:pPr algn="ctr"/>
+            <a:endParaRPr lang="zh-CN" altLang="en-US"/>
+          </a:p>
+        </p:txBody>
+      </p:sp>
+      <p:sp>
+        <p:nvSpPr>
+          <p:cNvPr id="9" name="TextBox 8"/>
+          <p:cNvSpPr txBox="1"/>
+          <p:nvPr/>
+        </p:nvSpPr>
+        <p:spPr>
+          <a:xfrm>
+            <a:off x="3369643" y="2122970"/>
+            <a:ext cx="2749471" cy="400110"/>
+          </a:xfrm>
+          <a:prstGeom prst="rect">
+            <a:avLst/>
+          </a:prstGeom>
+          <a:noFill/>
+        </p:spPr>
+        <p:txBody>
+          <a:bodyPr wrap="none" rtlCol="0">
+            <a:spAutoFit/>
+          </a:bodyPr>
+          <a:lstStyle/>
+          <a:p>
+            <a:r>
+              <a:rPr lang="zh-CN" altLang="en-US" sz="2000" dirty="0" smtClean="0"/>
+              <a:t>颜色特征：颜色直方图</a:t>
+            </a:r>
+            <a:endParaRPr lang="zh-CN" altLang="en-US" sz="2000" dirty="0"/>
+          </a:p>
+        </p:txBody>
+      </p:sp>
+      <p:sp>
+        <p:nvSpPr>
+          <p:cNvPr id="10" name="矩形 9"/>
+          <p:cNvSpPr/>
+          <p:nvPr/>
+        </p:nvSpPr>
+        <p:spPr>
+          <a:xfrm>
+            <a:off x="3339733" y="2627026"/>
+            <a:ext cx="2539157" cy="400110"/>
+          </a:xfrm>
+          <a:prstGeom prst="rect">
+            <a:avLst/>
+          </a:prstGeom>
+        </p:spPr>
+        <p:txBody>
+          <a:bodyPr wrap="none">
+            <a:spAutoFit/>
+          </a:bodyPr>
+          <a:lstStyle/>
+          <a:p>
+            <a:pPr marL="45720" indent="0">
+              <a:buNone/>
+            </a:pPr>
+            <a:r>
+              <a:rPr lang="zh-CN" altLang="en-US" sz="2000" dirty="0" smtClean="0"/>
+              <a:t>运动方向：轨迹跟踪</a:t>
+            </a:r>
+            <a:endParaRPr lang="en-US" altLang="zh-CN" sz="2000" dirty="0"/>
+          </a:p>
+        </p:txBody>
+      </p:sp>
+      <p:sp>
+        <p:nvSpPr>
+          <p:cNvPr id="11" name="矩形 10"/>
+          <p:cNvSpPr/>
+          <p:nvPr/>
+        </p:nvSpPr>
+        <p:spPr>
+          <a:xfrm>
+            <a:off x="3341767" y="3121790"/>
+            <a:ext cx="4591000" cy="400110"/>
+          </a:xfrm>
+          <a:prstGeom prst="rect">
+            <a:avLst/>
+          </a:prstGeom>
+        </p:spPr>
+        <p:txBody>
+          <a:bodyPr wrap="none">
+            <a:spAutoFit/>
+          </a:bodyPr>
+          <a:lstStyle/>
+          <a:p>
+            <a:pPr marL="45720" indent="0">
+              <a:buNone/>
+            </a:pPr>
+            <a:r>
+              <a:rPr lang="zh-CN" altLang="en-US" sz="2000" dirty="0" smtClean="0"/>
+              <a:t>目标类型：行人分类器和车辆分类器等</a:t>
+            </a:r>
+            <a:endParaRPr lang="en-US" altLang="zh-CN" sz="2000" dirty="0"/>
+          </a:p>
+        </p:txBody>
+      </p:sp>
+      <p:sp>
+        <p:nvSpPr>
+          <p:cNvPr id="12" name="矩形 11"/>
+          <p:cNvSpPr/>
+          <p:nvPr/>
+        </p:nvSpPr>
+        <p:spPr>
+          <a:xfrm>
+            <a:off x="3318209" y="3521900"/>
+            <a:ext cx="2539157" cy="400110"/>
+          </a:xfrm>
+          <a:prstGeom prst="rect">
+            <a:avLst/>
+          </a:prstGeom>
+        </p:spPr>
+        <p:txBody>
+          <a:bodyPr wrap="none">
+            <a:spAutoFit/>
+          </a:bodyPr>
+          <a:lstStyle/>
+          <a:p>
+            <a:pPr marL="45720" indent="0">
+              <a:buNone/>
+            </a:pPr>
+            <a:r>
+              <a:rPr lang="zh-CN" altLang="en-US" sz="2000" dirty="0" smtClean="0"/>
+              <a:t>入侵区域：轨迹跟踪</a:t>
+            </a:r>
+            <a:endParaRPr lang="en-US" altLang="zh-CN" sz="2000" dirty="0"/>
+          </a:p>
+        </p:txBody>
+      </p:sp>
+      <p:sp>
+        <p:nvSpPr>
+          <p:cNvPr id="13" name="矩形 12"/>
+          <p:cNvSpPr/>
+          <p:nvPr/>
+        </p:nvSpPr>
+        <p:spPr>
+          <a:xfrm>
+            <a:off x="3353279" y="4067780"/>
+            <a:ext cx="1256754" cy="400110"/>
+          </a:xfrm>
+          <a:prstGeom prst="rect">
+            <a:avLst/>
+          </a:prstGeom>
+        </p:spPr>
+        <p:txBody>
+          <a:bodyPr wrap="none">
+            <a:spAutoFit/>
+          </a:bodyPr>
+          <a:lstStyle/>
+          <a:p>
+            <a:pPr marL="45720" indent="0">
+              <a:buNone/>
+            </a:pPr>
+            <a:r>
+              <a:rPr lang="zh-CN" altLang="en-US" sz="2000" dirty="0" smtClean="0"/>
+              <a:t>形状大小</a:t>
+            </a:r>
+            <a:endParaRPr lang="en-US" altLang="zh-CN" sz="2000" dirty="0"/>
+          </a:p>
+        </p:txBody>
+      </p:sp>
+      <p:sp>
+        <p:nvSpPr>
+          <p:cNvPr id="15" name="矩形 14"/>
+          <p:cNvSpPr/>
+          <p:nvPr/>
+        </p:nvSpPr>
+        <p:spPr>
+          <a:xfrm>
+            <a:off x="1547664" y="3068960"/>
+            <a:ext cx="1461939" cy="461665"/>
+          </a:xfrm>
+          <a:prstGeom prst="rect">
+            <a:avLst/>
+          </a:prstGeom>
+        </p:spPr>
+        <p:txBody>
+          <a:bodyPr wrap="none">
+            <a:spAutoFit/>
+          </a:bodyPr>
+          <a:lstStyle/>
+          <a:p>
+            <a:pPr marL="45720" indent="0">
+              <a:buNone/>
+            </a:pPr>
+            <a:r>
+              <a:rPr lang="zh-CN" altLang="en-US" sz="2400" dirty="0" smtClean="0"/>
+              <a:t>特征查找</a:t>
+            </a:r>
+            <a:endParaRPr lang="en-US" altLang="zh-CN" sz="2400" dirty="0"/>
+          </a:p>
+        </p:txBody>
+      </p:sp>
+    </p:spTree>
+    <p:extLst>
+      <p:ext uri="{BB962C8B-B14F-4D97-AF65-F5344CB8AC3E}">
+        <p14:creationId xmlns:p14="http://schemas.microsoft.com/office/powerpoint/2010/main" val="412558560"/>
+      </p:ext>
+    </p:extLst>
+  </p:cSld>
+  <p:clrMapOvr>
+    <a:masterClrMapping/>
+  </p:clrMapOvr>
+  <p:timing>
+    <p:tnLst>
+      <p:par>
+        <p:cTn id="1" dur="indefinite" restart="never" nodeType="tmRoot"/>
+      </p:par>
+    </p:tnLst>
+  </p:timing>
+</p:sld>
+</file>
+
+<file path=ppt/slides/slide9.xml><?xml version="1.0" encoding="utf-8"?>
+<p:sld xmlns:a="http://schemas.openxmlformats.org/drawingml/2006/main" xmlns:r="http://schemas.openxmlformats.org/officeDocument/2006/relationships" xmlns:p="http://schemas.openxmlformats.org/presentationml/2006/main">
+  <p:cSld>
+    <p:spTree>
+      <p:nvGrpSpPr>
+        <p:cNvPr id="1" name=""/>
+        <p:cNvGrpSpPr/>
+        <p:nvPr/>
+      </p:nvGrpSpPr>
+      <p:grpSpPr>
+        <a:xfrm>
+          <a:off x="0" y="0"/>
+          <a:ext cx="0" cy="0"/>
+          <a:chOff x="0" y="0"/>
+          <a:chExt cx="0" cy="0"/>
+        </a:xfrm>
+      </p:grpSpPr>
+      <p:sp>
+        <p:nvSpPr>
+          <p:cNvPr id="2" name="标题 1"/>
+          <p:cNvSpPr>
+            <a:spLocks noGrp="1"/>
+          </p:cNvSpPr>
+          <p:nvPr>
+            <p:ph type="title"/>
+          </p:nvPr>
+        </p:nvSpPr>
+        <p:spPr>
+          <a:xfrm>
+            <a:off x="2595993" y="5742384"/>
+            <a:ext cx="6512511" cy="1143000"/>
+          </a:xfrm>
+        </p:spPr>
+        <p:txBody>
+          <a:bodyPr/>
+          <a:lstStyle/>
+          <a:p>
+            <a:r>
+              <a:rPr lang="zh-CN" altLang="en-US" dirty="0" smtClean="0"/>
+              <a:t>特征提取技术路线</a:t>
+            </a:r>
+            <a:endParaRPr lang="zh-CN" altLang="en-US" dirty="0"/>
+          </a:p>
+        </p:txBody>
+      </p:sp>
+      <p:pic>
+        <p:nvPicPr>
+          <p:cNvPr id="1026" name="Picture 2"/>
+          <p:cNvPicPr>
+            <a:picLocks noChangeAspect="1" noChangeArrowheads="1"/>
+          </p:cNvPicPr>
+          <p:nvPr/>
+        </p:nvPicPr>
+        <p:blipFill>
+          <a:blip r:embed="rId2">
+            <a:extLst>
+              <a:ext uri="{28A0092B-C50C-407E-A947-70E740481C1C}">
+                <a14:useLocalDpi xmlns:a14="http://schemas.microsoft.com/office/drawing/2010/main" val="0"/>
+              </a:ext>
+            </a:extLst>
+          </a:blip>
+          <a:srcRect/>
+          <a:stretch>
+            <a:fillRect/>
+          </a:stretch>
+        </p:blipFill>
+        <p:spPr bwMode="auto">
+          <a:xfrm>
+            <a:off x="4352900" y="7494"/>
+            <a:ext cx="2019300" cy="5200650"/>
+          </a:xfrm>
+          <a:prstGeom prst="rect">
+            <a:avLst/>
+          </a:prstGeom>
+          <a:noFill/>
+          <a:ln>
+            <a:noFill/>
+          </a:ln>
+          <a:extLst>
+            <a:ext uri="{909E8E84-426E-40DD-AFC4-6F175D3DCCD1}">
+              <a14:hiddenFill xmlns:a14="http://schemas.microsoft.com/office/drawing/2010/main">
+                <a:solidFill>
+                  <a:schemeClr val="accent1"/>
+                </a:solidFill>
+              </a14:hiddenFill>
+            </a:ext>
+            <a:ext uri="{91240B29-F687-4F45-9708-019B960494DF}">
+              <a14:hiddenLine xmlns:a14="http://schemas.microsoft.com/office/drawing/2010/main" w="9525">
+                <a:solidFill>
+                  <a:schemeClr val="tx1"/>
+                </a:solidFill>
+                <a:miter lim="800000"/>
+                <a:headEnd/>
+                <a:tailEnd/>
+              </a14:hiddenLine>
+            </a:ext>
+          </a:extLst>
+        </p:spPr>
+      </p:pic>
+      <p:sp>
+        <p:nvSpPr>
+          <p:cNvPr id="3" name="TextBox 2"/>
+          <p:cNvSpPr txBox="1"/>
+          <p:nvPr/>
+        </p:nvSpPr>
+        <p:spPr>
+          <a:xfrm>
+            <a:off x="2404209" y="548680"/>
+            <a:ext cx="1015663" cy="4392488"/>
+          </a:xfrm>
+          <a:prstGeom prst="rect">
+            <a:avLst/>
+          </a:prstGeom>
+          <a:noFill/>
+        </p:spPr>
+        <p:txBody>
+          <a:bodyPr vert="eaVert" wrap="square" rtlCol="0">
+            <a:spAutoFit/>
+          </a:bodyPr>
+          <a:lstStyle/>
+          <a:p>
+            <a:r>
+              <a:rPr lang="zh-CN" altLang="en-US" dirty="0"/>
+              <a:t>基于视频摘要的视频信息检索，只需要对视频有意义的部分进行检索操作，将大大缩小视频特征处理的时间。</a:t>
+            </a:r>
+            <a:endParaRPr lang="en-US" altLang="zh-CN" dirty="0"/>
+          </a:p>
+        </p:txBody>
+      </p:sp>
+    </p:spTree>
+    <p:extLst>
+      <p:ext uri="{BB962C8B-B14F-4D97-AF65-F5344CB8AC3E}">
+        <p14:creationId xmlns:p14="http://schemas.microsoft.com/office/powerpoint/2010/main" val="1037395504"/>
       </p:ext>
     </p:extLst>
   </p:cSld>

--- a/研究生毕业设计/文档管理/预答辩/毕业设计预答辩.pptx
+++ b/研究生毕业设计/文档管理/预答辩/毕业设计预答辩.pptx
@@ -12,13 +12,23 @@
     <p:sldId id="269" r:id="rId6"/>
     <p:sldId id="257" r:id="rId7"/>
     <p:sldId id="262" r:id="rId8"/>
-    <p:sldId id="259" r:id="rId9"/>
-    <p:sldId id="263" r:id="rId10"/>
-    <p:sldId id="260" r:id="rId11"/>
-    <p:sldId id="264" r:id="rId12"/>
-    <p:sldId id="270" r:id="rId13"/>
-    <p:sldId id="261" r:id="rId14"/>
-    <p:sldId id="271" r:id="rId15"/>
+    <p:sldId id="272" r:id="rId9"/>
+    <p:sldId id="274" r:id="rId10"/>
+    <p:sldId id="275" r:id="rId11"/>
+    <p:sldId id="276" r:id="rId12"/>
+    <p:sldId id="277" r:id="rId13"/>
+    <p:sldId id="278" r:id="rId14"/>
+    <p:sldId id="279" r:id="rId15"/>
+    <p:sldId id="273" r:id="rId16"/>
+    <p:sldId id="280" r:id="rId17"/>
+    <p:sldId id="281" r:id="rId18"/>
+    <p:sldId id="259" r:id="rId19"/>
+    <p:sldId id="263" r:id="rId20"/>
+    <p:sldId id="260" r:id="rId21"/>
+    <p:sldId id="264" r:id="rId22"/>
+    <p:sldId id="270" r:id="rId23"/>
+    <p:sldId id="261" r:id="rId24"/>
+    <p:sldId id="271" r:id="rId25"/>
   </p:sldIdLst>
   <p:sldSz cx="9144000" cy="6858000" type="screen4x3"/>
   <p:notesSz cx="6858000" cy="9144000"/>
@@ -4583,7 +4593,7 @@
         </p:nvSpPr>
         <p:spPr>
           <a:xfrm>
-            <a:off x="2627784" y="5742384"/>
+            <a:off x="2631489" y="5715000"/>
             <a:ext cx="6512511" cy="1143000"/>
           </a:xfrm>
         </p:spPr>
@@ -4593,7 +4603,7 @@
           <a:p>
             <a:r>
               <a:rPr lang="zh-CN" altLang="en-US" dirty="0" smtClean="0"/>
-              <a:t>技术难点</a:t>
+              <a:t>均值法背景建模</a:t>
             </a:r>
             <a:endParaRPr lang="zh-CN" altLang="en-US" dirty="0"/>
           </a:p>
@@ -4611,91 +4621,73 @@
         </p:nvSpPr>
         <p:spPr/>
         <p:txBody>
-          <a:bodyPr>
-            <a:normAutofit fontScale="92500"/>
-          </a:bodyPr>
-          <a:lstStyle/>
-          <a:p>
-            <a:r>
-              <a:rPr lang="zh-CN" altLang="en-US" dirty="0" smtClean="0"/>
-              <a:t>运动对象的复杂性</a:t>
-            </a:r>
-            <a:endParaRPr lang="en-US" altLang="zh-CN" dirty="0" smtClean="0"/>
-          </a:p>
-          <a:p>
-            <a:pPr marL="45720" indent="0">
-              <a:buNone/>
-            </a:pPr>
-            <a:r>
-              <a:rPr lang="en-US" altLang="zh-CN" dirty="0"/>
-              <a:t> </a:t>
-            </a:r>
-            <a:r>
-              <a:rPr lang="en-US" altLang="zh-CN" dirty="0" smtClean="0"/>
-              <a:t>  </a:t>
-            </a:r>
-            <a:r>
-              <a:rPr lang="zh-CN" altLang="en-US" dirty="0" smtClean="0"/>
-              <a:t>运动对象太多，太杂会对跟踪造成很大的影响，具体表现为当两个运动对象有交错重叠的时候应该如何区分。</a:t>
-            </a:r>
-            <a:endParaRPr lang="en-US" altLang="zh-CN" dirty="0" smtClean="0"/>
-          </a:p>
-          <a:p>
-            <a:r>
-              <a:rPr lang="zh-CN" altLang="en-US" dirty="0" smtClean="0"/>
-              <a:t>场景的复杂性</a:t>
-            </a:r>
-            <a:endParaRPr lang="en-US" altLang="zh-CN" dirty="0" smtClean="0"/>
-          </a:p>
-          <a:p>
-            <a:pPr marL="45720" indent="0">
-              <a:buNone/>
-            </a:pPr>
-            <a:r>
-              <a:rPr lang="en-US" altLang="zh-CN" dirty="0"/>
-              <a:t> </a:t>
-            </a:r>
-            <a:r>
-              <a:rPr lang="en-US" altLang="zh-CN" dirty="0" smtClean="0"/>
-              <a:t>  </a:t>
-            </a:r>
-            <a:r>
-              <a:rPr lang="zh-CN" altLang="en-US" dirty="0" smtClean="0"/>
-              <a:t>背景因素的干扰会对运动物体检测造成一定的影响，比如下雨天的雨点，随风摇摆的树枝等。</a:t>
-            </a:r>
-            <a:endParaRPr lang="en-US" altLang="zh-CN" dirty="0" smtClean="0"/>
-          </a:p>
-          <a:p>
-            <a:r>
-              <a:rPr lang="zh-CN" altLang="en-US" dirty="0" smtClean="0"/>
-              <a:t>监控视频色彩失真</a:t>
-            </a:r>
-            <a:endParaRPr lang="en-US" altLang="zh-CN" dirty="0" smtClean="0"/>
-          </a:p>
-          <a:p>
-            <a:pPr marL="45720" indent="0">
-              <a:buNone/>
-            </a:pPr>
-            <a:r>
-              <a:rPr lang="en-US" altLang="zh-CN" dirty="0"/>
-              <a:t> </a:t>
-            </a:r>
-            <a:r>
-              <a:rPr lang="en-US" altLang="zh-CN" dirty="0" smtClean="0"/>
-              <a:t>  </a:t>
-            </a:r>
-            <a:r>
-              <a:rPr lang="zh-CN" altLang="en-US" dirty="0" smtClean="0"/>
-              <a:t>监控摄像头拍摄的画面可能会有些许颜色失真，会对事件的特征分析带来一定影响。</a:t>
-            </a:r>
-            <a:endParaRPr lang="zh-CN" altLang="en-US" dirty="0"/>
-          </a:p>
-        </p:txBody>
-      </p:sp>
+          <a:bodyPr/>
+          <a:lstStyle/>
+          <a:p>
+            <a:endParaRPr lang="zh-CN" altLang="en-US"/>
+          </a:p>
+        </p:txBody>
+      </p:sp>
+      <p:pic>
+        <p:nvPicPr>
+          <p:cNvPr id="4" name="图片 3"/>
+          <p:cNvPicPr/>
+          <p:nvPr/>
+        </p:nvPicPr>
+        <p:blipFill>
+          <a:blip r:embed="rId2" cstate="screen">
+            <a:extLst>
+              <a:ext uri="{28A0092B-C50C-407E-A947-70E740481C1C}">
+                <a14:useLocalDpi xmlns:a14="http://schemas.microsoft.com/office/drawing/2010/main"/>
+              </a:ext>
+            </a:extLst>
+          </a:blip>
+          <a:stretch>
+            <a:fillRect/>
+          </a:stretch>
+        </p:blipFill>
+        <p:spPr>
+          <a:xfrm>
+            <a:off x="0" y="0"/>
+            <a:ext cx="5486400" cy="3086100"/>
+          </a:xfrm>
+          <a:prstGeom prst="rect">
+            <a:avLst/>
+          </a:prstGeom>
+        </p:spPr>
+      </p:pic>
+      <p:pic>
+        <p:nvPicPr>
+          <p:cNvPr id="5" name="图片 4"/>
+          <p:cNvPicPr/>
+          <p:nvPr/>
+        </p:nvPicPr>
+        <p:blipFill>
+          <a:blip r:embed="rId3" cstate="screen">
+            <a:extLst>
+              <a:ext uri="{28A0092B-C50C-407E-A947-70E740481C1C}">
+                <a14:useLocalDpi xmlns:a14="http://schemas.microsoft.com/office/drawing/2010/main"/>
+              </a:ext>
+            </a:extLst>
+          </a:blip>
+          <a:stretch>
+            <a:fillRect/>
+          </a:stretch>
+        </p:blipFill>
+        <p:spPr>
+          <a:xfrm>
+            <a:off x="3663497" y="2708920"/>
+            <a:ext cx="5486400" cy="3086100"/>
+          </a:xfrm>
+          <a:prstGeom prst="rect">
+            <a:avLst/>
+          </a:prstGeom>
+        </p:spPr>
+      </p:pic>
     </p:spTree>
     <p:extLst>
       <p:ext uri="{BB962C8B-B14F-4D97-AF65-F5344CB8AC3E}">
-        <p14:creationId xmlns:p14="http://schemas.microsoft.com/office/powerpoint/2010/main" val="2528434094"/>
+        <p14:creationId xmlns:p14="http://schemas.microsoft.com/office/powerpoint/2010/main" val="2720064265"/>
       </p:ext>
     </p:extLst>
   </p:cSld>
@@ -4705,7 +4697,136 @@
   <p:timing>
     <p:tnLst>
       <p:par>
-        <p:cTn id="1" dur="indefinite" restart="never" nodeType="tmRoot"/>
+        <p:cTn id="1" dur="indefinite" restart="never" nodeType="tmRoot">
+          <p:childTnLst>
+            <p:seq concurrent="1" nextAc="seek">
+              <p:cTn id="2" dur="indefinite" nodeType="mainSeq">
+                <p:childTnLst>
+                  <p:par>
+                    <p:cTn id="3" fill="hold">
+                      <p:stCondLst>
+                        <p:cond delay="indefinite"/>
+                      </p:stCondLst>
+                      <p:childTnLst>
+                        <p:par>
+                          <p:cTn id="4" fill="hold">
+                            <p:stCondLst>
+                              <p:cond delay="0"/>
+                            </p:stCondLst>
+                            <p:childTnLst>
+                              <p:par>
+                                <p:cTn id="5" presetID="10" presetClass="entr" presetSubtype="0" fill="hold" nodeType="clickEffect">
+                                  <p:stCondLst>
+                                    <p:cond delay="0"/>
+                                  </p:stCondLst>
+                                  <p:childTnLst>
+                                    <p:set>
+                                      <p:cBhvr>
+                                        <p:cTn id="6" dur="1" fill="hold">
+                                          <p:stCondLst>
+                                            <p:cond delay="0"/>
+                                          </p:stCondLst>
+                                        </p:cTn>
+                                        <p:tgtEl>
+                                          <p:spTgt spid="4"/>
+                                        </p:tgtEl>
+                                        <p:attrNameLst>
+                                          <p:attrName>style.visibility</p:attrName>
+                                        </p:attrNameLst>
+                                      </p:cBhvr>
+                                      <p:to>
+                                        <p:strVal val="visible"/>
+                                      </p:to>
+                                    </p:set>
+                                    <p:animEffect transition="in" filter="fade">
+                                      <p:cBhvr>
+                                        <p:cTn id="7" dur="500"/>
+                                        <p:tgtEl>
+                                          <p:spTgt spid="4"/>
+                                        </p:tgtEl>
+                                      </p:cBhvr>
+                                    </p:animEffect>
+                                  </p:childTnLst>
+                                </p:cTn>
+                              </p:par>
+                            </p:childTnLst>
+                          </p:cTn>
+                        </p:par>
+                      </p:childTnLst>
+                    </p:cTn>
+                  </p:par>
+                  <p:par>
+                    <p:cTn id="8" fill="hold">
+                      <p:stCondLst>
+                        <p:cond delay="indefinite"/>
+                      </p:stCondLst>
+                      <p:childTnLst>
+                        <p:par>
+                          <p:cTn id="9" fill="hold">
+                            <p:stCondLst>
+                              <p:cond delay="0"/>
+                            </p:stCondLst>
+                            <p:childTnLst>
+                              <p:par>
+                                <p:cTn id="10" presetID="10" presetClass="entr" presetSubtype="0" fill="hold" nodeType="clickEffect">
+                                  <p:stCondLst>
+                                    <p:cond delay="0"/>
+                                  </p:stCondLst>
+                                  <p:childTnLst>
+                                    <p:set>
+                                      <p:cBhvr>
+                                        <p:cTn id="11" dur="1" fill="hold">
+                                          <p:stCondLst>
+                                            <p:cond delay="0"/>
+                                          </p:stCondLst>
+                                        </p:cTn>
+                                        <p:tgtEl>
+                                          <p:spTgt spid="5"/>
+                                        </p:tgtEl>
+                                        <p:attrNameLst>
+                                          <p:attrName>style.visibility</p:attrName>
+                                        </p:attrNameLst>
+                                      </p:cBhvr>
+                                      <p:to>
+                                        <p:strVal val="visible"/>
+                                      </p:to>
+                                    </p:set>
+                                    <p:animEffect transition="in" filter="fade">
+                                      <p:cBhvr>
+                                        <p:cTn id="12" dur="500"/>
+                                        <p:tgtEl>
+                                          <p:spTgt spid="5"/>
+                                        </p:tgtEl>
+                                      </p:cBhvr>
+                                    </p:animEffect>
+                                  </p:childTnLst>
+                                </p:cTn>
+                              </p:par>
+                            </p:childTnLst>
+                          </p:cTn>
+                        </p:par>
+                      </p:childTnLst>
+                    </p:cTn>
+                  </p:par>
+                </p:childTnLst>
+              </p:cTn>
+              <p:prevCondLst>
+                <p:cond evt="onPrev" delay="0">
+                  <p:tgtEl>
+                    <p:sldTgt/>
+                  </p:tgtEl>
+                </p:cond>
+              </p:prevCondLst>
+              <p:nextCondLst>
+                <p:cond evt="onNext" delay="0">
+                  <p:tgtEl>
+                    <p:sldTgt/>
+                  </p:tgtEl>
+                </p:cond>
+              </p:nextCondLst>
+            </p:seq>
+          </p:childTnLst>
+        </p:cTn>
       </p:par>
     </p:tnLst>
   </p:timing>
@@ -4741,7 +4862,7 @@
         </p:nvSpPr>
         <p:spPr>
           <a:xfrm>
-            <a:off x="2627784" y="5742384"/>
+            <a:off x="2662504" y="5742684"/>
             <a:ext cx="6512511" cy="1143000"/>
           </a:xfrm>
         </p:spPr>
@@ -4751,7 +4872,7 @@
           <a:p>
             <a:r>
               <a:rPr lang="zh-CN" altLang="en-US" dirty="0" smtClean="0"/>
-              <a:t>视频云摘要和云检索</a:t>
+              <a:t>高斯背景建模</a:t>
             </a:r>
             <a:endParaRPr lang="zh-CN" altLang="en-US" dirty="0"/>
           </a:p>
@@ -4772,25 +4893,70 @@
           <a:bodyPr/>
           <a:lstStyle/>
           <a:p>
-            <a:r>
-              <a:rPr lang="zh-CN" altLang="en-US" dirty="0" smtClean="0"/>
-              <a:t>单一监控摄像头或视频的摘要和查询问题解决了，但是仅仅解决了局部问题而不是整体问题。</a:t>
-            </a:r>
-            <a:endParaRPr lang="en-US" altLang="zh-CN" dirty="0" smtClean="0"/>
-          </a:p>
-          <a:p>
-            <a:r>
-              <a:rPr lang="zh-CN" altLang="en-US" dirty="0" smtClean="0"/>
-              <a:t>将视频摘要和视频信息检索跟云处理相结合，成为了海量监控视频摘要与检索的唯一出路。</a:t>
-            </a:r>
-            <a:endParaRPr lang="zh-CN" altLang="en-US" dirty="0"/>
-          </a:p>
-        </p:txBody>
-      </p:sp>
+            <a:endParaRPr lang="zh-CN" altLang="en-US"/>
+          </a:p>
+        </p:txBody>
+      </p:sp>
+      <p:pic>
+        <p:nvPicPr>
+          <p:cNvPr id="4" name="图片 3"/>
+          <p:cNvPicPr/>
+          <p:nvPr/>
+        </p:nvPicPr>
+        <p:blipFill>
+          <a:blip r:embed="rId2" cstate="screen">
+            <a:extLst>
+              <a:ext uri="{28A0092B-C50C-407E-A947-70E740481C1C}">
+                <a14:useLocalDpi xmlns:a14="http://schemas.microsoft.com/office/drawing/2010/main"/>
+              </a:ext>
+            </a:extLst>
+          </a:blip>
+          <a:stretch>
+            <a:fillRect/>
+          </a:stretch>
+        </p:blipFill>
+        <p:spPr>
+          <a:xfrm>
+            <a:off x="0" y="0"/>
+            <a:ext cx="5486400" cy="3085465"/>
+          </a:xfrm>
+          <a:prstGeom prst="rect">
+            <a:avLst/>
+          </a:prstGeom>
+        </p:spPr>
+      </p:pic>
+      <p:pic>
+        <p:nvPicPr>
+          <p:cNvPr id="5" name="图片 4"/>
+          <p:cNvPicPr/>
+          <p:nvPr/>
+        </p:nvPicPr>
+        <p:blipFill>
+          <a:blip r:embed="rId3" cstate="screen">
+            <a:extLst>
+              <a:ext uri="{28A0092B-C50C-407E-A947-70E740481C1C}">
+                <a14:useLocalDpi xmlns:a14="http://schemas.microsoft.com/office/drawing/2010/main"/>
+              </a:ext>
+            </a:extLst>
+          </a:blip>
+          <a:stretch>
+            <a:fillRect/>
+          </a:stretch>
+        </p:blipFill>
+        <p:spPr>
+          <a:xfrm>
+            <a:off x="3657600" y="2708920"/>
+            <a:ext cx="5486400" cy="3085465"/>
+          </a:xfrm>
+          <a:prstGeom prst="rect">
+            <a:avLst/>
+          </a:prstGeom>
+        </p:spPr>
+      </p:pic>
     </p:spTree>
     <p:extLst>
       <p:ext uri="{BB962C8B-B14F-4D97-AF65-F5344CB8AC3E}">
-        <p14:creationId xmlns:p14="http://schemas.microsoft.com/office/powerpoint/2010/main" val="3756721532"/>
+        <p14:creationId xmlns:p14="http://schemas.microsoft.com/office/powerpoint/2010/main" val="2706334340"/>
       </p:ext>
     </p:extLst>
   </p:cSld>
@@ -4800,7 +4966,136 @@
   <p:timing>
     <p:tnLst>
       <p:par>
-        <p:cTn id="1" dur="indefinite" restart="never" nodeType="tmRoot"/>
+        <p:cTn id="1" dur="indefinite" restart="never" nodeType="tmRoot">
+          <p:childTnLst>
+            <p:seq concurrent="1" nextAc="seek">
+              <p:cTn id="2" dur="indefinite" nodeType="mainSeq">
+                <p:childTnLst>
+                  <p:par>
+                    <p:cTn id="3" fill="hold">
+                      <p:stCondLst>
+                        <p:cond delay="indefinite"/>
+                      </p:stCondLst>
+                      <p:childTnLst>
+                        <p:par>
+                          <p:cTn id="4" fill="hold">
+                            <p:stCondLst>
+                              <p:cond delay="0"/>
+                            </p:stCondLst>
+                            <p:childTnLst>
+                              <p:par>
+                                <p:cTn id="5" presetID="10" presetClass="entr" presetSubtype="0" fill="hold" nodeType="clickEffect">
+                                  <p:stCondLst>
+                                    <p:cond delay="0"/>
+                                  </p:stCondLst>
+                                  <p:childTnLst>
+                                    <p:set>
+                                      <p:cBhvr>
+                                        <p:cTn id="6" dur="1" fill="hold">
+                                          <p:stCondLst>
+                                            <p:cond delay="0"/>
+                                          </p:stCondLst>
+                                        </p:cTn>
+                                        <p:tgtEl>
+                                          <p:spTgt spid="4"/>
+                                        </p:tgtEl>
+                                        <p:attrNameLst>
+                                          <p:attrName>style.visibility</p:attrName>
+                                        </p:attrNameLst>
+                                      </p:cBhvr>
+                                      <p:to>
+                                        <p:strVal val="visible"/>
+                                      </p:to>
+                                    </p:set>
+                                    <p:animEffect transition="in" filter="fade">
+                                      <p:cBhvr>
+                                        <p:cTn id="7" dur="500"/>
+                                        <p:tgtEl>
+                                          <p:spTgt spid="4"/>
+                                        </p:tgtEl>
+                                      </p:cBhvr>
+                                    </p:animEffect>
+                                  </p:childTnLst>
+                                </p:cTn>
+                              </p:par>
+                            </p:childTnLst>
+                          </p:cTn>
+                        </p:par>
+                      </p:childTnLst>
+                    </p:cTn>
+                  </p:par>
+                  <p:par>
+                    <p:cTn id="8" fill="hold">
+                      <p:stCondLst>
+                        <p:cond delay="indefinite"/>
+                      </p:stCondLst>
+                      <p:childTnLst>
+                        <p:par>
+                          <p:cTn id="9" fill="hold">
+                            <p:stCondLst>
+                              <p:cond delay="0"/>
+                            </p:stCondLst>
+                            <p:childTnLst>
+                              <p:par>
+                                <p:cTn id="10" presetID="10" presetClass="entr" presetSubtype="0" fill="hold" nodeType="clickEffect">
+                                  <p:stCondLst>
+                                    <p:cond delay="0"/>
+                                  </p:stCondLst>
+                                  <p:childTnLst>
+                                    <p:set>
+                                      <p:cBhvr>
+                                        <p:cTn id="11" dur="1" fill="hold">
+                                          <p:stCondLst>
+                                            <p:cond delay="0"/>
+                                          </p:stCondLst>
+                                        </p:cTn>
+                                        <p:tgtEl>
+                                          <p:spTgt spid="5"/>
+                                        </p:tgtEl>
+                                        <p:attrNameLst>
+                                          <p:attrName>style.visibility</p:attrName>
+                                        </p:attrNameLst>
+                                      </p:cBhvr>
+                                      <p:to>
+                                        <p:strVal val="visible"/>
+                                      </p:to>
+                                    </p:set>
+                                    <p:animEffect transition="in" filter="fade">
+                                      <p:cBhvr>
+                                        <p:cTn id="12" dur="500"/>
+                                        <p:tgtEl>
+                                          <p:spTgt spid="5"/>
+                                        </p:tgtEl>
+                                      </p:cBhvr>
+                                    </p:animEffect>
+                                  </p:childTnLst>
+                                </p:cTn>
+                              </p:par>
+                            </p:childTnLst>
+                          </p:cTn>
+                        </p:par>
+                      </p:childTnLst>
+                    </p:cTn>
+                  </p:par>
+                </p:childTnLst>
+              </p:cTn>
+              <p:prevCondLst>
+                <p:cond evt="onPrev" delay="0">
+                  <p:tgtEl>
+                    <p:sldTgt/>
+                  </p:tgtEl>
+                </p:cond>
+              </p:prevCondLst>
+              <p:nextCondLst>
+                <p:cond evt="onNext" delay="0">
+                  <p:tgtEl>
+                    <p:sldTgt/>
+                  </p:tgtEl>
+                </p:cond>
+              </p:nextCondLst>
+            </p:seq>
+          </p:childTnLst>
+        </p:cTn>
       </p:par>
     </p:tnLst>
   </p:timing>
@@ -4836,7 +5131,7 @@
         </p:nvSpPr>
         <p:spPr>
           <a:xfrm>
-            <a:off x="2627784" y="5742384"/>
+            <a:off x="2631489" y="5733572"/>
             <a:ext cx="6512511" cy="1143000"/>
           </a:xfrm>
         </p:spPr>
@@ -4846,7 +5141,7 @@
           <a:p>
             <a:r>
               <a:rPr lang="zh-CN" altLang="en-US" dirty="0" smtClean="0"/>
-              <a:t>云框架</a:t>
+              <a:t>帧差法</a:t>
             </a:r>
             <a:endParaRPr lang="zh-CN" altLang="en-US" dirty="0"/>
           </a:p>
@@ -4854,62 +5149,254 @@
       </p:sp>
       <p:pic>
         <p:nvPicPr>
-          <p:cNvPr id="2050" name="Picture 2"/>
-          <p:cNvPicPr>
-            <a:picLocks noChangeAspect="1" noChangeArrowheads="1"/>
-          </p:cNvPicPr>
+          <p:cNvPr id="4" name="图片 3"/>
+          <p:cNvPicPr/>
           <p:nvPr/>
         </p:nvPicPr>
         <p:blipFill>
-          <a:blip r:embed="rId2">
+          <a:blip r:embed="rId2" cstate="screen">
             <a:extLst>
               <a:ext uri="{28A0092B-C50C-407E-A947-70E740481C1C}">
-                <a14:useLocalDpi xmlns:a14="http://schemas.microsoft.com/office/drawing/2010/main" val="0"/>
+                <a14:useLocalDpi xmlns:a14="http://schemas.microsoft.com/office/drawing/2010/main"/>
               </a:ext>
             </a:extLst>
           </a:blip>
-          <a:srcRect/>
           <a:stretch>
             <a:fillRect/>
           </a:stretch>
         </p:blipFill>
-        <p:spPr bwMode="auto">
+        <p:spPr>
           <a:xfrm>
-            <a:off x="971600" y="0"/>
-            <a:ext cx="6840760" cy="5655028"/>
+            <a:off x="1979712" y="1700808"/>
+            <a:ext cx="5486400" cy="3086100"/>
           </a:xfrm>
           <a:prstGeom prst="rect">
             <a:avLst/>
           </a:prstGeom>
-          <a:noFill/>
-          <a:ln>
-            <a:noFill/>
-          </a:ln>
-          <a:extLst>
-            <a:ext uri="{909E8E84-426E-40DD-AFC4-6F175D3DCCD1}">
-              <a14:hiddenFill xmlns:a14="http://schemas.microsoft.com/office/drawing/2010/main">
-                <a:solidFill>
-                  <a:schemeClr val="accent1"/>
-                </a:solidFill>
-              </a14:hiddenFill>
-            </a:ext>
-            <a:ext uri="{91240B29-F687-4F45-9708-019B960494DF}">
-              <a14:hiddenLine xmlns:a14="http://schemas.microsoft.com/office/drawing/2010/main" w="9525">
-                <a:solidFill>
-                  <a:schemeClr val="tx1"/>
-                </a:solidFill>
-                <a:miter lim="800000"/>
-                <a:headEnd/>
-                <a:tailEnd/>
-              </a14:hiddenLine>
-            </a:ext>
-          </a:extLst>
         </p:spPr>
       </p:pic>
+      <mc:AlternateContent xmlns:mc="http://schemas.openxmlformats.org/markup-compatibility/2006">
+        <mc:Choice xmlns:a14="http://schemas.microsoft.com/office/drawing/2010/main" Requires="a14">
+          <p:sp>
+            <p:nvSpPr>
+              <p:cNvPr id="5" name="矩形 4"/>
+              <p:cNvSpPr/>
+              <p:nvPr/>
+            </p:nvSpPr>
+            <p:spPr>
+              <a:xfrm>
+                <a:off x="2665495" y="826263"/>
+                <a:ext cx="3514745" cy="452945"/>
+              </a:xfrm>
+              <a:prstGeom prst="rect">
+                <a:avLst/>
+              </a:prstGeom>
+            </p:spPr>
+            <p:txBody>
+              <a:bodyPr wrap="none">
+                <a:spAutoFit/>
+              </a:bodyPr>
+              <a:lstStyle/>
+              <a:p>
+                <a14:m>
+                  <m:oMathPara xmlns:m="http://schemas.openxmlformats.org/officeDocument/2006/math">
+                    <m:oMathParaPr>
+                      <m:jc m:val="centerGroup"/>
+                    </m:oMathParaPr>
+                    <m:oMath xmlns:m="http://schemas.openxmlformats.org/officeDocument/2006/math">
+                      <m:sSub>
+                        <m:sSubPr>
+                          <m:ctrlPr>
+                            <a:rPr lang="zh-CN" altLang="zh-CN" i="1"/>
+                          </m:ctrlPr>
+                        </m:sSubPr>
+                        <m:e>
+                          <m:r>
+                            <a:rPr lang="en-US" altLang="zh-CN" i="1"/>
+                            <m:t>𝐷</m:t>
+                          </m:r>
+                        </m:e>
+                        <m:sub>
+                          <m:r>
+                            <a:rPr lang="en-US" altLang="zh-CN" i="1"/>
+                            <m:t>𝑘</m:t>
+                          </m:r>
+                        </m:sub>
+                      </m:sSub>
+                      <m:d>
+                        <m:dPr>
+                          <m:ctrlPr>
+                            <a:rPr lang="zh-CN" altLang="zh-CN" i="1"/>
+                          </m:ctrlPr>
+                        </m:dPr>
+                        <m:e>
+                          <m:r>
+                            <a:rPr lang="en-US" altLang="zh-CN" i="1"/>
+                            <m:t>𝑥</m:t>
+                          </m:r>
+                          <m:r>
+                            <a:rPr lang="en-US" altLang="zh-CN" i="1"/>
+                            <m:t>,</m:t>
+                          </m:r>
+                          <m:r>
+                            <a:rPr lang="en-US" altLang="zh-CN" i="1"/>
+                            <m:t>𝑦</m:t>
+                          </m:r>
+                        </m:e>
+                      </m:d>
+                      <m:r>
+                        <a:rPr lang="en-US" altLang="zh-CN" i="1"/>
+                        <m:t>=|</m:t>
+                      </m:r>
+                      <m:sSubSup>
+                        <m:sSubSupPr>
+                          <m:ctrlPr>
+                            <a:rPr lang="zh-CN" altLang="zh-CN" i="1"/>
+                          </m:ctrlPr>
+                        </m:sSubSupPr>
+                        <m:e>
+                          <m:r>
+                            <a:rPr lang="en-US" altLang="zh-CN" i="1"/>
+                            <m:t>𝑓</m:t>
+                          </m:r>
+                        </m:e>
+                        <m:sub>
+                          <m:r>
+                            <a:rPr lang="en-US" altLang="zh-CN" i="1"/>
+                            <m:t>𝑘</m:t>
+                          </m:r>
+                        </m:sub>
+                        <m:sup>
+                          <m:r>
+                            <a:rPr lang="en-US" altLang="zh-CN" i="1"/>
+                            <m:t>′</m:t>
+                          </m:r>
+                        </m:sup>
+                      </m:sSubSup>
+                      <m:r>
+                        <a:rPr lang="en-US" altLang="zh-CN" i="1"/>
+                        <m:t>(</m:t>
+                      </m:r>
+                      <m:r>
+                        <a:rPr lang="en-US" altLang="zh-CN" i="1"/>
+                        <m:t>𝑥</m:t>
+                      </m:r>
+                      <m:r>
+                        <a:rPr lang="en-US" altLang="zh-CN" i="1"/>
+                        <m:t>,</m:t>
+                      </m:r>
+                      <m:r>
+                        <a:rPr lang="en-US" altLang="zh-CN" i="1"/>
+                        <m:t>𝑦</m:t>
+                      </m:r>
+                      <m:r>
+                        <a:rPr lang="en-US" altLang="zh-CN" i="1"/>
+                        <m:t>)−</m:t>
+                      </m:r>
+                      <m:sSubSup>
+                        <m:sSubSupPr>
+                          <m:ctrlPr>
+                            <a:rPr lang="zh-CN" altLang="zh-CN" i="1"/>
+                          </m:ctrlPr>
+                        </m:sSubSupPr>
+                        <m:e>
+                          <m:r>
+                            <a:rPr lang="en-US" altLang="zh-CN" i="1"/>
+                            <m:t>𝑓</m:t>
+                          </m:r>
+                        </m:e>
+                        <m:sub>
+                          <m:r>
+                            <a:rPr lang="en-US" altLang="zh-CN" i="1"/>
+                            <m:t>𝑘</m:t>
+                          </m:r>
+                          <m:r>
+                            <a:rPr lang="en-US" altLang="zh-CN" i="1"/>
+                            <m:t>−</m:t>
+                          </m:r>
+                          <m:r>
+                            <a:rPr lang="en-US" altLang="zh-CN"/>
+                            <m:t>1</m:t>
+                          </m:r>
+                        </m:sub>
+                        <m:sup>
+                          <m:r>
+                            <a:rPr lang="en-US" altLang="zh-CN" i="1"/>
+                            <m:t>′</m:t>
+                          </m:r>
+                        </m:sup>
+                      </m:sSubSup>
+                      <m:r>
+                        <a:rPr lang="en-US" altLang="zh-CN" i="1"/>
+                        <m:t>(</m:t>
+                      </m:r>
+                      <m:r>
+                        <a:rPr lang="en-US" altLang="zh-CN" i="1"/>
+                        <m:t>𝑥</m:t>
+                      </m:r>
+                      <m:r>
+                        <a:rPr lang="en-US" altLang="zh-CN" i="1"/>
+                        <m:t>,</m:t>
+                      </m:r>
+                      <m:r>
+                        <a:rPr lang="en-US" altLang="zh-CN" i="1"/>
+                        <m:t>𝑦</m:t>
+                      </m:r>
+                      <m:r>
+                        <a:rPr lang="en-US" altLang="zh-CN" i="1"/>
+                        <m:t>)|</m:t>
+                      </m:r>
+                    </m:oMath>
+                  </m:oMathPara>
+                </a14:m>
+                <a:endParaRPr lang="zh-CN" altLang="en-US" dirty="0"/>
+              </a:p>
+            </p:txBody>
+          </p:sp>
+        </mc:Choice>
+        <mc:Fallback>
+          <p:sp>
+            <p:nvSpPr>
+              <p:cNvPr id="5" name="矩形 4"/>
+              <p:cNvSpPr>
+                <a:spLocks noRot="1" noChangeAspect="1" noMove="1" noResize="1" noEditPoints="1" noAdjustHandles="1" noChangeArrowheads="1" noChangeShapeType="1" noTextEdit="1"/>
+              </p:cNvSpPr>
+              <p:nvPr/>
+            </p:nvSpPr>
+            <p:spPr>
+              <a:xfrm>
+                <a:off x="2665495" y="826263"/>
+                <a:ext cx="3514745" cy="452945"/>
+              </a:xfrm>
+              <a:prstGeom prst="rect">
+                <a:avLst/>
+              </a:prstGeom>
+              <a:blipFill rotWithShape="1">
+                <a:blip r:embed="rId3"/>
+                <a:stretch>
+                  <a:fillRect b="-4054"/>
+                </a:stretch>
+              </a:blipFill>
+            </p:spPr>
+            <p:txBody>
+              <a:bodyPr/>
+              <a:lstStyle/>
+              <a:p>
+                <a:r>
+                  <a:rPr lang="zh-CN" altLang="en-US">
+                    <a:noFill/>
+                  </a:rPr>
+                  <a:t> </a:t>
+                </a:r>
+              </a:p>
+            </p:txBody>
+          </p:sp>
+        </mc:Fallback>
+      </mc:AlternateContent>
     </p:spTree>
     <p:extLst>
       <p:ext uri="{BB962C8B-B14F-4D97-AF65-F5344CB8AC3E}">
-        <p14:creationId xmlns:p14="http://schemas.microsoft.com/office/powerpoint/2010/main" val="1059875998"/>
+        <p14:creationId xmlns:p14="http://schemas.microsoft.com/office/powerpoint/2010/main" val="3567832363"/>
       </p:ext>
     </p:extLst>
   </p:cSld>
@@ -4919,7 +5406,83 @@
   <p:timing>
     <p:tnLst>
       <p:par>
-        <p:cTn id="1" dur="indefinite" restart="never" nodeType="tmRoot"/>
+        <p:cTn id="1" dur="indefinite" restart="never" nodeType="tmRoot">
+          <p:childTnLst>
+            <p:seq concurrent="1" nextAc="seek">
+              <p:cTn id="2" dur="indefinite" nodeType="mainSeq">
+                <p:childTnLst>
+                  <p:par>
+                    <p:cTn id="3" fill="hold">
+                      <p:stCondLst>
+                        <p:cond delay="indefinite"/>
+                      </p:stCondLst>
+                      <p:childTnLst>
+                        <p:par>
+                          <p:cTn id="4" fill="hold">
+                            <p:stCondLst>
+                              <p:cond delay="0"/>
+                            </p:stCondLst>
+                            <p:childTnLst>
+                              <p:par>
+                                <p:cTn id="5" presetID="10" presetClass="entr" presetSubtype="0" fill="hold" nodeType="clickEffect">
+                                  <p:stCondLst>
+                                    <p:cond delay="0"/>
+                                  </p:stCondLst>
+                                  <p:childTnLst>
+                                    <p:set>
+                                      <p:cBhvr>
+                                        <p:cTn id="6" dur="1" fill="hold">
+                                          <p:stCondLst>
+                                            <p:cond delay="0"/>
+                                          </p:stCondLst>
+                                        </p:cTn>
+                                        <p:tgtEl>
+                                          <p:spTgt spid="4"/>
+                                        </p:tgtEl>
+                                        <p:attrNameLst>
+                                          <p:attrName>style.visibility</p:attrName>
+                                        </p:attrNameLst>
+                                      </p:cBhvr>
+                                      <p:to>
+                                        <p:strVal val="visible"/>
+                                      </p:to>
+                                    </p:set>
+                                    <p:animEffect transition="in" filter="fade">
+                                      <p:cBhvr>
+                                        <p:cTn id="7" dur="500"/>
+                                        <p:tgtEl>
+                                          <p:spTgt spid="4"/>
+                                        </p:tgtEl>
+                                      </p:cBhvr>
+                                    </p:animEffect>
+                                  </p:childTnLst>
+                                </p:cTn>
+                              </p:par>
+                            </p:childTnLst>
+                          </p:cTn>
+                        </p:par>
+                      </p:childTnLst>
+                    </p:cTn>
+                  </p:par>
+                </p:childTnLst>
+              </p:cTn>
+              <p:prevCondLst>
+                <p:cond evt="onPrev" delay="0">
+                  <p:tgtEl>
+                    <p:sldTgt/>
+                  </p:tgtEl>
+                </p:cond>
+              </p:prevCondLst>
+              <p:nextCondLst>
+                <p:cond evt="onNext" delay="0">
+                  <p:tgtEl>
+                    <p:sldTgt/>
+                  </p:tgtEl>
+                </p:cond>
+              </p:nextCondLst>
+            </p:seq>
+          </p:childTnLst>
+        </p:cTn>
       </p:par>
     </p:tnLst>
   </p:timing>
@@ -4955,7 +5518,7 @@
         </p:nvSpPr>
         <p:spPr>
           <a:xfrm>
-            <a:off x="2627784" y="5742384"/>
+            <a:off x="2631489" y="5715000"/>
             <a:ext cx="6512511" cy="1143000"/>
           </a:xfrm>
         </p:spPr>
@@ -4965,52 +5528,728 @@
           <a:p>
             <a:r>
               <a:rPr lang="zh-CN" altLang="en-US" dirty="0" smtClean="0"/>
-              <a:t>应用举例</a:t>
+              <a:t>三帧差分法</a:t>
             </a:r>
             <a:endParaRPr lang="zh-CN" altLang="en-US" dirty="0"/>
           </a:p>
         </p:txBody>
       </p:sp>
-      <p:sp>
-        <p:nvSpPr>
-          <p:cNvPr id="3" name="内容占位符 2"/>
-          <p:cNvSpPr>
-            <a:spLocks noGrp="1"/>
-          </p:cNvSpPr>
-          <p:nvPr>
-            <p:ph sz="quarter" idx="13"/>
-          </p:nvPr>
-        </p:nvSpPr>
-        <p:spPr/>
-        <p:txBody>
-          <a:bodyPr/>
-          <a:lstStyle/>
-          <a:p>
-            <a:r>
-              <a:rPr lang="zh-CN" altLang="en-US" dirty="0" smtClean="0"/>
-              <a:t>警察根据目击者提供的线索，要在海量监控视频中寻找一个穿着黄色上衣的人。</a:t>
-            </a:r>
-            <a:endParaRPr lang="en-US" altLang="zh-CN" dirty="0" smtClean="0"/>
-          </a:p>
-          <a:p>
-            <a:pPr marL="45720" indent="0">
-              <a:buNone/>
-            </a:pPr>
-            <a:endParaRPr lang="en-US" altLang="zh-CN" dirty="0" smtClean="0"/>
-          </a:p>
-          <a:p>
-            <a:r>
-              <a:rPr lang="zh-CN" altLang="en-US" dirty="0" smtClean="0"/>
-              <a:t>一黑色小轿车肇事后逃离，由于车速太快没人记住车牌号码，现需要在多个路口的交通监控视频中查找某一时间段所有经过的黑色小轿车。</a:t>
-            </a:r>
-            <a:endParaRPr lang="zh-CN" altLang="en-US" dirty="0"/>
-          </a:p>
-        </p:txBody>
-      </p:sp>
+      <mc:AlternateContent xmlns:mc="http://schemas.openxmlformats.org/markup-compatibility/2006">
+        <mc:Choice xmlns:a14="http://schemas.microsoft.com/office/drawing/2010/main" Requires="a14">
+          <p:sp>
+            <p:nvSpPr>
+              <p:cNvPr id="4" name="矩形 3"/>
+              <p:cNvSpPr/>
+              <p:nvPr/>
+            </p:nvSpPr>
+            <p:spPr>
+              <a:xfrm>
+                <a:off x="2264029" y="404664"/>
+                <a:ext cx="4572000" cy="816890"/>
+              </a:xfrm>
+              <a:prstGeom prst="rect">
+                <a:avLst/>
+              </a:prstGeom>
+            </p:spPr>
+            <p:txBody>
+              <a:bodyPr>
+                <a:spAutoFit/>
+              </a:bodyPr>
+              <a:lstStyle/>
+              <a:p>
+                <a14:m>
+                  <m:oMathPara xmlns:m="http://schemas.openxmlformats.org/officeDocument/2006/math">
+                    <m:oMathParaPr>
+                      <m:jc m:val="centerGroup"/>
+                    </m:oMathParaPr>
+                    <m:oMath xmlns:m="http://schemas.openxmlformats.org/officeDocument/2006/math">
+                      <m:sSub>
+                        <m:sSubPr>
+                          <m:ctrlPr>
+                            <a:rPr lang="zh-CN" altLang="zh-CN" i="1" smtClean="0"/>
+                          </m:ctrlPr>
+                        </m:sSubPr>
+                        <m:e>
+                          <m:r>
+                            <a:rPr lang="en-US" altLang="zh-CN" i="1"/>
+                            <m:t>𝐷</m:t>
+                          </m:r>
+                        </m:e>
+                        <m:sub>
+                          <m:r>
+                            <a:rPr lang="en-US" altLang="zh-CN" i="1"/>
+                            <m:t>𝑘</m:t>
+                          </m:r>
+                        </m:sub>
+                      </m:sSub>
+                      <m:d>
+                        <m:dPr>
+                          <m:ctrlPr>
+                            <a:rPr lang="zh-CN" altLang="zh-CN" i="1"/>
+                          </m:ctrlPr>
+                        </m:dPr>
+                        <m:e>
+                          <m:r>
+                            <a:rPr lang="en-US" altLang="zh-CN" i="1"/>
+                            <m:t>𝑥</m:t>
+                          </m:r>
+                          <m:r>
+                            <a:rPr lang="en-US" altLang="zh-CN" i="1"/>
+                            <m:t>,</m:t>
+                          </m:r>
+                          <m:r>
+                            <a:rPr lang="en-US" altLang="zh-CN" i="1"/>
+                            <m:t>𝑦</m:t>
+                          </m:r>
+                        </m:e>
+                      </m:d>
+                      <m:r>
+                        <a:rPr lang="en-US" altLang="zh-CN" i="1"/>
+                        <m:t>=|</m:t>
+                      </m:r>
+                      <m:sSubSup>
+                        <m:sSubSupPr>
+                          <m:ctrlPr>
+                            <a:rPr lang="zh-CN" altLang="zh-CN" i="1"/>
+                          </m:ctrlPr>
+                        </m:sSubSupPr>
+                        <m:e>
+                          <m:r>
+                            <a:rPr lang="en-US" altLang="zh-CN" i="1"/>
+                            <m:t>𝑓</m:t>
+                          </m:r>
+                        </m:e>
+                        <m:sub>
+                          <m:r>
+                            <a:rPr lang="en-US" altLang="zh-CN" i="1"/>
+                            <m:t>𝑘</m:t>
+                          </m:r>
+                        </m:sub>
+                        <m:sup>
+                          <m:r>
+                            <a:rPr lang="en-US" altLang="zh-CN" i="1"/>
+                            <m:t>′</m:t>
+                          </m:r>
+                        </m:sup>
+                      </m:sSubSup>
+                      <m:d>
+                        <m:dPr>
+                          <m:ctrlPr>
+                            <a:rPr lang="zh-CN" altLang="zh-CN" i="1"/>
+                          </m:ctrlPr>
+                        </m:dPr>
+                        <m:e>
+                          <m:r>
+                            <a:rPr lang="en-US" altLang="zh-CN" i="1"/>
+                            <m:t>𝑥</m:t>
+                          </m:r>
+                          <m:r>
+                            <a:rPr lang="en-US" altLang="zh-CN" i="1"/>
+                            <m:t>,</m:t>
+                          </m:r>
+                          <m:r>
+                            <a:rPr lang="en-US" altLang="zh-CN" i="1"/>
+                            <m:t>𝑦</m:t>
+                          </m:r>
+                        </m:e>
+                      </m:d>
+                      <m:r>
+                        <a:rPr lang="en-US" altLang="zh-CN" i="1"/>
+                        <m:t>− </m:t>
+                      </m:r>
+                      <m:sSubSup>
+                        <m:sSubSupPr>
+                          <m:ctrlPr>
+                            <a:rPr lang="zh-CN" altLang="zh-CN" i="1"/>
+                          </m:ctrlPr>
+                        </m:sSubSupPr>
+                        <m:e>
+                          <m:r>
+                            <a:rPr lang="en-US" altLang="zh-CN" i="1"/>
+                            <m:t>𝑓</m:t>
+                          </m:r>
+                        </m:e>
+                        <m:sub>
+                          <m:r>
+                            <a:rPr lang="en-US" altLang="zh-CN" i="1"/>
+                            <m:t>𝑘</m:t>
+                          </m:r>
+                          <m:r>
+                            <a:rPr lang="en-US" altLang="zh-CN" i="1"/>
+                            <m:t>−1</m:t>
+                          </m:r>
+                        </m:sub>
+                        <m:sup>
+                          <m:r>
+                            <a:rPr lang="en-US" altLang="zh-CN" i="1"/>
+                            <m:t>′</m:t>
+                          </m:r>
+                        </m:sup>
+                      </m:sSubSup>
+                      <m:d>
+                        <m:dPr>
+                          <m:ctrlPr>
+                            <a:rPr lang="zh-CN" altLang="zh-CN" i="1"/>
+                          </m:ctrlPr>
+                        </m:dPr>
+                        <m:e>
+                          <m:r>
+                            <a:rPr lang="en-US" altLang="zh-CN" i="1"/>
+                            <m:t>𝑥</m:t>
+                          </m:r>
+                          <m:r>
+                            <a:rPr lang="en-US" altLang="zh-CN" i="1"/>
+                            <m:t>,</m:t>
+                          </m:r>
+                          <m:r>
+                            <a:rPr lang="en-US" altLang="zh-CN" i="1"/>
+                            <m:t>𝑦</m:t>
+                          </m:r>
+                        </m:e>
+                      </m:d>
+                      <m:r>
+                        <a:rPr lang="en-US" altLang="zh-CN" i="1"/>
+                        <m:t>|</m:t>
+                      </m:r>
+                    </m:oMath>
+                  </m:oMathPara>
+                </a14:m>
+                <a:endParaRPr lang="zh-CN" altLang="zh-CN" dirty="0"/>
+              </a:p>
+              <a:p>
+                <a14:m>
+                  <m:oMathPara xmlns:m="http://schemas.openxmlformats.org/officeDocument/2006/math">
+                    <m:oMathParaPr>
+                      <m:jc m:val="centerGroup"/>
+                    </m:oMathParaPr>
+                    <m:oMath xmlns:m="http://schemas.openxmlformats.org/officeDocument/2006/math">
+                      <m:sSub>
+                        <m:sSubPr>
+                          <m:ctrlPr>
+                            <a:rPr lang="zh-CN" altLang="zh-CN" i="1"/>
+                          </m:ctrlPr>
+                        </m:sSubPr>
+                        <m:e>
+                          <m:r>
+                            <a:rPr lang="en-US" altLang="zh-CN" i="1"/>
+                            <m:t>𝐷</m:t>
+                          </m:r>
+                        </m:e>
+                        <m:sub>
+                          <m:r>
+                            <a:rPr lang="en-US" altLang="zh-CN" i="1"/>
+                            <m:t>𝑘</m:t>
+                          </m:r>
+                          <m:r>
+                            <a:rPr lang="en-US" altLang="zh-CN" i="1"/>
+                            <m:t>+1</m:t>
+                          </m:r>
+                        </m:sub>
+                      </m:sSub>
+                      <m:d>
+                        <m:dPr>
+                          <m:ctrlPr>
+                            <a:rPr lang="zh-CN" altLang="zh-CN" i="1"/>
+                          </m:ctrlPr>
+                        </m:dPr>
+                        <m:e>
+                          <m:r>
+                            <a:rPr lang="en-US" altLang="zh-CN" i="1"/>
+                            <m:t>𝑥</m:t>
+                          </m:r>
+                          <m:r>
+                            <a:rPr lang="en-US" altLang="zh-CN" i="1"/>
+                            <m:t>,</m:t>
+                          </m:r>
+                          <m:r>
+                            <a:rPr lang="en-US" altLang="zh-CN" i="1"/>
+                            <m:t>𝑦</m:t>
+                          </m:r>
+                        </m:e>
+                      </m:d>
+                      <m:r>
+                        <a:rPr lang="en-US" altLang="zh-CN" i="1"/>
+                        <m:t>=|</m:t>
+                      </m:r>
+                      <m:sSubSup>
+                        <m:sSubSupPr>
+                          <m:ctrlPr>
+                            <a:rPr lang="zh-CN" altLang="zh-CN" i="1"/>
+                          </m:ctrlPr>
+                        </m:sSubSupPr>
+                        <m:e>
+                          <m:r>
+                            <a:rPr lang="en-US" altLang="zh-CN" i="1"/>
+                            <m:t>𝑓</m:t>
+                          </m:r>
+                        </m:e>
+                        <m:sub>
+                          <m:r>
+                            <a:rPr lang="en-US" altLang="zh-CN" i="1"/>
+                            <m:t>𝑘</m:t>
+                          </m:r>
+                          <m:r>
+                            <a:rPr lang="en-US" altLang="zh-CN" i="1"/>
+                            <m:t>+1</m:t>
+                          </m:r>
+                        </m:sub>
+                        <m:sup>
+                          <m:r>
+                            <a:rPr lang="en-US" altLang="zh-CN" i="1"/>
+                            <m:t>′</m:t>
+                          </m:r>
+                        </m:sup>
+                      </m:sSubSup>
+                      <m:d>
+                        <m:dPr>
+                          <m:ctrlPr>
+                            <a:rPr lang="zh-CN" altLang="zh-CN" i="1"/>
+                          </m:ctrlPr>
+                        </m:dPr>
+                        <m:e>
+                          <m:r>
+                            <a:rPr lang="en-US" altLang="zh-CN" i="1"/>
+                            <m:t>𝑥</m:t>
+                          </m:r>
+                          <m:r>
+                            <a:rPr lang="en-US" altLang="zh-CN" i="1"/>
+                            <m:t>,</m:t>
+                          </m:r>
+                          <m:r>
+                            <a:rPr lang="en-US" altLang="zh-CN" i="1"/>
+                            <m:t>𝑦</m:t>
+                          </m:r>
+                        </m:e>
+                      </m:d>
+                      <m:r>
+                        <a:rPr lang="en-US" altLang="zh-CN" i="1"/>
+                        <m:t>− </m:t>
+                      </m:r>
+                      <m:sSubSup>
+                        <m:sSubSupPr>
+                          <m:ctrlPr>
+                            <a:rPr lang="zh-CN" altLang="zh-CN" i="1"/>
+                          </m:ctrlPr>
+                        </m:sSubSupPr>
+                        <m:e>
+                          <m:r>
+                            <a:rPr lang="en-US" altLang="zh-CN" i="1"/>
+                            <m:t>𝑓</m:t>
+                          </m:r>
+                        </m:e>
+                        <m:sub>
+                          <m:r>
+                            <a:rPr lang="en-US" altLang="zh-CN" i="1"/>
+                            <m:t>𝑘</m:t>
+                          </m:r>
+                        </m:sub>
+                        <m:sup>
+                          <m:r>
+                            <a:rPr lang="en-US" altLang="zh-CN" i="1"/>
+                            <m:t>′</m:t>
+                          </m:r>
+                        </m:sup>
+                      </m:sSubSup>
+                      <m:d>
+                        <m:dPr>
+                          <m:ctrlPr>
+                            <a:rPr lang="zh-CN" altLang="zh-CN" i="1"/>
+                          </m:ctrlPr>
+                        </m:dPr>
+                        <m:e>
+                          <m:r>
+                            <a:rPr lang="en-US" altLang="zh-CN" i="1"/>
+                            <m:t>𝑥</m:t>
+                          </m:r>
+                          <m:r>
+                            <a:rPr lang="en-US" altLang="zh-CN" i="1"/>
+                            <m:t>,</m:t>
+                          </m:r>
+                          <m:r>
+                            <a:rPr lang="en-US" altLang="zh-CN" i="1"/>
+                            <m:t>𝑦</m:t>
+                          </m:r>
+                        </m:e>
+                      </m:d>
+                      <m:r>
+                        <a:rPr lang="en-US" altLang="zh-CN" i="1"/>
+                        <m:t>|</m:t>
+                      </m:r>
+                    </m:oMath>
+                  </m:oMathPara>
+                </a14:m>
+                <a:endParaRPr lang="zh-CN" altLang="zh-CN" dirty="0"/>
+              </a:p>
+            </p:txBody>
+          </p:sp>
+        </mc:Choice>
+        <mc:Fallback>
+          <p:sp>
+            <p:nvSpPr>
+              <p:cNvPr id="4" name="矩形 3"/>
+              <p:cNvSpPr>
+                <a:spLocks noRot="1" noChangeAspect="1" noMove="1" noResize="1" noEditPoints="1" noAdjustHandles="1" noChangeArrowheads="1" noChangeShapeType="1" noTextEdit="1"/>
+              </p:cNvSpPr>
+              <p:nvPr/>
+            </p:nvSpPr>
+            <p:spPr>
+              <a:xfrm>
+                <a:off x="2264029" y="404664"/>
+                <a:ext cx="4572000" cy="816890"/>
+              </a:xfrm>
+              <a:prstGeom prst="rect">
+                <a:avLst/>
+              </a:prstGeom>
+              <a:blipFill rotWithShape="1">
+                <a:blip r:embed="rId2"/>
+                <a:stretch>
+                  <a:fillRect b="-1493"/>
+                </a:stretch>
+              </a:blipFill>
+            </p:spPr>
+            <p:txBody>
+              <a:bodyPr/>
+              <a:lstStyle/>
+              <a:p>
+                <a:r>
+                  <a:rPr lang="zh-CN" altLang="en-US">
+                    <a:noFill/>
+                  </a:rPr>
+                  <a:t> </a:t>
+                </a:r>
+              </a:p>
+            </p:txBody>
+          </p:sp>
+        </mc:Fallback>
+      </mc:AlternateContent>
+      <mc:AlternateContent xmlns:mc="http://schemas.openxmlformats.org/markup-compatibility/2006">
+        <mc:Choice xmlns:a14="http://schemas.microsoft.com/office/drawing/2010/main" Requires="a14">
+          <p:sp>
+            <p:nvSpPr>
+              <p:cNvPr id="5" name="矩形 4"/>
+              <p:cNvSpPr/>
+              <p:nvPr/>
+            </p:nvSpPr>
+            <p:spPr>
+              <a:xfrm>
+                <a:off x="1403648" y="1268760"/>
+                <a:ext cx="7128792" cy="743473"/>
+              </a:xfrm>
+              <a:prstGeom prst="rect">
+                <a:avLst/>
+              </a:prstGeom>
+            </p:spPr>
+            <p:txBody>
+              <a:bodyPr wrap="square">
+                <a:spAutoFit/>
+              </a:bodyPr>
+              <a:lstStyle/>
+              <a:p>
+                <a14:m>
+                  <m:oMathPara xmlns:m="http://schemas.openxmlformats.org/officeDocument/2006/math">
+                    <m:oMathParaPr>
+                      <m:jc m:val="centerGroup"/>
+                    </m:oMathParaPr>
+                    <m:oMath xmlns:m="http://schemas.openxmlformats.org/officeDocument/2006/math">
+                      <m:sSubSup>
+                        <m:sSubSupPr>
+                          <m:ctrlPr>
+                            <a:rPr lang="zh-CN" altLang="zh-CN" i="1"/>
+                          </m:ctrlPr>
+                        </m:sSubSupPr>
+                        <m:e>
+                          <m:r>
+                            <a:rPr lang="en-US" altLang="zh-CN" i="1"/>
+                            <m:t>𝐷</m:t>
+                          </m:r>
+                        </m:e>
+                        <m:sub>
+                          <m:r>
+                            <a:rPr lang="en-US" altLang="zh-CN" i="1"/>
+                            <m:t>𝑘</m:t>
+                          </m:r>
+                        </m:sub>
+                        <m:sup>
+                          <m:r>
+                            <a:rPr lang="zh-CN" altLang="zh-CN"/>
+                            <m:t>三帧差分</m:t>
+                          </m:r>
+                        </m:sup>
+                      </m:sSubSup>
+                      <m:d>
+                        <m:dPr>
+                          <m:ctrlPr>
+                            <a:rPr lang="zh-CN" altLang="zh-CN" i="1"/>
+                          </m:ctrlPr>
+                        </m:dPr>
+                        <m:e>
+                          <m:r>
+                            <a:rPr lang="en-US" altLang="zh-CN" i="1"/>
+                            <m:t>𝑥</m:t>
+                          </m:r>
+                          <m:r>
+                            <a:rPr lang="en-US" altLang="zh-CN" i="1"/>
+                            <m:t>,</m:t>
+                          </m:r>
+                          <m:r>
+                            <a:rPr lang="en-US" altLang="zh-CN" i="1"/>
+                            <m:t>𝑦</m:t>
+                          </m:r>
+                        </m:e>
+                      </m:d>
+                      <m:r>
+                        <a:rPr lang="en-US" altLang="zh-CN" i="1"/>
+                        <m:t>=</m:t>
+                      </m:r>
+                      <m:r>
+                        <a:rPr lang="en-US" altLang="zh-CN"/>
+                        <m:t> </m:t>
+                      </m:r>
+                      <m:d>
+                        <m:dPr>
+                          <m:begChr m:val="{"/>
+                          <m:endChr m:val=""/>
+                          <m:ctrlPr>
+                            <a:rPr lang="zh-CN" altLang="zh-CN" i="1"/>
+                          </m:ctrlPr>
+                        </m:dPr>
+                        <m:e>
+                          <m:eqArr>
+                            <m:eqArrPr>
+                              <m:ctrlPr>
+                                <a:rPr lang="zh-CN" altLang="zh-CN" i="1"/>
+                              </m:ctrlPr>
+                            </m:eqArrPr>
+                            <m:e>
+                              <m:r>
+                                <a:rPr lang="en-US" altLang="zh-CN" i="1"/>
+                                <m:t>2</m:t>
+                              </m:r>
+                              <m:r>
+                                <a:rPr lang="en-US" altLang="zh-CN"/>
+                                <m:t>55     </m:t>
+                              </m:r>
+                              <m:r>
+                                <a:rPr lang="en-US" altLang="zh-CN" i="1"/>
+                                <m:t>𝑖𝑓</m:t>
+                              </m:r>
+                              <m:r>
+                                <a:rPr lang="en-US" altLang="zh-CN" i="1"/>
+                                <m:t> </m:t>
+                              </m:r>
+                              <m:sSubSup>
+                                <m:sSubSupPr>
+                                  <m:ctrlPr>
+                                    <a:rPr lang="zh-CN" altLang="zh-CN" i="1"/>
+                                  </m:ctrlPr>
+                                </m:sSubSupPr>
+                                <m:e>
+                                  <m:r>
+                                    <a:rPr lang="en-US" altLang="zh-CN" i="1"/>
+                                    <m:t> </m:t>
+                                  </m:r>
+                                  <m:r>
+                                    <a:rPr lang="en-US" altLang="zh-CN" i="1"/>
+                                    <m:t>𝐷</m:t>
+                                  </m:r>
+                                </m:e>
+                                <m:sub>
+                                  <m:r>
+                                    <a:rPr lang="en-US" altLang="zh-CN" i="1"/>
+                                    <m:t>𝑘</m:t>
+                                  </m:r>
+                                </m:sub>
+                                <m:sup>
+                                  <m:r>
+                                    <a:rPr lang="zh-CN" altLang="zh-CN"/>
+                                    <m:t>二值化</m:t>
+                                  </m:r>
+                                </m:sup>
+                              </m:sSubSup>
+                              <m:d>
+                                <m:dPr>
+                                  <m:ctrlPr>
+                                    <a:rPr lang="zh-CN" altLang="zh-CN" i="1"/>
+                                  </m:ctrlPr>
+                                </m:dPr>
+                                <m:e>
+                                  <m:r>
+                                    <a:rPr lang="en-US" altLang="zh-CN" i="1"/>
+                                    <m:t>𝑥</m:t>
+                                  </m:r>
+                                  <m:r>
+                                    <a:rPr lang="en-US" altLang="zh-CN" i="1"/>
+                                    <m:t>,</m:t>
+                                  </m:r>
+                                  <m:r>
+                                    <a:rPr lang="en-US" altLang="zh-CN" i="1"/>
+                                    <m:t>𝑦</m:t>
+                                  </m:r>
+                                </m:e>
+                              </m:d>
+                              <m:r>
+                                <a:rPr lang="en-US" altLang="zh-CN" i="1"/>
+                                <m:t> </m:t>
+                              </m:r>
+                              <m:r>
+                                <a:rPr lang="zh-CN" altLang="zh-CN" i="1"/>
+                                <m:t>∩ </m:t>
+                              </m:r>
+                              <m:sSubSup>
+                                <m:sSubSupPr>
+                                  <m:ctrlPr>
+                                    <a:rPr lang="zh-CN" altLang="zh-CN" i="1"/>
+                                  </m:ctrlPr>
+                                </m:sSubSupPr>
+                                <m:e>
+                                  <m:r>
+                                    <a:rPr lang="en-US" altLang="zh-CN" i="1"/>
+                                    <m:t>𝐷</m:t>
+                                  </m:r>
+                                </m:e>
+                                <m:sub>
+                                  <m:r>
+                                    <a:rPr lang="en-US" altLang="zh-CN" i="1"/>
+                                    <m:t>𝑘</m:t>
+                                  </m:r>
+                                  <m:r>
+                                    <a:rPr lang="en-US" altLang="zh-CN" i="1"/>
+                                    <m:t>+</m:t>
+                                  </m:r>
+                                  <m:r>
+                                    <a:rPr lang="en-US" altLang="zh-CN"/>
+                                    <m:t>1</m:t>
+                                  </m:r>
+                                </m:sub>
+                                <m:sup>
+                                  <m:r>
+                                    <a:rPr lang="zh-CN" altLang="zh-CN"/>
+                                    <m:t>二值化</m:t>
+                                  </m:r>
+                                </m:sup>
+                              </m:sSubSup>
+                              <m:d>
+                                <m:dPr>
+                                  <m:ctrlPr>
+                                    <a:rPr lang="zh-CN" altLang="zh-CN" i="1"/>
+                                  </m:ctrlPr>
+                                </m:dPr>
+                                <m:e>
+                                  <m:r>
+                                    <a:rPr lang="en-US" altLang="zh-CN" i="1"/>
+                                    <m:t>𝑥</m:t>
+                                  </m:r>
+                                  <m:r>
+                                    <a:rPr lang="en-US" altLang="zh-CN" i="1"/>
+                                    <m:t>,</m:t>
+                                  </m:r>
+                                  <m:r>
+                                    <a:rPr lang="en-US" altLang="zh-CN" i="1"/>
+                                    <m:t>𝑦</m:t>
+                                  </m:r>
+                                </m:e>
+                              </m:d>
+                              <m:r>
+                                <a:rPr lang="en-US" altLang="zh-CN" i="1"/>
+                                <m:t>=1 </m:t>
+                              </m:r>
+                            </m:e>
+                            <m:e>
+                              <m:r>
+                                <a:rPr lang="en-US" altLang="zh-CN" i="1"/>
+                                <m:t>0                                    </m:t>
+                              </m:r>
+                              <m:r>
+                                <a:rPr lang="en-US" altLang="zh-CN" i="1"/>
+                                <m:t>𝑒𝑙𝑠𝑒</m:t>
+                              </m:r>
+                              <m:r>
+                                <a:rPr lang="en-US" altLang="zh-CN" i="1"/>
+                                <m:t>                                  </m:t>
+                              </m:r>
+                            </m:e>
+                          </m:eqArr>
+                        </m:e>
+                      </m:d>
+                    </m:oMath>
+                  </m:oMathPara>
+                </a14:m>
+                <a:endParaRPr lang="zh-CN" altLang="zh-CN" dirty="0"/>
+              </a:p>
+            </p:txBody>
+          </p:sp>
+        </mc:Choice>
+        <mc:Fallback>
+          <p:sp>
+            <p:nvSpPr>
+              <p:cNvPr id="5" name="矩形 4"/>
+              <p:cNvSpPr>
+                <a:spLocks noRot="1" noChangeAspect="1" noMove="1" noResize="1" noEditPoints="1" noAdjustHandles="1" noChangeArrowheads="1" noChangeShapeType="1" noTextEdit="1"/>
+              </p:cNvSpPr>
+              <p:nvPr/>
+            </p:nvSpPr>
+            <p:spPr>
+              <a:xfrm>
+                <a:off x="1403648" y="1268760"/>
+                <a:ext cx="7128792" cy="743473"/>
+              </a:xfrm>
+              <a:prstGeom prst="rect">
+                <a:avLst/>
+              </a:prstGeom>
+              <a:blipFill rotWithShape="1">
+                <a:blip r:embed="rId3"/>
+                <a:stretch>
+                  <a:fillRect/>
+                </a:stretch>
+              </a:blipFill>
+            </p:spPr>
+            <p:txBody>
+              <a:bodyPr/>
+              <a:lstStyle/>
+              <a:p>
+                <a:r>
+                  <a:rPr lang="zh-CN" altLang="en-US">
+                    <a:noFill/>
+                  </a:rPr>
+                  <a:t> </a:t>
+                </a:r>
+              </a:p>
+            </p:txBody>
+          </p:sp>
+        </mc:Fallback>
+      </mc:AlternateContent>
+      <p:pic>
+        <p:nvPicPr>
+          <p:cNvPr id="6" name="图片 5"/>
+          <p:cNvPicPr/>
+          <p:nvPr/>
+        </p:nvPicPr>
+        <p:blipFill>
+          <a:blip r:embed="rId4" cstate="screen">
+            <a:extLst>
+              <a:ext uri="{28A0092B-C50C-407E-A947-70E740481C1C}">
+                <a14:useLocalDpi xmlns:a14="http://schemas.microsoft.com/office/drawing/2010/main"/>
+              </a:ext>
+            </a:extLst>
+          </a:blip>
+          <a:stretch>
+            <a:fillRect/>
+          </a:stretch>
+        </p:blipFill>
+        <p:spPr>
+          <a:xfrm>
+            <a:off x="1979712" y="2276871"/>
+            <a:ext cx="5486400" cy="3085465"/>
+          </a:xfrm>
+          <a:prstGeom prst="rect">
+            <a:avLst/>
+          </a:prstGeom>
+        </p:spPr>
+      </p:pic>
     </p:spTree>
     <p:extLst>
       <p:ext uri="{BB962C8B-B14F-4D97-AF65-F5344CB8AC3E}">
-        <p14:creationId xmlns:p14="http://schemas.microsoft.com/office/powerpoint/2010/main" val="611788110"/>
+        <p14:creationId xmlns:p14="http://schemas.microsoft.com/office/powerpoint/2010/main" val="1119055700"/>
       </p:ext>
     </p:extLst>
   </p:cSld>
@@ -5056,29 +6295,2928 @@
         </p:nvSpPr>
         <p:spPr>
           <a:xfrm>
-            <a:off x="3100049" y="2646040"/>
-            <a:ext cx="3056127" cy="1143000"/>
+            <a:off x="395536" y="5720780"/>
+            <a:ext cx="8757443" cy="1143000"/>
           </a:xfrm>
         </p:spPr>
         <p:txBody>
           <a:bodyPr/>
           <a:lstStyle/>
           <a:p>
-            <a:pPr marL="0" indent="0">
-              <a:buNone/>
-            </a:pPr>
             <a:r>
               <a:rPr lang="zh-CN" altLang="en-US" dirty="0" smtClean="0"/>
-              <a:t>谢   谢！</a:t>
+              <a:t>与运动历史图结合的三帧差分法</a:t>
             </a:r>
             <a:endParaRPr lang="zh-CN" altLang="en-US" dirty="0"/>
           </a:p>
         </p:txBody>
       </p:sp>
+      <mc:AlternateContent xmlns:mc="http://schemas.openxmlformats.org/markup-compatibility/2006">
+        <mc:Choice xmlns:a14="http://schemas.microsoft.com/office/drawing/2010/main" Requires="a14">
+          <p:sp>
+            <p:nvSpPr>
+              <p:cNvPr id="4" name="矩形 3"/>
+              <p:cNvSpPr/>
+              <p:nvPr/>
+            </p:nvSpPr>
+            <p:spPr>
+              <a:xfrm>
+                <a:off x="2123728" y="474380"/>
+                <a:ext cx="4968552" cy="811761"/>
+              </a:xfrm>
+              <a:prstGeom prst="rect">
+                <a:avLst/>
+              </a:prstGeom>
+            </p:spPr>
+            <p:txBody>
+              <a:bodyPr wrap="square">
+                <a:spAutoFit/>
+              </a:bodyPr>
+              <a:lstStyle/>
+              <a:p>
+                <a14:m>
+                  <m:oMathPara xmlns:m="http://schemas.openxmlformats.org/officeDocument/2006/math">
+                    <m:oMathParaPr>
+                      <m:jc m:val="centerGroup"/>
+                    </m:oMathParaPr>
+                    <m:oMath xmlns:m="http://schemas.openxmlformats.org/officeDocument/2006/math">
+                      <m:sSub>
+                        <m:sSubPr>
+                          <m:ctrlPr>
+                            <a:rPr lang="zh-CN" altLang="zh-CN" i="1"/>
+                          </m:ctrlPr>
+                        </m:sSubPr>
+                        <m:e>
+                          <m:r>
+                            <a:rPr lang="en-US" altLang="zh-CN" i="1"/>
+                            <m:t>𝑀𝐻𝐼</m:t>
+                          </m:r>
+                        </m:e>
+                        <m:sub>
+                          <m:r>
+                            <a:rPr lang="en-US" altLang="zh-CN" i="1"/>
+                            <m:t>𝑘</m:t>
+                          </m:r>
+                        </m:sub>
+                      </m:sSub>
+                      <m:d>
+                        <m:dPr>
+                          <m:ctrlPr>
+                            <a:rPr lang="zh-CN" altLang="zh-CN" i="1"/>
+                          </m:ctrlPr>
+                        </m:dPr>
+                        <m:e>
+                          <m:r>
+                            <a:rPr lang="en-US" altLang="zh-CN" i="1"/>
+                            <m:t>𝑥</m:t>
+                          </m:r>
+                          <m:r>
+                            <a:rPr lang="en-US" altLang="zh-CN" i="1"/>
+                            <m:t>, </m:t>
+                          </m:r>
+                          <m:r>
+                            <a:rPr lang="en-US" altLang="zh-CN" i="1"/>
+                            <m:t>𝑦</m:t>
+                          </m:r>
+                        </m:e>
+                      </m:d>
+                      <m:r>
+                        <a:rPr lang="en-US" altLang="zh-CN" i="1"/>
+                        <m:t>= </m:t>
+                      </m:r>
+                      <m:d>
+                        <m:dPr>
+                          <m:begChr m:val="{"/>
+                          <m:endChr m:val=""/>
+                          <m:ctrlPr>
+                            <a:rPr lang="zh-CN" altLang="zh-CN" i="1"/>
+                          </m:ctrlPr>
+                        </m:dPr>
+                        <m:e>
+                          <m:eqArr>
+                            <m:eqArrPr>
+                              <m:ctrlPr>
+                                <a:rPr lang="zh-CN" altLang="zh-CN" i="1"/>
+                              </m:ctrlPr>
+                            </m:eqArrPr>
+                            <m:e>
+                              <m:r>
+                                <a:rPr lang="en-US" altLang="zh-CN" i="1"/>
+                                <m:t>𝑡</m:t>
+                              </m:r>
+                              <m:r>
+                                <a:rPr lang="en-US" altLang="zh-CN" i="1"/>
+                                <m:t>   </m:t>
+                              </m:r>
+                              <m:r>
+                                <a:rPr lang="en-US" altLang="zh-CN" i="1"/>
+                                <m:t>𝑖𝑓</m:t>
+                              </m:r>
+                              <m:r>
+                                <a:rPr lang="en-US" altLang="zh-CN" i="1"/>
+                                <m:t> </m:t>
+                              </m:r>
+                              <m:r>
+                                <a:rPr lang="en-US" altLang="zh-CN" i="1"/>
+                                <m:t>𝐼</m:t>
+                              </m:r>
+                              <m:sSubSup>
+                                <m:sSubSupPr>
+                                  <m:ctrlPr>
+                                    <a:rPr lang="zh-CN" altLang="zh-CN" i="1"/>
+                                  </m:ctrlPr>
+                                </m:sSubSupPr>
+                                <m:e>
+                                  <m:r>
+                                    <a:rPr lang="en-US" altLang="zh-CN" i="1"/>
+                                    <m:t>𝐷</m:t>
+                                  </m:r>
+                                </m:e>
+                                <m:sub>
+                                  <m:r>
+                                    <a:rPr lang="en-US" altLang="zh-CN" i="1"/>
+                                    <m:t>𝑘</m:t>
+                                  </m:r>
+                                </m:sub>
+                                <m:sup>
+                                  <m:r>
+                                    <a:rPr lang="zh-CN" altLang="zh-CN"/>
+                                    <m:t>三帧差分</m:t>
+                                  </m:r>
+                                </m:sup>
+                              </m:sSubSup>
+                              <m:d>
+                                <m:dPr>
+                                  <m:ctrlPr>
+                                    <a:rPr lang="zh-CN" altLang="zh-CN" i="1"/>
+                                  </m:ctrlPr>
+                                </m:dPr>
+                                <m:e>
+                                  <m:r>
+                                    <a:rPr lang="en-US" altLang="zh-CN" i="1"/>
+                                    <m:t>𝑥</m:t>
+                                  </m:r>
+                                  <m:r>
+                                    <a:rPr lang="en-US" altLang="zh-CN" i="1"/>
+                                    <m:t>,</m:t>
+                                  </m:r>
+                                  <m:r>
+                                    <a:rPr lang="en-US" altLang="zh-CN" i="1"/>
+                                    <m:t>𝑦</m:t>
+                                  </m:r>
+                                </m:e>
+                              </m:d>
+                              <m:r>
+                                <a:rPr lang="en-US" altLang="zh-CN" i="1"/>
+                                <m:t>=255</m:t>
+                              </m:r>
+                            </m:e>
+                            <m:e>
+                              <m:func>
+                                <m:funcPr>
+                                  <m:ctrlPr>
+                                    <a:rPr lang="zh-CN" altLang="zh-CN" i="1"/>
+                                  </m:ctrlPr>
+                                </m:funcPr>
+                                <m:fName>
+                                  <m:r>
+                                    <m:rPr>
+                                      <m:sty m:val="p"/>
+                                    </m:rPr>
+                                    <a:rPr lang="en-US" altLang="zh-CN"/>
+                                    <m:t>max</m:t>
+                                  </m:r>
+                                </m:fName>
+                                <m:e>
+                                  <m:d>
+                                    <m:dPr>
+                                      <m:ctrlPr>
+                                        <a:rPr lang="zh-CN" altLang="zh-CN" i="1"/>
+                                      </m:ctrlPr>
+                                    </m:dPr>
+                                    <m:e>
+                                      <m:r>
+                                        <a:rPr lang="en-US" altLang="zh-CN" i="1"/>
+                                        <m:t>0</m:t>
+                                      </m:r>
+                                      <m:r>
+                                        <a:rPr lang="zh-CN" altLang="zh-CN" i="1"/>
+                                        <m:t>，</m:t>
+                                      </m:r>
+                                      <m:sSub>
+                                        <m:sSubPr>
+                                          <m:ctrlPr>
+                                            <a:rPr lang="zh-CN" altLang="zh-CN" i="1"/>
+                                          </m:ctrlPr>
+                                        </m:sSubPr>
+                                        <m:e>
+                                          <m:r>
+                                            <a:rPr lang="en-US" altLang="zh-CN" i="1"/>
+                                            <m:t>𝑀𝐻𝐼</m:t>
+                                          </m:r>
+                                        </m:e>
+                                        <m:sub>
+                                          <m:r>
+                                            <a:rPr lang="en-US" altLang="zh-CN" i="1"/>
+                                            <m:t>𝑘</m:t>
+                                          </m:r>
+                                        </m:sub>
+                                      </m:sSub>
+                                      <m:d>
+                                        <m:dPr>
+                                          <m:ctrlPr>
+                                            <a:rPr lang="zh-CN" altLang="zh-CN" i="1"/>
+                                          </m:ctrlPr>
+                                        </m:dPr>
+                                        <m:e>
+                                          <m:r>
+                                            <a:rPr lang="en-US" altLang="zh-CN" i="1"/>
+                                            <m:t>𝑥</m:t>
+                                          </m:r>
+                                          <m:r>
+                                            <a:rPr lang="en-US" altLang="zh-CN" i="1"/>
+                                            <m:t>, </m:t>
+                                          </m:r>
+                                          <m:r>
+                                            <a:rPr lang="en-US" altLang="zh-CN" i="1"/>
+                                            <m:t>𝑦</m:t>
+                                          </m:r>
+                                        </m:e>
+                                      </m:d>
+                                      <m:r>
+                                        <a:rPr lang="en-US" altLang="zh-CN" i="1"/>
+                                        <m:t>−1</m:t>
+                                      </m:r>
+                                    </m:e>
+                                  </m:d>
+                                </m:e>
+                              </m:func>
+                              <m:r>
+                                <a:rPr lang="en-US" altLang="zh-CN" i="1"/>
+                                <m:t> </m:t>
+                              </m:r>
+                              <m:r>
+                                <a:rPr lang="en-US" altLang="zh-CN" i="1"/>
+                                <m:t>𝑒𝑙𝑠𝑒</m:t>
+                              </m:r>
+                            </m:e>
+                          </m:eqArr>
+                        </m:e>
+                      </m:d>
+                    </m:oMath>
+                  </m:oMathPara>
+                </a14:m>
+                <a:endParaRPr lang="zh-CN" altLang="zh-CN" dirty="0"/>
+              </a:p>
+            </p:txBody>
+          </p:sp>
+        </mc:Choice>
+        <mc:Fallback>
+          <p:sp>
+            <p:nvSpPr>
+              <p:cNvPr id="4" name="矩形 3"/>
+              <p:cNvSpPr>
+                <a:spLocks noRot="1" noChangeAspect="1" noMove="1" noResize="1" noEditPoints="1" noAdjustHandles="1" noChangeArrowheads="1" noChangeShapeType="1" noTextEdit="1"/>
+              </p:cNvSpPr>
+              <p:nvPr/>
+            </p:nvSpPr>
+            <p:spPr>
+              <a:xfrm>
+                <a:off x="2123728" y="474380"/>
+                <a:ext cx="4968552" cy="811761"/>
+              </a:xfrm>
+              <a:prstGeom prst="rect">
+                <a:avLst/>
+              </a:prstGeom>
+              <a:blipFill rotWithShape="1">
+                <a:blip r:embed="rId2"/>
+                <a:stretch>
+                  <a:fillRect/>
+                </a:stretch>
+              </a:blipFill>
+            </p:spPr>
+            <p:txBody>
+              <a:bodyPr/>
+              <a:lstStyle/>
+              <a:p>
+                <a:r>
+                  <a:rPr lang="zh-CN" altLang="en-US">
+                    <a:noFill/>
+                  </a:rPr>
+                  <a:t> </a:t>
+                </a:r>
+              </a:p>
+            </p:txBody>
+          </p:sp>
+        </mc:Fallback>
+      </mc:AlternateContent>
+      <p:pic>
+        <p:nvPicPr>
+          <p:cNvPr id="5" name="图片 4"/>
+          <p:cNvPicPr/>
+          <p:nvPr/>
+        </p:nvPicPr>
+        <p:blipFill>
+          <a:blip r:embed="rId3" cstate="screen">
+            <a:extLst>
+              <a:ext uri="{28A0092B-C50C-407E-A947-70E740481C1C}">
+                <a14:useLocalDpi xmlns:a14="http://schemas.microsoft.com/office/drawing/2010/main"/>
+              </a:ext>
+            </a:extLst>
+          </a:blip>
+          <a:stretch>
+            <a:fillRect/>
+          </a:stretch>
+        </p:blipFill>
+        <p:spPr>
+          <a:xfrm>
+            <a:off x="1841959" y="1916832"/>
+            <a:ext cx="5486400" cy="3086100"/>
+          </a:xfrm>
+          <a:prstGeom prst="rect">
+            <a:avLst/>
+          </a:prstGeom>
+        </p:spPr>
+      </p:pic>
     </p:spTree>
     <p:extLst>
       <p:ext uri="{BB962C8B-B14F-4D97-AF65-F5344CB8AC3E}">
-        <p14:creationId xmlns:p14="http://schemas.microsoft.com/office/powerpoint/2010/main" val="3106269031"/>
+        <p14:creationId xmlns:p14="http://schemas.microsoft.com/office/powerpoint/2010/main" val="2553362060"/>
+      </p:ext>
+    </p:extLst>
+  </p:cSld>
+  <p:clrMapOvr>
+    <a:masterClrMapping/>
+  </p:clrMapOvr>
+  <p:timing>
+    <p:tnLst>
+      <p:par>
+        <p:cTn id="1" dur="indefinite" restart="never" nodeType="tmRoot"/>
+      </p:par>
+    </p:tnLst>
+  </p:timing>
+</p:sld>
+</file>
+
+<file path=ppt/slides/slide15.xml><?xml version="1.0" encoding="utf-8"?>
+<p:sld xmlns:a="http://schemas.openxmlformats.org/drawingml/2006/main" xmlns:r="http://schemas.openxmlformats.org/officeDocument/2006/relationships" xmlns:p="http://schemas.openxmlformats.org/presentationml/2006/main">
+  <p:cSld>
+    <p:spTree>
+      <p:nvGrpSpPr>
+        <p:cNvPr id="1" name=""/>
+        <p:cNvGrpSpPr/>
+        <p:nvPr/>
+      </p:nvGrpSpPr>
+      <p:grpSpPr>
+        <a:xfrm>
+          <a:off x="0" y="0"/>
+          <a:ext cx="0" cy="0"/>
+          <a:chOff x="0" y="0"/>
+          <a:chExt cx="0" cy="0"/>
+        </a:xfrm>
+      </p:grpSpPr>
+      <p:sp>
+        <p:nvSpPr>
+          <p:cNvPr id="2" name="标题 1"/>
+          <p:cNvSpPr>
+            <a:spLocks noGrp="1"/>
+          </p:cNvSpPr>
+          <p:nvPr>
+            <p:ph type="title"/>
+          </p:nvPr>
+        </p:nvSpPr>
+        <p:spPr>
+          <a:xfrm>
+            <a:off x="4932040" y="5708254"/>
+            <a:ext cx="4211960" cy="1143000"/>
+          </a:xfrm>
+        </p:spPr>
+        <p:txBody>
+          <a:bodyPr/>
+          <a:lstStyle/>
+          <a:p>
+            <a:r>
+              <a:rPr lang="zh-CN" altLang="en-US" dirty="0" smtClean="0"/>
+              <a:t>效率对比</a:t>
+            </a:r>
+            <a:endParaRPr lang="zh-CN" altLang="en-US" dirty="0"/>
+          </a:p>
+        </p:txBody>
+      </p:sp>
+      <p:graphicFrame>
+        <p:nvGraphicFramePr>
+          <p:cNvPr id="5" name="表格 4"/>
+          <p:cNvGraphicFramePr>
+            <a:graphicFrameLocks noGrp="1"/>
+          </p:cNvGraphicFramePr>
+          <p:nvPr>
+            <p:extLst>
+              <p:ext uri="{D42A27DB-BD31-4B8C-83A1-F6EECF244321}">
+                <p14:modId xmlns:p14="http://schemas.microsoft.com/office/powerpoint/2010/main" val="535302202"/>
+              </p:ext>
+            </p:extLst>
+          </p:nvPr>
+        </p:nvGraphicFramePr>
+        <p:xfrm>
+          <a:off x="683568" y="1268760"/>
+          <a:ext cx="7848872" cy="3456385"/>
+        </p:xfrm>
+        <a:graphic>
+          <a:graphicData uri="http://schemas.openxmlformats.org/drawingml/2006/table">
+            <a:tbl>
+              <a:tblPr firstRow="1" firstCol="1" bandRow="1">
+                <a:tableStyleId>{5C22544A-7EE6-4342-B048-85BDC9FD1C3A}</a:tableStyleId>
+              </a:tblPr>
+              <a:tblGrid>
+                <a:gridCol w="2376689"/>
+                <a:gridCol w="1294519"/>
+                <a:gridCol w="2252918"/>
+                <a:gridCol w="1924746"/>
+              </a:tblGrid>
+              <a:tr h="768085">
+                <a:tc>
+                  <a:txBody>
+                    <a:bodyPr/>
+                    <a:lstStyle/>
+                    <a:p>
+                      <a:pPr algn="ctr">
+                        <a:lnSpc>
+                          <a:spcPct val="150000"/>
+                        </a:lnSpc>
+                        <a:spcAft>
+                          <a:spcPts val="0"/>
+                        </a:spcAft>
+                      </a:pPr>
+                      <a:r>
+                        <a:rPr lang="zh-CN" sz="1050" kern="100">
+                          <a:effectLst/>
+                        </a:rPr>
+                        <a:t>算法</a:t>
+                      </a:r>
+                      <a:endParaRPr lang="zh-CN" sz="1050" kern="100">
+                        <a:effectLst/>
+                        <a:latin typeface="Calibri"/>
+                        <a:ea typeface="宋体"/>
+                        <a:cs typeface="Times New Roman"/>
+                      </a:endParaRPr>
+                    </a:p>
+                  </a:txBody>
+                  <a:tcPr marL="68580" marR="68580" marT="0" marB="0" anchor="ctr"/>
+                </a:tc>
+                <a:tc>
+                  <a:txBody>
+                    <a:bodyPr/>
+                    <a:lstStyle/>
+                    <a:p>
+                      <a:pPr algn="ctr">
+                        <a:lnSpc>
+                          <a:spcPct val="150000"/>
+                        </a:lnSpc>
+                        <a:spcAft>
+                          <a:spcPts val="0"/>
+                        </a:spcAft>
+                      </a:pPr>
+                      <a:r>
+                        <a:rPr lang="zh-CN" sz="1050" kern="100">
+                          <a:effectLst/>
+                        </a:rPr>
+                        <a:t>视频长度</a:t>
+                      </a:r>
+                      <a:r>
+                        <a:rPr lang="en-US" sz="1050" kern="100">
+                          <a:effectLst/>
+                        </a:rPr>
+                        <a:t>/</a:t>
+                      </a:r>
+                      <a:r>
+                        <a:rPr lang="zh-CN" sz="1050" kern="100">
+                          <a:effectLst/>
+                        </a:rPr>
+                        <a:t>帧</a:t>
+                      </a:r>
+                      <a:endParaRPr lang="zh-CN" sz="1050" kern="100">
+                        <a:effectLst/>
+                        <a:latin typeface="Calibri"/>
+                        <a:ea typeface="宋体"/>
+                        <a:cs typeface="Times New Roman"/>
+                      </a:endParaRPr>
+                    </a:p>
+                  </a:txBody>
+                  <a:tcPr marL="68580" marR="68580" marT="0" marB="0" anchor="ctr"/>
+                </a:tc>
+                <a:tc>
+                  <a:txBody>
+                    <a:bodyPr/>
+                    <a:lstStyle/>
+                    <a:p>
+                      <a:pPr algn="ctr">
+                        <a:lnSpc>
+                          <a:spcPct val="150000"/>
+                        </a:lnSpc>
+                        <a:spcAft>
+                          <a:spcPts val="0"/>
+                        </a:spcAft>
+                      </a:pPr>
+                      <a:r>
+                        <a:rPr lang="zh-CN" sz="1050" kern="100">
+                          <a:effectLst/>
+                        </a:rPr>
+                        <a:t>平均每帧处理时间</a:t>
+                      </a:r>
+                      <a:r>
+                        <a:rPr lang="en-US" sz="1050" kern="100">
+                          <a:effectLst/>
+                        </a:rPr>
+                        <a:t>/ms</a:t>
+                      </a:r>
+                      <a:endParaRPr lang="zh-CN" sz="1050" kern="100">
+                        <a:effectLst/>
+                        <a:latin typeface="Calibri"/>
+                        <a:ea typeface="宋体"/>
+                        <a:cs typeface="Times New Roman"/>
+                      </a:endParaRPr>
+                    </a:p>
+                  </a:txBody>
+                  <a:tcPr marL="68580" marR="68580" marT="0" marB="0" anchor="ctr"/>
+                </a:tc>
+                <a:tc>
+                  <a:txBody>
+                    <a:bodyPr/>
+                    <a:lstStyle/>
+                    <a:p>
+                      <a:pPr algn="ctr">
+                        <a:lnSpc>
+                          <a:spcPct val="150000"/>
+                        </a:lnSpc>
+                        <a:spcAft>
+                          <a:spcPts val="0"/>
+                        </a:spcAft>
+                      </a:pPr>
+                      <a:r>
+                        <a:rPr lang="zh-CN" sz="1050" kern="100">
+                          <a:effectLst/>
+                        </a:rPr>
+                        <a:t>平均处理帧率</a:t>
+                      </a:r>
+                      <a:r>
+                        <a:rPr lang="en-US" sz="1050" kern="100">
+                          <a:effectLst/>
+                        </a:rPr>
+                        <a:t>/</a:t>
+                      </a:r>
+                      <a:r>
+                        <a:rPr lang="zh-CN" sz="1050" kern="100">
+                          <a:effectLst/>
+                        </a:rPr>
+                        <a:t>帧每秒</a:t>
+                      </a:r>
+                      <a:endParaRPr lang="zh-CN" sz="1050" kern="100">
+                        <a:effectLst/>
+                        <a:latin typeface="Calibri"/>
+                        <a:ea typeface="宋体"/>
+                        <a:cs typeface="Times New Roman"/>
+                      </a:endParaRPr>
+                    </a:p>
+                  </a:txBody>
+                  <a:tcPr marL="68580" marR="68580" marT="0" marB="0" anchor="ctr"/>
+                </a:tc>
+              </a:tr>
+              <a:tr h="384043">
+                <a:tc>
+                  <a:txBody>
+                    <a:bodyPr/>
+                    <a:lstStyle/>
+                    <a:p>
+                      <a:pPr algn="ctr">
+                        <a:lnSpc>
+                          <a:spcPct val="150000"/>
+                        </a:lnSpc>
+                        <a:spcAft>
+                          <a:spcPts val="0"/>
+                        </a:spcAft>
+                      </a:pPr>
+                      <a:r>
+                        <a:rPr lang="zh-CN" sz="1050" kern="100">
+                          <a:effectLst/>
+                        </a:rPr>
+                        <a:t>中值背景建模</a:t>
+                      </a:r>
+                      <a:endParaRPr lang="zh-CN" sz="1050" kern="100">
+                        <a:effectLst/>
+                        <a:latin typeface="Calibri"/>
+                        <a:ea typeface="宋体"/>
+                        <a:cs typeface="Times New Roman"/>
+                      </a:endParaRPr>
+                    </a:p>
+                  </a:txBody>
+                  <a:tcPr marL="68580" marR="68580" marT="0" marB="0" anchor="ctr"/>
+                </a:tc>
+                <a:tc rowSpan="6">
+                  <a:txBody>
+                    <a:bodyPr/>
+                    <a:lstStyle/>
+                    <a:p>
+                      <a:pPr algn="ctr">
+                        <a:lnSpc>
+                          <a:spcPct val="150000"/>
+                        </a:lnSpc>
+                        <a:spcAft>
+                          <a:spcPts val="0"/>
+                        </a:spcAft>
+                      </a:pPr>
+                      <a:r>
+                        <a:rPr lang="en-US" sz="1050" kern="100">
+                          <a:effectLst/>
+                        </a:rPr>
+                        <a:t>3623</a:t>
+                      </a:r>
+                      <a:endParaRPr lang="zh-CN" sz="1050" kern="100">
+                        <a:effectLst/>
+                        <a:latin typeface="Calibri"/>
+                        <a:ea typeface="宋体"/>
+                        <a:cs typeface="Times New Roman"/>
+                      </a:endParaRPr>
+                    </a:p>
+                  </a:txBody>
+                  <a:tcPr marL="68580" marR="68580" marT="0" marB="0" anchor="ctr"/>
+                </a:tc>
+                <a:tc>
+                  <a:txBody>
+                    <a:bodyPr/>
+                    <a:lstStyle/>
+                    <a:p>
+                      <a:pPr algn="ctr">
+                        <a:lnSpc>
+                          <a:spcPct val="150000"/>
+                        </a:lnSpc>
+                        <a:spcAft>
+                          <a:spcPts val="0"/>
+                        </a:spcAft>
+                      </a:pPr>
+                      <a:r>
+                        <a:rPr lang="en-US" sz="1050" kern="100">
+                          <a:effectLst/>
+                        </a:rPr>
+                        <a:t>80.5</a:t>
+                      </a:r>
+                      <a:endParaRPr lang="zh-CN" sz="1050" kern="100">
+                        <a:effectLst/>
+                        <a:latin typeface="Calibri"/>
+                        <a:ea typeface="宋体"/>
+                        <a:cs typeface="Times New Roman"/>
+                      </a:endParaRPr>
+                    </a:p>
+                  </a:txBody>
+                  <a:tcPr marL="68580" marR="68580" marT="0" marB="0" anchor="ctr"/>
+                </a:tc>
+                <a:tc>
+                  <a:txBody>
+                    <a:bodyPr/>
+                    <a:lstStyle/>
+                    <a:p>
+                      <a:pPr algn="ctr">
+                        <a:lnSpc>
+                          <a:spcPct val="150000"/>
+                        </a:lnSpc>
+                        <a:spcAft>
+                          <a:spcPts val="0"/>
+                        </a:spcAft>
+                      </a:pPr>
+                      <a:r>
+                        <a:rPr lang="en-US" sz="1050" kern="100">
+                          <a:effectLst/>
+                        </a:rPr>
+                        <a:t>12.4</a:t>
+                      </a:r>
+                      <a:endParaRPr lang="zh-CN" sz="1050" kern="100">
+                        <a:effectLst/>
+                        <a:latin typeface="Calibri"/>
+                        <a:ea typeface="宋体"/>
+                        <a:cs typeface="Times New Roman"/>
+                      </a:endParaRPr>
+                    </a:p>
+                  </a:txBody>
+                  <a:tcPr marL="68580" marR="68580" marT="0" marB="0" anchor="ctr"/>
+                </a:tc>
+              </a:tr>
+              <a:tr h="384043">
+                <a:tc>
+                  <a:txBody>
+                    <a:bodyPr/>
+                    <a:lstStyle/>
+                    <a:p>
+                      <a:pPr algn="ctr">
+                        <a:lnSpc>
+                          <a:spcPct val="150000"/>
+                        </a:lnSpc>
+                        <a:spcAft>
+                          <a:spcPts val="0"/>
+                        </a:spcAft>
+                      </a:pPr>
+                      <a:r>
+                        <a:rPr lang="zh-CN" sz="1050" kern="100">
+                          <a:effectLst/>
+                        </a:rPr>
+                        <a:t>均值背景建模</a:t>
+                      </a:r>
+                      <a:endParaRPr lang="zh-CN" sz="1050" kern="100">
+                        <a:effectLst/>
+                        <a:latin typeface="Calibri"/>
+                        <a:ea typeface="宋体"/>
+                        <a:cs typeface="Times New Roman"/>
+                      </a:endParaRPr>
+                    </a:p>
+                  </a:txBody>
+                  <a:tcPr marL="68580" marR="68580" marT="0" marB="0" anchor="ctr"/>
+                </a:tc>
+                <a:tc vMerge="1">
+                  <a:txBody>
+                    <a:bodyPr/>
+                    <a:lstStyle/>
+                    <a:p>
+                      <a:endParaRPr lang="zh-CN" altLang="en-US"/>
+                    </a:p>
+                  </a:txBody>
+                  <a:tcPr/>
+                </a:tc>
+                <a:tc>
+                  <a:txBody>
+                    <a:bodyPr/>
+                    <a:lstStyle/>
+                    <a:p>
+                      <a:pPr algn="ctr">
+                        <a:lnSpc>
+                          <a:spcPct val="150000"/>
+                        </a:lnSpc>
+                        <a:spcAft>
+                          <a:spcPts val="0"/>
+                        </a:spcAft>
+                      </a:pPr>
+                      <a:r>
+                        <a:rPr lang="en-US" sz="1050" kern="100">
+                          <a:effectLst/>
+                        </a:rPr>
+                        <a:t>11.4</a:t>
+                      </a:r>
+                      <a:endParaRPr lang="zh-CN" sz="1050" kern="100">
+                        <a:effectLst/>
+                        <a:latin typeface="Calibri"/>
+                        <a:ea typeface="宋体"/>
+                        <a:cs typeface="Times New Roman"/>
+                      </a:endParaRPr>
+                    </a:p>
+                  </a:txBody>
+                  <a:tcPr marL="68580" marR="68580" marT="0" marB="0" anchor="ctr"/>
+                </a:tc>
+                <a:tc>
+                  <a:txBody>
+                    <a:bodyPr/>
+                    <a:lstStyle/>
+                    <a:p>
+                      <a:pPr algn="ctr">
+                        <a:lnSpc>
+                          <a:spcPct val="150000"/>
+                        </a:lnSpc>
+                        <a:spcAft>
+                          <a:spcPts val="0"/>
+                        </a:spcAft>
+                      </a:pPr>
+                      <a:r>
+                        <a:rPr lang="en-US" sz="1050" kern="100">
+                          <a:effectLst/>
+                        </a:rPr>
+                        <a:t>87.7</a:t>
+                      </a:r>
+                      <a:endParaRPr lang="zh-CN" sz="1050" kern="100">
+                        <a:effectLst/>
+                        <a:latin typeface="Calibri"/>
+                        <a:ea typeface="宋体"/>
+                        <a:cs typeface="Times New Roman"/>
+                      </a:endParaRPr>
+                    </a:p>
+                  </a:txBody>
+                  <a:tcPr marL="68580" marR="68580" marT="0" marB="0" anchor="ctr"/>
+                </a:tc>
+              </a:tr>
+              <a:tr h="384043">
+                <a:tc>
+                  <a:txBody>
+                    <a:bodyPr/>
+                    <a:lstStyle/>
+                    <a:p>
+                      <a:pPr algn="ctr">
+                        <a:lnSpc>
+                          <a:spcPct val="150000"/>
+                        </a:lnSpc>
+                        <a:spcAft>
+                          <a:spcPts val="0"/>
+                        </a:spcAft>
+                      </a:pPr>
+                      <a:r>
+                        <a:rPr lang="zh-CN" sz="1050" kern="100">
+                          <a:effectLst/>
+                        </a:rPr>
+                        <a:t>混合高斯背景建模</a:t>
+                      </a:r>
+                      <a:endParaRPr lang="zh-CN" sz="1050" kern="100">
+                        <a:effectLst/>
+                        <a:latin typeface="Calibri"/>
+                        <a:ea typeface="宋体"/>
+                        <a:cs typeface="Times New Roman"/>
+                      </a:endParaRPr>
+                    </a:p>
+                  </a:txBody>
+                  <a:tcPr marL="68580" marR="68580" marT="0" marB="0" anchor="ctr"/>
+                </a:tc>
+                <a:tc vMerge="1">
+                  <a:txBody>
+                    <a:bodyPr/>
+                    <a:lstStyle/>
+                    <a:p>
+                      <a:endParaRPr lang="zh-CN" altLang="en-US"/>
+                    </a:p>
+                  </a:txBody>
+                  <a:tcPr/>
+                </a:tc>
+                <a:tc>
+                  <a:txBody>
+                    <a:bodyPr/>
+                    <a:lstStyle/>
+                    <a:p>
+                      <a:pPr algn="ctr">
+                        <a:lnSpc>
+                          <a:spcPct val="150000"/>
+                        </a:lnSpc>
+                        <a:spcAft>
+                          <a:spcPts val="0"/>
+                        </a:spcAft>
+                      </a:pPr>
+                      <a:r>
+                        <a:rPr lang="en-US" sz="1050" kern="100">
+                          <a:effectLst/>
+                        </a:rPr>
+                        <a:t>61.1</a:t>
+                      </a:r>
+                      <a:endParaRPr lang="zh-CN" sz="1050" kern="100">
+                        <a:effectLst/>
+                        <a:latin typeface="Calibri"/>
+                        <a:ea typeface="宋体"/>
+                        <a:cs typeface="Times New Roman"/>
+                      </a:endParaRPr>
+                    </a:p>
+                  </a:txBody>
+                  <a:tcPr marL="68580" marR="68580" marT="0" marB="0" anchor="ctr"/>
+                </a:tc>
+                <a:tc>
+                  <a:txBody>
+                    <a:bodyPr/>
+                    <a:lstStyle/>
+                    <a:p>
+                      <a:pPr algn="ctr">
+                        <a:lnSpc>
+                          <a:spcPct val="150000"/>
+                        </a:lnSpc>
+                        <a:spcAft>
+                          <a:spcPts val="0"/>
+                        </a:spcAft>
+                      </a:pPr>
+                      <a:r>
+                        <a:rPr lang="en-US" sz="1050" kern="100">
+                          <a:effectLst/>
+                        </a:rPr>
+                        <a:t>16.4</a:t>
+                      </a:r>
+                      <a:endParaRPr lang="zh-CN" sz="1050" kern="100">
+                        <a:effectLst/>
+                        <a:latin typeface="Calibri"/>
+                        <a:ea typeface="宋体"/>
+                        <a:cs typeface="Times New Roman"/>
+                      </a:endParaRPr>
+                    </a:p>
+                  </a:txBody>
+                  <a:tcPr marL="68580" marR="68580" marT="0" marB="0" anchor="ctr"/>
+                </a:tc>
+              </a:tr>
+              <a:tr h="384043">
+                <a:tc>
+                  <a:txBody>
+                    <a:bodyPr/>
+                    <a:lstStyle/>
+                    <a:p>
+                      <a:pPr algn="ctr">
+                        <a:lnSpc>
+                          <a:spcPct val="150000"/>
+                        </a:lnSpc>
+                        <a:spcAft>
+                          <a:spcPts val="0"/>
+                        </a:spcAft>
+                      </a:pPr>
+                      <a:r>
+                        <a:rPr lang="zh-CN" sz="1050" kern="100">
+                          <a:effectLst/>
+                        </a:rPr>
+                        <a:t>帧差法</a:t>
+                      </a:r>
+                      <a:endParaRPr lang="zh-CN" sz="1050" kern="100">
+                        <a:effectLst/>
+                        <a:latin typeface="Calibri"/>
+                        <a:ea typeface="宋体"/>
+                        <a:cs typeface="Times New Roman"/>
+                      </a:endParaRPr>
+                    </a:p>
+                  </a:txBody>
+                  <a:tcPr marL="68580" marR="68580" marT="0" marB="0" anchor="ctr"/>
+                </a:tc>
+                <a:tc vMerge="1">
+                  <a:txBody>
+                    <a:bodyPr/>
+                    <a:lstStyle/>
+                    <a:p>
+                      <a:endParaRPr lang="zh-CN" altLang="en-US"/>
+                    </a:p>
+                  </a:txBody>
+                  <a:tcPr/>
+                </a:tc>
+                <a:tc>
+                  <a:txBody>
+                    <a:bodyPr/>
+                    <a:lstStyle/>
+                    <a:p>
+                      <a:pPr algn="ctr">
+                        <a:lnSpc>
+                          <a:spcPct val="150000"/>
+                        </a:lnSpc>
+                        <a:spcAft>
+                          <a:spcPts val="0"/>
+                        </a:spcAft>
+                      </a:pPr>
+                      <a:r>
+                        <a:rPr lang="en-US" sz="1050" kern="100">
+                          <a:effectLst/>
+                        </a:rPr>
+                        <a:t>9.2</a:t>
+                      </a:r>
+                      <a:endParaRPr lang="zh-CN" sz="1050" kern="100">
+                        <a:effectLst/>
+                        <a:latin typeface="Calibri"/>
+                        <a:ea typeface="宋体"/>
+                        <a:cs typeface="Times New Roman"/>
+                      </a:endParaRPr>
+                    </a:p>
+                  </a:txBody>
+                  <a:tcPr marL="68580" marR="68580" marT="0" marB="0" anchor="ctr"/>
+                </a:tc>
+                <a:tc>
+                  <a:txBody>
+                    <a:bodyPr/>
+                    <a:lstStyle/>
+                    <a:p>
+                      <a:pPr algn="ctr">
+                        <a:lnSpc>
+                          <a:spcPct val="150000"/>
+                        </a:lnSpc>
+                        <a:spcAft>
+                          <a:spcPts val="0"/>
+                        </a:spcAft>
+                      </a:pPr>
+                      <a:r>
+                        <a:rPr lang="en-US" sz="1050" kern="100">
+                          <a:effectLst/>
+                        </a:rPr>
+                        <a:t>108.4</a:t>
+                      </a:r>
+                      <a:endParaRPr lang="zh-CN" sz="1050" kern="100">
+                        <a:effectLst/>
+                        <a:latin typeface="Calibri"/>
+                        <a:ea typeface="宋体"/>
+                        <a:cs typeface="Times New Roman"/>
+                      </a:endParaRPr>
+                    </a:p>
+                  </a:txBody>
+                  <a:tcPr marL="68580" marR="68580" marT="0" marB="0" anchor="ctr"/>
+                </a:tc>
+              </a:tr>
+              <a:tr h="384043">
+                <a:tc>
+                  <a:txBody>
+                    <a:bodyPr/>
+                    <a:lstStyle/>
+                    <a:p>
+                      <a:pPr algn="ctr">
+                        <a:lnSpc>
+                          <a:spcPct val="150000"/>
+                        </a:lnSpc>
+                        <a:spcAft>
+                          <a:spcPts val="0"/>
+                        </a:spcAft>
+                      </a:pPr>
+                      <a:r>
+                        <a:rPr lang="zh-CN" sz="1050" kern="100">
+                          <a:effectLst/>
+                        </a:rPr>
+                        <a:t>三帧差分法</a:t>
+                      </a:r>
+                      <a:endParaRPr lang="zh-CN" sz="1050" kern="100">
+                        <a:effectLst/>
+                        <a:latin typeface="Calibri"/>
+                        <a:ea typeface="宋体"/>
+                        <a:cs typeface="Times New Roman"/>
+                      </a:endParaRPr>
+                    </a:p>
+                  </a:txBody>
+                  <a:tcPr marL="68580" marR="68580" marT="0" marB="0" anchor="ctr"/>
+                </a:tc>
+                <a:tc vMerge="1">
+                  <a:txBody>
+                    <a:bodyPr/>
+                    <a:lstStyle/>
+                    <a:p>
+                      <a:endParaRPr lang="zh-CN" altLang="en-US"/>
+                    </a:p>
+                  </a:txBody>
+                  <a:tcPr/>
+                </a:tc>
+                <a:tc>
+                  <a:txBody>
+                    <a:bodyPr/>
+                    <a:lstStyle/>
+                    <a:p>
+                      <a:pPr algn="ctr">
+                        <a:lnSpc>
+                          <a:spcPct val="150000"/>
+                        </a:lnSpc>
+                        <a:spcAft>
+                          <a:spcPts val="0"/>
+                        </a:spcAft>
+                      </a:pPr>
+                      <a:r>
+                        <a:rPr lang="en-US" sz="1050" kern="100">
+                          <a:effectLst/>
+                        </a:rPr>
+                        <a:t>13.2</a:t>
+                      </a:r>
+                      <a:endParaRPr lang="zh-CN" sz="1050" kern="100">
+                        <a:effectLst/>
+                        <a:latin typeface="Calibri"/>
+                        <a:ea typeface="宋体"/>
+                        <a:cs typeface="Times New Roman"/>
+                      </a:endParaRPr>
+                    </a:p>
+                  </a:txBody>
+                  <a:tcPr marL="68580" marR="68580" marT="0" marB="0" anchor="ctr"/>
+                </a:tc>
+                <a:tc>
+                  <a:txBody>
+                    <a:bodyPr/>
+                    <a:lstStyle/>
+                    <a:p>
+                      <a:pPr algn="ctr">
+                        <a:lnSpc>
+                          <a:spcPct val="150000"/>
+                        </a:lnSpc>
+                        <a:spcAft>
+                          <a:spcPts val="0"/>
+                        </a:spcAft>
+                      </a:pPr>
+                      <a:r>
+                        <a:rPr lang="en-US" sz="1050" kern="100">
+                          <a:effectLst/>
+                        </a:rPr>
+                        <a:t>75.7</a:t>
+                      </a:r>
+                      <a:endParaRPr lang="zh-CN" sz="1050" kern="100">
+                        <a:effectLst/>
+                        <a:latin typeface="Calibri"/>
+                        <a:ea typeface="宋体"/>
+                        <a:cs typeface="Times New Roman"/>
+                      </a:endParaRPr>
+                    </a:p>
+                  </a:txBody>
+                  <a:tcPr marL="68580" marR="68580" marT="0" marB="0" anchor="ctr"/>
+                </a:tc>
+              </a:tr>
+              <a:tr h="768085">
+                <a:tc>
+                  <a:txBody>
+                    <a:bodyPr/>
+                    <a:lstStyle/>
+                    <a:p>
+                      <a:pPr algn="ctr">
+                        <a:lnSpc>
+                          <a:spcPct val="150000"/>
+                        </a:lnSpc>
+                        <a:spcAft>
+                          <a:spcPts val="0"/>
+                        </a:spcAft>
+                      </a:pPr>
+                      <a:r>
+                        <a:rPr lang="zh-CN" sz="1050" kern="100">
+                          <a:effectLst/>
+                        </a:rPr>
+                        <a:t>与运动历史图结合的三帧差分法</a:t>
+                      </a:r>
+                      <a:endParaRPr lang="zh-CN" sz="1050" kern="100">
+                        <a:effectLst/>
+                        <a:latin typeface="Calibri"/>
+                        <a:ea typeface="宋体"/>
+                        <a:cs typeface="Times New Roman"/>
+                      </a:endParaRPr>
+                    </a:p>
+                  </a:txBody>
+                  <a:tcPr marL="68580" marR="68580" marT="0" marB="0" anchor="ctr"/>
+                </a:tc>
+                <a:tc vMerge="1">
+                  <a:txBody>
+                    <a:bodyPr/>
+                    <a:lstStyle/>
+                    <a:p>
+                      <a:endParaRPr lang="zh-CN" altLang="en-US"/>
+                    </a:p>
+                  </a:txBody>
+                  <a:tcPr/>
+                </a:tc>
+                <a:tc>
+                  <a:txBody>
+                    <a:bodyPr/>
+                    <a:lstStyle/>
+                    <a:p>
+                      <a:pPr algn="ctr">
+                        <a:lnSpc>
+                          <a:spcPct val="150000"/>
+                        </a:lnSpc>
+                        <a:spcAft>
+                          <a:spcPts val="0"/>
+                        </a:spcAft>
+                      </a:pPr>
+                      <a:r>
+                        <a:rPr lang="en-US" sz="1050" kern="100">
+                          <a:effectLst/>
+                        </a:rPr>
+                        <a:t>19.9</a:t>
+                      </a:r>
+                      <a:endParaRPr lang="zh-CN" sz="1050" kern="100">
+                        <a:effectLst/>
+                        <a:latin typeface="Calibri"/>
+                        <a:ea typeface="宋体"/>
+                        <a:cs typeface="Times New Roman"/>
+                      </a:endParaRPr>
+                    </a:p>
+                  </a:txBody>
+                  <a:tcPr marL="68580" marR="68580" marT="0" marB="0" anchor="ctr"/>
+                </a:tc>
+                <a:tc>
+                  <a:txBody>
+                    <a:bodyPr/>
+                    <a:lstStyle/>
+                    <a:p>
+                      <a:pPr algn="ctr">
+                        <a:lnSpc>
+                          <a:spcPct val="150000"/>
+                        </a:lnSpc>
+                        <a:spcAft>
+                          <a:spcPts val="0"/>
+                        </a:spcAft>
+                      </a:pPr>
+                      <a:r>
+                        <a:rPr lang="en-US" sz="1050" kern="100" dirty="0">
+                          <a:effectLst/>
+                        </a:rPr>
+                        <a:t>50.3</a:t>
+                      </a:r>
+                      <a:endParaRPr lang="zh-CN" sz="1050" kern="100" dirty="0">
+                        <a:effectLst/>
+                        <a:latin typeface="Calibri"/>
+                        <a:ea typeface="宋体"/>
+                        <a:cs typeface="Times New Roman"/>
+                      </a:endParaRPr>
+                    </a:p>
+                  </a:txBody>
+                  <a:tcPr marL="68580" marR="68580" marT="0" marB="0" anchor="ctr"/>
+                </a:tc>
+              </a:tr>
+            </a:tbl>
+          </a:graphicData>
+        </a:graphic>
+      </p:graphicFrame>
+    </p:spTree>
+    <p:extLst>
+      <p:ext uri="{BB962C8B-B14F-4D97-AF65-F5344CB8AC3E}">
+        <p14:creationId xmlns:p14="http://schemas.microsoft.com/office/powerpoint/2010/main" val="1332672158"/>
+      </p:ext>
+    </p:extLst>
+  </p:cSld>
+  <p:clrMapOvr>
+    <a:masterClrMapping/>
+  </p:clrMapOvr>
+  <p:timing>
+    <p:tnLst>
+      <p:par>
+        <p:cTn id="1" dur="indefinite" restart="never" nodeType="tmRoot"/>
+      </p:par>
+    </p:tnLst>
+  </p:timing>
+</p:sld>
+</file>
+
+<file path=ppt/slides/slide16.xml><?xml version="1.0" encoding="utf-8"?>
+<p:sld xmlns:a="http://schemas.openxmlformats.org/drawingml/2006/main" xmlns:r="http://schemas.openxmlformats.org/officeDocument/2006/relationships" xmlns:p="http://schemas.openxmlformats.org/presentationml/2006/main">
+  <p:cSld>
+    <p:spTree>
+      <p:nvGrpSpPr>
+        <p:cNvPr id="1" name=""/>
+        <p:cNvGrpSpPr/>
+        <p:nvPr/>
+      </p:nvGrpSpPr>
+      <p:grpSpPr>
+        <a:xfrm>
+          <a:off x="0" y="0"/>
+          <a:ext cx="0" cy="0"/>
+          <a:chOff x="0" y="0"/>
+          <a:chExt cx="0" cy="0"/>
+        </a:xfrm>
+      </p:grpSpPr>
+      <p:sp>
+        <p:nvSpPr>
+          <p:cNvPr id="2" name="标题 1"/>
+          <p:cNvSpPr>
+            <a:spLocks noGrp="1"/>
+          </p:cNvSpPr>
+          <p:nvPr>
+            <p:ph type="title"/>
+          </p:nvPr>
+        </p:nvSpPr>
+        <p:spPr>
+          <a:xfrm>
+            <a:off x="2631489" y="5715000"/>
+            <a:ext cx="6512511" cy="1143000"/>
+          </a:xfrm>
+        </p:spPr>
+        <p:txBody>
+          <a:bodyPr/>
+          <a:lstStyle/>
+          <a:p>
+            <a:r>
+              <a:rPr lang="zh-CN" altLang="en-US" dirty="0" smtClean="0"/>
+              <a:t>图像灰度化操作</a:t>
+            </a:r>
+            <a:endParaRPr lang="zh-CN" altLang="en-US" dirty="0"/>
+          </a:p>
+        </p:txBody>
+      </p:sp>
+      <mc:AlternateContent xmlns:mc="http://schemas.openxmlformats.org/markup-compatibility/2006">
+        <mc:Choice xmlns:a14="http://schemas.microsoft.com/office/drawing/2010/main" Requires="a14">
+          <p:sp>
+            <p:nvSpPr>
+              <p:cNvPr id="4" name="矩形 3"/>
+              <p:cNvSpPr/>
+              <p:nvPr/>
+            </p:nvSpPr>
+            <p:spPr>
+              <a:xfrm>
+                <a:off x="1835696" y="395372"/>
+                <a:ext cx="5145961" cy="369332"/>
+              </a:xfrm>
+              <a:prstGeom prst="rect">
+                <a:avLst/>
+              </a:prstGeom>
+            </p:spPr>
+            <p:txBody>
+              <a:bodyPr wrap="none">
+                <a:spAutoFit/>
+              </a:bodyPr>
+              <a:lstStyle/>
+              <a:p>
+                <a:r>
+                  <a:rPr lang="zh-CN" altLang="en-US" dirty="0" smtClean="0"/>
+                  <a:t>公式</a:t>
+                </a:r>
+                <a14:m>
+                  <m:oMath xmlns:m="http://schemas.openxmlformats.org/officeDocument/2006/math">
+                    <m:r>
+                      <a:rPr lang="en-US" altLang="zh-CN" b="0" i="0" smtClean="0">
+                        <a:latin typeface="Cambria Math"/>
+                      </a:rPr>
+                      <m:t>1</m:t>
+                    </m:r>
+                    <m:r>
+                      <a:rPr lang="zh-CN" altLang="en-US" b="0" i="1" smtClean="0">
+                        <a:latin typeface="Cambria Math"/>
+                      </a:rPr>
+                      <m:t>：</m:t>
+                    </m:r>
+                    <m:r>
+                      <m:rPr>
+                        <m:sty m:val="p"/>
+                      </m:rPr>
+                      <a:rPr lang="en-US" altLang="zh-CN"/>
+                      <m:t>Gray</m:t>
+                    </m:r>
+                    <m:r>
+                      <a:rPr lang="en-US" altLang="zh-CN"/>
+                      <m:t>=0.299</m:t>
+                    </m:r>
+                    <m:r>
+                      <a:rPr lang="en-US" altLang="zh-CN" i="1"/>
+                      <m:t>∗</m:t>
+                    </m:r>
+                    <m:r>
+                      <m:rPr>
+                        <m:sty m:val="p"/>
+                      </m:rPr>
+                      <a:rPr lang="en-US" altLang="zh-CN"/>
+                      <m:t>R</m:t>
+                    </m:r>
+                    <m:r>
+                      <a:rPr lang="en-US" altLang="zh-CN"/>
+                      <m:t>+0.587</m:t>
+                    </m:r>
+                    <m:r>
+                      <a:rPr lang="en-US" altLang="zh-CN" i="1"/>
+                      <m:t>∗</m:t>
+                    </m:r>
+                    <m:r>
+                      <m:rPr>
+                        <m:sty m:val="p"/>
+                      </m:rPr>
+                      <a:rPr lang="en-US" altLang="zh-CN"/>
+                      <m:t>G</m:t>
+                    </m:r>
+                    <m:r>
+                      <a:rPr lang="en-US" altLang="zh-CN"/>
+                      <m:t>+0.114</m:t>
+                    </m:r>
+                    <m:r>
+                      <a:rPr lang="en-US" altLang="zh-CN" i="1"/>
+                      <m:t>∗</m:t>
+                    </m:r>
+                    <m:r>
+                      <m:rPr>
+                        <m:sty m:val="p"/>
+                      </m:rPr>
+                      <a:rPr lang="en-US" altLang="zh-CN"/>
+                      <m:t>B</m:t>
+                    </m:r>
+                  </m:oMath>
+                </a14:m>
+                <a:r>
+                  <a:rPr lang="en-US" altLang="zh-CN" dirty="0"/>
+                  <a:t> </a:t>
+                </a:r>
+                <a:endParaRPr lang="zh-CN" altLang="en-US" dirty="0"/>
+              </a:p>
+            </p:txBody>
+          </p:sp>
+        </mc:Choice>
+        <mc:Fallback>
+          <p:sp>
+            <p:nvSpPr>
+              <p:cNvPr id="4" name="矩形 3"/>
+              <p:cNvSpPr>
+                <a:spLocks noRot="1" noChangeAspect="1" noMove="1" noResize="1" noEditPoints="1" noAdjustHandles="1" noChangeArrowheads="1" noChangeShapeType="1" noTextEdit="1"/>
+              </p:cNvSpPr>
+              <p:nvPr/>
+            </p:nvSpPr>
+            <p:spPr>
+              <a:xfrm>
+                <a:off x="1835696" y="395372"/>
+                <a:ext cx="5145961" cy="369332"/>
+              </a:xfrm>
+              <a:prstGeom prst="rect">
+                <a:avLst/>
+              </a:prstGeom>
+              <a:blipFill rotWithShape="1">
+                <a:blip r:embed="rId2"/>
+                <a:stretch>
+                  <a:fillRect l="-948" t="-13333" b="-21667"/>
+                </a:stretch>
+              </a:blipFill>
+            </p:spPr>
+            <p:txBody>
+              <a:bodyPr/>
+              <a:lstStyle/>
+              <a:p>
+                <a:r>
+                  <a:rPr lang="zh-CN" altLang="en-US">
+                    <a:noFill/>
+                  </a:rPr>
+                  <a:t> </a:t>
+                </a:r>
+              </a:p>
+            </p:txBody>
+          </p:sp>
+        </mc:Fallback>
+      </mc:AlternateContent>
+      <mc:AlternateContent xmlns:mc="http://schemas.openxmlformats.org/markup-compatibility/2006">
+        <mc:Choice xmlns:a14="http://schemas.microsoft.com/office/drawing/2010/main" Requires="a14">
+          <p:sp>
+            <p:nvSpPr>
+              <p:cNvPr id="5" name="矩形 4"/>
+              <p:cNvSpPr/>
+              <p:nvPr/>
+            </p:nvSpPr>
+            <p:spPr>
+              <a:xfrm>
+                <a:off x="1835696" y="764704"/>
+                <a:ext cx="6120680" cy="369332"/>
+              </a:xfrm>
+              <a:prstGeom prst="rect">
+                <a:avLst/>
+              </a:prstGeom>
+            </p:spPr>
+            <p:txBody>
+              <a:bodyPr wrap="square">
+                <a:spAutoFit/>
+              </a:bodyPr>
+              <a:lstStyle/>
+              <a:p>
+                <a:r>
+                  <a:rPr lang="zh-CN" altLang="en-US" dirty="0" smtClean="0"/>
+                  <a:t>公式</a:t>
+                </a:r>
+                <a14:m>
+                  <m:oMath xmlns:m="http://schemas.openxmlformats.org/officeDocument/2006/math">
+                    <m:r>
+                      <a:rPr lang="en-US" altLang="zh-CN" b="0" i="0" smtClean="0">
+                        <a:latin typeface="Cambria Math"/>
+                      </a:rPr>
+                      <m:t>2</m:t>
+                    </m:r>
+                    <m:r>
+                      <a:rPr lang="zh-CN" altLang="en-US" b="0" i="1" smtClean="0">
+                        <a:latin typeface="Cambria Math"/>
+                      </a:rPr>
+                      <m:t>：</m:t>
+                    </m:r>
+                    <m:r>
+                      <m:rPr>
+                        <m:sty m:val="p"/>
+                      </m:rPr>
+                      <a:rPr lang="en-US" altLang="zh-CN"/>
+                      <m:t>Gray</m:t>
+                    </m:r>
+                    <m:r>
+                      <a:rPr lang="en-US" altLang="zh-CN"/>
+                      <m:t>=(299</m:t>
+                    </m:r>
+                    <m:r>
+                      <a:rPr lang="en-US" altLang="zh-CN" i="1"/>
+                      <m:t>∗</m:t>
+                    </m:r>
+                    <m:r>
+                      <m:rPr>
+                        <m:sty m:val="p"/>
+                      </m:rPr>
+                      <a:rPr lang="en-US" altLang="zh-CN"/>
+                      <m:t>R</m:t>
+                    </m:r>
+                    <m:r>
+                      <a:rPr lang="en-US" altLang="zh-CN"/>
+                      <m:t>+587</m:t>
+                    </m:r>
+                    <m:r>
+                      <a:rPr lang="en-US" altLang="zh-CN" i="1"/>
+                      <m:t>∗</m:t>
+                    </m:r>
+                    <m:r>
+                      <m:rPr>
+                        <m:sty m:val="p"/>
+                      </m:rPr>
+                      <a:rPr lang="en-US" altLang="zh-CN"/>
+                      <m:t>G</m:t>
+                    </m:r>
+                    <m:r>
+                      <a:rPr lang="en-US" altLang="zh-CN"/>
+                      <m:t>+144</m:t>
+                    </m:r>
+                    <m:r>
+                      <a:rPr lang="en-US" altLang="zh-CN" i="1"/>
+                      <m:t>∗</m:t>
+                    </m:r>
+                    <m:r>
+                      <m:rPr>
+                        <m:sty m:val="p"/>
+                      </m:rPr>
+                      <a:rPr lang="en-US" altLang="zh-CN"/>
+                      <m:t>B</m:t>
+                    </m:r>
+                    <m:r>
+                      <a:rPr lang="en-US" altLang="zh-CN"/>
+                      <m:t>+500)/1000</m:t>
+                    </m:r>
+                  </m:oMath>
+                </a14:m>
+                <a:r>
+                  <a:rPr lang="en-US" altLang="zh-CN" dirty="0"/>
+                  <a:t> </a:t>
+                </a:r>
+                <a:endParaRPr lang="zh-CN" altLang="en-US" dirty="0"/>
+              </a:p>
+            </p:txBody>
+          </p:sp>
+        </mc:Choice>
+        <mc:Fallback>
+          <p:sp>
+            <p:nvSpPr>
+              <p:cNvPr id="5" name="矩形 4"/>
+              <p:cNvSpPr>
+                <a:spLocks noRot="1" noChangeAspect="1" noMove="1" noResize="1" noEditPoints="1" noAdjustHandles="1" noChangeArrowheads="1" noChangeShapeType="1" noTextEdit="1"/>
+              </p:cNvSpPr>
+              <p:nvPr/>
+            </p:nvSpPr>
+            <p:spPr>
+              <a:xfrm>
+                <a:off x="1835696" y="764704"/>
+                <a:ext cx="6120680" cy="369332"/>
+              </a:xfrm>
+              <a:prstGeom prst="rect">
+                <a:avLst/>
+              </a:prstGeom>
+              <a:blipFill rotWithShape="1">
+                <a:blip r:embed="rId3"/>
+                <a:stretch>
+                  <a:fillRect l="-797" t="-13115" b="-19672"/>
+                </a:stretch>
+              </a:blipFill>
+            </p:spPr>
+            <p:txBody>
+              <a:bodyPr/>
+              <a:lstStyle/>
+              <a:p>
+                <a:r>
+                  <a:rPr lang="zh-CN" altLang="en-US">
+                    <a:noFill/>
+                  </a:rPr>
+                  <a:t> </a:t>
+                </a:r>
+              </a:p>
+            </p:txBody>
+          </p:sp>
+        </mc:Fallback>
+      </mc:AlternateContent>
+      <mc:AlternateContent xmlns:mc="http://schemas.openxmlformats.org/markup-compatibility/2006">
+        <mc:Choice xmlns:a14="http://schemas.microsoft.com/office/drawing/2010/main" Requires="a14">
+          <p:sp>
+            <p:nvSpPr>
+              <p:cNvPr id="6" name="矩形 5"/>
+              <p:cNvSpPr/>
+              <p:nvPr/>
+            </p:nvSpPr>
+            <p:spPr>
+              <a:xfrm>
+                <a:off x="1835696" y="1149116"/>
+                <a:ext cx="5976664" cy="369332"/>
+              </a:xfrm>
+              <a:prstGeom prst="rect">
+                <a:avLst/>
+              </a:prstGeom>
+            </p:spPr>
+            <p:txBody>
+              <a:bodyPr wrap="square">
+                <a:spAutoFit/>
+              </a:bodyPr>
+              <a:lstStyle/>
+              <a:p>
+                <a:r>
+                  <a:rPr lang="zh-CN" altLang="en-US" dirty="0" smtClean="0"/>
+                  <a:t>公式</a:t>
+                </a:r>
+                <a14:m>
+                  <m:oMath xmlns:m="http://schemas.openxmlformats.org/officeDocument/2006/math">
+                    <m:r>
+                      <a:rPr lang="en-US" altLang="zh-CN" b="0" i="0" smtClean="0">
+                        <a:latin typeface="Cambria Math"/>
+                      </a:rPr>
+                      <m:t>3</m:t>
+                    </m:r>
+                    <m:r>
+                      <a:rPr lang="zh-CN" altLang="en-US" b="0" i="1" smtClean="0">
+                        <a:latin typeface="Cambria Math"/>
+                      </a:rPr>
+                      <m:t>：</m:t>
+                    </m:r>
+                    <m:r>
+                      <m:rPr>
+                        <m:sty m:val="p"/>
+                      </m:rPr>
+                      <a:rPr lang="en-US" altLang="zh-CN"/>
+                      <m:t>Gray</m:t>
+                    </m:r>
+                    <m:r>
+                      <a:rPr lang="en-US" altLang="zh-CN"/>
+                      <m:t>=</m:t>
+                    </m:r>
+                    <m:d>
+                      <m:dPr>
+                        <m:ctrlPr>
+                          <a:rPr lang="zh-CN" altLang="zh-CN" i="1"/>
+                        </m:ctrlPr>
+                      </m:dPr>
+                      <m:e>
+                        <m:r>
+                          <a:rPr lang="en-US" altLang="zh-CN"/>
+                          <m:t>19595</m:t>
+                        </m:r>
+                        <m:r>
+                          <a:rPr lang="en-US" altLang="zh-CN" i="1"/>
+                          <m:t>∗</m:t>
+                        </m:r>
+                        <m:r>
+                          <m:rPr>
+                            <m:sty m:val="p"/>
+                          </m:rPr>
+                          <a:rPr lang="en-US" altLang="zh-CN"/>
+                          <m:t>R</m:t>
+                        </m:r>
+                        <m:r>
+                          <a:rPr lang="en-US" altLang="zh-CN"/>
+                          <m:t>+38469</m:t>
+                        </m:r>
+                        <m:r>
+                          <a:rPr lang="en-US" altLang="zh-CN" i="1"/>
+                          <m:t>∗</m:t>
+                        </m:r>
+                        <m:r>
+                          <m:rPr>
+                            <m:sty m:val="p"/>
+                          </m:rPr>
+                          <a:rPr lang="en-US" altLang="zh-CN"/>
+                          <m:t>G</m:t>
+                        </m:r>
+                        <m:r>
+                          <a:rPr lang="en-US" altLang="zh-CN"/>
+                          <m:t>+7471</m:t>
+                        </m:r>
+                        <m:r>
+                          <a:rPr lang="en-US" altLang="zh-CN" i="1"/>
+                          <m:t>∗</m:t>
+                        </m:r>
+                        <m:r>
+                          <m:rPr>
+                            <m:sty m:val="p"/>
+                          </m:rPr>
+                          <a:rPr lang="en-US" altLang="zh-CN"/>
+                          <m:t>B</m:t>
+                        </m:r>
+                      </m:e>
+                    </m:d>
+                    <m:r>
+                      <a:rPr lang="en-US" altLang="zh-CN"/>
+                      <m:t>≫16</m:t>
+                    </m:r>
+                  </m:oMath>
+                </a14:m>
+                <a:r>
+                  <a:rPr lang="en-US" altLang="zh-CN" dirty="0"/>
+                  <a:t> </a:t>
+                </a:r>
+                <a:endParaRPr lang="zh-CN" altLang="en-US" dirty="0"/>
+              </a:p>
+            </p:txBody>
+          </p:sp>
+        </mc:Choice>
+        <mc:Fallback>
+          <p:sp>
+            <p:nvSpPr>
+              <p:cNvPr id="6" name="矩形 5"/>
+              <p:cNvSpPr>
+                <a:spLocks noRot="1" noChangeAspect="1" noMove="1" noResize="1" noEditPoints="1" noAdjustHandles="1" noChangeArrowheads="1" noChangeShapeType="1" noTextEdit="1"/>
+              </p:cNvSpPr>
+              <p:nvPr/>
+            </p:nvSpPr>
+            <p:spPr>
+              <a:xfrm>
+                <a:off x="1835696" y="1149116"/>
+                <a:ext cx="5976664" cy="369332"/>
+              </a:xfrm>
+              <a:prstGeom prst="rect">
+                <a:avLst/>
+              </a:prstGeom>
+              <a:blipFill rotWithShape="1">
+                <a:blip r:embed="rId4"/>
+                <a:stretch>
+                  <a:fillRect l="-815" t="-13333" b="-21667"/>
+                </a:stretch>
+              </a:blipFill>
+            </p:spPr>
+            <p:txBody>
+              <a:bodyPr/>
+              <a:lstStyle/>
+              <a:p>
+                <a:r>
+                  <a:rPr lang="zh-CN" altLang="en-US">
+                    <a:noFill/>
+                  </a:rPr>
+                  <a:t> </a:t>
+                </a:r>
+              </a:p>
+            </p:txBody>
+          </p:sp>
+        </mc:Fallback>
+      </mc:AlternateContent>
+      <p:graphicFrame>
+        <p:nvGraphicFramePr>
+          <p:cNvPr id="7" name="表格 6"/>
+          <p:cNvGraphicFramePr>
+            <a:graphicFrameLocks noGrp="1"/>
+          </p:cNvGraphicFramePr>
+          <p:nvPr>
+            <p:extLst>
+              <p:ext uri="{D42A27DB-BD31-4B8C-83A1-F6EECF244321}">
+                <p14:modId xmlns:p14="http://schemas.microsoft.com/office/powerpoint/2010/main" val="1593552801"/>
+              </p:ext>
+            </p:extLst>
+          </p:nvPr>
+        </p:nvGraphicFramePr>
+        <p:xfrm>
+          <a:off x="827584" y="2132856"/>
+          <a:ext cx="7560841" cy="2664297"/>
+        </p:xfrm>
+        <a:graphic>
+          <a:graphicData uri="http://schemas.openxmlformats.org/drawingml/2006/table">
+            <a:tbl>
+              <a:tblPr firstRow="1" firstCol="1" bandRow="1">
+                <a:tableStyleId>{5C22544A-7EE6-4342-B048-85BDC9FD1C3A}</a:tableStyleId>
+              </a:tblPr>
+              <a:tblGrid>
+                <a:gridCol w="1008112"/>
+                <a:gridCol w="1613998"/>
+                <a:gridCol w="1476528"/>
+                <a:gridCol w="1623397"/>
+                <a:gridCol w="1838806"/>
+              </a:tblGrid>
+              <a:tr h="401681">
+                <a:tc>
+                  <a:txBody>
+                    <a:bodyPr/>
+                    <a:lstStyle/>
+                    <a:p>
+                      <a:pPr algn="ctr">
+                        <a:lnSpc>
+                          <a:spcPct val="150000"/>
+                        </a:lnSpc>
+                        <a:spcAft>
+                          <a:spcPts val="0"/>
+                        </a:spcAft>
+                      </a:pPr>
+                      <a:r>
+                        <a:rPr lang="zh-CN" sz="1200" kern="100" dirty="0">
+                          <a:effectLst/>
+                        </a:rPr>
+                        <a:t>公式</a:t>
+                      </a:r>
+                      <a:endParaRPr lang="zh-CN" sz="1050" kern="100" dirty="0">
+                        <a:effectLst/>
+                        <a:latin typeface="Calibri"/>
+                        <a:ea typeface="宋体"/>
+                        <a:cs typeface="Times New Roman"/>
+                      </a:endParaRPr>
+                    </a:p>
+                  </a:txBody>
+                  <a:tcPr marL="68580" marR="68580" marT="0" marB="0"/>
+                </a:tc>
+                <a:tc>
+                  <a:txBody>
+                    <a:bodyPr/>
+                    <a:lstStyle/>
+                    <a:p>
+                      <a:pPr algn="ctr">
+                        <a:lnSpc>
+                          <a:spcPct val="150000"/>
+                        </a:lnSpc>
+                        <a:spcAft>
+                          <a:spcPts val="0"/>
+                        </a:spcAft>
+                      </a:pPr>
+                      <a:r>
+                        <a:rPr lang="zh-CN" sz="1200" kern="100">
+                          <a:effectLst/>
+                        </a:rPr>
+                        <a:t>视频长度</a:t>
+                      </a:r>
+                      <a:r>
+                        <a:rPr lang="en-US" sz="1200" kern="100">
+                          <a:effectLst/>
+                        </a:rPr>
+                        <a:t>/</a:t>
+                      </a:r>
+                      <a:r>
+                        <a:rPr lang="zh-CN" sz="1200" kern="100">
+                          <a:effectLst/>
+                        </a:rPr>
+                        <a:t>帧</a:t>
+                      </a:r>
+                      <a:endParaRPr lang="zh-CN" sz="1050" kern="100">
+                        <a:effectLst/>
+                        <a:latin typeface="Calibri"/>
+                        <a:ea typeface="宋体"/>
+                        <a:cs typeface="Times New Roman"/>
+                      </a:endParaRPr>
+                    </a:p>
+                  </a:txBody>
+                  <a:tcPr marL="68580" marR="68580" marT="0" marB="0"/>
+                </a:tc>
+                <a:tc>
+                  <a:txBody>
+                    <a:bodyPr/>
+                    <a:lstStyle/>
+                    <a:p>
+                      <a:pPr algn="ctr">
+                        <a:lnSpc>
+                          <a:spcPct val="150000"/>
+                        </a:lnSpc>
+                        <a:spcAft>
+                          <a:spcPts val="0"/>
+                        </a:spcAft>
+                      </a:pPr>
+                      <a:r>
+                        <a:rPr lang="zh-CN" sz="1200" kern="100">
+                          <a:effectLst/>
+                        </a:rPr>
+                        <a:t>视频分辨率</a:t>
+                      </a:r>
+                      <a:endParaRPr lang="zh-CN" sz="1050" kern="100">
+                        <a:effectLst/>
+                        <a:latin typeface="Calibri"/>
+                        <a:ea typeface="宋体"/>
+                        <a:cs typeface="Times New Roman"/>
+                      </a:endParaRPr>
+                    </a:p>
+                  </a:txBody>
+                  <a:tcPr marL="68580" marR="68580" marT="0" marB="0"/>
+                </a:tc>
+                <a:tc>
+                  <a:txBody>
+                    <a:bodyPr/>
+                    <a:lstStyle/>
+                    <a:p>
+                      <a:pPr algn="ctr">
+                        <a:lnSpc>
+                          <a:spcPct val="150000"/>
+                        </a:lnSpc>
+                        <a:spcAft>
+                          <a:spcPts val="0"/>
+                        </a:spcAft>
+                      </a:pPr>
+                      <a:r>
+                        <a:rPr lang="zh-CN" sz="1200" kern="100">
+                          <a:effectLst/>
+                        </a:rPr>
+                        <a:t>总时间</a:t>
+                      </a:r>
+                      <a:r>
+                        <a:rPr lang="en-US" sz="1200" kern="100">
+                          <a:effectLst/>
+                        </a:rPr>
+                        <a:t>/ms</a:t>
+                      </a:r>
+                      <a:endParaRPr lang="zh-CN" sz="1050" kern="100">
+                        <a:effectLst/>
+                        <a:latin typeface="Calibri"/>
+                        <a:ea typeface="宋体"/>
+                        <a:cs typeface="Times New Roman"/>
+                      </a:endParaRPr>
+                    </a:p>
+                  </a:txBody>
+                  <a:tcPr marL="68580" marR="68580" marT="0" marB="0"/>
+                </a:tc>
+                <a:tc>
+                  <a:txBody>
+                    <a:bodyPr/>
+                    <a:lstStyle/>
+                    <a:p>
+                      <a:pPr algn="ctr">
+                        <a:lnSpc>
+                          <a:spcPct val="150000"/>
+                        </a:lnSpc>
+                        <a:spcAft>
+                          <a:spcPts val="0"/>
+                        </a:spcAft>
+                      </a:pPr>
+                      <a:r>
+                        <a:rPr lang="zh-CN" sz="1200" kern="100">
+                          <a:effectLst/>
+                        </a:rPr>
+                        <a:t>平均时间</a:t>
+                      </a:r>
+                      <a:r>
+                        <a:rPr lang="en-US" sz="1200" kern="100">
+                          <a:effectLst/>
+                        </a:rPr>
+                        <a:t>/ms</a:t>
+                      </a:r>
+                      <a:endParaRPr lang="zh-CN" sz="1050" kern="100">
+                        <a:effectLst/>
+                        <a:latin typeface="Calibri"/>
+                        <a:ea typeface="宋体"/>
+                        <a:cs typeface="Times New Roman"/>
+                      </a:endParaRPr>
+                    </a:p>
+                  </a:txBody>
+                  <a:tcPr marL="68580" marR="68580" marT="0" marB="0"/>
+                </a:tc>
+              </a:tr>
+              <a:tr h="606431">
+                <a:tc>
+                  <a:txBody>
+                    <a:bodyPr/>
+                    <a:lstStyle/>
+                    <a:p>
+                      <a:pPr algn="ctr">
+                        <a:lnSpc>
+                          <a:spcPct val="150000"/>
+                        </a:lnSpc>
+                        <a:spcAft>
+                          <a:spcPts val="0"/>
+                        </a:spcAft>
+                      </a:pPr>
+                      <a:r>
+                        <a:rPr lang="en-US" altLang="zh-CN" sz="1050" kern="100" dirty="0" smtClean="0">
+                          <a:effectLst/>
+                          <a:latin typeface="Calibri"/>
+                          <a:ea typeface="宋体"/>
+                          <a:cs typeface="Times New Roman"/>
+                        </a:rPr>
+                        <a:t>1</a:t>
+                      </a:r>
+                      <a:endParaRPr lang="zh-CN" sz="1050" kern="100" dirty="0">
+                        <a:effectLst/>
+                        <a:latin typeface="Calibri"/>
+                        <a:ea typeface="宋体"/>
+                        <a:cs typeface="Times New Roman"/>
+                      </a:endParaRPr>
+                    </a:p>
+                  </a:txBody>
+                  <a:tcPr marL="68580" marR="68580" marT="0" marB="0"/>
+                </a:tc>
+                <a:tc rowSpan="4">
+                  <a:txBody>
+                    <a:bodyPr/>
+                    <a:lstStyle/>
+                    <a:p>
+                      <a:pPr algn="ctr">
+                        <a:lnSpc>
+                          <a:spcPct val="150000"/>
+                        </a:lnSpc>
+                        <a:spcAft>
+                          <a:spcPts val="0"/>
+                        </a:spcAft>
+                      </a:pPr>
+                      <a:r>
+                        <a:rPr lang="en-US" sz="1200" kern="100" dirty="0">
+                          <a:effectLst/>
+                        </a:rPr>
+                        <a:t>3623</a:t>
+                      </a:r>
+                      <a:endParaRPr lang="zh-CN" sz="1050" kern="100" dirty="0">
+                        <a:effectLst/>
+                        <a:latin typeface="Calibri"/>
+                        <a:ea typeface="宋体"/>
+                        <a:cs typeface="Times New Roman"/>
+                      </a:endParaRPr>
+                    </a:p>
+                  </a:txBody>
+                  <a:tcPr marL="68580" marR="68580" marT="0" marB="0" anchor="ctr"/>
+                </a:tc>
+                <a:tc rowSpan="4">
+                  <a:txBody>
+                    <a:bodyPr/>
+                    <a:lstStyle/>
+                    <a:p>
+                      <a:pPr algn="ctr">
+                        <a:lnSpc>
+                          <a:spcPct val="150000"/>
+                        </a:lnSpc>
+                        <a:spcAft>
+                          <a:spcPts val="0"/>
+                        </a:spcAft>
+                      </a:pPr>
+                      <a:r>
+                        <a:rPr lang="en-US" sz="1200" kern="100" dirty="0">
+                          <a:effectLst/>
+                        </a:rPr>
+                        <a:t>1280*720</a:t>
+                      </a:r>
+                      <a:endParaRPr lang="zh-CN" sz="1050" kern="100" dirty="0">
+                        <a:effectLst/>
+                        <a:latin typeface="Calibri"/>
+                        <a:ea typeface="宋体"/>
+                        <a:cs typeface="Times New Roman"/>
+                      </a:endParaRPr>
+                    </a:p>
+                  </a:txBody>
+                  <a:tcPr marL="68580" marR="68580" marT="0" marB="0" anchor="ctr"/>
+                </a:tc>
+                <a:tc>
+                  <a:txBody>
+                    <a:bodyPr/>
+                    <a:lstStyle/>
+                    <a:p>
+                      <a:pPr algn="ctr">
+                        <a:lnSpc>
+                          <a:spcPct val="150000"/>
+                        </a:lnSpc>
+                        <a:spcAft>
+                          <a:spcPts val="0"/>
+                        </a:spcAft>
+                      </a:pPr>
+                      <a:r>
+                        <a:rPr lang="en-US" sz="1200" kern="100">
+                          <a:effectLst/>
+                        </a:rPr>
+                        <a:t>15722.8</a:t>
+                      </a:r>
+                      <a:endParaRPr lang="zh-CN" sz="1050" kern="100">
+                        <a:effectLst/>
+                        <a:latin typeface="Calibri"/>
+                        <a:ea typeface="宋体"/>
+                        <a:cs typeface="Times New Roman"/>
+                      </a:endParaRPr>
+                    </a:p>
+                  </a:txBody>
+                  <a:tcPr marL="68580" marR="68580" marT="0" marB="0"/>
+                </a:tc>
+                <a:tc>
+                  <a:txBody>
+                    <a:bodyPr/>
+                    <a:lstStyle/>
+                    <a:p>
+                      <a:pPr algn="ctr">
+                        <a:lnSpc>
+                          <a:spcPct val="150000"/>
+                        </a:lnSpc>
+                        <a:spcAft>
+                          <a:spcPts val="0"/>
+                        </a:spcAft>
+                      </a:pPr>
+                      <a:r>
+                        <a:rPr lang="en-US" sz="1200" kern="100">
+                          <a:effectLst/>
+                        </a:rPr>
+                        <a:t>4.34</a:t>
+                      </a:r>
+                      <a:endParaRPr lang="zh-CN" sz="1050" kern="100">
+                        <a:effectLst/>
+                        <a:latin typeface="Calibri"/>
+                        <a:ea typeface="宋体"/>
+                        <a:cs typeface="Times New Roman"/>
+                      </a:endParaRPr>
+                    </a:p>
+                  </a:txBody>
+                  <a:tcPr marL="68580" marR="68580" marT="0" marB="0"/>
+                </a:tc>
+              </a:tr>
+              <a:tr h="504056">
+                <a:tc>
+                  <a:txBody>
+                    <a:bodyPr/>
+                    <a:lstStyle/>
+                    <a:p>
+                      <a:pPr algn="ctr">
+                        <a:lnSpc>
+                          <a:spcPct val="150000"/>
+                        </a:lnSpc>
+                        <a:spcAft>
+                          <a:spcPts val="0"/>
+                        </a:spcAft>
+                      </a:pPr>
+                      <a:r>
+                        <a:rPr lang="en-US" altLang="zh-CN" sz="1050" kern="100" dirty="0" smtClean="0">
+                          <a:effectLst/>
+                          <a:latin typeface="Calibri"/>
+                          <a:ea typeface="宋体"/>
+                          <a:cs typeface="Times New Roman"/>
+                        </a:rPr>
+                        <a:t>2</a:t>
+                      </a:r>
+                      <a:endParaRPr lang="zh-CN" sz="1050" kern="100" dirty="0">
+                        <a:effectLst/>
+                        <a:latin typeface="Calibri"/>
+                        <a:ea typeface="宋体"/>
+                        <a:cs typeface="Times New Roman"/>
+                      </a:endParaRPr>
+                    </a:p>
+                  </a:txBody>
+                  <a:tcPr marL="68580" marR="68580" marT="0" marB="0"/>
+                </a:tc>
+                <a:tc vMerge="1">
+                  <a:txBody>
+                    <a:bodyPr/>
+                    <a:lstStyle/>
+                    <a:p>
+                      <a:endParaRPr lang="zh-CN" altLang="en-US"/>
+                    </a:p>
+                  </a:txBody>
+                  <a:tcPr/>
+                </a:tc>
+                <a:tc vMerge="1">
+                  <a:txBody>
+                    <a:bodyPr/>
+                    <a:lstStyle/>
+                    <a:p>
+                      <a:endParaRPr lang="zh-CN" altLang="en-US"/>
+                    </a:p>
+                  </a:txBody>
+                  <a:tcPr/>
+                </a:tc>
+                <a:tc>
+                  <a:txBody>
+                    <a:bodyPr/>
+                    <a:lstStyle/>
+                    <a:p>
+                      <a:pPr algn="ctr">
+                        <a:lnSpc>
+                          <a:spcPct val="150000"/>
+                        </a:lnSpc>
+                        <a:spcAft>
+                          <a:spcPts val="0"/>
+                        </a:spcAft>
+                      </a:pPr>
+                      <a:r>
+                        <a:rPr lang="en-US" sz="1200" kern="100" dirty="0">
+                          <a:effectLst/>
+                        </a:rPr>
+                        <a:t>8406.68</a:t>
+                      </a:r>
+                      <a:endParaRPr lang="zh-CN" sz="1050" kern="100" dirty="0">
+                        <a:effectLst/>
+                        <a:latin typeface="Calibri"/>
+                        <a:ea typeface="宋体"/>
+                        <a:cs typeface="Times New Roman"/>
+                      </a:endParaRPr>
+                    </a:p>
+                  </a:txBody>
+                  <a:tcPr marL="68580" marR="68580" marT="0" marB="0"/>
+                </a:tc>
+                <a:tc>
+                  <a:txBody>
+                    <a:bodyPr/>
+                    <a:lstStyle/>
+                    <a:p>
+                      <a:pPr algn="ctr">
+                        <a:lnSpc>
+                          <a:spcPct val="150000"/>
+                        </a:lnSpc>
+                        <a:spcAft>
+                          <a:spcPts val="0"/>
+                        </a:spcAft>
+                      </a:pPr>
+                      <a:r>
+                        <a:rPr lang="en-US" sz="1200" kern="100">
+                          <a:effectLst/>
+                        </a:rPr>
+                        <a:t>2.32</a:t>
+                      </a:r>
+                      <a:endParaRPr lang="zh-CN" sz="1050" kern="100">
+                        <a:effectLst/>
+                        <a:latin typeface="Calibri"/>
+                        <a:ea typeface="宋体"/>
+                        <a:cs typeface="Times New Roman"/>
+                      </a:endParaRPr>
+                    </a:p>
+                  </a:txBody>
+                  <a:tcPr marL="68580" marR="68580" marT="0" marB="0"/>
+                </a:tc>
+              </a:tr>
+              <a:tr h="648072">
+                <a:tc>
+                  <a:txBody>
+                    <a:bodyPr/>
+                    <a:lstStyle/>
+                    <a:p>
+                      <a:pPr algn="ctr">
+                        <a:lnSpc>
+                          <a:spcPct val="150000"/>
+                        </a:lnSpc>
+                        <a:spcAft>
+                          <a:spcPts val="0"/>
+                        </a:spcAft>
+                      </a:pPr>
+                      <a:r>
+                        <a:rPr lang="en-US" altLang="zh-CN" sz="1050" kern="100" dirty="0" smtClean="0">
+                          <a:effectLst/>
+                          <a:latin typeface="Calibri"/>
+                          <a:ea typeface="宋体"/>
+                          <a:cs typeface="Times New Roman"/>
+                        </a:rPr>
+                        <a:t>3</a:t>
+                      </a:r>
+                      <a:endParaRPr lang="zh-CN" sz="1050" kern="100" dirty="0">
+                        <a:effectLst/>
+                        <a:latin typeface="Calibri"/>
+                        <a:ea typeface="宋体"/>
+                        <a:cs typeface="Times New Roman"/>
+                      </a:endParaRPr>
+                    </a:p>
+                  </a:txBody>
+                  <a:tcPr marL="68580" marR="68580" marT="0" marB="0"/>
+                </a:tc>
+                <a:tc vMerge="1">
+                  <a:txBody>
+                    <a:bodyPr/>
+                    <a:lstStyle/>
+                    <a:p>
+                      <a:endParaRPr lang="zh-CN" altLang="en-US"/>
+                    </a:p>
+                  </a:txBody>
+                  <a:tcPr/>
+                </a:tc>
+                <a:tc vMerge="1">
+                  <a:txBody>
+                    <a:bodyPr/>
+                    <a:lstStyle/>
+                    <a:p>
+                      <a:endParaRPr lang="zh-CN" altLang="en-US"/>
+                    </a:p>
+                  </a:txBody>
+                  <a:tcPr/>
+                </a:tc>
+                <a:tc>
+                  <a:txBody>
+                    <a:bodyPr/>
+                    <a:lstStyle/>
+                    <a:p>
+                      <a:pPr algn="ctr">
+                        <a:lnSpc>
+                          <a:spcPct val="150000"/>
+                        </a:lnSpc>
+                        <a:spcAft>
+                          <a:spcPts val="0"/>
+                        </a:spcAft>
+                      </a:pPr>
+                      <a:r>
+                        <a:rPr lang="en-US" sz="1200" kern="100" dirty="0">
+                          <a:effectLst/>
+                        </a:rPr>
+                        <a:t>5764.69</a:t>
+                      </a:r>
+                      <a:endParaRPr lang="zh-CN" sz="1050" kern="100" dirty="0">
+                        <a:effectLst/>
+                        <a:latin typeface="Calibri"/>
+                        <a:ea typeface="宋体"/>
+                        <a:cs typeface="Times New Roman"/>
+                      </a:endParaRPr>
+                    </a:p>
+                  </a:txBody>
+                  <a:tcPr marL="68580" marR="68580" marT="0" marB="0"/>
+                </a:tc>
+                <a:tc>
+                  <a:txBody>
+                    <a:bodyPr/>
+                    <a:lstStyle/>
+                    <a:p>
+                      <a:pPr algn="ctr">
+                        <a:lnSpc>
+                          <a:spcPct val="150000"/>
+                        </a:lnSpc>
+                        <a:spcAft>
+                          <a:spcPts val="0"/>
+                        </a:spcAft>
+                      </a:pPr>
+                      <a:r>
+                        <a:rPr lang="en-US" sz="1200" kern="100" dirty="0">
+                          <a:effectLst/>
+                        </a:rPr>
+                        <a:t>1.59</a:t>
+                      </a:r>
+                      <a:endParaRPr lang="zh-CN" sz="1050" kern="100" dirty="0">
+                        <a:effectLst/>
+                        <a:latin typeface="Calibri"/>
+                        <a:ea typeface="宋体"/>
+                        <a:cs typeface="Times New Roman"/>
+                      </a:endParaRPr>
+                    </a:p>
+                  </a:txBody>
+                  <a:tcPr marL="68580" marR="68580" marT="0" marB="0"/>
+                </a:tc>
+              </a:tr>
+              <a:tr h="504057">
+                <a:tc>
+                  <a:txBody>
+                    <a:bodyPr/>
+                    <a:lstStyle/>
+                    <a:p>
+                      <a:pPr algn="ctr">
+                        <a:lnSpc>
+                          <a:spcPct val="150000"/>
+                        </a:lnSpc>
+                        <a:spcAft>
+                          <a:spcPts val="0"/>
+                        </a:spcAft>
+                      </a:pPr>
+                      <a:r>
+                        <a:rPr lang="en-US" sz="1200" kern="100" dirty="0" err="1">
+                          <a:effectLst/>
+                        </a:rPr>
+                        <a:t>Opencv</a:t>
+                      </a:r>
+                      <a:endParaRPr lang="zh-CN" sz="1050" kern="100" dirty="0">
+                        <a:effectLst/>
+                        <a:latin typeface="Calibri"/>
+                        <a:ea typeface="宋体"/>
+                        <a:cs typeface="Times New Roman"/>
+                      </a:endParaRPr>
+                    </a:p>
+                  </a:txBody>
+                  <a:tcPr marL="68580" marR="68580" marT="0" marB="0"/>
+                </a:tc>
+                <a:tc vMerge="1">
+                  <a:txBody>
+                    <a:bodyPr/>
+                    <a:lstStyle/>
+                    <a:p>
+                      <a:endParaRPr lang="zh-CN" altLang="en-US"/>
+                    </a:p>
+                  </a:txBody>
+                  <a:tcPr/>
+                </a:tc>
+                <a:tc vMerge="1">
+                  <a:txBody>
+                    <a:bodyPr/>
+                    <a:lstStyle/>
+                    <a:p>
+                      <a:endParaRPr lang="zh-CN" altLang="en-US"/>
+                    </a:p>
+                  </a:txBody>
+                  <a:tcPr/>
+                </a:tc>
+                <a:tc>
+                  <a:txBody>
+                    <a:bodyPr/>
+                    <a:lstStyle/>
+                    <a:p>
+                      <a:pPr algn="ctr">
+                        <a:lnSpc>
+                          <a:spcPct val="150000"/>
+                        </a:lnSpc>
+                        <a:spcAft>
+                          <a:spcPts val="0"/>
+                        </a:spcAft>
+                      </a:pPr>
+                      <a:r>
+                        <a:rPr lang="en-US" sz="1200" kern="100" dirty="0">
+                          <a:effectLst/>
+                        </a:rPr>
+                        <a:t>7646.59</a:t>
+                      </a:r>
+                      <a:endParaRPr lang="zh-CN" sz="1050" kern="100" dirty="0">
+                        <a:effectLst/>
+                        <a:latin typeface="Calibri"/>
+                        <a:ea typeface="宋体"/>
+                        <a:cs typeface="Times New Roman"/>
+                      </a:endParaRPr>
+                    </a:p>
+                  </a:txBody>
+                  <a:tcPr marL="68580" marR="68580" marT="0" marB="0"/>
+                </a:tc>
+                <a:tc>
+                  <a:txBody>
+                    <a:bodyPr/>
+                    <a:lstStyle/>
+                    <a:p>
+                      <a:pPr algn="ctr">
+                        <a:lnSpc>
+                          <a:spcPct val="150000"/>
+                        </a:lnSpc>
+                        <a:spcAft>
+                          <a:spcPts val="0"/>
+                        </a:spcAft>
+                      </a:pPr>
+                      <a:r>
+                        <a:rPr lang="en-US" sz="1200" kern="100" dirty="0">
+                          <a:effectLst/>
+                        </a:rPr>
+                        <a:t>2.11</a:t>
+                      </a:r>
+                      <a:endParaRPr lang="zh-CN" sz="1050" kern="100" dirty="0">
+                        <a:effectLst/>
+                        <a:latin typeface="Calibri"/>
+                        <a:ea typeface="宋体"/>
+                        <a:cs typeface="Times New Roman"/>
+                      </a:endParaRPr>
+                    </a:p>
+                  </a:txBody>
+                  <a:tcPr marL="68580" marR="68580" marT="0" marB="0"/>
+                </a:tc>
+              </a:tr>
+            </a:tbl>
+          </a:graphicData>
+        </a:graphic>
+      </p:graphicFrame>
+    </p:spTree>
+    <p:extLst>
+      <p:ext uri="{BB962C8B-B14F-4D97-AF65-F5344CB8AC3E}">
+        <p14:creationId xmlns:p14="http://schemas.microsoft.com/office/powerpoint/2010/main" val="3246679458"/>
+      </p:ext>
+    </p:extLst>
+  </p:cSld>
+  <p:clrMapOvr>
+    <a:masterClrMapping/>
+  </p:clrMapOvr>
+  <p:timing>
+    <p:tnLst>
+      <p:par>
+        <p:cTn id="1" dur="indefinite" restart="never" nodeType="tmRoot"/>
+      </p:par>
+    </p:tnLst>
+  </p:timing>
+</p:sld>
+</file>
+
+<file path=ppt/slides/slide17.xml><?xml version="1.0" encoding="utf-8"?>
+<p:sld xmlns:a="http://schemas.openxmlformats.org/drawingml/2006/main" xmlns:r="http://schemas.openxmlformats.org/officeDocument/2006/relationships" xmlns:p="http://schemas.openxmlformats.org/presentationml/2006/main">
+  <p:cSld>
+    <p:spTree>
+      <p:nvGrpSpPr>
+        <p:cNvPr id="1" name=""/>
+        <p:cNvGrpSpPr/>
+        <p:nvPr/>
+      </p:nvGrpSpPr>
+      <p:grpSpPr>
+        <a:xfrm>
+          <a:off x="0" y="0"/>
+          <a:ext cx="0" cy="0"/>
+          <a:chOff x="0" y="0"/>
+          <a:chExt cx="0" cy="0"/>
+        </a:xfrm>
+      </p:grpSpPr>
+      <p:sp>
+        <p:nvSpPr>
+          <p:cNvPr id="2" name="标题 1"/>
+          <p:cNvSpPr>
+            <a:spLocks noGrp="1"/>
+          </p:cNvSpPr>
+          <p:nvPr>
+            <p:ph type="title"/>
+          </p:nvPr>
+        </p:nvSpPr>
+        <p:spPr>
+          <a:xfrm>
+            <a:off x="2631489" y="5742684"/>
+            <a:ext cx="6512511" cy="1143000"/>
+          </a:xfrm>
+        </p:spPr>
+        <p:txBody>
+          <a:bodyPr/>
+          <a:lstStyle/>
+          <a:p>
+            <a:r>
+              <a:rPr lang="zh-CN" altLang="en-US" dirty="0" smtClean="0"/>
+              <a:t>中值滤波</a:t>
+            </a:r>
+            <a:endParaRPr lang="zh-CN" altLang="en-US" dirty="0"/>
+          </a:p>
+        </p:txBody>
+      </p:sp>
+    </p:spTree>
+    <p:extLst>
+      <p:ext uri="{BB962C8B-B14F-4D97-AF65-F5344CB8AC3E}">
+        <p14:creationId xmlns:p14="http://schemas.microsoft.com/office/powerpoint/2010/main" val="654095680"/>
+      </p:ext>
+    </p:extLst>
+  </p:cSld>
+  <p:clrMapOvr>
+    <a:masterClrMapping/>
+  </p:clrMapOvr>
+  <p:timing>
+    <p:tnLst>
+      <p:par>
+        <p:cTn id="1" dur="indefinite" restart="never" nodeType="tmRoot"/>
+      </p:par>
+    </p:tnLst>
+  </p:timing>
+</p:sld>
+</file>
+
+<file path=ppt/slides/slide18.xml><?xml version="1.0" encoding="utf-8"?>
+<p:sld xmlns:a="http://schemas.openxmlformats.org/drawingml/2006/main" xmlns:r="http://schemas.openxmlformats.org/officeDocument/2006/relationships" xmlns:p="http://schemas.openxmlformats.org/presentationml/2006/main">
+  <p:cSld>
+    <p:spTree>
+      <p:nvGrpSpPr>
+        <p:cNvPr id="1" name=""/>
+        <p:cNvGrpSpPr/>
+        <p:nvPr/>
+      </p:nvGrpSpPr>
+      <p:grpSpPr>
+        <a:xfrm>
+          <a:off x="0" y="0"/>
+          <a:ext cx="0" cy="0"/>
+          <a:chOff x="0" y="0"/>
+          <a:chExt cx="0" cy="0"/>
+        </a:xfrm>
+      </p:grpSpPr>
+      <p:sp>
+        <p:nvSpPr>
+          <p:cNvPr id="2" name="标题 1"/>
+          <p:cNvSpPr>
+            <a:spLocks noGrp="1"/>
+          </p:cNvSpPr>
+          <p:nvPr>
+            <p:ph type="title"/>
+          </p:nvPr>
+        </p:nvSpPr>
+        <p:spPr>
+          <a:xfrm>
+            <a:off x="2627784" y="5742384"/>
+            <a:ext cx="6512511" cy="1143000"/>
+          </a:xfrm>
+        </p:spPr>
+        <p:txBody>
+          <a:bodyPr/>
+          <a:lstStyle/>
+          <a:p>
+            <a:r>
+              <a:rPr lang="zh-CN" altLang="en-US" smtClean="0"/>
+              <a:t>特征提取关键</a:t>
+            </a:r>
+            <a:r>
+              <a:rPr lang="zh-CN" altLang="en-US" dirty="0" smtClean="0"/>
+              <a:t>技术</a:t>
+            </a:r>
+            <a:endParaRPr lang="zh-CN" altLang="en-US" dirty="0"/>
+          </a:p>
+        </p:txBody>
+      </p:sp>
+      <p:sp>
+        <p:nvSpPr>
+          <p:cNvPr id="8" name="左大括号 7"/>
+          <p:cNvSpPr/>
+          <p:nvPr/>
+        </p:nvSpPr>
+        <p:spPr>
+          <a:xfrm>
+            <a:off x="2995273" y="2348880"/>
+            <a:ext cx="396044" cy="1903566"/>
+          </a:xfrm>
+          <a:prstGeom prst="leftBrace">
+            <a:avLst/>
+          </a:prstGeom>
+        </p:spPr>
+        <p:style>
+          <a:lnRef idx="1">
+            <a:schemeClr val="accent1"/>
+          </a:lnRef>
+          <a:fillRef idx="0">
+            <a:schemeClr val="accent1"/>
+          </a:fillRef>
+          <a:effectRef idx="0">
+            <a:schemeClr val="accent1"/>
+          </a:effectRef>
+          <a:fontRef idx="minor">
+            <a:schemeClr val="tx1"/>
+          </a:fontRef>
+        </p:style>
+        <p:txBody>
+          <a:bodyPr rtlCol="0" anchor="ctr"/>
+          <a:lstStyle/>
+          <a:p>
+            <a:pPr algn="ctr"/>
+            <a:endParaRPr lang="zh-CN" altLang="en-US"/>
+          </a:p>
+        </p:txBody>
+      </p:sp>
+      <p:sp>
+        <p:nvSpPr>
+          <p:cNvPr id="9" name="TextBox 8"/>
+          <p:cNvSpPr txBox="1"/>
+          <p:nvPr/>
+        </p:nvSpPr>
+        <p:spPr>
+          <a:xfrm>
+            <a:off x="3369643" y="2122970"/>
+            <a:ext cx="2749471" cy="400110"/>
+          </a:xfrm>
+          <a:prstGeom prst="rect">
+            <a:avLst/>
+          </a:prstGeom>
+          <a:noFill/>
+        </p:spPr>
+        <p:txBody>
+          <a:bodyPr wrap="none" rtlCol="0">
+            <a:spAutoFit/>
+          </a:bodyPr>
+          <a:lstStyle/>
+          <a:p>
+            <a:r>
+              <a:rPr lang="zh-CN" altLang="en-US" sz="2000" dirty="0" smtClean="0"/>
+              <a:t>颜色特征：颜色直方图</a:t>
+            </a:r>
+            <a:endParaRPr lang="zh-CN" altLang="en-US" sz="2000" dirty="0"/>
+          </a:p>
+        </p:txBody>
+      </p:sp>
+      <p:sp>
+        <p:nvSpPr>
+          <p:cNvPr id="10" name="矩形 9"/>
+          <p:cNvSpPr/>
+          <p:nvPr/>
+        </p:nvSpPr>
+        <p:spPr>
+          <a:xfrm>
+            <a:off x="3339733" y="2627026"/>
+            <a:ext cx="2539157" cy="400110"/>
+          </a:xfrm>
+          <a:prstGeom prst="rect">
+            <a:avLst/>
+          </a:prstGeom>
+        </p:spPr>
+        <p:txBody>
+          <a:bodyPr wrap="none">
+            <a:spAutoFit/>
+          </a:bodyPr>
+          <a:lstStyle/>
+          <a:p>
+            <a:pPr marL="45720" indent="0">
+              <a:buNone/>
+            </a:pPr>
+            <a:r>
+              <a:rPr lang="zh-CN" altLang="en-US" sz="2000" dirty="0" smtClean="0"/>
+              <a:t>运动方向：轨迹跟踪</a:t>
+            </a:r>
+            <a:endParaRPr lang="en-US" altLang="zh-CN" sz="2000" dirty="0"/>
+          </a:p>
+        </p:txBody>
+      </p:sp>
+      <p:sp>
+        <p:nvSpPr>
+          <p:cNvPr id="11" name="矩形 10"/>
+          <p:cNvSpPr/>
+          <p:nvPr/>
+        </p:nvSpPr>
+        <p:spPr>
+          <a:xfrm>
+            <a:off x="3341767" y="3121790"/>
+            <a:ext cx="4591000" cy="400110"/>
+          </a:xfrm>
+          <a:prstGeom prst="rect">
+            <a:avLst/>
+          </a:prstGeom>
+        </p:spPr>
+        <p:txBody>
+          <a:bodyPr wrap="none">
+            <a:spAutoFit/>
+          </a:bodyPr>
+          <a:lstStyle/>
+          <a:p>
+            <a:pPr marL="45720" indent="0">
+              <a:buNone/>
+            </a:pPr>
+            <a:r>
+              <a:rPr lang="zh-CN" altLang="en-US" sz="2000" dirty="0" smtClean="0"/>
+              <a:t>目标类型：行人分类器和车辆分类器等</a:t>
+            </a:r>
+            <a:endParaRPr lang="en-US" altLang="zh-CN" sz="2000" dirty="0"/>
+          </a:p>
+        </p:txBody>
+      </p:sp>
+      <p:sp>
+        <p:nvSpPr>
+          <p:cNvPr id="12" name="矩形 11"/>
+          <p:cNvSpPr/>
+          <p:nvPr/>
+        </p:nvSpPr>
+        <p:spPr>
+          <a:xfrm>
+            <a:off x="3318209" y="3521900"/>
+            <a:ext cx="2539157" cy="400110"/>
+          </a:xfrm>
+          <a:prstGeom prst="rect">
+            <a:avLst/>
+          </a:prstGeom>
+        </p:spPr>
+        <p:txBody>
+          <a:bodyPr wrap="none">
+            <a:spAutoFit/>
+          </a:bodyPr>
+          <a:lstStyle/>
+          <a:p>
+            <a:pPr marL="45720" indent="0">
+              <a:buNone/>
+            </a:pPr>
+            <a:r>
+              <a:rPr lang="zh-CN" altLang="en-US" sz="2000" dirty="0" smtClean="0"/>
+              <a:t>入侵区域：轨迹跟踪</a:t>
+            </a:r>
+            <a:endParaRPr lang="en-US" altLang="zh-CN" sz="2000" dirty="0"/>
+          </a:p>
+        </p:txBody>
+      </p:sp>
+      <p:sp>
+        <p:nvSpPr>
+          <p:cNvPr id="13" name="矩形 12"/>
+          <p:cNvSpPr/>
+          <p:nvPr/>
+        </p:nvSpPr>
+        <p:spPr>
+          <a:xfrm>
+            <a:off x="3353279" y="4067780"/>
+            <a:ext cx="1256754" cy="400110"/>
+          </a:xfrm>
+          <a:prstGeom prst="rect">
+            <a:avLst/>
+          </a:prstGeom>
+        </p:spPr>
+        <p:txBody>
+          <a:bodyPr wrap="none">
+            <a:spAutoFit/>
+          </a:bodyPr>
+          <a:lstStyle/>
+          <a:p>
+            <a:pPr marL="45720" indent="0">
+              <a:buNone/>
+            </a:pPr>
+            <a:r>
+              <a:rPr lang="zh-CN" altLang="en-US" sz="2000" dirty="0" smtClean="0"/>
+              <a:t>形状大小</a:t>
+            </a:r>
+            <a:endParaRPr lang="en-US" altLang="zh-CN" sz="2000" dirty="0"/>
+          </a:p>
+        </p:txBody>
+      </p:sp>
+      <p:sp>
+        <p:nvSpPr>
+          <p:cNvPr id="15" name="矩形 14"/>
+          <p:cNvSpPr/>
+          <p:nvPr/>
+        </p:nvSpPr>
+        <p:spPr>
+          <a:xfrm>
+            <a:off x="1547664" y="3068960"/>
+            <a:ext cx="1461939" cy="461665"/>
+          </a:xfrm>
+          <a:prstGeom prst="rect">
+            <a:avLst/>
+          </a:prstGeom>
+        </p:spPr>
+        <p:txBody>
+          <a:bodyPr wrap="none">
+            <a:spAutoFit/>
+          </a:bodyPr>
+          <a:lstStyle/>
+          <a:p>
+            <a:pPr marL="45720" indent="0">
+              <a:buNone/>
+            </a:pPr>
+            <a:r>
+              <a:rPr lang="zh-CN" altLang="en-US" sz="2400" dirty="0" smtClean="0"/>
+              <a:t>特征查找</a:t>
+            </a:r>
+            <a:endParaRPr lang="en-US" altLang="zh-CN" sz="2400" dirty="0"/>
+          </a:p>
+        </p:txBody>
+      </p:sp>
+    </p:spTree>
+    <p:extLst>
+      <p:ext uri="{BB962C8B-B14F-4D97-AF65-F5344CB8AC3E}">
+        <p14:creationId xmlns:p14="http://schemas.microsoft.com/office/powerpoint/2010/main" val="412558560"/>
+      </p:ext>
+    </p:extLst>
+  </p:cSld>
+  <p:clrMapOvr>
+    <a:masterClrMapping/>
+  </p:clrMapOvr>
+  <p:timing>
+    <p:tnLst>
+      <p:par>
+        <p:cTn id="1" dur="indefinite" restart="never" nodeType="tmRoot"/>
+      </p:par>
+    </p:tnLst>
+  </p:timing>
+</p:sld>
+</file>
+
+<file path=ppt/slides/slide19.xml><?xml version="1.0" encoding="utf-8"?>
+<p:sld xmlns:a="http://schemas.openxmlformats.org/drawingml/2006/main" xmlns:r="http://schemas.openxmlformats.org/officeDocument/2006/relationships" xmlns:p="http://schemas.openxmlformats.org/presentationml/2006/main">
+  <p:cSld>
+    <p:spTree>
+      <p:nvGrpSpPr>
+        <p:cNvPr id="1" name=""/>
+        <p:cNvGrpSpPr/>
+        <p:nvPr/>
+      </p:nvGrpSpPr>
+      <p:grpSpPr>
+        <a:xfrm>
+          <a:off x="0" y="0"/>
+          <a:ext cx="0" cy="0"/>
+          <a:chOff x="0" y="0"/>
+          <a:chExt cx="0" cy="0"/>
+        </a:xfrm>
+      </p:grpSpPr>
+      <p:sp>
+        <p:nvSpPr>
+          <p:cNvPr id="2" name="标题 1"/>
+          <p:cNvSpPr>
+            <a:spLocks noGrp="1"/>
+          </p:cNvSpPr>
+          <p:nvPr>
+            <p:ph type="title"/>
+          </p:nvPr>
+        </p:nvSpPr>
+        <p:spPr>
+          <a:xfrm>
+            <a:off x="2595993" y="5742384"/>
+            <a:ext cx="6512511" cy="1143000"/>
+          </a:xfrm>
+        </p:spPr>
+        <p:txBody>
+          <a:bodyPr/>
+          <a:lstStyle/>
+          <a:p>
+            <a:r>
+              <a:rPr lang="zh-CN" altLang="en-US" dirty="0" smtClean="0"/>
+              <a:t>特征提取技术路线</a:t>
+            </a:r>
+            <a:endParaRPr lang="zh-CN" altLang="en-US" dirty="0"/>
+          </a:p>
+        </p:txBody>
+      </p:sp>
+      <p:pic>
+        <p:nvPicPr>
+          <p:cNvPr id="1026" name="Picture 2"/>
+          <p:cNvPicPr>
+            <a:picLocks noChangeAspect="1" noChangeArrowheads="1"/>
+          </p:cNvPicPr>
+          <p:nvPr/>
+        </p:nvPicPr>
+        <p:blipFill>
+          <a:blip r:embed="rId2">
+            <a:extLst>
+              <a:ext uri="{28A0092B-C50C-407E-A947-70E740481C1C}">
+                <a14:useLocalDpi xmlns:a14="http://schemas.microsoft.com/office/drawing/2010/main" val="0"/>
+              </a:ext>
+            </a:extLst>
+          </a:blip>
+          <a:srcRect/>
+          <a:stretch>
+            <a:fillRect/>
+          </a:stretch>
+        </p:blipFill>
+        <p:spPr bwMode="auto">
+          <a:xfrm>
+            <a:off x="4352900" y="7494"/>
+            <a:ext cx="2019300" cy="5200650"/>
+          </a:xfrm>
+          <a:prstGeom prst="rect">
+            <a:avLst/>
+          </a:prstGeom>
+          <a:noFill/>
+          <a:ln>
+            <a:noFill/>
+          </a:ln>
+          <a:extLst>
+            <a:ext uri="{909E8E84-426E-40DD-AFC4-6F175D3DCCD1}">
+              <a14:hiddenFill xmlns:a14="http://schemas.microsoft.com/office/drawing/2010/main">
+                <a:solidFill>
+                  <a:schemeClr val="accent1"/>
+                </a:solidFill>
+              </a14:hiddenFill>
+            </a:ext>
+            <a:ext uri="{91240B29-F687-4F45-9708-019B960494DF}">
+              <a14:hiddenLine xmlns:a14="http://schemas.microsoft.com/office/drawing/2010/main" w="9525">
+                <a:solidFill>
+                  <a:schemeClr val="tx1"/>
+                </a:solidFill>
+                <a:miter lim="800000"/>
+                <a:headEnd/>
+                <a:tailEnd/>
+              </a14:hiddenLine>
+            </a:ext>
+          </a:extLst>
+        </p:spPr>
+      </p:pic>
+      <p:sp>
+        <p:nvSpPr>
+          <p:cNvPr id="3" name="TextBox 2"/>
+          <p:cNvSpPr txBox="1"/>
+          <p:nvPr/>
+        </p:nvSpPr>
+        <p:spPr>
+          <a:xfrm>
+            <a:off x="2404209" y="548680"/>
+            <a:ext cx="1015663" cy="4392488"/>
+          </a:xfrm>
+          <a:prstGeom prst="rect">
+            <a:avLst/>
+          </a:prstGeom>
+          <a:noFill/>
+        </p:spPr>
+        <p:txBody>
+          <a:bodyPr vert="eaVert" wrap="square" rtlCol="0">
+            <a:spAutoFit/>
+          </a:bodyPr>
+          <a:lstStyle/>
+          <a:p>
+            <a:r>
+              <a:rPr lang="zh-CN" altLang="en-US" dirty="0"/>
+              <a:t>基于视频摘要的视频信息检索，只需要对视频有意义的部分进行检索操作，将大大缩小视频特征处理的时间。</a:t>
+            </a:r>
+            <a:endParaRPr lang="en-US" altLang="zh-CN" dirty="0"/>
+          </a:p>
+        </p:txBody>
+      </p:sp>
+    </p:spTree>
+    <p:extLst>
+      <p:ext uri="{BB962C8B-B14F-4D97-AF65-F5344CB8AC3E}">
+        <p14:creationId xmlns:p14="http://schemas.microsoft.com/office/powerpoint/2010/main" val="1037395504"/>
       </p:ext>
     </p:extLst>
   </p:cSld>
@@ -5692,6 +9830,547 @@
 </p:sld>
 </file>
 
+<file path=ppt/slides/slide20.xml><?xml version="1.0" encoding="utf-8"?>
+<p:sld xmlns:a="http://schemas.openxmlformats.org/drawingml/2006/main" xmlns:r="http://schemas.openxmlformats.org/officeDocument/2006/relationships" xmlns:p="http://schemas.openxmlformats.org/presentationml/2006/main">
+  <p:cSld>
+    <p:spTree>
+      <p:nvGrpSpPr>
+        <p:cNvPr id="1" name=""/>
+        <p:cNvGrpSpPr/>
+        <p:nvPr/>
+      </p:nvGrpSpPr>
+      <p:grpSpPr>
+        <a:xfrm>
+          <a:off x="0" y="0"/>
+          <a:ext cx="0" cy="0"/>
+          <a:chOff x="0" y="0"/>
+          <a:chExt cx="0" cy="0"/>
+        </a:xfrm>
+      </p:grpSpPr>
+      <p:sp>
+        <p:nvSpPr>
+          <p:cNvPr id="2" name="标题 1"/>
+          <p:cNvSpPr>
+            <a:spLocks noGrp="1"/>
+          </p:cNvSpPr>
+          <p:nvPr>
+            <p:ph type="title"/>
+          </p:nvPr>
+        </p:nvSpPr>
+        <p:spPr>
+          <a:xfrm>
+            <a:off x="2627784" y="5742384"/>
+            <a:ext cx="6512511" cy="1143000"/>
+          </a:xfrm>
+        </p:spPr>
+        <p:txBody>
+          <a:bodyPr/>
+          <a:lstStyle/>
+          <a:p>
+            <a:r>
+              <a:rPr lang="zh-CN" altLang="en-US" dirty="0" smtClean="0"/>
+              <a:t>技术难点</a:t>
+            </a:r>
+            <a:endParaRPr lang="zh-CN" altLang="en-US" dirty="0"/>
+          </a:p>
+        </p:txBody>
+      </p:sp>
+      <p:sp>
+        <p:nvSpPr>
+          <p:cNvPr id="3" name="内容占位符 2"/>
+          <p:cNvSpPr>
+            <a:spLocks noGrp="1"/>
+          </p:cNvSpPr>
+          <p:nvPr>
+            <p:ph sz="quarter" idx="13"/>
+          </p:nvPr>
+        </p:nvSpPr>
+        <p:spPr/>
+        <p:txBody>
+          <a:bodyPr>
+            <a:normAutofit fontScale="92500"/>
+          </a:bodyPr>
+          <a:lstStyle/>
+          <a:p>
+            <a:r>
+              <a:rPr lang="zh-CN" altLang="en-US" dirty="0" smtClean="0"/>
+              <a:t>运动对象的复杂性</a:t>
+            </a:r>
+            <a:endParaRPr lang="en-US" altLang="zh-CN" dirty="0" smtClean="0"/>
+          </a:p>
+          <a:p>
+            <a:pPr marL="45720" indent="0">
+              <a:buNone/>
+            </a:pPr>
+            <a:r>
+              <a:rPr lang="en-US" altLang="zh-CN" dirty="0"/>
+              <a:t> </a:t>
+            </a:r>
+            <a:r>
+              <a:rPr lang="en-US" altLang="zh-CN" dirty="0" smtClean="0"/>
+              <a:t>  </a:t>
+            </a:r>
+            <a:r>
+              <a:rPr lang="zh-CN" altLang="en-US" dirty="0" smtClean="0"/>
+              <a:t>运动对象太多，太杂会对跟踪造成很大的影响，具体表现为当两个运动对象有交错重叠的时候应该如何区分。</a:t>
+            </a:r>
+            <a:endParaRPr lang="en-US" altLang="zh-CN" dirty="0" smtClean="0"/>
+          </a:p>
+          <a:p>
+            <a:r>
+              <a:rPr lang="zh-CN" altLang="en-US" dirty="0" smtClean="0"/>
+              <a:t>场景的复杂性</a:t>
+            </a:r>
+            <a:endParaRPr lang="en-US" altLang="zh-CN" dirty="0" smtClean="0"/>
+          </a:p>
+          <a:p>
+            <a:pPr marL="45720" indent="0">
+              <a:buNone/>
+            </a:pPr>
+            <a:r>
+              <a:rPr lang="en-US" altLang="zh-CN" dirty="0"/>
+              <a:t> </a:t>
+            </a:r>
+            <a:r>
+              <a:rPr lang="en-US" altLang="zh-CN" dirty="0" smtClean="0"/>
+              <a:t>  </a:t>
+            </a:r>
+            <a:r>
+              <a:rPr lang="zh-CN" altLang="en-US" dirty="0" smtClean="0"/>
+              <a:t>背景因素的干扰会对运动物体检测造成一定的影响，比如下雨天的雨点，随风摇摆的树枝等。</a:t>
+            </a:r>
+            <a:endParaRPr lang="en-US" altLang="zh-CN" dirty="0" smtClean="0"/>
+          </a:p>
+          <a:p>
+            <a:r>
+              <a:rPr lang="zh-CN" altLang="en-US" dirty="0" smtClean="0"/>
+              <a:t>监控视频色彩失真</a:t>
+            </a:r>
+            <a:endParaRPr lang="en-US" altLang="zh-CN" dirty="0" smtClean="0"/>
+          </a:p>
+          <a:p>
+            <a:pPr marL="45720" indent="0">
+              <a:buNone/>
+            </a:pPr>
+            <a:r>
+              <a:rPr lang="en-US" altLang="zh-CN" dirty="0"/>
+              <a:t> </a:t>
+            </a:r>
+            <a:r>
+              <a:rPr lang="en-US" altLang="zh-CN" dirty="0" smtClean="0"/>
+              <a:t>  </a:t>
+            </a:r>
+            <a:r>
+              <a:rPr lang="zh-CN" altLang="en-US" dirty="0" smtClean="0"/>
+              <a:t>监控摄像头拍摄的画面可能会有些许颜色失真，会对事件的特征分析带来一定影响。</a:t>
+            </a:r>
+            <a:endParaRPr lang="zh-CN" altLang="en-US" dirty="0"/>
+          </a:p>
+        </p:txBody>
+      </p:sp>
+    </p:spTree>
+    <p:extLst>
+      <p:ext uri="{BB962C8B-B14F-4D97-AF65-F5344CB8AC3E}">
+        <p14:creationId xmlns:p14="http://schemas.microsoft.com/office/powerpoint/2010/main" val="2528434094"/>
+      </p:ext>
+    </p:extLst>
+  </p:cSld>
+  <p:clrMapOvr>
+    <a:masterClrMapping/>
+  </p:clrMapOvr>
+  <p:timing>
+    <p:tnLst>
+      <p:par>
+        <p:cTn id="1" dur="indefinite" restart="never" nodeType="tmRoot"/>
+      </p:par>
+    </p:tnLst>
+  </p:timing>
+</p:sld>
+</file>
+
+<file path=ppt/slides/slide21.xml><?xml version="1.0" encoding="utf-8"?>
+<p:sld xmlns:a="http://schemas.openxmlformats.org/drawingml/2006/main" xmlns:r="http://schemas.openxmlformats.org/officeDocument/2006/relationships" xmlns:p="http://schemas.openxmlformats.org/presentationml/2006/main">
+  <p:cSld>
+    <p:spTree>
+      <p:nvGrpSpPr>
+        <p:cNvPr id="1" name=""/>
+        <p:cNvGrpSpPr/>
+        <p:nvPr/>
+      </p:nvGrpSpPr>
+      <p:grpSpPr>
+        <a:xfrm>
+          <a:off x="0" y="0"/>
+          <a:ext cx="0" cy="0"/>
+          <a:chOff x="0" y="0"/>
+          <a:chExt cx="0" cy="0"/>
+        </a:xfrm>
+      </p:grpSpPr>
+      <p:sp>
+        <p:nvSpPr>
+          <p:cNvPr id="2" name="标题 1"/>
+          <p:cNvSpPr>
+            <a:spLocks noGrp="1"/>
+          </p:cNvSpPr>
+          <p:nvPr>
+            <p:ph type="title"/>
+          </p:nvPr>
+        </p:nvSpPr>
+        <p:spPr>
+          <a:xfrm>
+            <a:off x="2627784" y="5742384"/>
+            <a:ext cx="6512511" cy="1143000"/>
+          </a:xfrm>
+        </p:spPr>
+        <p:txBody>
+          <a:bodyPr/>
+          <a:lstStyle/>
+          <a:p>
+            <a:r>
+              <a:rPr lang="zh-CN" altLang="en-US" dirty="0" smtClean="0"/>
+              <a:t>视频云摘要和云检索</a:t>
+            </a:r>
+            <a:endParaRPr lang="zh-CN" altLang="en-US" dirty="0"/>
+          </a:p>
+        </p:txBody>
+      </p:sp>
+      <p:sp>
+        <p:nvSpPr>
+          <p:cNvPr id="3" name="内容占位符 2"/>
+          <p:cNvSpPr>
+            <a:spLocks noGrp="1"/>
+          </p:cNvSpPr>
+          <p:nvPr>
+            <p:ph sz="quarter" idx="13"/>
+          </p:nvPr>
+        </p:nvSpPr>
+        <p:spPr/>
+        <p:txBody>
+          <a:bodyPr/>
+          <a:lstStyle/>
+          <a:p>
+            <a:r>
+              <a:rPr lang="zh-CN" altLang="en-US" dirty="0" smtClean="0"/>
+              <a:t>单一监控摄像头或视频的摘要和查询问题解决了，但是仅仅解决了局部问题而不是整体问题。</a:t>
+            </a:r>
+            <a:endParaRPr lang="en-US" altLang="zh-CN" dirty="0" smtClean="0"/>
+          </a:p>
+          <a:p>
+            <a:r>
+              <a:rPr lang="zh-CN" altLang="en-US" dirty="0" smtClean="0"/>
+              <a:t>将视频摘要和视频信息检索跟云处理相结合，成为了海量监控视频摘要与检索的唯一出路。</a:t>
+            </a:r>
+            <a:endParaRPr lang="zh-CN" altLang="en-US" dirty="0"/>
+          </a:p>
+        </p:txBody>
+      </p:sp>
+    </p:spTree>
+    <p:extLst>
+      <p:ext uri="{BB962C8B-B14F-4D97-AF65-F5344CB8AC3E}">
+        <p14:creationId xmlns:p14="http://schemas.microsoft.com/office/powerpoint/2010/main" val="3756721532"/>
+      </p:ext>
+    </p:extLst>
+  </p:cSld>
+  <p:clrMapOvr>
+    <a:masterClrMapping/>
+  </p:clrMapOvr>
+  <p:timing>
+    <p:tnLst>
+      <p:par>
+        <p:cTn id="1" dur="indefinite" restart="never" nodeType="tmRoot"/>
+      </p:par>
+    </p:tnLst>
+  </p:timing>
+</p:sld>
+</file>
+
+<file path=ppt/slides/slide22.xml><?xml version="1.0" encoding="utf-8"?>
+<p:sld xmlns:a="http://schemas.openxmlformats.org/drawingml/2006/main" xmlns:r="http://schemas.openxmlformats.org/officeDocument/2006/relationships" xmlns:p="http://schemas.openxmlformats.org/presentationml/2006/main">
+  <p:cSld>
+    <p:spTree>
+      <p:nvGrpSpPr>
+        <p:cNvPr id="1" name=""/>
+        <p:cNvGrpSpPr/>
+        <p:nvPr/>
+      </p:nvGrpSpPr>
+      <p:grpSpPr>
+        <a:xfrm>
+          <a:off x="0" y="0"/>
+          <a:ext cx="0" cy="0"/>
+          <a:chOff x="0" y="0"/>
+          <a:chExt cx="0" cy="0"/>
+        </a:xfrm>
+      </p:grpSpPr>
+      <p:sp>
+        <p:nvSpPr>
+          <p:cNvPr id="2" name="标题 1"/>
+          <p:cNvSpPr>
+            <a:spLocks noGrp="1"/>
+          </p:cNvSpPr>
+          <p:nvPr>
+            <p:ph type="title"/>
+          </p:nvPr>
+        </p:nvSpPr>
+        <p:spPr>
+          <a:xfrm>
+            <a:off x="2627784" y="5742384"/>
+            <a:ext cx="6512511" cy="1143000"/>
+          </a:xfrm>
+        </p:spPr>
+        <p:txBody>
+          <a:bodyPr/>
+          <a:lstStyle/>
+          <a:p>
+            <a:r>
+              <a:rPr lang="zh-CN" altLang="en-US" dirty="0" smtClean="0"/>
+              <a:t>云框架</a:t>
+            </a:r>
+            <a:endParaRPr lang="zh-CN" altLang="en-US" dirty="0"/>
+          </a:p>
+        </p:txBody>
+      </p:sp>
+      <p:pic>
+        <p:nvPicPr>
+          <p:cNvPr id="2050" name="Picture 2"/>
+          <p:cNvPicPr>
+            <a:picLocks noChangeAspect="1" noChangeArrowheads="1"/>
+          </p:cNvPicPr>
+          <p:nvPr/>
+        </p:nvPicPr>
+        <p:blipFill>
+          <a:blip r:embed="rId2">
+            <a:extLst>
+              <a:ext uri="{28A0092B-C50C-407E-A947-70E740481C1C}">
+                <a14:useLocalDpi xmlns:a14="http://schemas.microsoft.com/office/drawing/2010/main" val="0"/>
+              </a:ext>
+            </a:extLst>
+          </a:blip>
+          <a:srcRect/>
+          <a:stretch>
+            <a:fillRect/>
+          </a:stretch>
+        </p:blipFill>
+        <p:spPr bwMode="auto">
+          <a:xfrm>
+            <a:off x="971600" y="0"/>
+            <a:ext cx="6840760" cy="5655028"/>
+          </a:xfrm>
+          <a:prstGeom prst="rect">
+            <a:avLst/>
+          </a:prstGeom>
+          <a:noFill/>
+          <a:ln>
+            <a:noFill/>
+          </a:ln>
+          <a:extLst>
+            <a:ext uri="{909E8E84-426E-40DD-AFC4-6F175D3DCCD1}">
+              <a14:hiddenFill xmlns:a14="http://schemas.microsoft.com/office/drawing/2010/main">
+                <a:solidFill>
+                  <a:schemeClr val="accent1"/>
+                </a:solidFill>
+              </a14:hiddenFill>
+            </a:ext>
+            <a:ext uri="{91240B29-F687-4F45-9708-019B960494DF}">
+              <a14:hiddenLine xmlns:a14="http://schemas.microsoft.com/office/drawing/2010/main" w="9525">
+                <a:solidFill>
+                  <a:schemeClr val="tx1"/>
+                </a:solidFill>
+                <a:miter lim="800000"/>
+                <a:headEnd/>
+                <a:tailEnd/>
+              </a14:hiddenLine>
+            </a:ext>
+          </a:extLst>
+        </p:spPr>
+      </p:pic>
+    </p:spTree>
+    <p:extLst>
+      <p:ext uri="{BB962C8B-B14F-4D97-AF65-F5344CB8AC3E}">
+        <p14:creationId xmlns:p14="http://schemas.microsoft.com/office/powerpoint/2010/main" val="1059875998"/>
+      </p:ext>
+    </p:extLst>
+  </p:cSld>
+  <p:clrMapOvr>
+    <a:masterClrMapping/>
+  </p:clrMapOvr>
+  <p:timing>
+    <p:tnLst>
+      <p:par>
+        <p:cTn id="1" dur="indefinite" restart="never" nodeType="tmRoot"/>
+      </p:par>
+    </p:tnLst>
+  </p:timing>
+</p:sld>
+</file>
+
+<file path=ppt/slides/slide23.xml><?xml version="1.0" encoding="utf-8"?>
+<p:sld xmlns:a="http://schemas.openxmlformats.org/drawingml/2006/main" xmlns:r="http://schemas.openxmlformats.org/officeDocument/2006/relationships" xmlns:p="http://schemas.openxmlformats.org/presentationml/2006/main">
+  <p:cSld>
+    <p:spTree>
+      <p:nvGrpSpPr>
+        <p:cNvPr id="1" name=""/>
+        <p:cNvGrpSpPr/>
+        <p:nvPr/>
+      </p:nvGrpSpPr>
+      <p:grpSpPr>
+        <a:xfrm>
+          <a:off x="0" y="0"/>
+          <a:ext cx="0" cy="0"/>
+          <a:chOff x="0" y="0"/>
+          <a:chExt cx="0" cy="0"/>
+        </a:xfrm>
+      </p:grpSpPr>
+      <p:sp>
+        <p:nvSpPr>
+          <p:cNvPr id="2" name="标题 1"/>
+          <p:cNvSpPr>
+            <a:spLocks noGrp="1"/>
+          </p:cNvSpPr>
+          <p:nvPr>
+            <p:ph type="title"/>
+          </p:nvPr>
+        </p:nvSpPr>
+        <p:spPr>
+          <a:xfrm>
+            <a:off x="2627784" y="5742384"/>
+            <a:ext cx="6512511" cy="1143000"/>
+          </a:xfrm>
+        </p:spPr>
+        <p:txBody>
+          <a:bodyPr/>
+          <a:lstStyle/>
+          <a:p>
+            <a:r>
+              <a:rPr lang="zh-CN" altLang="en-US" dirty="0" smtClean="0"/>
+              <a:t>应用举例</a:t>
+            </a:r>
+            <a:endParaRPr lang="zh-CN" altLang="en-US" dirty="0"/>
+          </a:p>
+        </p:txBody>
+      </p:sp>
+      <p:sp>
+        <p:nvSpPr>
+          <p:cNvPr id="3" name="内容占位符 2"/>
+          <p:cNvSpPr>
+            <a:spLocks noGrp="1"/>
+          </p:cNvSpPr>
+          <p:nvPr>
+            <p:ph sz="quarter" idx="13"/>
+          </p:nvPr>
+        </p:nvSpPr>
+        <p:spPr/>
+        <p:txBody>
+          <a:bodyPr/>
+          <a:lstStyle/>
+          <a:p>
+            <a:r>
+              <a:rPr lang="zh-CN" altLang="en-US" dirty="0" smtClean="0"/>
+              <a:t>警察根据目击者提供的线索，要在海量监控视频中寻找一个穿着黄色上衣的人。</a:t>
+            </a:r>
+            <a:endParaRPr lang="en-US" altLang="zh-CN" dirty="0" smtClean="0"/>
+          </a:p>
+          <a:p>
+            <a:pPr marL="45720" indent="0">
+              <a:buNone/>
+            </a:pPr>
+            <a:endParaRPr lang="en-US" altLang="zh-CN" dirty="0" smtClean="0"/>
+          </a:p>
+          <a:p>
+            <a:r>
+              <a:rPr lang="zh-CN" altLang="en-US" dirty="0" smtClean="0"/>
+              <a:t>一黑色小轿车肇事后逃离，由于车速太快没人记住车牌号码，现需要在多个路口的交通监控视频中查找某一时间段所有经过的黑色小轿车。</a:t>
+            </a:r>
+            <a:endParaRPr lang="zh-CN" altLang="en-US" dirty="0"/>
+          </a:p>
+        </p:txBody>
+      </p:sp>
+    </p:spTree>
+    <p:extLst>
+      <p:ext uri="{BB962C8B-B14F-4D97-AF65-F5344CB8AC3E}">
+        <p14:creationId xmlns:p14="http://schemas.microsoft.com/office/powerpoint/2010/main" val="611788110"/>
+      </p:ext>
+    </p:extLst>
+  </p:cSld>
+  <p:clrMapOvr>
+    <a:masterClrMapping/>
+  </p:clrMapOvr>
+  <p:timing>
+    <p:tnLst>
+      <p:par>
+        <p:cTn id="1" dur="indefinite" restart="never" nodeType="tmRoot"/>
+      </p:par>
+    </p:tnLst>
+  </p:timing>
+</p:sld>
+</file>
+
+<file path=ppt/slides/slide24.xml><?xml version="1.0" encoding="utf-8"?>
+<p:sld xmlns:a="http://schemas.openxmlformats.org/drawingml/2006/main" xmlns:r="http://schemas.openxmlformats.org/officeDocument/2006/relationships" xmlns:p="http://schemas.openxmlformats.org/presentationml/2006/main">
+  <p:cSld>
+    <p:spTree>
+      <p:nvGrpSpPr>
+        <p:cNvPr id="1" name=""/>
+        <p:cNvGrpSpPr/>
+        <p:nvPr/>
+      </p:nvGrpSpPr>
+      <p:grpSpPr>
+        <a:xfrm>
+          <a:off x="0" y="0"/>
+          <a:ext cx="0" cy="0"/>
+          <a:chOff x="0" y="0"/>
+          <a:chExt cx="0" cy="0"/>
+        </a:xfrm>
+      </p:grpSpPr>
+      <p:sp>
+        <p:nvSpPr>
+          <p:cNvPr id="2" name="标题 1"/>
+          <p:cNvSpPr>
+            <a:spLocks noGrp="1"/>
+          </p:cNvSpPr>
+          <p:nvPr>
+            <p:ph type="title"/>
+          </p:nvPr>
+        </p:nvSpPr>
+        <p:spPr>
+          <a:xfrm>
+            <a:off x="3100049" y="2646040"/>
+            <a:ext cx="3056127" cy="1143000"/>
+          </a:xfrm>
+        </p:spPr>
+        <p:txBody>
+          <a:bodyPr/>
+          <a:lstStyle/>
+          <a:p>
+            <a:pPr marL="0" indent="0">
+              <a:buNone/>
+            </a:pPr>
+            <a:r>
+              <a:rPr lang="zh-CN" altLang="en-US" dirty="0" smtClean="0"/>
+              <a:t>谢   谢！</a:t>
+            </a:r>
+            <a:endParaRPr lang="zh-CN" altLang="en-US" dirty="0"/>
+          </a:p>
+        </p:txBody>
+      </p:sp>
+    </p:spTree>
+    <p:extLst>
+      <p:ext uri="{BB962C8B-B14F-4D97-AF65-F5344CB8AC3E}">
+        <p14:creationId xmlns:p14="http://schemas.microsoft.com/office/powerpoint/2010/main" val="3106269031"/>
+      </p:ext>
+    </p:extLst>
+  </p:cSld>
+  <p:clrMapOvr>
+    <a:masterClrMapping/>
+  </p:clrMapOvr>
+  <p:timing>
+    <p:tnLst>
+      <p:par>
+        <p:cTn id="1" dur="indefinite" restart="never" nodeType="tmRoot"/>
+      </p:par>
+    </p:tnLst>
+  </p:timing>
+</p:sld>
+</file>
+
 <file path=ppt/slides/slide3.xml><?xml version="1.0" encoding="utf-8"?>
 <p:sld xmlns:a="http://schemas.openxmlformats.org/drawingml/2006/main" xmlns:r="http://schemas.openxmlformats.org/officeDocument/2006/relationships" xmlns:p="http://schemas.openxmlformats.org/presentationml/2006/main">
   <p:cSld>
@@ -5875,7 +10554,7 @@
         <p:spPr>
           <a:xfrm>
             <a:off x="611560" y="1196752"/>
-            <a:ext cx="7776864" cy="584775"/>
+            <a:ext cx="1296144" cy="584775"/>
           </a:xfrm>
           <a:prstGeom prst="rect">
             <a:avLst/>
@@ -5890,194 +10569,13 @@
           <a:p>
             <a:r>
               <a:rPr lang="zh-CN" altLang="en-US" sz="3200" dirty="0" smtClean="0"/>
-              <a:t>目标：实时高效、 准确具体、 安全可靠</a:t>
+              <a:t>目标</a:t>
+            </a:r>
+            <a:r>
+              <a:rPr lang="zh-CN" altLang="en-US" sz="3200" dirty="0" smtClean="0"/>
+              <a:t>：</a:t>
             </a:r>
             <a:endParaRPr lang="en-US" altLang="zh-CN" sz="3200" dirty="0" smtClean="0"/>
-          </a:p>
-        </p:txBody>
-      </p:sp>
-      <p:sp>
-        <p:nvSpPr>
-          <p:cNvPr id="5" name="TextBox 4"/>
-          <p:cNvSpPr txBox="1"/>
-          <p:nvPr/>
-        </p:nvSpPr>
-        <p:spPr>
-          <a:xfrm>
-            <a:off x="611560" y="2638653"/>
-            <a:ext cx="3877985" cy="646331"/>
-          </a:xfrm>
-          <a:prstGeom prst="rect">
-            <a:avLst/>
-          </a:prstGeom>
-          <a:noFill/>
-          <a:ln>
-            <a:solidFill>
-              <a:schemeClr val="bg2">
-                <a:lumMod val="50000"/>
-              </a:schemeClr>
-            </a:solidFill>
-          </a:ln>
-        </p:spPr>
-        <p:txBody>
-          <a:bodyPr wrap="none" rtlCol="0">
-            <a:spAutoFit/>
-          </a:bodyPr>
-          <a:lstStyle/>
-          <a:p>
-            <a:r>
-              <a:rPr lang="zh-CN" altLang="en-US" dirty="0" smtClean="0"/>
-              <a:t>支持实时监控处理和离线监控处理，</a:t>
-            </a:r>
-            <a:endParaRPr lang="en-US" altLang="zh-CN" dirty="0" smtClean="0"/>
-          </a:p>
-          <a:p>
-            <a:r>
-              <a:rPr lang="zh-CN" altLang="en-US" dirty="0" smtClean="0"/>
-              <a:t>处理速度快；</a:t>
-            </a:r>
-            <a:endParaRPr lang="zh-CN" altLang="en-US" dirty="0"/>
-          </a:p>
-        </p:txBody>
-      </p:sp>
-      <p:sp>
-        <p:nvSpPr>
-          <p:cNvPr id="6" name="TextBox 5"/>
-          <p:cNvSpPr txBox="1"/>
-          <p:nvPr/>
-        </p:nvSpPr>
-        <p:spPr>
-          <a:xfrm>
-            <a:off x="2915816" y="3717031"/>
-            <a:ext cx="3816424" cy="646331"/>
-          </a:xfrm>
-          <a:prstGeom prst="rect">
-            <a:avLst/>
-          </a:prstGeom>
-          <a:noFill/>
-          <a:ln>
-            <a:solidFill>
-              <a:schemeClr val="bg2">
-                <a:lumMod val="50000"/>
-              </a:schemeClr>
-            </a:solidFill>
-          </a:ln>
-        </p:spPr>
-        <p:txBody>
-          <a:bodyPr wrap="square" rtlCol="0">
-            <a:spAutoFit/>
-          </a:bodyPr>
-          <a:lstStyle/>
-          <a:p>
-            <a:r>
-              <a:rPr lang="zh-CN" altLang="en-US" dirty="0" smtClean="0"/>
-              <a:t>准确识别各种事件</a:t>
-            </a:r>
-            <a:r>
-              <a:rPr lang="zh-CN" altLang="en-US" dirty="0" smtClean="0"/>
-              <a:t>，</a:t>
-            </a:r>
-            <a:r>
-              <a:rPr lang="zh-CN" altLang="en-US" dirty="0"/>
-              <a:t>检出</a:t>
-            </a:r>
-            <a:r>
-              <a:rPr lang="zh-CN" altLang="en-US" dirty="0" smtClean="0"/>
-              <a:t>率</a:t>
-            </a:r>
-            <a:r>
-              <a:rPr lang="zh-CN" altLang="en-US" dirty="0" smtClean="0"/>
-              <a:t>达到</a:t>
-            </a:r>
-            <a:r>
-              <a:rPr lang="en-US" altLang="zh-CN" dirty="0" smtClean="0"/>
-              <a:t>90%</a:t>
-            </a:r>
-            <a:r>
-              <a:rPr lang="zh-CN" altLang="en-US" dirty="0" smtClean="0"/>
-              <a:t>以上，支持多种特征的事件处理；</a:t>
-            </a:r>
-            <a:endParaRPr lang="zh-CN" altLang="en-US" dirty="0"/>
-          </a:p>
-        </p:txBody>
-      </p:sp>
-      <p:sp>
-        <p:nvSpPr>
-          <p:cNvPr id="10" name="下箭头 9"/>
-          <p:cNvSpPr/>
-          <p:nvPr/>
-        </p:nvSpPr>
-        <p:spPr>
-          <a:xfrm>
-            <a:off x="2699792" y="1700807"/>
-            <a:ext cx="432048" cy="937845"/>
-          </a:xfrm>
-          <a:prstGeom prst="downArrow">
-            <a:avLst/>
-          </a:prstGeom>
-        </p:spPr>
-        <p:style>
-          <a:lnRef idx="2">
-            <a:schemeClr val="accent1">
-              <a:shade val="50000"/>
-            </a:schemeClr>
-          </a:lnRef>
-          <a:fillRef idx="1">
-            <a:schemeClr val="accent1"/>
-          </a:fillRef>
-          <a:effectRef idx="0">
-            <a:schemeClr val="accent1"/>
-          </a:effectRef>
-          <a:fontRef idx="minor">
-            <a:schemeClr val="lt1"/>
-          </a:fontRef>
-        </p:style>
-        <p:txBody>
-          <a:bodyPr rtlCol="0" anchor="ctr"/>
-          <a:lstStyle/>
-          <a:p>
-            <a:pPr algn="ctr"/>
-            <a:endParaRPr lang="zh-CN" altLang="en-US"/>
-          </a:p>
-        </p:txBody>
-      </p:sp>
-      <p:sp>
-        <p:nvSpPr>
-          <p:cNvPr id="11" name="下箭头 10"/>
-          <p:cNvSpPr/>
-          <p:nvPr/>
-        </p:nvSpPr>
-        <p:spPr>
-          <a:xfrm>
-            <a:off x="4788024" y="1700808"/>
-            <a:ext cx="432048" cy="2016223"/>
-          </a:xfrm>
-          <a:prstGeom prst="downArrow">
-            <a:avLst/>
-          </a:prstGeom>
-        </p:spPr>
-        <p:style>
-          <a:lnRef idx="2">
-            <a:schemeClr val="accent1">
-              <a:shade val="50000"/>
-            </a:schemeClr>
-          </a:lnRef>
-          <a:fillRef idx="1">
-            <a:schemeClr val="accent1"/>
-          </a:fillRef>
-          <a:effectRef idx="0">
-            <a:schemeClr val="accent1"/>
-          </a:effectRef>
-          <a:fontRef idx="minor">
-            <a:schemeClr val="lt1"/>
-          </a:fontRef>
-        </p:style>
-        <p:txBody>
-          <a:bodyPr rtlCol="0" anchor="ctr"/>
-          <a:lstStyle/>
-          <a:p>
-            <a:pPr algn="ctr"/>
-            <a:endParaRPr lang="zh-CN" altLang="en-US"/>
           </a:p>
         </p:txBody>
       </p:sp>
@@ -6119,6 +10617,108 @@
                 <a:schemeClr val="tx1"/>
               </a:solidFill>
             </a:endParaRPr>
+          </a:p>
+        </p:txBody>
+      </p:sp>
+      <p:sp>
+        <p:nvSpPr>
+          <p:cNvPr id="9" name="TextBox 8"/>
+          <p:cNvSpPr txBox="1"/>
+          <p:nvPr/>
+        </p:nvSpPr>
+        <p:spPr>
+          <a:xfrm>
+            <a:off x="611560" y="2132856"/>
+            <a:ext cx="2520280" cy="584775"/>
+          </a:xfrm>
+          <a:prstGeom prst="rect">
+            <a:avLst/>
+          </a:prstGeom>
+          <a:noFill/>
+        </p:spPr>
+        <p:txBody>
+          <a:bodyPr wrap="square" rtlCol="0">
+            <a:spAutoFit/>
+          </a:bodyPr>
+          <a:lstStyle/>
+          <a:p>
+            <a:r>
+              <a:rPr lang="en-US" altLang="zh-CN" sz="3200" dirty="0" smtClean="0"/>
+              <a:t>1</a:t>
+            </a:r>
+            <a:r>
+              <a:rPr lang="zh-CN" altLang="en-US" sz="3200" dirty="0" smtClean="0"/>
+              <a:t>、实时高效</a:t>
+            </a:r>
+            <a:endParaRPr lang="en-US" altLang="zh-CN" sz="3200" dirty="0" smtClean="0"/>
+          </a:p>
+        </p:txBody>
+      </p:sp>
+      <p:sp>
+        <p:nvSpPr>
+          <p:cNvPr id="12" name="TextBox 11"/>
+          <p:cNvSpPr txBox="1"/>
+          <p:nvPr/>
+        </p:nvSpPr>
+        <p:spPr>
+          <a:xfrm>
+            <a:off x="611560" y="3177995"/>
+            <a:ext cx="2808312" cy="584775"/>
+          </a:xfrm>
+          <a:prstGeom prst="rect">
+            <a:avLst/>
+          </a:prstGeom>
+          <a:noFill/>
+        </p:spPr>
+        <p:txBody>
+          <a:bodyPr wrap="square" rtlCol="0">
+            <a:spAutoFit/>
+          </a:bodyPr>
+          <a:lstStyle/>
+          <a:p>
+            <a:r>
+              <a:rPr lang="en-US" altLang="zh-CN" sz="3200" dirty="0" smtClean="0"/>
+              <a:t>2</a:t>
+            </a:r>
+            <a:r>
+              <a:rPr lang="zh-CN" altLang="en-US" sz="3200" dirty="0" smtClean="0"/>
+              <a:t>、准确具体</a:t>
+            </a:r>
+            <a:endParaRPr lang="en-US" altLang="zh-CN" sz="3200" dirty="0" smtClean="0"/>
+          </a:p>
+        </p:txBody>
+      </p:sp>
+      <p:sp>
+        <p:nvSpPr>
+          <p:cNvPr id="14" name="TextBox 13"/>
+          <p:cNvSpPr txBox="1"/>
+          <p:nvPr/>
+        </p:nvSpPr>
+        <p:spPr>
+          <a:xfrm>
+            <a:off x="611560" y="4365104"/>
+            <a:ext cx="3096344" cy="584775"/>
+          </a:xfrm>
+          <a:prstGeom prst="rect">
+            <a:avLst/>
+          </a:prstGeom>
+          <a:noFill/>
+        </p:spPr>
+        <p:txBody>
+          <a:bodyPr wrap="square" rtlCol="0">
+            <a:spAutoFit/>
+          </a:bodyPr>
+          <a:lstStyle/>
+          <a:p>
+            <a:r>
+              <a:rPr lang="en-US" altLang="zh-CN" sz="3200" dirty="0" smtClean="0"/>
+              <a:t>3</a:t>
+            </a:r>
+            <a:r>
+              <a:rPr lang="zh-CN" altLang="en-US" sz="3200" dirty="0" smtClean="0"/>
+              <a:t>、多特征检索</a:t>
+            </a:r>
+            <a:endParaRPr lang="en-US" altLang="zh-CN" sz="3200" dirty="0" smtClean="0"/>
           </a:p>
         </p:txBody>
       </p:sp>
@@ -6405,8 +11005,8 @@
         </p:nvSpPr>
         <p:spPr>
           <a:xfrm>
-            <a:off x="2987824" y="1700808"/>
-            <a:ext cx="2749471" cy="400110"/>
+            <a:off x="2915816" y="1700808"/>
+            <a:ext cx="5112568" cy="400110"/>
           </a:xfrm>
           <a:prstGeom prst="rect">
             <a:avLst/>
@@ -6414,7 +11014,7 @@
           <a:noFill/>
         </p:spPr>
         <p:txBody>
-          <a:bodyPr wrap="none" rtlCol="0">
+          <a:bodyPr wrap="square" rtlCol="0">
             <a:spAutoFit/>
           </a:bodyPr>
           <a:lstStyle/>
@@ -6426,7 +11026,15 @@
             </a:r>
             <a:r>
               <a:rPr lang="zh-CN" altLang="en-US" sz="2000" dirty="0" smtClean="0"/>
-              <a:t>检测：帧差法</a:t>
+              <a:t>检测</a:t>
+            </a:r>
+            <a:r>
+              <a:rPr lang="zh-CN" altLang="en-US" sz="2000" dirty="0" smtClean="0"/>
+              <a:t>：与运动历史图结合的帧</a:t>
+            </a:r>
+            <a:r>
+              <a:rPr lang="zh-CN" altLang="en-US" sz="2000" dirty="0" smtClean="0"/>
+              <a:t>差法</a:t>
             </a:r>
             <a:endParaRPr lang="en-US" altLang="zh-CN" sz="2000" dirty="0"/>
           </a:p>
@@ -6440,7 +11048,7 @@
         </p:nvSpPr>
         <p:spPr>
           <a:xfrm>
-            <a:off x="2997303" y="2524834"/>
+            <a:off x="2997302" y="2524834"/>
             <a:ext cx="3518913" cy="400110"/>
           </a:xfrm>
           <a:prstGeom prst="rect">
@@ -6461,7 +11069,15 @@
             </a:r>
             <a:r>
               <a:rPr lang="zh-CN" altLang="en-US" sz="2000" dirty="0" smtClean="0"/>
-              <a:t>物体跟踪：矩形轮廓匹配</a:t>
+              <a:t>物体跟踪：矩形</a:t>
+            </a:r>
+            <a:r>
+              <a:rPr lang="zh-CN" altLang="en-US" sz="2000" dirty="0" smtClean="0"/>
+              <a:t>轮廓</a:t>
+            </a:r>
+            <a:r>
+              <a:rPr lang="zh-CN" altLang="en-US" sz="2000" dirty="0"/>
+              <a:t>跟踪</a:t>
             </a:r>
             <a:endParaRPr lang="en-US" altLang="zh-CN" sz="2000" dirty="0"/>
           </a:p>
@@ -6563,15 +11179,32 @@
           </a:p>
         </p:txBody>
       </p:sp>
-      <p:pic>
-        <p:nvPicPr>
-          <p:cNvPr id="1027" name="Picture 3"/>
-          <p:cNvPicPr>
-            <a:picLocks noGrp="1" noChangeAspect="1" noChangeArrowheads="1"/>
-          </p:cNvPicPr>
+      <p:sp>
+        <p:nvSpPr>
+          <p:cNvPr id="3" name="内容占位符 2"/>
+          <p:cNvSpPr>
+            <a:spLocks noGrp="1"/>
+          </p:cNvSpPr>
           <p:nvPr>
             <p:ph sz="quarter" idx="13"/>
           </p:nvPr>
+        </p:nvSpPr>
+        <p:spPr/>
+        <p:txBody>
+          <a:bodyPr/>
+          <a:lstStyle/>
+          <a:p>
+            <a:endParaRPr lang="zh-CN" altLang="en-US" dirty="0"/>
+          </a:p>
+        </p:txBody>
+      </p:sp>
+      <p:pic>
+        <p:nvPicPr>
+          <p:cNvPr id="1026" name="Picture 2"/>
+          <p:cNvPicPr>
+            <a:picLocks noChangeAspect="1" noChangeArrowheads="1"/>
+          </p:cNvPicPr>
+          <p:nvPr/>
         </p:nvPicPr>
         <p:blipFill>
           <a:blip r:embed="rId2">
@@ -6588,8 +11221,8 @@
         </p:blipFill>
         <p:spPr bwMode="auto">
           <a:xfrm>
-            <a:off x="2267744" y="0"/>
-            <a:ext cx="4608512" cy="5428799"/>
+            <a:off x="2267744" y="15691"/>
+            <a:ext cx="4896544" cy="5657172"/>
           </a:xfrm>
           <a:prstGeom prst="rect">
             <a:avLst/>
@@ -6598,7 +11231,6 @@
           <a:ln>
             <a:noFill/>
           </a:ln>
-          <a:effectLst/>
           <a:extLst>
             <a:ext uri="{909E8E84-426E-40DD-AFC4-6F175D3DCCD1}">
               <a14:hiddenFill xmlns:a14="http://schemas.microsoft.com/office/drawing/2010/main">
@@ -6616,15 +11248,6 @@
                 <a:headEnd/>
                 <a:tailEnd/>
               </a14:hiddenLine>
-            </a:ext>
-            <a:ext uri="{AF507438-7753-43E0-B8FC-AC1667EBCBE1}">
-              <a14:hiddenEffects xmlns:a14="http://schemas.microsoft.com/office/drawing/2010/main">
-                <a:effectLst>
-                  <a:outerShdw dist="35921" dir="2700000" algn="ctr" rotWithShape="0">
-                    <a:schemeClr val="bg2"/>
-                  </a:outerShdw>
-                </a:effectLst>
-              </a14:hiddenEffects>
             </a:ext>
           </a:extLst>
         </p:spPr>
@@ -6678,8 +11301,8 @@
         </p:nvSpPr>
         <p:spPr>
           <a:xfrm>
-            <a:off x="2627784" y="5742384"/>
-            <a:ext cx="6512511" cy="1143000"/>
+            <a:off x="4716016" y="5708254"/>
+            <a:ext cx="4427984" cy="1143000"/>
           </a:xfrm>
         </p:spPr>
         <p:txBody>
@@ -6687,12 +11310,8 @@
           <a:lstStyle/>
           <a:p>
             <a:r>
-              <a:rPr lang="zh-CN" altLang="en-US" smtClean="0"/>
-              <a:t>特征提取关键</a:t>
-            </a:r>
-            <a:r>
               <a:rPr lang="zh-CN" altLang="en-US" dirty="0" smtClean="0"/>
-              <a:t>技术</a:t>
+              <a:t>运动物体检测</a:t>
             </a:r>
             <a:endParaRPr lang="zh-CN" altLang="en-US" dirty="0"/>
           </a:p>
@@ -6700,14 +11319,139 @@
       </p:sp>
       <p:sp>
         <p:nvSpPr>
-          <p:cNvPr id="8" name="左大括号 7"/>
+          <p:cNvPr id="3" name="内容占位符 2"/>
+          <p:cNvSpPr>
+            <a:spLocks noGrp="1"/>
+          </p:cNvSpPr>
+          <p:nvPr>
+            <p:ph sz="quarter" idx="13"/>
+          </p:nvPr>
+        </p:nvSpPr>
+        <p:spPr>
+          <a:xfrm>
+            <a:off x="1143000" y="731520"/>
+            <a:ext cx="6400800" cy="897280"/>
+          </a:xfrm>
+        </p:spPr>
+        <p:txBody>
+          <a:bodyPr/>
+          <a:lstStyle/>
+          <a:p>
+            <a:pPr marL="45720" indent="0">
+              <a:buNone/>
+            </a:pPr>
+            <a:r>
+              <a:rPr lang="zh-CN" altLang="en-US" dirty="0" smtClean="0"/>
+              <a:t>主流方法：</a:t>
+            </a:r>
+            <a:endParaRPr lang="en-US" altLang="zh-CN" dirty="0" smtClean="0"/>
+          </a:p>
+          <a:p>
+            <a:pPr marL="45720" indent="0">
+              <a:buNone/>
+            </a:pPr>
+            <a:r>
+              <a:rPr lang="en-US" altLang="zh-CN" dirty="0" smtClean="0"/>
+              <a:t>1</a:t>
+            </a:r>
+            <a:r>
+              <a:rPr lang="zh-CN" altLang="en-US" dirty="0" smtClean="0"/>
+              <a:t>、光流法</a:t>
+            </a:r>
+            <a:endParaRPr lang="en-US" altLang="zh-CN" dirty="0" smtClean="0"/>
+          </a:p>
+        </p:txBody>
+      </p:sp>
+      <p:sp>
+        <p:nvSpPr>
+          <p:cNvPr id="5" name="TextBox 4"/>
+          <p:cNvSpPr txBox="1"/>
+          <p:nvPr/>
+        </p:nvSpPr>
+        <p:spPr>
+          <a:xfrm>
+            <a:off x="1141201" y="2420888"/>
+            <a:ext cx="2062647" cy="430887"/>
+          </a:xfrm>
+          <a:prstGeom prst="rect">
+            <a:avLst/>
+          </a:prstGeom>
+          <a:noFill/>
+        </p:spPr>
+        <p:txBody>
+          <a:bodyPr wrap="square" rtlCol="0">
+            <a:spAutoFit/>
+          </a:bodyPr>
+          <a:lstStyle/>
+          <a:p>
+            <a:pPr marL="45720">
+              <a:spcBef>
+                <a:spcPct val="20000"/>
+              </a:spcBef>
+              <a:spcAft>
+                <a:spcPts val="300"/>
+              </a:spcAft>
+              <a:buClr>
+                <a:schemeClr val="accent6">
+                  <a:lumMod val="75000"/>
+                </a:schemeClr>
+              </a:buClr>
+              <a:buSzPct val="130000"/>
+            </a:pPr>
+            <a:r>
+              <a:rPr lang="en-US" altLang="zh-CN" sz="2200" dirty="0">
+                <a:solidFill>
+                  <a:schemeClr val="tx1">
+                    <a:lumMod val="75000"/>
+                    <a:lumOff val="25000"/>
+                  </a:schemeClr>
+                </a:solidFill>
+              </a:rPr>
+              <a:t>2</a:t>
+            </a:r>
+            <a:r>
+              <a:rPr lang="zh-CN" altLang="en-US" sz="2200" dirty="0">
+                <a:solidFill>
+                  <a:schemeClr val="tx1">
+                    <a:lumMod val="75000"/>
+                    <a:lumOff val="25000"/>
+                  </a:schemeClr>
+                </a:solidFill>
+              </a:rPr>
+              <a:t>、背景</a:t>
+            </a:r>
+            <a:r>
+              <a:rPr lang="zh-CN" altLang="en-US" sz="2200" dirty="0">
+                <a:solidFill>
+                  <a:schemeClr val="tx1">
+                    <a:lumMod val="75000"/>
+                    <a:lumOff val="25000"/>
+                  </a:schemeClr>
+                </a:solidFill>
+              </a:rPr>
+              <a:t>差分法</a:t>
+            </a:r>
+            <a:endParaRPr lang="en-US" altLang="zh-CN" sz="2200" dirty="0">
+              <a:solidFill>
+                <a:schemeClr val="tx1">
+                  <a:lumMod val="75000"/>
+                  <a:lumOff val="25000"/>
+                </a:schemeClr>
+              </a:solidFill>
+            </a:endParaRPr>
+          </a:p>
+        </p:txBody>
+      </p:sp>
+      <p:sp>
+        <p:nvSpPr>
+          <p:cNvPr id="6" name="左大括号 5"/>
           <p:cNvSpPr/>
           <p:nvPr/>
         </p:nvSpPr>
         <p:spPr>
           <a:xfrm>
-            <a:off x="2995273" y="2348880"/>
-            <a:ext cx="396044" cy="1903566"/>
+            <a:off x="3126124" y="2011977"/>
+            <a:ext cx="365756" cy="1248707"/>
           </a:xfrm>
           <a:prstGeom prst="leftBrace">
             <a:avLst/>
@@ -6738,14 +11482,14 @@
       </p:sp>
       <p:sp>
         <p:nvSpPr>
-          <p:cNvPr id="9" name="TextBox 8"/>
+          <p:cNvPr id="7" name="TextBox 6"/>
           <p:cNvSpPr txBox="1"/>
           <p:nvPr/>
         </p:nvSpPr>
         <p:spPr>
           <a:xfrm>
-            <a:off x="3369643" y="2122970"/>
-            <a:ext cx="2749471" cy="400110"/>
+            <a:off x="3563888" y="1844824"/>
+            <a:ext cx="1800200" cy="369332"/>
           </a:xfrm>
           <a:prstGeom prst="rect">
             <a:avLst/>
@@ -6753,183 +11497,284 @@
           <a:noFill/>
         </p:spPr>
         <p:txBody>
-          <a:bodyPr wrap="none" rtlCol="0">
+          <a:bodyPr wrap="square" rtlCol="0">
             <a:spAutoFit/>
           </a:bodyPr>
           <a:lstStyle/>
           <a:p>
             <a:r>
-              <a:rPr lang="zh-CN" altLang="en-US" sz="2000" dirty="0" smtClean="0"/>
-              <a:t>颜色特征：颜色直方图</a:t>
-            </a:r>
-            <a:endParaRPr lang="zh-CN" altLang="en-US" sz="2000" dirty="0"/>
-          </a:p>
-        </p:txBody>
-      </p:sp>
-      <p:sp>
-        <p:nvSpPr>
-          <p:cNvPr id="10" name="矩形 9"/>
-          <p:cNvSpPr/>
+              <a:rPr lang="zh-CN" altLang="en-US" dirty="0" smtClean="0"/>
+              <a:t>中值法背景建模</a:t>
+            </a:r>
+            <a:endParaRPr lang="zh-CN" altLang="en-US" dirty="0"/>
+          </a:p>
+        </p:txBody>
+      </p:sp>
+      <p:sp>
+        <p:nvSpPr>
+          <p:cNvPr id="8" name="TextBox 7"/>
+          <p:cNvSpPr txBox="1"/>
           <p:nvPr/>
         </p:nvSpPr>
         <p:spPr>
           <a:xfrm>
-            <a:off x="3339733" y="2627026"/>
-            <a:ext cx="2539157" cy="400110"/>
+            <a:off x="3579496" y="2420888"/>
+            <a:ext cx="1800200" cy="369332"/>
           </a:xfrm>
           <a:prstGeom prst="rect">
             <a:avLst/>
           </a:prstGeom>
+          <a:noFill/>
         </p:spPr>
         <p:txBody>
-          <a:bodyPr wrap="none">
+          <a:bodyPr wrap="square" rtlCol="0">
             <a:spAutoFit/>
           </a:bodyPr>
           <a:lstStyle/>
           <a:p>
-            <a:pPr marL="45720" indent="0">
-              <a:buNone/>
-            </a:pPr>
-            <a:r>
-              <a:rPr lang="zh-CN" altLang="en-US" sz="2000" dirty="0" smtClean="0"/>
-              <a:t>运动方向：轨迹跟踪</a:t>
-            </a:r>
-            <a:endParaRPr lang="en-US" altLang="zh-CN" sz="2000" dirty="0"/>
-          </a:p>
-        </p:txBody>
-      </p:sp>
-      <p:sp>
-        <p:nvSpPr>
-          <p:cNvPr id="11" name="矩形 10"/>
-          <p:cNvSpPr/>
+            <a:r>
+              <a:rPr lang="zh-CN" altLang="en-US" dirty="0"/>
+              <a:t>均值</a:t>
+            </a:r>
+            <a:r>
+              <a:rPr lang="zh-CN" altLang="en-US" dirty="0" smtClean="0"/>
+              <a:t>法背景建模</a:t>
+            </a:r>
+            <a:endParaRPr lang="zh-CN" altLang="en-US" dirty="0"/>
+          </a:p>
+        </p:txBody>
+      </p:sp>
+      <p:sp>
+        <p:nvSpPr>
+          <p:cNvPr id="9" name="TextBox 8"/>
+          <p:cNvSpPr txBox="1"/>
           <p:nvPr/>
         </p:nvSpPr>
         <p:spPr>
           <a:xfrm>
-            <a:off x="3341767" y="3121790"/>
-            <a:ext cx="4591000" cy="400110"/>
+            <a:off x="3563888" y="2987660"/>
+            <a:ext cx="1800200" cy="369332"/>
           </a:xfrm>
           <a:prstGeom prst="rect">
             <a:avLst/>
           </a:prstGeom>
+          <a:noFill/>
         </p:spPr>
         <p:txBody>
-          <a:bodyPr wrap="none">
+          <a:bodyPr wrap="square" rtlCol="0">
             <a:spAutoFit/>
           </a:bodyPr>
           <a:lstStyle/>
           <a:p>
-            <a:pPr marL="45720" indent="0">
-              <a:buNone/>
-            </a:pPr>
-            <a:r>
-              <a:rPr lang="zh-CN" altLang="en-US" sz="2000" dirty="0" smtClean="0"/>
-              <a:t>目标类型：行人分类器和车辆分类器等</a:t>
-            </a:r>
-            <a:endParaRPr lang="en-US" altLang="zh-CN" sz="2000" dirty="0"/>
-          </a:p>
-        </p:txBody>
-      </p:sp>
-      <p:sp>
-        <p:nvSpPr>
-          <p:cNvPr id="12" name="矩形 11"/>
-          <p:cNvSpPr/>
+            <a:r>
+              <a:rPr lang="zh-CN" altLang="en-US" dirty="0" smtClean="0"/>
+              <a:t>高斯背景建模</a:t>
+            </a:r>
+            <a:endParaRPr lang="zh-CN" altLang="en-US" dirty="0"/>
+          </a:p>
+        </p:txBody>
+      </p:sp>
+      <p:sp>
+        <p:nvSpPr>
+          <p:cNvPr id="10" name="TextBox 9"/>
+          <p:cNvSpPr txBox="1"/>
           <p:nvPr/>
         </p:nvSpPr>
         <p:spPr>
           <a:xfrm>
-            <a:off x="3318209" y="3521900"/>
-            <a:ext cx="2539157" cy="400110"/>
+            <a:off x="1141201" y="4509120"/>
+            <a:ext cx="1558591" cy="430887"/>
           </a:xfrm>
           <a:prstGeom prst="rect">
             <a:avLst/>
           </a:prstGeom>
+          <a:noFill/>
         </p:spPr>
         <p:txBody>
-          <a:bodyPr wrap="none">
+          <a:bodyPr wrap="square" rtlCol="0">
             <a:spAutoFit/>
           </a:bodyPr>
           <a:lstStyle/>
           <a:p>
-            <a:pPr marL="45720" indent="0">
-              <a:buNone/>
+            <a:pPr marL="45720">
+              <a:spcBef>
+                <a:spcPct val="20000"/>
+              </a:spcBef>
+              <a:spcAft>
+                <a:spcPts val="300"/>
+              </a:spcAft>
+              <a:buClr>
+                <a:schemeClr val="accent6">
+                  <a:lumMod val="75000"/>
+                </a:schemeClr>
+              </a:buClr>
+              <a:buSzPct val="130000"/>
             </a:pPr>
             <a:r>
-              <a:rPr lang="zh-CN" altLang="en-US" sz="2000" dirty="0" smtClean="0"/>
-              <a:t>入侵区域：轨迹跟踪</a:t>
-            </a:r>
-            <a:endParaRPr lang="en-US" altLang="zh-CN" sz="2000" dirty="0"/>
-          </a:p>
-        </p:txBody>
-      </p:sp>
-      <p:sp>
-        <p:nvSpPr>
-          <p:cNvPr id="13" name="矩形 12"/>
+              <a:rPr lang="en-US" altLang="zh-CN" sz="2200" dirty="0" smtClean="0">
+                <a:solidFill>
+                  <a:schemeClr val="tx1">
+                    <a:lumMod val="75000"/>
+                    <a:lumOff val="25000"/>
+                  </a:schemeClr>
+                </a:solidFill>
+              </a:rPr>
+              <a:t>3</a:t>
+            </a:r>
+            <a:r>
+              <a:rPr lang="zh-CN" altLang="en-US" sz="2200" dirty="0" smtClean="0">
+                <a:solidFill>
+                  <a:schemeClr val="tx1">
+                    <a:lumMod val="75000"/>
+                    <a:lumOff val="25000"/>
+                  </a:schemeClr>
+                </a:solidFill>
+              </a:rPr>
+              <a:t>、帧差法</a:t>
+            </a:r>
+            <a:endParaRPr lang="en-US" altLang="zh-CN" sz="2200" dirty="0">
+              <a:solidFill>
+                <a:schemeClr val="tx1">
+                  <a:lumMod val="75000"/>
+                  <a:lumOff val="25000"/>
+                </a:schemeClr>
+              </a:solidFill>
+            </a:endParaRPr>
+          </a:p>
+        </p:txBody>
+      </p:sp>
+      <p:sp>
+        <p:nvSpPr>
+          <p:cNvPr id="11" name="左大括号 10"/>
           <p:cNvSpPr/>
           <p:nvPr/>
         </p:nvSpPr>
         <p:spPr>
           <a:xfrm>
-            <a:off x="3353279" y="4067780"/>
-            <a:ext cx="1256754" cy="400110"/>
+            <a:off x="2550060" y="4100209"/>
+            <a:ext cx="365756" cy="1248707"/>
+          </a:xfrm>
+          <a:prstGeom prst="leftBrace">
+            <a:avLst/>
+          </a:prstGeom>
+        </p:spPr>
+        <p:style>
+          <a:lnRef idx="1">
+            <a:schemeClr val="accent1"/>
+          </a:lnRef>
+          <a:fillRef idx="0">
+            <a:schemeClr val="accent1"/>
+          </a:fillRef>
+          <a:effectRef idx="0">
+            <a:schemeClr val="accent1"/>
+          </a:effectRef>
+          <a:fontRef idx="minor">
+            <a:schemeClr val="tx1"/>
+          </a:fontRef>
+        </p:style>
+        <p:txBody>
+          <a:bodyPr rtlCol="0" anchor="ctr"/>
+          <a:lstStyle/>
+          <a:p>
+            <a:pPr algn="ctr"/>
+            <a:endParaRPr lang="zh-CN" altLang="en-US"/>
+          </a:p>
+        </p:txBody>
+      </p:sp>
+      <p:sp>
+        <p:nvSpPr>
+          <p:cNvPr id="12" name="TextBox 11"/>
+          <p:cNvSpPr txBox="1"/>
+          <p:nvPr/>
+        </p:nvSpPr>
+        <p:spPr>
+          <a:xfrm>
+            <a:off x="2915816" y="3915543"/>
+            <a:ext cx="1800200" cy="369332"/>
           </a:xfrm>
           <a:prstGeom prst="rect">
             <a:avLst/>
           </a:prstGeom>
+          <a:noFill/>
         </p:spPr>
         <p:txBody>
-          <a:bodyPr wrap="none">
+          <a:bodyPr wrap="square" rtlCol="0">
             <a:spAutoFit/>
           </a:bodyPr>
           <a:lstStyle/>
           <a:p>
-            <a:pPr marL="45720" indent="0">
-              <a:buNone/>
-            </a:pPr>
-            <a:r>
-              <a:rPr lang="zh-CN" altLang="en-US" sz="2000" dirty="0" smtClean="0"/>
-              <a:t>形状大小</a:t>
-            </a:r>
-            <a:endParaRPr lang="en-US" altLang="zh-CN" sz="2000" dirty="0"/>
-          </a:p>
-        </p:txBody>
-      </p:sp>
-      <p:sp>
-        <p:nvSpPr>
-          <p:cNvPr id="15" name="矩形 14"/>
-          <p:cNvSpPr/>
+            <a:r>
+              <a:rPr lang="zh-CN" altLang="en-US" dirty="0" smtClean="0"/>
+              <a:t>传统帧差法</a:t>
+            </a:r>
+            <a:endParaRPr lang="zh-CN" altLang="en-US" dirty="0"/>
+          </a:p>
+        </p:txBody>
+      </p:sp>
+      <p:sp>
+        <p:nvSpPr>
+          <p:cNvPr id="13" name="TextBox 12"/>
+          <p:cNvSpPr txBox="1"/>
           <p:nvPr/>
         </p:nvSpPr>
         <p:spPr>
           <a:xfrm>
-            <a:off x="1547664" y="3068960"/>
-            <a:ext cx="1461939" cy="461665"/>
+            <a:off x="2915816" y="4536820"/>
+            <a:ext cx="1800200" cy="369332"/>
           </a:xfrm>
           <a:prstGeom prst="rect">
             <a:avLst/>
           </a:prstGeom>
+          <a:noFill/>
         </p:spPr>
         <p:txBody>
-          <a:bodyPr wrap="none">
+          <a:bodyPr wrap="square" rtlCol="0">
             <a:spAutoFit/>
           </a:bodyPr>
           <a:lstStyle/>
           <a:p>
-            <a:pPr marL="45720" indent="0">
-              <a:buNone/>
-            </a:pPr>
-            <a:r>
-              <a:rPr lang="zh-CN" altLang="en-US" sz="2400" dirty="0" smtClean="0"/>
-              <a:t>特征查找</a:t>
-            </a:r>
-            <a:endParaRPr lang="en-US" altLang="zh-CN" sz="2400" dirty="0"/>
+            <a:r>
+              <a:rPr lang="zh-CN" altLang="en-US" dirty="0" smtClean="0"/>
+              <a:t>三帧差分法</a:t>
+            </a:r>
+            <a:endParaRPr lang="zh-CN" altLang="en-US" dirty="0"/>
+          </a:p>
+        </p:txBody>
+      </p:sp>
+      <p:sp>
+        <p:nvSpPr>
+          <p:cNvPr id="14" name="TextBox 13"/>
+          <p:cNvSpPr txBox="1"/>
+          <p:nvPr/>
+        </p:nvSpPr>
+        <p:spPr>
+          <a:xfrm>
+            <a:off x="2915816" y="5164250"/>
+            <a:ext cx="3024336" cy="369332"/>
+          </a:xfrm>
+          <a:prstGeom prst="rect">
+            <a:avLst/>
+          </a:prstGeom>
+          <a:noFill/>
+        </p:spPr>
+        <p:txBody>
+          <a:bodyPr wrap="square" rtlCol="0">
+            <a:spAutoFit/>
+          </a:bodyPr>
+          <a:lstStyle/>
+          <a:p>
+            <a:r>
+              <a:rPr lang="zh-CN" altLang="en-US" dirty="0" smtClean="0"/>
+              <a:t>与运动历史图结合的帧差法</a:t>
+            </a:r>
+            <a:endParaRPr lang="zh-CN" altLang="en-US" dirty="0"/>
           </a:p>
         </p:txBody>
       </p:sp>
     </p:spTree>
     <p:extLst>
       <p:ext uri="{BB962C8B-B14F-4D97-AF65-F5344CB8AC3E}">
-        <p14:creationId xmlns:p14="http://schemas.microsoft.com/office/powerpoint/2010/main" val="412558560"/>
+        <p14:creationId xmlns:p14="http://schemas.microsoft.com/office/powerpoint/2010/main" val="3217542799"/>
       </p:ext>
     </p:extLst>
   </p:cSld>
@@ -6975,7 +11820,7 @@
         </p:nvSpPr>
         <p:spPr>
           <a:xfrm>
-            <a:off x="2595993" y="5742384"/>
+            <a:off x="2631489" y="5715000"/>
             <a:ext cx="6512511" cy="1143000"/>
           </a:xfrm>
         </p:spPr>
@@ -6985,25 +11830,70 @@
           <a:p>
             <a:r>
               <a:rPr lang="zh-CN" altLang="en-US" dirty="0" smtClean="0"/>
-              <a:t>特征提取技术路线</a:t>
-            </a:r>
+              <a:t>中值法背景建模</a:t>
+            </a:r>
+            <a:endParaRPr lang="zh-CN" altLang="en-US" dirty="0"/>
+          </a:p>
+        </p:txBody>
+      </p:sp>
+      <p:sp>
+        <p:nvSpPr>
+          <p:cNvPr id="3" name="内容占位符 2"/>
+          <p:cNvSpPr>
+            <a:spLocks noGrp="1"/>
+          </p:cNvSpPr>
+          <p:nvPr>
+            <p:ph sz="quarter" idx="13"/>
+          </p:nvPr>
+        </p:nvSpPr>
+        <p:spPr/>
+        <p:txBody>
+          <a:bodyPr/>
+          <a:lstStyle/>
+          <a:p>
             <a:endParaRPr lang="zh-CN" altLang="en-US" dirty="0"/>
           </a:p>
         </p:txBody>
       </p:sp>
       <p:pic>
         <p:nvPicPr>
-          <p:cNvPr id="1026" name="Picture 2"/>
-          <p:cNvPicPr>
-            <a:picLocks noChangeAspect="1" noChangeArrowheads="1"/>
-          </p:cNvPicPr>
+          <p:cNvPr id="4" name="图片 3"/>
+          <p:cNvPicPr/>
           <p:nvPr/>
         </p:nvPicPr>
         <p:blipFill>
-          <a:blip r:embed="rId2">
+          <a:blip r:embed="rId2" cstate="screen">
             <a:extLst>
               <a:ext uri="{28A0092B-C50C-407E-A947-70E740481C1C}">
-                <a14:useLocalDpi xmlns:a14="http://schemas.microsoft.com/office/drawing/2010/main" val="0"/>
+                <a14:useLocalDpi xmlns:a14="http://schemas.microsoft.com/office/drawing/2010/main"/>
+              </a:ext>
+            </a:extLst>
+          </a:blip>
+          <a:stretch>
+            <a:fillRect/>
+          </a:stretch>
+        </p:blipFill>
+        <p:spPr>
+          <a:xfrm>
+            <a:off x="0" y="0"/>
+            <a:ext cx="5486400" cy="3085465"/>
+          </a:xfrm>
+          <a:prstGeom prst="rect">
+            <a:avLst/>
+          </a:prstGeom>
+        </p:spPr>
+      </p:pic>
+      <p:pic>
+        <p:nvPicPr>
+          <p:cNvPr id="5" name="图片 4" descr="D:\biyeshejiProjects\中值背景建模\中值背景建模\gray.jpg"/>
+          <p:cNvPicPr/>
+          <p:nvPr/>
+        </p:nvPicPr>
+        <p:blipFill>
+          <a:blip r:embed="rId3" cstate="screen">
+            <a:extLst>
+              <a:ext uri="{28A0092B-C50C-407E-A947-70E740481C1C}">
+                <a14:useLocalDpi xmlns:a14="http://schemas.microsoft.com/office/drawing/2010/main"/>
               </a:ext>
             </a:extLst>
           </a:blip>
@@ -7014,8 +11904,8 @@
         </p:blipFill>
         <p:spPr bwMode="auto">
           <a:xfrm>
-            <a:off x="4352900" y="7494"/>
-            <a:ext cx="2019300" cy="5200650"/>
+            <a:off x="3663830" y="2708920"/>
+            <a:ext cx="5486400" cy="3088005"/>
           </a:xfrm>
           <a:prstGeom prst="rect">
             <a:avLst/>
@@ -7024,61 +11914,12 @@
           <a:ln>
             <a:noFill/>
           </a:ln>
-          <a:extLst>
-            <a:ext uri="{909E8E84-426E-40DD-AFC4-6F175D3DCCD1}">
-              <a14:hiddenFill xmlns:a14="http://schemas.microsoft.com/office/drawing/2010/main">
-                <a:solidFill>
-                  <a:schemeClr val="accent1"/>
-                </a:solidFill>
-              </a14:hiddenFill>
-            </a:ext>
-            <a:ext uri="{91240B29-F687-4F45-9708-019B960494DF}">
-              <a14:hiddenLine xmlns:a14="http://schemas.microsoft.com/office/drawing/2010/main" w="9525">
-                <a:solidFill>
-                  <a:schemeClr val="tx1"/>
-                </a:solidFill>
-                <a:miter lim="800000"/>
-                <a:headEnd/>
-                <a:tailEnd/>
-              </a14:hiddenLine>
-            </a:ext>
-          </a:extLst>
         </p:spPr>
       </p:pic>
-      <p:sp>
-        <p:nvSpPr>
-          <p:cNvPr id="3" name="TextBox 2"/>
-          <p:cNvSpPr txBox="1"/>
-          <p:nvPr/>
-        </p:nvSpPr>
-        <p:spPr>
-          <a:xfrm>
-            <a:off x="2404209" y="548680"/>
-            <a:ext cx="1015663" cy="4392488"/>
-          </a:xfrm>
-          <a:prstGeom prst="rect">
-            <a:avLst/>
-          </a:prstGeom>
-          <a:noFill/>
-        </p:spPr>
-        <p:txBody>
-          <a:bodyPr vert="eaVert" wrap="square" rtlCol="0">
-            <a:spAutoFit/>
-          </a:bodyPr>
-          <a:lstStyle/>
-          <a:p>
-            <a:r>
-              <a:rPr lang="zh-CN" altLang="en-US" dirty="0"/>
-              <a:t>基于视频摘要的视频信息检索，只需要对视频有意义的部分进行检索操作，将大大缩小视频特征处理的时间。</a:t>
-            </a:r>
-            <a:endParaRPr lang="en-US" altLang="zh-CN" dirty="0"/>
-          </a:p>
-        </p:txBody>
-      </p:sp>
     </p:spTree>
     <p:extLst>
       <p:ext uri="{BB962C8B-B14F-4D97-AF65-F5344CB8AC3E}">
-        <p14:creationId xmlns:p14="http://schemas.microsoft.com/office/powerpoint/2010/main" val="1037395504"/>
+        <p14:creationId xmlns:p14="http://schemas.microsoft.com/office/powerpoint/2010/main" val="1839550916"/>
       </p:ext>
     </p:extLst>
   </p:cSld>
@@ -7088,7 +11929,136 @@
   <p:timing>
     <p:tnLst>
       <p:par>
-        <p:cTn id="1" dur="indefinite" restart="never" nodeType="tmRoot"/>
+        <p:cTn id="1" dur="indefinite" restart="never" nodeType="tmRoot">
+          <p:childTnLst>
+            <p:seq concurrent="1" nextAc="seek">
+              <p:cTn id="2" dur="indefinite" nodeType="mainSeq">
+                <p:childTnLst>
+                  <p:par>
+                    <p:cTn id="3" fill="hold">
+                      <p:stCondLst>
+                        <p:cond delay="indefinite"/>
+                      </p:stCondLst>
+                      <p:childTnLst>
+                        <p:par>
+                          <p:cTn id="4" fill="hold">
+                            <p:stCondLst>
+                              <p:cond delay="0"/>
+                            </p:stCondLst>
+                            <p:childTnLst>
+                              <p:par>
+                                <p:cTn id="5" presetID="10" presetClass="entr" presetSubtype="0" fill="hold" nodeType="clickEffect">
+                                  <p:stCondLst>
+                                    <p:cond delay="0"/>
+                                  </p:stCondLst>
+                                  <p:childTnLst>
+                                    <p:set>
+                                      <p:cBhvr>
+                                        <p:cTn id="6" dur="1" fill="hold">
+                                          <p:stCondLst>
+                                            <p:cond delay="0"/>
+                                          </p:stCondLst>
+                                        </p:cTn>
+                                        <p:tgtEl>
+                                          <p:spTgt spid="4"/>
+                                        </p:tgtEl>
+                                        <p:attrNameLst>
+                                          <p:attrName>style.visibility</p:attrName>
+                                        </p:attrNameLst>
+                                      </p:cBhvr>
+                                      <p:to>
+                                        <p:strVal val="visible"/>
+                                      </p:to>
+                                    </p:set>
+                                    <p:animEffect transition="in" filter="fade">
+                                      <p:cBhvr>
+                                        <p:cTn id="7" dur="500"/>
+                                        <p:tgtEl>
+                                          <p:spTgt spid="4"/>
+                                        </p:tgtEl>
+                                      </p:cBhvr>
+                                    </p:animEffect>
+                                  </p:childTnLst>
+                                </p:cTn>
+                              </p:par>
+                            </p:childTnLst>
+                          </p:cTn>
+                        </p:par>
+                      </p:childTnLst>
+                    </p:cTn>
+                  </p:par>
+                  <p:par>
+                    <p:cTn id="8" fill="hold">
+                      <p:stCondLst>
+                        <p:cond delay="indefinite"/>
+                      </p:stCondLst>
+                      <p:childTnLst>
+                        <p:par>
+                          <p:cTn id="9" fill="hold">
+                            <p:stCondLst>
+                              <p:cond delay="0"/>
+                            </p:stCondLst>
+                            <p:childTnLst>
+                              <p:par>
+                                <p:cTn id="10" presetID="10" presetClass="entr" presetSubtype="0" fill="hold" nodeType="clickEffect">
+                                  <p:stCondLst>
+                                    <p:cond delay="0"/>
+                                  </p:stCondLst>
+                                  <p:childTnLst>
+                                    <p:set>
+                                      <p:cBhvr>
+                                        <p:cTn id="11" dur="1" fill="hold">
+                                          <p:stCondLst>
+                                            <p:cond delay="0"/>
+                                          </p:stCondLst>
+                                        </p:cTn>
+                                        <p:tgtEl>
+                                          <p:spTgt spid="5"/>
+                                        </p:tgtEl>
+                                        <p:attrNameLst>
+                                          <p:attrName>style.visibility</p:attrName>
+                                        </p:attrNameLst>
+                                      </p:cBhvr>
+                                      <p:to>
+                                        <p:strVal val="visible"/>
+                                      </p:to>
+                                    </p:set>
+                                    <p:animEffect transition="in" filter="fade">
+                                      <p:cBhvr>
+                                        <p:cTn id="12" dur="500"/>
+                                        <p:tgtEl>
+                                          <p:spTgt spid="5"/>
+                                        </p:tgtEl>
+                                      </p:cBhvr>
+                                    </p:animEffect>
+                                  </p:childTnLst>
+                                </p:cTn>
+                              </p:par>
+                            </p:childTnLst>
+                          </p:cTn>
+                        </p:par>
+                      </p:childTnLst>
+                    </p:cTn>
+                  </p:par>
+                </p:childTnLst>
+              </p:cTn>
+              <p:prevCondLst>
+                <p:cond evt="onPrev" delay="0">
+                  <p:tgtEl>
+                    <p:sldTgt/>
+                  </p:tgtEl>
+                </p:cond>
+              </p:prevCondLst>
+              <p:nextCondLst>
+                <p:cond evt="onNext" delay="0">
+                  <p:tgtEl>
+                    <p:sldTgt/>
+                  </p:tgtEl>
+                </p:cond>
+              </p:nextCondLst>
+            </p:seq>
+          </p:childTnLst>
+        </p:cTn>
       </p:par>
     </p:tnLst>
   </p:timing>

--- a/研究生毕业设计/文档管理/预答辩/毕业设计预答辩.pptx
+++ b/研究生毕业设计/文档管理/预答辩/毕业设计预答辩.pptx
@@ -20,15 +20,18 @@
     <p:sldId id="278" r:id="rId14"/>
     <p:sldId id="279" r:id="rId15"/>
     <p:sldId id="273" r:id="rId16"/>
-    <p:sldId id="280" r:id="rId17"/>
-    <p:sldId id="281" r:id="rId18"/>
-    <p:sldId id="259" r:id="rId19"/>
-    <p:sldId id="263" r:id="rId20"/>
-    <p:sldId id="260" r:id="rId21"/>
-    <p:sldId id="264" r:id="rId22"/>
-    <p:sldId id="270" r:id="rId23"/>
-    <p:sldId id="261" r:id="rId24"/>
-    <p:sldId id="271" r:id="rId25"/>
+    <p:sldId id="283" r:id="rId17"/>
+    <p:sldId id="280" r:id="rId18"/>
+    <p:sldId id="281" r:id="rId19"/>
+    <p:sldId id="282" r:id="rId20"/>
+    <p:sldId id="284" r:id="rId21"/>
+    <p:sldId id="285" r:id="rId22"/>
+    <p:sldId id="259" r:id="rId23"/>
+    <p:sldId id="263" r:id="rId24"/>
+    <p:sldId id="260" r:id="rId25"/>
+    <p:sldId id="264" r:id="rId26"/>
+    <p:sldId id="261" r:id="rId27"/>
+    <p:sldId id="271" r:id="rId28"/>
   </p:sldIdLst>
   <p:sldSz cx="9144000" cy="6858000" type="screen4x3"/>
   <p:notesSz cx="6858000" cy="9144000"/>
@@ -552,7 +555,7 @@
           <a:p>
             <a:fld id="{530820CF-B880-4189-942D-D702A7CBA730}" type="datetimeFigureOut">
               <a:rPr lang="zh-CN" altLang="en-US" smtClean="0"/>
-              <a:t>2013/10/19</a:t>
+              <a:t>2013/10/20</a:t>
             </a:fld>
             <a:endParaRPr lang="zh-CN" altLang="en-US"/>
           </a:p>
@@ -764,7 +767,7 @@
           <a:p>
             <a:fld id="{530820CF-B880-4189-942D-D702A7CBA730}" type="datetimeFigureOut">
               <a:rPr lang="zh-CN" altLang="en-US" smtClean="0"/>
-              <a:t>2013/10/19</a:t>
+              <a:t>2013/10/20</a:t>
             </a:fld>
             <a:endParaRPr lang="zh-CN" altLang="en-US"/>
           </a:p>
@@ -951,7 +954,7 @@
           <a:p>
             <a:fld id="{530820CF-B880-4189-942D-D702A7CBA730}" type="datetimeFigureOut">
               <a:rPr lang="zh-CN" altLang="en-US" smtClean="0"/>
-              <a:t>2013/10/19</a:t>
+              <a:t>2013/10/20</a:t>
             </a:fld>
             <a:endParaRPr lang="zh-CN" altLang="en-US"/>
           </a:p>
@@ -1048,7 +1051,7 @@
           <a:p>
             <a:fld id="{530820CF-B880-4189-942D-D702A7CBA730}" type="datetimeFigureOut">
               <a:rPr lang="zh-CN" altLang="en-US" smtClean="0"/>
-              <a:t>2013/10/19</a:t>
+              <a:t>2013/10/20</a:t>
             </a:fld>
             <a:endParaRPr lang="zh-CN" altLang="en-US"/>
           </a:p>
@@ -1644,7 +1647,7 @@
           <a:p>
             <a:fld id="{530820CF-B880-4189-942D-D702A7CBA730}" type="datetimeFigureOut">
               <a:rPr lang="zh-CN" altLang="en-US" smtClean="0"/>
-              <a:t>2013/10/19</a:t>
+              <a:t>2013/10/20</a:t>
             </a:fld>
             <a:endParaRPr lang="zh-CN" altLang="en-US"/>
           </a:p>
@@ -1741,7 +1744,7 @@
           <a:p>
             <a:fld id="{530820CF-B880-4189-942D-D702A7CBA730}" type="datetimeFigureOut">
               <a:rPr lang="zh-CN" altLang="en-US" smtClean="0"/>
-              <a:t>2013/10/19</a:t>
+              <a:t>2013/10/20</a:t>
             </a:fld>
             <a:endParaRPr lang="zh-CN" altLang="en-US"/>
           </a:p>
@@ -2346,7 +2349,7 @@
           <a:p>
             <a:fld id="{530820CF-B880-4189-942D-D702A7CBA730}" type="datetimeFigureOut">
               <a:rPr lang="zh-CN" altLang="en-US" smtClean="0"/>
-              <a:t>2013/10/19</a:t>
+              <a:t>2013/10/20</a:t>
             </a:fld>
             <a:endParaRPr lang="zh-CN" altLang="en-US"/>
           </a:p>
@@ -2489,7 +2492,7 @@
           <a:p>
             <a:fld id="{530820CF-B880-4189-942D-D702A7CBA730}" type="datetimeFigureOut">
               <a:rPr lang="zh-CN" altLang="en-US" smtClean="0"/>
-              <a:t>2013/10/19</a:t>
+              <a:t>2013/10/20</a:t>
             </a:fld>
             <a:endParaRPr lang="zh-CN" altLang="en-US"/>
           </a:p>
@@ -2586,7 +2589,7 @@
           <a:p>
             <a:fld id="{530820CF-B880-4189-942D-D702A7CBA730}" type="datetimeFigureOut">
               <a:rPr lang="zh-CN" altLang="en-US" smtClean="0"/>
-              <a:t>2013/10/19</a:t>
+              <a:t>2013/10/20</a:t>
             </a:fld>
             <a:endParaRPr lang="zh-CN" altLang="en-US"/>
           </a:p>
@@ -2870,7 +2873,7 @@
           <a:p>
             <a:fld id="{530820CF-B880-4189-942D-D702A7CBA730}" type="datetimeFigureOut">
               <a:rPr lang="zh-CN" altLang="en-US" smtClean="0"/>
-              <a:t>2013/10/19</a:t>
+              <a:t>2013/10/20</a:t>
             </a:fld>
             <a:endParaRPr lang="zh-CN" altLang="en-US"/>
           </a:p>
@@ -3392,7 +3395,7 @@
           <a:p>
             <a:fld id="{530820CF-B880-4189-942D-D702A7CBA730}" type="datetimeFigureOut">
               <a:rPr lang="zh-CN" altLang="en-US" smtClean="0"/>
-              <a:t>2013/10/19</a:t>
+              <a:t>2013/10/20</a:t>
             </a:fld>
             <a:endParaRPr lang="zh-CN" altLang="en-US"/>
           </a:p>
@@ -3912,7 +3915,7 @@
           <a:p>
             <a:fld id="{530820CF-B880-4189-942D-D702A7CBA730}" type="datetimeFigureOut">
               <a:rPr lang="zh-CN" altLang="en-US" smtClean="0"/>
-              <a:t>2013/10/19</a:t>
+              <a:t>2013/10/20</a:t>
             </a:fld>
             <a:endParaRPr lang="zh-CN" altLang="en-US"/>
           </a:p>
@@ -5175,8 +5178,8 @@
           </a:prstGeom>
         </p:spPr>
       </p:pic>
-      <mc:AlternateContent xmlns:mc="http://schemas.openxmlformats.org/markup-compatibility/2006">
-        <mc:Choice xmlns:a14="http://schemas.microsoft.com/office/drawing/2010/main" Requires="a14">
+      <mc:AlternateContent xmlns:mc="http://schemas.openxmlformats.org/markup-compatibility/2006" xmlns:a14="http://schemas.microsoft.com/office/drawing/2010/main">
+        <mc:Choice Requires="a14">
           <p:sp>
             <p:nvSpPr>
               <p:cNvPr id="5" name="矩形 4"/>
@@ -5198,6 +5201,7 @@
               </a:bodyPr>
               <a:lstStyle/>
               <a:p>
+                <a:pPr/>
                 <a14:m>
                   <m:oMathPara xmlns:m="http://schemas.openxmlformats.org/officeDocument/2006/math">
                     <m:oMathParaPr>
@@ -5207,18 +5211,24 @@
                       <m:sSub>
                         <m:sSubPr>
                           <m:ctrlPr>
-                            <a:rPr lang="zh-CN" altLang="zh-CN" i="1"/>
+                            <a:rPr lang="zh-CN" altLang="zh-CN" i="1">
+                              <a:latin typeface="Cambria Math"/>
+                            </a:rPr>
                           </m:ctrlPr>
                         </m:sSubPr>
                         <m:e>
                           <m:r>
-                            <a:rPr lang="en-US" altLang="zh-CN" i="1"/>
+                            <a:rPr lang="en-US" altLang="zh-CN" i="1">
+                              <a:latin typeface="Cambria Math"/>
+                            </a:rPr>
                             <m:t>𝐷</m:t>
                           </m:r>
                         </m:e>
                         <m:sub>
                           <m:r>
-                            <a:rPr lang="en-US" altLang="zh-CN" i="1"/>
+                            <a:rPr lang="en-US" altLang="zh-CN" i="1">
+                              <a:latin typeface="Cambria Math"/>
+                            </a:rPr>
                             <m:t>𝑘</m:t>
                           </m:r>
                         </m:sub>
@@ -5226,124 +5236,174 @@
                       <m:d>
                         <m:dPr>
                           <m:ctrlPr>
-                            <a:rPr lang="zh-CN" altLang="zh-CN" i="1"/>
+                            <a:rPr lang="zh-CN" altLang="zh-CN" i="1">
+                              <a:latin typeface="Cambria Math"/>
+                            </a:rPr>
                           </m:ctrlPr>
                         </m:dPr>
                         <m:e>
                           <m:r>
-                            <a:rPr lang="en-US" altLang="zh-CN" i="1"/>
+                            <a:rPr lang="en-US" altLang="zh-CN" i="1">
+                              <a:latin typeface="Cambria Math"/>
+                            </a:rPr>
                             <m:t>𝑥</m:t>
                           </m:r>
                           <m:r>
-                            <a:rPr lang="en-US" altLang="zh-CN" i="1"/>
+                            <a:rPr lang="en-US" altLang="zh-CN" i="1">
+                              <a:latin typeface="Cambria Math"/>
+                            </a:rPr>
                             <m:t>,</m:t>
                           </m:r>
                           <m:r>
-                            <a:rPr lang="en-US" altLang="zh-CN" i="1"/>
+                            <a:rPr lang="en-US" altLang="zh-CN" i="1">
+                              <a:latin typeface="Cambria Math"/>
+                            </a:rPr>
                             <m:t>𝑦</m:t>
                           </m:r>
                         </m:e>
                       </m:d>
                       <m:r>
-                        <a:rPr lang="en-US" altLang="zh-CN" i="1"/>
+                        <a:rPr lang="en-US" altLang="zh-CN" i="1">
+                          <a:latin typeface="Cambria Math"/>
+                        </a:rPr>
                         <m:t>=|</m:t>
                       </m:r>
                       <m:sSubSup>
                         <m:sSubSupPr>
                           <m:ctrlPr>
-                            <a:rPr lang="zh-CN" altLang="zh-CN" i="1"/>
+                            <a:rPr lang="zh-CN" altLang="zh-CN" i="1">
+                              <a:latin typeface="Cambria Math"/>
+                            </a:rPr>
                           </m:ctrlPr>
                         </m:sSubSupPr>
                         <m:e>
                           <m:r>
-                            <a:rPr lang="en-US" altLang="zh-CN" i="1"/>
+                            <a:rPr lang="en-US" altLang="zh-CN" i="1">
+                              <a:latin typeface="Cambria Math"/>
+                            </a:rPr>
                             <m:t>𝑓</m:t>
                           </m:r>
                         </m:e>
                         <m:sub>
                           <m:r>
-                            <a:rPr lang="en-US" altLang="zh-CN" i="1"/>
+                            <a:rPr lang="en-US" altLang="zh-CN" i="1">
+                              <a:latin typeface="Cambria Math"/>
+                            </a:rPr>
                             <m:t>𝑘</m:t>
                           </m:r>
                         </m:sub>
                         <m:sup>
                           <m:r>
-                            <a:rPr lang="en-US" altLang="zh-CN" i="1"/>
+                            <a:rPr lang="en-US" altLang="zh-CN" i="1">
+                              <a:latin typeface="Cambria Math"/>
+                            </a:rPr>
                             <m:t>′</m:t>
                           </m:r>
                         </m:sup>
                       </m:sSubSup>
                       <m:r>
-                        <a:rPr lang="en-US" altLang="zh-CN" i="1"/>
+                        <a:rPr lang="en-US" altLang="zh-CN" i="1">
+                          <a:latin typeface="Cambria Math"/>
+                        </a:rPr>
                         <m:t>(</m:t>
                       </m:r>
                       <m:r>
-                        <a:rPr lang="en-US" altLang="zh-CN" i="1"/>
+                        <a:rPr lang="en-US" altLang="zh-CN" i="1">
+                          <a:latin typeface="Cambria Math"/>
+                        </a:rPr>
                         <m:t>𝑥</m:t>
                       </m:r>
                       <m:r>
-                        <a:rPr lang="en-US" altLang="zh-CN" i="1"/>
+                        <a:rPr lang="en-US" altLang="zh-CN" i="1">
+                          <a:latin typeface="Cambria Math"/>
+                        </a:rPr>
                         <m:t>,</m:t>
                       </m:r>
                       <m:r>
-                        <a:rPr lang="en-US" altLang="zh-CN" i="1"/>
+                        <a:rPr lang="en-US" altLang="zh-CN" i="1">
+                          <a:latin typeface="Cambria Math"/>
+                        </a:rPr>
                         <m:t>𝑦</m:t>
                       </m:r>
                       <m:r>
-                        <a:rPr lang="en-US" altLang="zh-CN" i="1"/>
+                        <a:rPr lang="en-US" altLang="zh-CN" i="1">
+                          <a:latin typeface="Cambria Math"/>
+                        </a:rPr>
                         <m:t>)−</m:t>
                       </m:r>
                       <m:sSubSup>
                         <m:sSubSupPr>
                           <m:ctrlPr>
-                            <a:rPr lang="zh-CN" altLang="zh-CN" i="1"/>
+                            <a:rPr lang="zh-CN" altLang="zh-CN" i="1">
+                              <a:latin typeface="Cambria Math"/>
+                            </a:rPr>
                           </m:ctrlPr>
                         </m:sSubSupPr>
                         <m:e>
                           <m:r>
-                            <a:rPr lang="en-US" altLang="zh-CN" i="1"/>
+                            <a:rPr lang="en-US" altLang="zh-CN" i="1">
+                              <a:latin typeface="Cambria Math"/>
+                            </a:rPr>
                             <m:t>𝑓</m:t>
                           </m:r>
                         </m:e>
                         <m:sub>
                           <m:r>
-                            <a:rPr lang="en-US" altLang="zh-CN" i="1"/>
+                            <a:rPr lang="en-US" altLang="zh-CN" i="1">
+                              <a:latin typeface="Cambria Math"/>
+                            </a:rPr>
                             <m:t>𝑘</m:t>
                           </m:r>
                           <m:r>
-                            <a:rPr lang="en-US" altLang="zh-CN" i="1"/>
+                            <a:rPr lang="en-US" altLang="zh-CN" i="1">
+                              <a:latin typeface="Cambria Math"/>
+                            </a:rPr>
                             <m:t>−</m:t>
                           </m:r>
                           <m:r>
-                            <a:rPr lang="en-US" altLang="zh-CN"/>
+                            <a:rPr lang="en-US" altLang="zh-CN">
+                              <a:latin typeface="Cambria Math"/>
+                            </a:rPr>
                             <m:t>1</m:t>
                           </m:r>
                         </m:sub>
                         <m:sup>
                           <m:r>
-                            <a:rPr lang="en-US" altLang="zh-CN" i="1"/>
+                            <a:rPr lang="en-US" altLang="zh-CN" i="1">
+                              <a:latin typeface="Cambria Math"/>
+                            </a:rPr>
                             <m:t>′</m:t>
                           </m:r>
                         </m:sup>
                       </m:sSubSup>
                       <m:r>
-                        <a:rPr lang="en-US" altLang="zh-CN" i="1"/>
+                        <a:rPr lang="en-US" altLang="zh-CN" i="1">
+                          <a:latin typeface="Cambria Math"/>
+                        </a:rPr>
                         <m:t>(</m:t>
                       </m:r>
                       <m:r>
-                        <a:rPr lang="en-US" altLang="zh-CN" i="1"/>
+                        <a:rPr lang="en-US" altLang="zh-CN" i="1">
+                          <a:latin typeface="Cambria Math"/>
+                        </a:rPr>
                         <m:t>𝑥</m:t>
                       </m:r>
                       <m:r>
-                        <a:rPr lang="en-US" altLang="zh-CN" i="1"/>
+                        <a:rPr lang="en-US" altLang="zh-CN" i="1">
+                          <a:latin typeface="Cambria Math"/>
+                        </a:rPr>
                         <m:t>,</m:t>
                       </m:r>
                       <m:r>
-                        <a:rPr lang="en-US" altLang="zh-CN" i="1"/>
+                        <a:rPr lang="en-US" altLang="zh-CN" i="1">
+                          <a:latin typeface="Cambria Math"/>
+                        </a:rPr>
                         <m:t>𝑦</m:t>
                       </m:r>
                       <m:r>
-                        <a:rPr lang="en-US" altLang="zh-CN" i="1"/>
+                        <a:rPr lang="en-US" altLang="zh-CN" i="1">
+                          <a:latin typeface="Cambria Math"/>
+                        </a:rPr>
                         <m:t>)|</m:t>
                       </m:r>
                     </m:oMath>
@@ -5354,7 +5414,7 @@
             </p:txBody>
           </p:sp>
         </mc:Choice>
-        <mc:Fallback>
+        <mc:Fallback xmlns="">
           <p:sp>
             <p:nvSpPr>
               <p:cNvPr id="5" name="矩形 4"/>
@@ -5534,8 +5594,8 @@
           </a:p>
         </p:txBody>
       </p:sp>
-      <mc:AlternateContent xmlns:mc="http://schemas.openxmlformats.org/markup-compatibility/2006">
-        <mc:Choice xmlns:a14="http://schemas.microsoft.com/office/drawing/2010/main" Requires="a14">
+      <mc:AlternateContent xmlns:mc="http://schemas.openxmlformats.org/markup-compatibility/2006" xmlns:a14="http://schemas.microsoft.com/office/drawing/2010/main">
+        <mc:Choice Requires="a14">
           <p:sp>
             <p:nvSpPr>
               <p:cNvPr id="4" name="矩形 3"/>
@@ -5557,6 +5617,7 @@
               </a:bodyPr>
               <a:lstStyle/>
               <a:p>
+                <a:pPr/>
                 <a14:m>
                   <m:oMathPara xmlns:m="http://schemas.openxmlformats.org/officeDocument/2006/math">
                     <m:oMathParaPr>
@@ -5566,18 +5627,24 @@
                       <m:sSub>
                         <m:sSubPr>
                           <m:ctrlPr>
-                            <a:rPr lang="zh-CN" altLang="zh-CN" i="1" smtClean="0"/>
+                            <a:rPr lang="zh-CN" altLang="zh-CN" i="1" smtClean="0">
+                              <a:latin typeface="Cambria Math"/>
+                            </a:rPr>
                           </m:ctrlPr>
                         </m:sSubPr>
                         <m:e>
                           <m:r>
-                            <a:rPr lang="en-US" altLang="zh-CN" i="1"/>
+                            <a:rPr lang="en-US" altLang="zh-CN" i="1">
+                              <a:latin typeface="Cambria Math"/>
+                            </a:rPr>
                             <m:t>𝐷</m:t>
                           </m:r>
                         </m:e>
                         <m:sub>
                           <m:r>
-                            <a:rPr lang="en-US" altLang="zh-CN" i="1"/>
+                            <a:rPr lang="en-US" altLang="zh-CN" i="1">
+                              <a:latin typeface="Cambria Math"/>
+                            </a:rPr>
                             <m:t>𝑘</m:t>
                           </m:r>
                         </m:sub>
@@ -5585,49 +5652,67 @@
                       <m:d>
                         <m:dPr>
                           <m:ctrlPr>
-                            <a:rPr lang="zh-CN" altLang="zh-CN" i="1"/>
+                            <a:rPr lang="zh-CN" altLang="zh-CN" i="1">
+                              <a:latin typeface="Cambria Math"/>
+                            </a:rPr>
                           </m:ctrlPr>
                         </m:dPr>
                         <m:e>
                           <m:r>
-                            <a:rPr lang="en-US" altLang="zh-CN" i="1"/>
+                            <a:rPr lang="en-US" altLang="zh-CN" i="1">
+                              <a:latin typeface="Cambria Math"/>
+                            </a:rPr>
                             <m:t>𝑥</m:t>
                           </m:r>
                           <m:r>
-                            <a:rPr lang="en-US" altLang="zh-CN" i="1"/>
+                            <a:rPr lang="en-US" altLang="zh-CN" i="1">
+                              <a:latin typeface="Cambria Math"/>
+                            </a:rPr>
                             <m:t>,</m:t>
                           </m:r>
                           <m:r>
-                            <a:rPr lang="en-US" altLang="zh-CN" i="1"/>
+                            <a:rPr lang="en-US" altLang="zh-CN" i="1">
+                              <a:latin typeface="Cambria Math"/>
+                            </a:rPr>
                             <m:t>𝑦</m:t>
                           </m:r>
                         </m:e>
                       </m:d>
                       <m:r>
-                        <a:rPr lang="en-US" altLang="zh-CN" i="1"/>
+                        <a:rPr lang="en-US" altLang="zh-CN" i="1">
+                          <a:latin typeface="Cambria Math"/>
+                        </a:rPr>
                         <m:t>=|</m:t>
                       </m:r>
                       <m:sSubSup>
                         <m:sSubSupPr>
                           <m:ctrlPr>
-                            <a:rPr lang="zh-CN" altLang="zh-CN" i="1"/>
+                            <a:rPr lang="zh-CN" altLang="zh-CN" i="1">
+                              <a:latin typeface="Cambria Math"/>
+                            </a:rPr>
                           </m:ctrlPr>
                         </m:sSubSupPr>
                         <m:e>
                           <m:r>
-                            <a:rPr lang="en-US" altLang="zh-CN" i="1"/>
+                            <a:rPr lang="en-US" altLang="zh-CN" i="1">
+                              <a:latin typeface="Cambria Math"/>
+                            </a:rPr>
                             <m:t>𝑓</m:t>
                           </m:r>
                         </m:e>
                         <m:sub>
                           <m:r>
-                            <a:rPr lang="en-US" altLang="zh-CN" i="1"/>
+                            <a:rPr lang="en-US" altLang="zh-CN" i="1">
+                              <a:latin typeface="Cambria Math"/>
+                            </a:rPr>
                             <m:t>𝑘</m:t>
                           </m:r>
                         </m:sub>
                         <m:sup>
                           <m:r>
-                            <a:rPr lang="en-US" altLang="zh-CN" i="1"/>
+                            <a:rPr lang="en-US" altLang="zh-CN" i="1">
+                              <a:latin typeface="Cambria Math"/>
+                            </a:rPr>
                             <m:t>′</m:t>
                           </m:r>
                         </m:sup>
@@ -5635,53 +5720,73 @@
                       <m:d>
                         <m:dPr>
                           <m:ctrlPr>
-                            <a:rPr lang="zh-CN" altLang="zh-CN" i="1"/>
+                            <a:rPr lang="zh-CN" altLang="zh-CN" i="1">
+                              <a:latin typeface="Cambria Math"/>
+                            </a:rPr>
                           </m:ctrlPr>
                         </m:dPr>
                         <m:e>
                           <m:r>
-                            <a:rPr lang="en-US" altLang="zh-CN" i="1"/>
+                            <a:rPr lang="en-US" altLang="zh-CN" i="1">
+                              <a:latin typeface="Cambria Math"/>
+                            </a:rPr>
                             <m:t>𝑥</m:t>
                           </m:r>
                           <m:r>
-                            <a:rPr lang="en-US" altLang="zh-CN" i="1"/>
+                            <a:rPr lang="en-US" altLang="zh-CN" i="1">
+                              <a:latin typeface="Cambria Math"/>
+                            </a:rPr>
                             <m:t>,</m:t>
                           </m:r>
                           <m:r>
-                            <a:rPr lang="en-US" altLang="zh-CN" i="1"/>
+                            <a:rPr lang="en-US" altLang="zh-CN" i="1">
+                              <a:latin typeface="Cambria Math"/>
+                            </a:rPr>
                             <m:t>𝑦</m:t>
                           </m:r>
                         </m:e>
                       </m:d>
                       <m:r>
-                        <a:rPr lang="en-US" altLang="zh-CN" i="1"/>
+                        <a:rPr lang="en-US" altLang="zh-CN" i="1">
+                          <a:latin typeface="Cambria Math"/>
+                        </a:rPr>
                         <m:t>− </m:t>
                       </m:r>
                       <m:sSubSup>
                         <m:sSubSupPr>
                           <m:ctrlPr>
-                            <a:rPr lang="zh-CN" altLang="zh-CN" i="1"/>
+                            <a:rPr lang="zh-CN" altLang="zh-CN" i="1">
+                              <a:latin typeface="Cambria Math"/>
+                            </a:rPr>
                           </m:ctrlPr>
                         </m:sSubSupPr>
                         <m:e>
                           <m:r>
-                            <a:rPr lang="en-US" altLang="zh-CN" i="1"/>
+                            <a:rPr lang="en-US" altLang="zh-CN" i="1">
+                              <a:latin typeface="Cambria Math"/>
+                            </a:rPr>
                             <m:t>𝑓</m:t>
                           </m:r>
                         </m:e>
                         <m:sub>
                           <m:r>
-                            <a:rPr lang="en-US" altLang="zh-CN" i="1"/>
+                            <a:rPr lang="en-US" altLang="zh-CN" i="1">
+                              <a:latin typeface="Cambria Math"/>
+                            </a:rPr>
                             <m:t>𝑘</m:t>
                           </m:r>
                           <m:r>
-                            <a:rPr lang="en-US" altLang="zh-CN" i="1"/>
+                            <a:rPr lang="en-US" altLang="zh-CN" i="1">
+                              <a:latin typeface="Cambria Math"/>
+                            </a:rPr>
                             <m:t>−1</m:t>
                           </m:r>
                         </m:sub>
                         <m:sup>
                           <m:r>
-                            <a:rPr lang="en-US" altLang="zh-CN" i="1"/>
+                            <a:rPr lang="en-US" altLang="zh-CN" i="1">
+                              <a:latin typeface="Cambria Math"/>
+                            </a:rPr>
                             <m:t>′</m:t>
                           </m:r>
                         </m:sup>
@@ -5689,26 +5794,36 @@
                       <m:d>
                         <m:dPr>
                           <m:ctrlPr>
-                            <a:rPr lang="zh-CN" altLang="zh-CN" i="1"/>
+                            <a:rPr lang="zh-CN" altLang="zh-CN" i="1">
+                              <a:latin typeface="Cambria Math"/>
+                            </a:rPr>
                           </m:ctrlPr>
                         </m:dPr>
                         <m:e>
                           <m:r>
-                            <a:rPr lang="en-US" altLang="zh-CN" i="1"/>
+                            <a:rPr lang="en-US" altLang="zh-CN" i="1">
+                              <a:latin typeface="Cambria Math"/>
+                            </a:rPr>
                             <m:t>𝑥</m:t>
                           </m:r>
                           <m:r>
-                            <a:rPr lang="en-US" altLang="zh-CN" i="1"/>
+                            <a:rPr lang="en-US" altLang="zh-CN" i="1">
+                              <a:latin typeface="Cambria Math"/>
+                            </a:rPr>
                             <m:t>,</m:t>
                           </m:r>
                           <m:r>
-                            <a:rPr lang="en-US" altLang="zh-CN" i="1"/>
+                            <a:rPr lang="en-US" altLang="zh-CN" i="1">
+                              <a:latin typeface="Cambria Math"/>
+                            </a:rPr>
                             <m:t>𝑦</m:t>
                           </m:r>
                         </m:e>
                       </m:d>
                       <m:r>
-                        <a:rPr lang="en-US" altLang="zh-CN" i="1"/>
+                        <a:rPr lang="en-US" altLang="zh-CN" i="1">
+                          <a:latin typeface="Cambria Math"/>
+                        </a:rPr>
                         <m:t>|</m:t>
                       </m:r>
                     </m:oMath>
@@ -5717,6 +5832,7 @@
                 <a:endParaRPr lang="zh-CN" altLang="zh-CN" dirty="0"/>
               </a:p>
               <a:p>
+                <a:pPr/>
                 <a14:m>
                   <m:oMathPara xmlns:m="http://schemas.openxmlformats.org/officeDocument/2006/math">
                     <m:oMathParaPr>
@@ -5726,22 +5842,30 @@
                       <m:sSub>
                         <m:sSubPr>
                           <m:ctrlPr>
-                            <a:rPr lang="zh-CN" altLang="zh-CN" i="1"/>
+                            <a:rPr lang="zh-CN" altLang="zh-CN" i="1">
+                              <a:latin typeface="Cambria Math"/>
+                            </a:rPr>
                           </m:ctrlPr>
                         </m:sSubPr>
                         <m:e>
                           <m:r>
-                            <a:rPr lang="en-US" altLang="zh-CN" i="1"/>
+                            <a:rPr lang="en-US" altLang="zh-CN" i="1">
+                              <a:latin typeface="Cambria Math"/>
+                            </a:rPr>
                             <m:t>𝐷</m:t>
                           </m:r>
                         </m:e>
                         <m:sub>
                           <m:r>
-                            <a:rPr lang="en-US" altLang="zh-CN" i="1"/>
+                            <a:rPr lang="en-US" altLang="zh-CN" i="1">
+                              <a:latin typeface="Cambria Math"/>
+                            </a:rPr>
                             <m:t>𝑘</m:t>
                           </m:r>
                           <m:r>
-                            <a:rPr lang="en-US" altLang="zh-CN" i="1"/>
+                            <a:rPr lang="en-US" altLang="zh-CN" i="1">
+                              <a:latin typeface="Cambria Math"/>
+                            </a:rPr>
                             <m:t>+1</m:t>
                           </m:r>
                         </m:sub>
@@ -5749,53 +5873,73 @@
                       <m:d>
                         <m:dPr>
                           <m:ctrlPr>
-                            <a:rPr lang="zh-CN" altLang="zh-CN" i="1"/>
+                            <a:rPr lang="zh-CN" altLang="zh-CN" i="1">
+                              <a:latin typeface="Cambria Math"/>
+                            </a:rPr>
                           </m:ctrlPr>
                         </m:dPr>
                         <m:e>
                           <m:r>
-                            <a:rPr lang="en-US" altLang="zh-CN" i="1"/>
+                            <a:rPr lang="en-US" altLang="zh-CN" i="1">
+                              <a:latin typeface="Cambria Math"/>
+                            </a:rPr>
                             <m:t>𝑥</m:t>
                           </m:r>
                           <m:r>
-                            <a:rPr lang="en-US" altLang="zh-CN" i="1"/>
+                            <a:rPr lang="en-US" altLang="zh-CN" i="1">
+                              <a:latin typeface="Cambria Math"/>
+                            </a:rPr>
                             <m:t>,</m:t>
                           </m:r>
                           <m:r>
-                            <a:rPr lang="en-US" altLang="zh-CN" i="1"/>
+                            <a:rPr lang="en-US" altLang="zh-CN" i="1">
+                              <a:latin typeface="Cambria Math"/>
+                            </a:rPr>
                             <m:t>𝑦</m:t>
                           </m:r>
                         </m:e>
                       </m:d>
                       <m:r>
-                        <a:rPr lang="en-US" altLang="zh-CN" i="1"/>
+                        <a:rPr lang="en-US" altLang="zh-CN" i="1">
+                          <a:latin typeface="Cambria Math"/>
+                        </a:rPr>
                         <m:t>=|</m:t>
                       </m:r>
                       <m:sSubSup>
                         <m:sSubSupPr>
                           <m:ctrlPr>
-                            <a:rPr lang="zh-CN" altLang="zh-CN" i="1"/>
+                            <a:rPr lang="zh-CN" altLang="zh-CN" i="1">
+                              <a:latin typeface="Cambria Math"/>
+                            </a:rPr>
                           </m:ctrlPr>
                         </m:sSubSupPr>
                         <m:e>
                           <m:r>
-                            <a:rPr lang="en-US" altLang="zh-CN" i="1"/>
+                            <a:rPr lang="en-US" altLang="zh-CN" i="1">
+                              <a:latin typeface="Cambria Math"/>
+                            </a:rPr>
                             <m:t>𝑓</m:t>
                           </m:r>
                         </m:e>
                         <m:sub>
                           <m:r>
-                            <a:rPr lang="en-US" altLang="zh-CN" i="1"/>
+                            <a:rPr lang="en-US" altLang="zh-CN" i="1">
+                              <a:latin typeface="Cambria Math"/>
+                            </a:rPr>
                             <m:t>𝑘</m:t>
                           </m:r>
                           <m:r>
-                            <a:rPr lang="en-US" altLang="zh-CN" i="1"/>
+                            <a:rPr lang="en-US" altLang="zh-CN" i="1">
+                              <a:latin typeface="Cambria Math"/>
+                            </a:rPr>
                             <m:t>+1</m:t>
                           </m:r>
                         </m:sub>
                         <m:sup>
                           <m:r>
-                            <a:rPr lang="en-US" altLang="zh-CN" i="1"/>
+                            <a:rPr lang="en-US" altLang="zh-CN" i="1">
+                              <a:latin typeface="Cambria Math"/>
+                            </a:rPr>
                             <m:t>′</m:t>
                           </m:r>
                         </m:sup>
@@ -5803,49 +5947,67 @@
                       <m:d>
                         <m:dPr>
                           <m:ctrlPr>
-                            <a:rPr lang="zh-CN" altLang="zh-CN" i="1"/>
+                            <a:rPr lang="zh-CN" altLang="zh-CN" i="1">
+                              <a:latin typeface="Cambria Math"/>
+                            </a:rPr>
                           </m:ctrlPr>
                         </m:dPr>
                         <m:e>
                           <m:r>
-                            <a:rPr lang="en-US" altLang="zh-CN" i="1"/>
+                            <a:rPr lang="en-US" altLang="zh-CN" i="1">
+                              <a:latin typeface="Cambria Math"/>
+                            </a:rPr>
                             <m:t>𝑥</m:t>
                           </m:r>
                           <m:r>
-                            <a:rPr lang="en-US" altLang="zh-CN" i="1"/>
+                            <a:rPr lang="en-US" altLang="zh-CN" i="1">
+                              <a:latin typeface="Cambria Math"/>
+                            </a:rPr>
                             <m:t>,</m:t>
                           </m:r>
                           <m:r>
-                            <a:rPr lang="en-US" altLang="zh-CN" i="1"/>
+                            <a:rPr lang="en-US" altLang="zh-CN" i="1">
+                              <a:latin typeface="Cambria Math"/>
+                            </a:rPr>
                             <m:t>𝑦</m:t>
                           </m:r>
                         </m:e>
                       </m:d>
                       <m:r>
-                        <a:rPr lang="en-US" altLang="zh-CN" i="1"/>
+                        <a:rPr lang="en-US" altLang="zh-CN" i="1">
+                          <a:latin typeface="Cambria Math"/>
+                        </a:rPr>
                         <m:t>− </m:t>
                       </m:r>
                       <m:sSubSup>
                         <m:sSubSupPr>
                           <m:ctrlPr>
-                            <a:rPr lang="zh-CN" altLang="zh-CN" i="1"/>
+                            <a:rPr lang="zh-CN" altLang="zh-CN" i="1">
+                              <a:latin typeface="Cambria Math"/>
+                            </a:rPr>
                           </m:ctrlPr>
                         </m:sSubSupPr>
                         <m:e>
                           <m:r>
-                            <a:rPr lang="en-US" altLang="zh-CN" i="1"/>
+                            <a:rPr lang="en-US" altLang="zh-CN" i="1">
+                              <a:latin typeface="Cambria Math"/>
+                            </a:rPr>
                             <m:t>𝑓</m:t>
                           </m:r>
                         </m:e>
                         <m:sub>
                           <m:r>
-                            <a:rPr lang="en-US" altLang="zh-CN" i="1"/>
+                            <a:rPr lang="en-US" altLang="zh-CN" i="1">
+                              <a:latin typeface="Cambria Math"/>
+                            </a:rPr>
                             <m:t>𝑘</m:t>
                           </m:r>
                         </m:sub>
                         <m:sup>
                           <m:r>
-                            <a:rPr lang="en-US" altLang="zh-CN" i="1"/>
+                            <a:rPr lang="en-US" altLang="zh-CN" i="1">
+                              <a:latin typeface="Cambria Math"/>
+                            </a:rPr>
                             <m:t>′</m:t>
                           </m:r>
                         </m:sup>
@@ -5853,26 +6015,36 @@
                       <m:d>
                         <m:dPr>
                           <m:ctrlPr>
-                            <a:rPr lang="zh-CN" altLang="zh-CN" i="1"/>
+                            <a:rPr lang="zh-CN" altLang="zh-CN" i="1">
+                              <a:latin typeface="Cambria Math"/>
+                            </a:rPr>
                           </m:ctrlPr>
                         </m:dPr>
                         <m:e>
                           <m:r>
-                            <a:rPr lang="en-US" altLang="zh-CN" i="1"/>
+                            <a:rPr lang="en-US" altLang="zh-CN" i="1">
+                              <a:latin typeface="Cambria Math"/>
+                            </a:rPr>
                             <m:t>𝑥</m:t>
                           </m:r>
                           <m:r>
-                            <a:rPr lang="en-US" altLang="zh-CN" i="1"/>
+                            <a:rPr lang="en-US" altLang="zh-CN" i="1">
+                              <a:latin typeface="Cambria Math"/>
+                            </a:rPr>
                             <m:t>,</m:t>
                           </m:r>
                           <m:r>
-                            <a:rPr lang="en-US" altLang="zh-CN" i="1"/>
+                            <a:rPr lang="en-US" altLang="zh-CN" i="1">
+                              <a:latin typeface="Cambria Math"/>
+                            </a:rPr>
                             <m:t>𝑦</m:t>
                           </m:r>
                         </m:e>
                       </m:d>
                       <m:r>
-                        <a:rPr lang="en-US" altLang="zh-CN" i="1"/>
+                        <a:rPr lang="en-US" altLang="zh-CN" i="1">
+                          <a:latin typeface="Cambria Math"/>
+                        </a:rPr>
                         <m:t>|</m:t>
                       </m:r>
                     </m:oMath>
@@ -5883,7 +6055,7 @@
             </p:txBody>
           </p:sp>
         </mc:Choice>
-        <mc:Fallback>
+        <mc:Fallback xmlns="">
           <p:sp>
             <p:nvSpPr>
               <p:cNvPr id="4" name="矩形 3"/>
@@ -5922,8 +6094,8 @@
           </p:sp>
         </mc:Fallback>
       </mc:AlternateContent>
-      <mc:AlternateContent xmlns:mc="http://schemas.openxmlformats.org/markup-compatibility/2006">
-        <mc:Choice xmlns:a14="http://schemas.microsoft.com/office/drawing/2010/main" Requires="a14">
+      <mc:AlternateContent xmlns:mc="http://schemas.openxmlformats.org/markup-compatibility/2006" xmlns:a14="http://schemas.microsoft.com/office/drawing/2010/main">
+        <mc:Choice Requires="a14">
           <p:sp>
             <p:nvSpPr>
               <p:cNvPr id="5" name="矩形 4"/>
@@ -5945,6 +6117,7 @@
               </a:bodyPr>
               <a:lstStyle/>
               <a:p>
+                <a:pPr/>
                 <a14:m>
                   <m:oMathPara xmlns:m="http://schemas.openxmlformats.org/officeDocument/2006/math">
                     <m:oMathParaPr>
@@ -5954,24 +6127,32 @@
                       <m:sSubSup>
                         <m:sSubSupPr>
                           <m:ctrlPr>
-                            <a:rPr lang="zh-CN" altLang="zh-CN" i="1"/>
+                            <a:rPr lang="zh-CN" altLang="zh-CN" i="1">
+                              <a:latin typeface="Cambria Math"/>
+                            </a:rPr>
                           </m:ctrlPr>
                         </m:sSubSupPr>
                         <m:e>
                           <m:r>
-                            <a:rPr lang="en-US" altLang="zh-CN" i="1"/>
+                            <a:rPr lang="en-US" altLang="zh-CN" i="1">
+                              <a:latin typeface="Cambria Math"/>
+                            </a:rPr>
                             <m:t>𝐷</m:t>
                           </m:r>
                         </m:e>
                         <m:sub>
                           <m:r>
-                            <a:rPr lang="en-US" altLang="zh-CN" i="1"/>
+                            <a:rPr lang="en-US" altLang="zh-CN" i="1">
+                              <a:latin typeface="Cambria Math"/>
+                            </a:rPr>
                             <m:t>𝑘</m:t>
                           </m:r>
                         </m:sub>
                         <m:sup>
                           <m:r>
-                            <a:rPr lang="zh-CN" altLang="zh-CN"/>
+                            <a:rPr lang="zh-CN" altLang="zh-CN">
+                              <a:latin typeface="Cambria Math"/>
+                            </a:rPr>
                             <m:t>三帧差分</m:t>
                           </m:r>
                         </m:sup>
@@ -5979,30 +6160,42 @@
                       <m:d>
                         <m:dPr>
                           <m:ctrlPr>
-                            <a:rPr lang="zh-CN" altLang="zh-CN" i="1"/>
+                            <a:rPr lang="zh-CN" altLang="zh-CN" i="1">
+                              <a:latin typeface="Cambria Math"/>
+                            </a:rPr>
                           </m:ctrlPr>
                         </m:dPr>
                         <m:e>
                           <m:r>
-                            <a:rPr lang="en-US" altLang="zh-CN" i="1"/>
+                            <a:rPr lang="en-US" altLang="zh-CN" i="1">
+                              <a:latin typeface="Cambria Math"/>
+                            </a:rPr>
                             <m:t>𝑥</m:t>
                           </m:r>
                           <m:r>
-                            <a:rPr lang="en-US" altLang="zh-CN" i="1"/>
+                            <a:rPr lang="en-US" altLang="zh-CN" i="1">
+                              <a:latin typeface="Cambria Math"/>
+                            </a:rPr>
                             <m:t>,</m:t>
                           </m:r>
                           <m:r>
-                            <a:rPr lang="en-US" altLang="zh-CN" i="1"/>
+                            <a:rPr lang="en-US" altLang="zh-CN" i="1">
+                              <a:latin typeface="Cambria Math"/>
+                            </a:rPr>
                             <m:t>𝑦</m:t>
                           </m:r>
                         </m:e>
                       </m:d>
                       <m:r>
-                        <a:rPr lang="en-US" altLang="zh-CN" i="1"/>
+                        <a:rPr lang="en-US" altLang="zh-CN" i="1">
+                          <a:latin typeface="Cambria Math"/>
+                        </a:rPr>
                         <m:t>=</m:t>
                       </m:r>
                       <m:r>
-                        <a:rPr lang="en-US" altLang="zh-CN"/>
+                        <a:rPr lang="en-US" altLang="zh-CN">
+                          <a:latin typeface="Cambria Math"/>
+                        </a:rPr>
                         <m:t> </m:t>
                       </m:r>
                       <m:d>
@@ -6010,58 +6203,80 @@
                           <m:begChr m:val="{"/>
                           <m:endChr m:val=""/>
                           <m:ctrlPr>
-                            <a:rPr lang="zh-CN" altLang="zh-CN" i="1"/>
+                            <a:rPr lang="zh-CN" altLang="zh-CN" i="1">
+                              <a:latin typeface="Cambria Math"/>
+                            </a:rPr>
                           </m:ctrlPr>
                         </m:dPr>
                         <m:e>
                           <m:eqArr>
                             <m:eqArrPr>
                               <m:ctrlPr>
-                                <a:rPr lang="zh-CN" altLang="zh-CN" i="1"/>
+                                <a:rPr lang="zh-CN" altLang="zh-CN" i="1">
+                                  <a:latin typeface="Cambria Math"/>
+                                </a:rPr>
                               </m:ctrlPr>
                             </m:eqArrPr>
                             <m:e>
                               <m:r>
-                                <a:rPr lang="en-US" altLang="zh-CN" i="1"/>
+                                <a:rPr lang="en-US" altLang="zh-CN" i="1">
+                                  <a:latin typeface="Cambria Math"/>
+                                </a:rPr>
                                 <m:t>2</m:t>
                               </m:r>
                               <m:r>
-                                <a:rPr lang="en-US" altLang="zh-CN"/>
+                                <a:rPr lang="en-US" altLang="zh-CN">
+                                  <a:latin typeface="Cambria Math"/>
+                                </a:rPr>
                                 <m:t>55     </m:t>
                               </m:r>
                               <m:r>
-                                <a:rPr lang="en-US" altLang="zh-CN" i="1"/>
+                                <a:rPr lang="en-US" altLang="zh-CN" i="1">
+                                  <a:latin typeface="Cambria Math"/>
+                                </a:rPr>
                                 <m:t>𝑖𝑓</m:t>
                               </m:r>
                               <m:r>
-                                <a:rPr lang="en-US" altLang="zh-CN" i="1"/>
+                                <a:rPr lang="en-US" altLang="zh-CN" i="1">
+                                  <a:latin typeface="Cambria Math"/>
+                                </a:rPr>
                                 <m:t> </m:t>
                               </m:r>
                               <m:sSubSup>
                                 <m:sSubSupPr>
                                   <m:ctrlPr>
-                                    <a:rPr lang="zh-CN" altLang="zh-CN" i="1"/>
+                                    <a:rPr lang="zh-CN" altLang="zh-CN" i="1">
+                                      <a:latin typeface="Cambria Math"/>
+                                    </a:rPr>
                                   </m:ctrlPr>
                                 </m:sSubSupPr>
                                 <m:e>
                                   <m:r>
-                                    <a:rPr lang="en-US" altLang="zh-CN" i="1"/>
+                                    <a:rPr lang="en-US" altLang="zh-CN" i="1">
+                                      <a:latin typeface="Cambria Math"/>
+                                    </a:rPr>
                                     <m:t> </m:t>
                                   </m:r>
                                   <m:r>
-                                    <a:rPr lang="en-US" altLang="zh-CN" i="1"/>
+                                    <a:rPr lang="en-US" altLang="zh-CN" i="1">
+                                      <a:latin typeface="Cambria Math"/>
+                                    </a:rPr>
                                     <m:t>𝐷</m:t>
                                   </m:r>
                                 </m:e>
                                 <m:sub>
                                   <m:r>
-                                    <a:rPr lang="en-US" altLang="zh-CN" i="1"/>
+                                    <a:rPr lang="en-US" altLang="zh-CN" i="1">
+                                      <a:latin typeface="Cambria Math"/>
+                                    </a:rPr>
                                     <m:t>𝑘</m:t>
                                   </m:r>
                                 </m:sub>
                                 <m:sup>
                                   <m:r>
-                                    <a:rPr lang="zh-CN" altLang="zh-CN"/>
+                                    <a:rPr lang="zh-CN" altLang="zh-CN">
+                                      <a:latin typeface="Cambria Math"/>
+                                    </a:rPr>
                                     <m:t>二值化</m:t>
                                   </m:r>
                                 </m:sup>
@@ -6069,61 +6284,85 @@
                               <m:d>
                                 <m:dPr>
                                   <m:ctrlPr>
-                                    <a:rPr lang="zh-CN" altLang="zh-CN" i="1"/>
+                                    <a:rPr lang="zh-CN" altLang="zh-CN" i="1">
+                                      <a:latin typeface="Cambria Math"/>
+                                    </a:rPr>
                                   </m:ctrlPr>
                                 </m:dPr>
                                 <m:e>
                                   <m:r>
-                                    <a:rPr lang="en-US" altLang="zh-CN" i="1"/>
+                                    <a:rPr lang="en-US" altLang="zh-CN" i="1">
+                                      <a:latin typeface="Cambria Math"/>
+                                    </a:rPr>
                                     <m:t>𝑥</m:t>
                                   </m:r>
                                   <m:r>
-                                    <a:rPr lang="en-US" altLang="zh-CN" i="1"/>
+                                    <a:rPr lang="en-US" altLang="zh-CN" i="1">
+                                      <a:latin typeface="Cambria Math"/>
+                                    </a:rPr>
                                     <m:t>,</m:t>
                                   </m:r>
                                   <m:r>
-                                    <a:rPr lang="en-US" altLang="zh-CN" i="1"/>
+                                    <a:rPr lang="en-US" altLang="zh-CN" i="1">
+                                      <a:latin typeface="Cambria Math"/>
+                                    </a:rPr>
                                     <m:t>𝑦</m:t>
                                   </m:r>
                                 </m:e>
                               </m:d>
                               <m:r>
-                                <a:rPr lang="en-US" altLang="zh-CN" i="1"/>
+                                <a:rPr lang="en-US" altLang="zh-CN" i="1">
+                                  <a:latin typeface="Cambria Math"/>
+                                </a:rPr>
                                 <m:t> </m:t>
                               </m:r>
                               <m:r>
-                                <a:rPr lang="zh-CN" altLang="zh-CN" i="1"/>
+                                <a:rPr lang="zh-CN" altLang="zh-CN" i="1">
+                                  <a:latin typeface="Cambria Math"/>
+                                </a:rPr>
                                 <m:t>∩ </m:t>
                               </m:r>
                               <m:sSubSup>
                                 <m:sSubSupPr>
                                   <m:ctrlPr>
-                                    <a:rPr lang="zh-CN" altLang="zh-CN" i="1"/>
+                                    <a:rPr lang="zh-CN" altLang="zh-CN" i="1">
+                                      <a:latin typeface="Cambria Math"/>
+                                    </a:rPr>
                                   </m:ctrlPr>
                                 </m:sSubSupPr>
                                 <m:e>
                                   <m:r>
-                                    <a:rPr lang="en-US" altLang="zh-CN" i="1"/>
+                                    <a:rPr lang="en-US" altLang="zh-CN" i="1">
+                                      <a:latin typeface="Cambria Math"/>
+                                    </a:rPr>
                                     <m:t>𝐷</m:t>
                                   </m:r>
                                 </m:e>
                                 <m:sub>
                                   <m:r>
-                                    <a:rPr lang="en-US" altLang="zh-CN" i="1"/>
+                                    <a:rPr lang="en-US" altLang="zh-CN" i="1">
+                                      <a:latin typeface="Cambria Math"/>
+                                    </a:rPr>
                                     <m:t>𝑘</m:t>
                                   </m:r>
                                   <m:r>
-                                    <a:rPr lang="en-US" altLang="zh-CN" i="1"/>
+                                    <a:rPr lang="en-US" altLang="zh-CN" i="1">
+                                      <a:latin typeface="Cambria Math"/>
+                                    </a:rPr>
                                     <m:t>+</m:t>
                                   </m:r>
                                   <m:r>
-                                    <a:rPr lang="en-US" altLang="zh-CN"/>
+                                    <a:rPr lang="en-US" altLang="zh-CN">
+                                      <a:latin typeface="Cambria Math"/>
+                                    </a:rPr>
                                     <m:t>1</m:t>
                                   </m:r>
                                 </m:sub>
                                 <m:sup>
                                   <m:r>
-                                    <a:rPr lang="zh-CN" altLang="zh-CN"/>
+                                    <a:rPr lang="zh-CN" altLang="zh-CN">
+                                      <a:latin typeface="Cambria Math"/>
+                                    </a:rPr>
                                     <m:t>二值化</m:t>
                                   </m:r>
                                 </m:sup>
@@ -6131,40 +6370,56 @@
                               <m:d>
                                 <m:dPr>
                                   <m:ctrlPr>
-                                    <a:rPr lang="zh-CN" altLang="zh-CN" i="1"/>
+                                    <a:rPr lang="zh-CN" altLang="zh-CN" i="1">
+                                      <a:latin typeface="Cambria Math"/>
+                                    </a:rPr>
                                   </m:ctrlPr>
                                 </m:dPr>
                                 <m:e>
                                   <m:r>
-                                    <a:rPr lang="en-US" altLang="zh-CN" i="1"/>
+                                    <a:rPr lang="en-US" altLang="zh-CN" i="1">
+                                      <a:latin typeface="Cambria Math"/>
+                                    </a:rPr>
                                     <m:t>𝑥</m:t>
                                   </m:r>
                                   <m:r>
-                                    <a:rPr lang="en-US" altLang="zh-CN" i="1"/>
+                                    <a:rPr lang="en-US" altLang="zh-CN" i="1">
+                                      <a:latin typeface="Cambria Math"/>
+                                    </a:rPr>
                                     <m:t>,</m:t>
                                   </m:r>
                                   <m:r>
-                                    <a:rPr lang="en-US" altLang="zh-CN" i="1"/>
+                                    <a:rPr lang="en-US" altLang="zh-CN" i="1">
+                                      <a:latin typeface="Cambria Math"/>
+                                    </a:rPr>
                                     <m:t>𝑦</m:t>
                                   </m:r>
                                 </m:e>
                               </m:d>
                               <m:r>
-                                <a:rPr lang="en-US" altLang="zh-CN" i="1"/>
+                                <a:rPr lang="en-US" altLang="zh-CN" i="1">
+                                  <a:latin typeface="Cambria Math"/>
+                                </a:rPr>
                                 <m:t>=1 </m:t>
                               </m:r>
                             </m:e>
                             <m:e>
                               <m:r>
-                                <a:rPr lang="en-US" altLang="zh-CN" i="1"/>
+                                <a:rPr lang="en-US" altLang="zh-CN" i="1">
+                                  <a:latin typeface="Cambria Math"/>
+                                </a:rPr>
                                 <m:t>0                                    </m:t>
                               </m:r>
                               <m:r>
-                                <a:rPr lang="en-US" altLang="zh-CN" i="1"/>
+                                <a:rPr lang="en-US" altLang="zh-CN" i="1">
+                                  <a:latin typeface="Cambria Math"/>
+                                </a:rPr>
                                 <m:t>𝑒𝑙𝑠𝑒</m:t>
                               </m:r>
                               <m:r>
-                                <a:rPr lang="en-US" altLang="zh-CN" i="1"/>
+                                <a:rPr lang="en-US" altLang="zh-CN" i="1">
+                                  <a:latin typeface="Cambria Math"/>
+                                </a:rPr>
                                 <m:t>                                  </m:t>
                               </m:r>
                             </m:e>
@@ -6179,7 +6434,7 @@
             </p:txBody>
           </p:sp>
         </mc:Choice>
-        <mc:Fallback>
+        <mc:Fallback xmlns="">
           <p:sp>
             <p:nvSpPr>
               <p:cNvPr id="5" name="矩形 4"/>
@@ -6311,8 +6566,8 @@
           </a:p>
         </p:txBody>
       </p:sp>
-      <mc:AlternateContent xmlns:mc="http://schemas.openxmlformats.org/markup-compatibility/2006">
-        <mc:Choice xmlns:a14="http://schemas.microsoft.com/office/drawing/2010/main" Requires="a14">
+      <mc:AlternateContent xmlns:mc="http://schemas.openxmlformats.org/markup-compatibility/2006" xmlns:a14="http://schemas.microsoft.com/office/drawing/2010/main">
+        <mc:Choice Requires="a14">
           <p:sp>
             <p:nvSpPr>
               <p:cNvPr id="4" name="矩形 3"/>
@@ -6334,6 +6589,7 @@
               </a:bodyPr>
               <a:lstStyle/>
               <a:p>
+                <a:pPr/>
                 <a14:m>
                   <m:oMathPara xmlns:m="http://schemas.openxmlformats.org/officeDocument/2006/math">
                     <m:oMathParaPr>
@@ -6343,18 +6599,24 @@
                       <m:sSub>
                         <m:sSubPr>
                           <m:ctrlPr>
-                            <a:rPr lang="zh-CN" altLang="zh-CN" i="1"/>
+                            <a:rPr lang="zh-CN" altLang="zh-CN" i="1">
+                              <a:latin typeface="Cambria Math"/>
+                            </a:rPr>
                           </m:ctrlPr>
                         </m:sSubPr>
                         <m:e>
                           <m:r>
-                            <a:rPr lang="en-US" altLang="zh-CN" i="1"/>
+                            <a:rPr lang="en-US" altLang="zh-CN" i="1">
+                              <a:latin typeface="Cambria Math"/>
+                            </a:rPr>
                             <m:t>𝑀𝐻𝐼</m:t>
                           </m:r>
                         </m:e>
                         <m:sub>
                           <m:r>
-                            <a:rPr lang="en-US" altLang="zh-CN" i="1"/>
+                            <a:rPr lang="en-US" altLang="zh-CN" i="1">
+                              <a:latin typeface="Cambria Math"/>
+                            </a:rPr>
                             <m:t>𝑘</m:t>
                           </m:r>
                         </m:sub>
@@ -6362,26 +6624,36 @@
                       <m:d>
                         <m:dPr>
                           <m:ctrlPr>
-                            <a:rPr lang="zh-CN" altLang="zh-CN" i="1"/>
+                            <a:rPr lang="zh-CN" altLang="zh-CN" i="1">
+                              <a:latin typeface="Cambria Math"/>
+                            </a:rPr>
                           </m:ctrlPr>
                         </m:dPr>
                         <m:e>
                           <m:r>
-                            <a:rPr lang="en-US" altLang="zh-CN" i="1"/>
+                            <a:rPr lang="en-US" altLang="zh-CN" i="1">
+                              <a:latin typeface="Cambria Math"/>
+                            </a:rPr>
                             <m:t>𝑥</m:t>
                           </m:r>
                           <m:r>
-                            <a:rPr lang="en-US" altLang="zh-CN" i="1"/>
+                            <a:rPr lang="en-US" altLang="zh-CN" i="1">
+                              <a:latin typeface="Cambria Math"/>
+                            </a:rPr>
                             <m:t>, </m:t>
                           </m:r>
                           <m:r>
-                            <a:rPr lang="en-US" altLang="zh-CN" i="1"/>
+                            <a:rPr lang="en-US" altLang="zh-CN" i="1">
+                              <a:latin typeface="Cambria Math"/>
+                            </a:rPr>
                             <m:t>𝑦</m:t>
                           </m:r>
                         </m:e>
                       </m:d>
                       <m:r>
-                        <a:rPr lang="en-US" altLang="zh-CN" i="1"/>
+                        <a:rPr lang="en-US" altLang="zh-CN" i="1">
+                          <a:latin typeface="Cambria Math"/>
+                        </a:rPr>
                         <m:t>= </m:t>
                       </m:r>
                       <m:d>
@@ -6389,58 +6661,80 @@
                           <m:begChr m:val="{"/>
                           <m:endChr m:val=""/>
                           <m:ctrlPr>
-                            <a:rPr lang="zh-CN" altLang="zh-CN" i="1"/>
+                            <a:rPr lang="zh-CN" altLang="zh-CN" i="1">
+                              <a:latin typeface="Cambria Math"/>
+                            </a:rPr>
                           </m:ctrlPr>
                         </m:dPr>
                         <m:e>
                           <m:eqArr>
                             <m:eqArrPr>
                               <m:ctrlPr>
-                                <a:rPr lang="zh-CN" altLang="zh-CN" i="1"/>
+                                <a:rPr lang="zh-CN" altLang="zh-CN" i="1">
+                                  <a:latin typeface="Cambria Math"/>
+                                </a:rPr>
                               </m:ctrlPr>
                             </m:eqArrPr>
                             <m:e>
                               <m:r>
-                                <a:rPr lang="en-US" altLang="zh-CN" i="1"/>
+                                <a:rPr lang="en-US" altLang="zh-CN" i="1">
+                                  <a:latin typeface="Cambria Math"/>
+                                </a:rPr>
                                 <m:t>𝑡</m:t>
                               </m:r>
                               <m:r>
-                                <a:rPr lang="en-US" altLang="zh-CN" i="1"/>
+                                <a:rPr lang="en-US" altLang="zh-CN" i="1">
+                                  <a:latin typeface="Cambria Math"/>
+                                </a:rPr>
                                 <m:t>   </m:t>
                               </m:r>
                               <m:r>
-                                <a:rPr lang="en-US" altLang="zh-CN" i="1"/>
+                                <a:rPr lang="en-US" altLang="zh-CN" i="1">
+                                  <a:latin typeface="Cambria Math"/>
+                                </a:rPr>
                                 <m:t>𝑖𝑓</m:t>
                               </m:r>
                               <m:r>
-                                <a:rPr lang="en-US" altLang="zh-CN" i="1"/>
+                                <a:rPr lang="en-US" altLang="zh-CN" i="1">
+                                  <a:latin typeface="Cambria Math"/>
+                                </a:rPr>
                                 <m:t> </m:t>
                               </m:r>
                               <m:r>
-                                <a:rPr lang="en-US" altLang="zh-CN" i="1"/>
+                                <a:rPr lang="en-US" altLang="zh-CN" i="1">
+                                  <a:latin typeface="Cambria Math"/>
+                                </a:rPr>
                                 <m:t>𝐼</m:t>
                               </m:r>
                               <m:sSubSup>
                                 <m:sSubSupPr>
                                   <m:ctrlPr>
-                                    <a:rPr lang="zh-CN" altLang="zh-CN" i="1"/>
+                                    <a:rPr lang="zh-CN" altLang="zh-CN" i="1">
+                                      <a:latin typeface="Cambria Math"/>
+                                    </a:rPr>
                                   </m:ctrlPr>
                                 </m:sSubSupPr>
                                 <m:e>
                                   <m:r>
-                                    <a:rPr lang="en-US" altLang="zh-CN" i="1"/>
+                                    <a:rPr lang="en-US" altLang="zh-CN" i="1">
+                                      <a:latin typeface="Cambria Math"/>
+                                    </a:rPr>
                                     <m:t>𝐷</m:t>
                                   </m:r>
                                 </m:e>
                                 <m:sub>
                                   <m:r>
-                                    <a:rPr lang="en-US" altLang="zh-CN" i="1"/>
+                                    <a:rPr lang="en-US" altLang="zh-CN" i="1">
+                                      <a:latin typeface="Cambria Math"/>
+                                    </a:rPr>
                                     <m:t>𝑘</m:t>
                                   </m:r>
                                 </m:sub>
                                 <m:sup>
                                   <m:r>
-                                    <a:rPr lang="zh-CN" altLang="zh-CN"/>
+                                    <a:rPr lang="zh-CN" altLang="zh-CN">
+                                      <a:latin typeface="Cambria Math"/>
+                                    </a:rPr>
                                     <m:t>三帧差分</m:t>
                                   </m:r>
                                 </m:sup>
@@ -6448,26 +6742,36 @@
                               <m:d>
                                 <m:dPr>
                                   <m:ctrlPr>
-                                    <a:rPr lang="zh-CN" altLang="zh-CN" i="1"/>
+                                    <a:rPr lang="zh-CN" altLang="zh-CN" i="1">
+                                      <a:latin typeface="Cambria Math"/>
+                                    </a:rPr>
                                   </m:ctrlPr>
                                 </m:dPr>
                                 <m:e>
                                   <m:r>
-                                    <a:rPr lang="en-US" altLang="zh-CN" i="1"/>
+                                    <a:rPr lang="en-US" altLang="zh-CN" i="1">
+                                      <a:latin typeface="Cambria Math"/>
+                                    </a:rPr>
                                     <m:t>𝑥</m:t>
                                   </m:r>
                                   <m:r>
-                                    <a:rPr lang="en-US" altLang="zh-CN" i="1"/>
+                                    <a:rPr lang="en-US" altLang="zh-CN" i="1">
+                                      <a:latin typeface="Cambria Math"/>
+                                    </a:rPr>
                                     <m:t>,</m:t>
                                   </m:r>
                                   <m:r>
-                                    <a:rPr lang="en-US" altLang="zh-CN" i="1"/>
+                                    <a:rPr lang="en-US" altLang="zh-CN" i="1">
+                                      <a:latin typeface="Cambria Math"/>
+                                    </a:rPr>
                                     <m:t>𝑦</m:t>
                                   </m:r>
                                 </m:e>
                               </m:d>
                               <m:r>
-                                <a:rPr lang="en-US" altLang="zh-CN" i="1"/>
+                                <a:rPr lang="en-US" altLang="zh-CN" i="1">
+                                  <a:latin typeface="Cambria Math"/>
+                                </a:rPr>
                                 <m:t>=255</m:t>
                               </m:r>
                             </m:e>
@@ -6475,7 +6779,9 @@
                               <m:func>
                                 <m:funcPr>
                                   <m:ctrlPr>
-                                    <a:rPr lang="zh-CN" altLang="zh-CN" i="1"/>
+                                    <a:rPr lang="zh-CN" altLang="zh-CN" i="1">
+                                      <a:latin typeface="Cambria Math"/>
+                                    </a:rPr>
                                   </m:ctrlPr>
                                 </m:funcPr>
                                 <m:fName>
@@ -6483,7 +6789,9 @@
                                     <m:rPr>
                                       <m:sty m:val="p"/>
                                     </m:rPr>
-                                    <a:rPr lang="en-US" altLang="zh-CN"/>
+                                    <a:rPr lang="en-US" altLang="zh-CN">
+                                      <a:latin typeface="Cambria Math"/>
+                                    </a:rPr>
                                     <m:t>max</m:t>
                                   </m:r>
                                 </m:fName>
@@ -6491,33 +6799,45 @@
                                   <m:d>
                                     <m:dPr>
                                       <m:ctrlPr>
-                                        <a:rPr lang="zh-CN" altLang="zh-CN" i="1"/>
+                                        <a:rPr lang="zh-CN" altLang="zh-CN" i="1">
+                                          <a:latin typeface="Cambria Math"/>
+                                        </a:rPr>
                                       </m:ctrlPr>
                                     </m:dPr>
                                     <m:e>
                                       <m:r>
-                                        <a:rPr lang="en-US" altLang="zh-CN" i="1"/>
+                                        <a:rPr lang="en-US" altLang="zh-CN" i="1">
+                                          <a:latin typeface="Cambria Math"/>
+                                        </a:rPr>
                                         <m:t>0</m:t>
                                       </m:r>
                                       <m:r>
-                                        <a:rPr lang="zh-CN" altLang="zh-CN" i="1"/>
+                                        <a:rPr lang="zh-CN" altLang="zh-CN" i="1">
+                                          <a:latin typeface="Cambria Math"/>
+                                        </a:rPr>
                                         <m:t>，</m:t>
                                       </m:r>
                                       <m:sSub>
                                         <m:sSubPr>
                                           <m:ctrlPr>
-                                            <a:rPr lang="zh-CN" altLang="zh-CN" i="1"/>
+                                            <a:rPr lang="zh-CN" altLang="zh-CN" i="1">
+                                              <a:latin typeface="Cambria Math"/>
+                                            </a:rPr>
                                           </m:ctrlPr>
                                         </m:sSubPr>
                                         <m:e>
                                           <m:r>
-                                            <a:rPr lang="en-US" altLang="zh-CN" i="1"/>
+                                            <a:rPr lang="en-US" altLang="zh-CN" i="1">
+                                              <a:latin typeface="Cambria Math"/>
+                                            </a:rPr>
                                             <m:t>𝑀𝐻𝐼</m:t>
                                           </m:r>
                                         </m:e>
                                         <m:sub>
                                           <m:r>
-                                            <a:rPr lang="en-US" altLang="zh-CN" i="1"/>
+                                            <a:rPr lang="en-US" altLang="zh-CN" i="1">
+                                              <a:latin typeface="Cambria Math"/>
+                                            </a:rPr>
                                             <m:t>𝑘</m:t>
                                           </m:r>
                                         </m:sub>
@@ -6525,26 +6845,36 @@
                                       <m:d>
                                         <m:dPr>
                                           <m:ctrlPr>
-                                            <a:rPr lang="zh-CN" altLang="zh-CN" i="1"/>
+                                            <a:rPr lang="zh-CN" altLang="zh-CN" i="1">
+                                              <a:latin typeface="Cambria Math"/>
+                                            </a:rPr>
                                           </m:ctrlPr>
                                         </m:dPr>
                                         <m:e>
                                           <m:r>
-                                            <a:rPr lang="en-US" altLang="zh-CN" i="1"/>
+                                            <a:rPr lang="en-US" altLang="zh-CN" i="1">
+                                              <a:latin typeface="Cambria Math"/>
+                                            </a:rPr>
                                             <m:t>𝑥</m:t>
                                           </m:r>
                                           <m:r>
-                                            <a:rPr lang="en-US" altLang="zh-CN" i="1"/>
+                                            <a:rPr lang="en-US" altLang="zh-CN" i="1">
+                                              <a:latin typeface="Cambria Math"/>
+                                            </a:rPr>
                                             <m:t>, </m:t>
                                           </m:r>
                                           <m:r>
-                                            <a:rPr lang="en-US" altLang="zh-CN" i="1"/>
+                                            <a:rPr lang="en-US" altLang="zh-CN" i="1">
+                                              <a:latin typeface="Cambria Math"/>
+                                            </a:rPr>
                                             <m:t>𝑦</m:t>
                                           </m:r>
                                         </m:e>
                                       </m:d>
                                       <m:r>
-                                        <a:rPr lang="en-US" altLang="zh-CN" i="1"/>
+                                        <a:rPr lang="en-US" altLang="zh-CN" i="1">
+                                          <a:latin typeface="Cambria Math"/>
+                                        </a:rPr>
                                         <m:t>−1</m:t>
                                       </m:r>
                                     </m:e>
@@ -6552,11 +6882,15 @@
                                 </m:e>
                               </m:func>
                               <m:r>
-                                <a:rPr lang="en-US" altLang="zh-CN" i="1"/>
+                                <a:rPr lang="en-US" altLang="zh-CN" i="1">
+                                  <a:latin typeface="Cambria Math"/>
+                                </a:rPr>
                                 <m:t> </m:t>
                               </m:r>
                               <m:r>
-                                <a:rPr lang="en-US" altLang="zh-CN" i="1"/>
+                                <a:rPr lang="en-US" altLang="zh-CN" i="1">
+                                  <a:latin typeface="Cambria Math"/>
+                                </a:rPr>
                                 <m:t>𝑒𝑙𝑠𝑒</m:t>
                               </m:r>
                             </m:e>
@@ -6571,7 +6905,7 @@
             </p:txBody>
           </p:sp>
         </mc:Choice>
-        <mc:Fallback>
+        <mc:Fallback xmlns="">
           <p:sp>
             <p:nvSpPr>
               <p:cNvPr id="4" name="矩形 3"/>
@@ -7557,14 +7891,615 @@
           <a:p>
             <a:r>
               <a:rPr lang="zh-CN" altLang="en-US" dirty="0" smtClean="0"/>
+              <a:t>运动物体跟踪</a:t>
+            </a:r>
+            <a:endParaRPr lang="zh-CN" altLang="en-US" dirty="0"/>
+          </a:p>
+        </p:txBody>
+      </p:sp>
+      <p:grpSp>
+        <p:nvGrpSpPr>
+          <p:cNvPr id="19" name="画布 45"/>
+          <p:cNvGrpSpPr/>
+          <p:nvPr/>
+        </p:nvGrpSpPr>
+        <p:grpSpPr>
+          <a:xfrm>
+            <a:off x="3563888" y="387202"/>
+            <a:ext cx="2592288" cy="4769989"/>
+            <a:chOff x="2019299" y="66675"/>
+            <a:chExt cx="1256326" cy="2685075"/>
+          </a:xfrm>
+        </p:grpSpPr>
+        <p:sp>
+          <p:nvSpPr>
+            <p:cNvPr id="21" name="圆角矩形 20"/>
+            <p:cNvSpPr/>
+            <p:nvPr/>
+          </p:nvSpPr>
+          <p:spPr>
+            <a:xfrm>
+              <a:off x="2019299" y="66675"/>
+              <a:ext cx="1247776" cy="333375"/>
+            </a:xfrm>
+            <a:prstGeom prst="roundRect">
+              <a:avLst/>
+            </a:prstGeom>
+            <a:solidFill>
+              <a:sysClr val="window" lastClr="FFFFFF"/>
+            </a:solidFill>
+            <a:ln w="12700" cap="flat" cmpd="sng" algn="ctr">
+              <a:solidFill>
+                <a:sysClr val="windowText" lastClr="000000"/>
+              </a:solidFill>
+              <a:prstDash val="solid"/>
+            </a:ln>
+            <a:effectLst/>
+          </p:spPr>
+          <p:txBody>
+            <a:bodyPr rot="0" spcFirstLastPara="0" vert="horz" wrap="square" lIns="91440" tIns="45720" rIns="91440" bIns="45720" numCol="1" spcCol="0" rtlCol="0" fromWordArt="0" anchor="ctr" anchorCtr="0" forceAA="0" compatLnSpc="1">
+              <a:prstTxWarp prst="textNoShape">
+                <a:avLst/>
+              </a:prstTxWarp>
+              <a:noAutofit/>
+            </a:bodyPr>
+            <a:lstStyle/>
+            <a:p>
+              <a:pPr marL="0" marR="0" lvl="0" indent="0" algn="ctr" defTabSz="914400" eaLnBrk="1" fontAlgn="auto" latinLnBrk="0" hangingPunct="1">
+                <a:lnSpc>
+                  <a:spcPct val="100000"/>
+                </a:lnSpc>
+                <a:spcBef>
+                  <a:spcPts val="0"/>
+                </a:spcBef>
+                <a:spcAft>
+                  <a:spcPts val="0"/>
+                </a:spcAft>
+                <a:buClrTx/>
+                <a:buSzTx/>
+                <a:buFontTx/>
+                <a:buNone/>
+                <a:tabLst/>
+                <a:defRPr/>
+              </a:pPr>
+              <a:r>
+                <a:rPr kumimoji="0" lang="zh-CN" altLang="en-US" sz="2000" b="0" i="0" u="none" strike="noStrike" kern="100" cap="none" spc="0" normalizeH="0" baseline="0" noProof="0" dirty="0">
+                  <a:ln>
+                    <a:noFill/>
+                  </a:ln>
+                  <a:solidFill>
+                    <a:sysClr val="windowText" lastClr="000000"/>
+                  </a:solidFill>
+                  <a:effectLst/>
+                  <a:uLnTx/>
+                  <a:uFillTx/>
+                  <a:latin typeface="Calibri"/>
+                  <a:ea typeface="宋体"/>
+                  <a:cs typeface="Times New Roman"/>
+                </a:rPr>
+                <a:t>图像序列灰度化</a:t>
+              </a:r>
+            </a:p>
+          </p:txBody>
+        </p:sp>
+        <p:sp>
+          <p:nvSpPr>
+            <p:cNvPr id="22" name="矩形 21"/>
+            <p:cNvSpPr/>
+            <p:nvPr/>
+          </p:nvSpPr>
+          <p:spPr>
+            <a:xfrm>
+              <a:off x="2019299" y="628650"/>
+              <a:ext cx="1247776" cy="342900"/>
+            </a:xfrm>
+            <a:prstGeom prst="rect">
+              <a:avLst/>
+            </a:prstGeom>
+            <a:solidFill>
+              <a:sysClr val="window" lastClr="FFFFFF"/>
+            </a:solidFill>
+            <a:ln w="12700" cap="flat" cmpd="sng" algn="ctr">
+              <a:solidFill>
+                <a:sysClr val="windowText" lastClr="000000"/>
+              </a:solidFill>
+              <a:prstDash val="solid"/>
+            </a:ln>
+            <a:effectLst/>
+          </p:spPr>
+          <p:txBody>
+            <a:bodyPr rot="0" spcFirstLastPara="0" vert="horz" wrap="square" lIns="91440" tIns="45720" rIns="91440" bIns="45720" numCol="1" spcCol="0" rtlCol="0" fromWordArt="0" anchor="ctr" anchorCtr="0" forceAA="0" compatLnSpc="1">
+              <a:prstTxWarp prst="textNoShape">
+                <a:avLst/>
+              </a:prstTxWarp>
+              <a:noAutofit/>
+            </a:bodyPr>
+            <a:lstStyle/>
+            <a:p>
+              <a:pPr marL="0" marR="0" lvl="0" indent="0" algn="ctr" defTabSz="914400" eaLnBrk="1" fontAlgn="auto" latinLnBrk="0" hangingPunct="1">
+                <a:lnSpc>
+                  <a:spcPct val="100000"/>
+                </a:lnSpc>
+                <a:spcBef>
+                  <a:spcPts val="0"/>
+                </a:spcBef>
+                <a:spcAft>
+                  <a:spcPts val="0"/>
+                </a:spcAft>
+                <a:buClrTx/>
+                <a:buSzTx/>
+                <a:buFontTx/>
+                <a:buNone/>
+                <a:tabLst/>
+                <a:defRPr/>
+              </a:pPr>
+              <a:r>
+                <a:rPr kumimoji="0" lang="zh-CN" altLang="en-US" sz="2000" b="0" i="0" u="none" strike="noStrike" kern="100" cap="none" spc="0" normalizeH="0" baseline="0" noProof="0" dirty="0">
+                  <a:ln>
+                    <a:noFill/>
+                  </a:ln>
+                  <a:solidFill>
+                    <a:sysClr val="windowText" lastClr="000000"/>
+                  </a:solidFill>
+                  <a:effectLst/>
+                  <a:uLnTx/>
+                  <a:uFillTx/>
+                  <a:latin typeface="Calibri"/>
+                  <a:ea typeface="宋体"/>
+                  <a:cs typeface="Times New Roman"/>
+                </a:rPr>
+                <a:t>运动物体检测</a:t>
+              </a:r>
+            </a:p>
+          </p:txBody>
+        </p:sp>
+        <p:sp>
+          <p:nvSpPr>
+            <p:cNvPr id="23" name="矩形 22"/>
+            <p:cNvSpPr/>
+            <p:nvPr/>
+          </p:nvSpPr>
+          <p:spPr>
+            <a:xfrm>
+              <a:off x="2019300" y="1189650"/>
+              <a:ext cx="1247775" cy="342900"/>
+            </a:xfrm>
+            <a:prstGeom prst="rect">
+              <a:avLst/>
+            </a:prstGeom>
+            <a:solidFill>
+              <a:sysClr val="window" lastClr="FFFFFF"/>
+            </a:solidFill>
+            <a:ln w="12700" cap="flat" cmpd="sng" algn="ctr">
+              <a:solidFill>
+                <a:sysClr val="windowText" lastClr="000000"/>
+              </a:solidFill>
+              <a:prstDash val="solid"/>
+            </a:ln>
+            <a:effectLst/>
+          </p:spPr>
+          <p:txBody>
+            <a:bodyPr rot="0" spcFirstLastPara="0" vert="horz" wrap="square" lIns="91440" tIns="45720" rIns="91440" bIns="45720" numCol="1" spcCol="0" rtlCol="0" fromWordArt="0" anchor="ctr" anchorCtr="0" forceAA="0" compatLnSpc="1">
+              <a:prstTxWarp prst="textNoShape">
+                <a:avLst/>
+              </a:prstTxWarp>
+              <a:noAutofit/>
+            </a:bodyPr>
+            <a:lstStyle/>
+            <a:p>
+              <a:pPr marL="0" marR="0" lvl="0" indent="0" algn="ctr" defTabSz="914400" eaLnBrk="1" fontAlgn="auto" latinLnBrk="0" hangingPunct="1">
+                <a:lnSpc>
+                  <a:spcPct val="100000"/>
+                </a:lnSpc>
+                <a:spcBef>
+                  <a:spcPts val="0"/>
+                </a:spcBef>
+                <a:spcAft>
+                  <a:spcPts val="0"/>
+                </a:spcAft>
+                <a:buClrTx/>
+                <a:buSzTx/>
+                <a:buFontTx/>
+                <a:buNone/>
+                <a:tabLst/>
+                <a:defRPr/>
+              </a:pPr>
+              <a:r>
+                <a:rPr kumimoji="0" lang="zh-CN" altLang="en-US" sz="2000" b="0" i="0" u="none" strike="noStrike" kern="0" cap="none" spc="0" normalizeH="0" baseline="0" noProof="0" dirty="0">
+                  <a:ln>
+                    <a:noFill/>
+                  </a:ln>
+                  <a:solidFill>
+                    <a:sysClr val="windowText" lastClr="000000"/>
+                  </a:solidFill>
+                  <a:effectLst/>
+                  <a:uLnTx/>
+                  <a:uFillTx/>
+                  <a:latin typeface="宋体"/>
+                  <a:ea typeface="宋体"/>
+                  <a:cs typeface="Times New Roman"/>
+                </a:rPr>
+                <a:t>中值滤波去噪</a:t>
+              </a:r>
+              <a:endParaRPr kumimoji="0" lang="zh-CN" altLang="en-US" sz="2000" b="0" i="0" u="none" strike="noStrike" kern="0" cap="none" spc="0" normalizeH="0" baseline="0" noProof="0" dirty="0">
+                <a:ln>
+                  <a:noFill/>
+                </a:ln>
+                <a:solidFill>
+                  <a:sysClr val="windowText" lastClr="000000"/>
+                </a:solidFill>
+                <a:effectLst/>
+                <a:uLnTx/>
+                <a:uFillTx/>
+                <a:latin typeface="宋体"/>
+                <a:ea typeface="宋体"/>
+                <a:cs typeface="宋体"/>
+              </a:endParaRPr>
+            </a:p>
+          </p:txBody>
+        </p:sp>
+        <p:sp>
+          <p:nvSpPr>
+            <p:cNvPr id="24" name="矩形 23"/>
+            <p:cNvSpPr/>
+            <p:nvPr/>
+          </p:nvSpPr>
+          <p:spPr>
+            <a:xfrm>
+              <a:off x="2027850" y="1789725"/>
+              <a:ext cx="1247775" cy="342900"/>
+            </a:xfrm>
+            <a:prstGeom prst="rect">
+              <a:avLst/>
+            </a:prstGeom>
+            <a:solidFill>
+              <a:sysClr val="window" lastClr="FFFFFF"/>
+            </a:solidFill>
+            <a:ln w="12700" cap="flat" cmpd="sng" algn="ctr">
+              <a:solidFill>
+                <a:sysClr val="windowText" lastClr="000000"/>
+              </a:solidFill>
+              <a:prstDash val="solid"/>
+            </a:ln>
+            <a:effectLst/>
+          </p:spPr>
+          <p:txBody>
+            <a:bodyPr rot="0" spcFirstLastPara="0" vert="horz" wrap="square" lIns="91440" tIns="45720" rIns="91440" bIns="45720" numCol="1" spcCol="0" rtlCol="0" fromWordArt="0" anchor="ctr" anchorCtr="0" forceAA="0" compatLnSpc="1">
+              <a:prstTxWarp prst="textNoShape">
+                <a:avLst/>
+              </a:prstTxWarp>
+              <a:noAutofit/>
+            </a:bodyPr>
+            <a:lstStyle/>
+            <a:p>
+              <a:pPr marL="0" marR="0" lvl="0" indent="0" algn="ctr" defTabSz="914400" eaLnBrk="1" fontAlgn="auto" latinLnBrk="0" hangingPunct="1">
+                <a:lnSpc>
+                  <a:spcPct val="100000"/>
+                </a:lnSpc>
+                <a:spcBef>
+                  <a:spcPts val="0"/>
+                </a:spcBef>
+                <a:spcAft>
+                  <a:spcPts val="0"/>
+                </a:spcAft>
+                <a:buClrTx/>
+                <a:buSzTx/>
+                <a:buFontTx/>
+                <a:buNone/>
+                <a:tabLst/>
+                <a:defRPr/>
+              </a:pPr>
+              <a:r>
+                <a:rPr kumimoji="0" lang="zh-CN" altLang="en-US" sz="2000" b="0" i="0" u="none" strike="noStrike" kern="0" cap="none" spc="0" normalizeH="0" baseline="0" noProof="0" dirty="0">
+                  <a:ln>
+                    <a:noFill/>
+                  </a:ln>
+                  <a:solidFill>
+                    <a:sysClr val="windowText" lastClr="000000"/>
+                  </a:solidFill>
+                  <a:effectLst/>
+                  <a:uLnTx/>
+                  <a:uFillTx/>
+                  <a:latin typeface="宋体"/>
+                  <a:ea typeface="宋体"/>
+                  <a:cs typeface="Times New Roman"/>
+                </a:rPr>
+                <a:t>形态学处理</a:t>
+              </a:r>
+              <a:endParaRPr kumimoji="0" lang="zh-CN" altLang="en-US" sz="2000" b="0" i="0" u="none" strike="noStrike" kern="0" cap="none" spc="0" normalizeH="0" baseline="0" noProof="0" dirty="0">
+                <a:ln>
+                  <a:noFill/>
+                </a:ln>
+                <a:solidFill>
+                  <a:sysClr val="windowText" lastClr="000000"/>
+                </a:solidFill>
+                <a:effectLst/>
+                <a:uLnTx/>
+                <a:uFillTx/>
+                <a:latin typeface="宋体"/>
+                <a:ea typeface="宋体"/>
+                <a:cs typeface="宋体"/>
+              </a:endParaRPr>
+            </a:p>
+          </p:txBody>
+        </p:sp>
+        <p:sp>
+          <p:nvSpPr>
+            <p:cNvPr id="25" name="矩形 24"/>
+            <p:cNvSpPr/>
+            <p:nvPr/>
+          </p:nvSpPr>
+          <p:spPr>
+            <a:xfrm>
+              <a:off x="2027850" y="2408850"/>
+              <a:ext cx="1247775" cy="342900"/>
+            </a:xfrm>
+            <a:prstGeom prst="rect">
+              <a:avLst/>
+            </a:prstGeom>
+            <a:solidFill>
+              <a:sysClr val="window" lastClr="FFFFFF"/>
+            </a:solidFill>
+            <a:ln w="12700" cap="flat" cmpd="sng" algn="ctr">
+              <a:solidFill>
+                <a:sysClr val="windowText" lastClr="000000"/>
+              </a:solidFill>
+              <a:prstDash val="solid"/>
+            </a:ln>
+            <a:effectLst/>
+          </p:spPr>
+          <p:txBody>
+            <a:bodyPr rot="0" spcFirstLastPara="0" vert="horz" wrap="square" lIns="91440" tIns="45720" rIns="91440" bIns="45720" numCol="1" spcCol="0" rtlCol="0" fromWordArt="0" anchor="ctr" anchorCtr="0" forceAA="0" compatLnSpc="1">
+              <a:prstTxWarp prst="textNoShape">
+                <a:avLst/>
+              </a:prstTxWarp>
+              <a:noAutofit/>
+            </a:bodyPr>
+            <a:lstStyle/>
+            <a:p>
+              <a:pPr marL="0" marR="0" lvl="0" indent="0" algn="ctr" defTabSz="914400" eaLnBrk="1" fontAlgn="auto" latinLnBrk="0" hangingPunct="1">
+                <a:lnSpc>
+                  <a:spcPct val="100000"/>
+                </a:lnSpc>
+                <a:spcBef>
+                  <a:spcPts val="0"/>
+                </a:spcBef>
+                <a:spcAft>
+                  <a:spcPts val="0"/>
+                </a:spcAft>
+                <a:buClrTx/>
+                <a:buSzTx/>
+                <a:buFontTx/>
+                <a:buNone/>
+                <a:tabLst/>
+                <a:defRPr/>
+              </a:pPr>
+              <a:r>
+                <a:rPr kumimoji="0" lang="zh-CN" altLang="en-US" sz="2000" b="0" i="0" u="none" strike="noStrike" kern="0" cap="none" spc="0" normalizeH="0" baseline="0" noProof="0" dirty="0">
+                  <a:ln>
+                    <a:noFill/>
+                  </a:ln>
+                  <a:solidFill>
+                    <a:sysClr val="windowText" lastClr="000000"/>
+                  </a:solidFill>
+                  <a:effectLst/>
+                  <a:uLnTx/>
+                  <a:uFillTx/>
+                  <a:latin typeface="宋体"/>
+                  <a:ea typeface="宋体"/>
+                  <a:cs typeface="Times New Roman"/>
+                </a:rPr>
+                <a:t>运动点团跟踪</a:t>
+              </a:r>
+              <a:endParaRPr kumimoji="0" lang="zh-CN" altLang="en-US" sz="2000" b="0" i="0" u="none" strike="noStrike" kern="0" cap="none" spc="0" normalizeH="0" baseline="0" noProof="0" dirty="0">
+                <a:ln>
+                  <a:noFill/>
+                </a:ln>
+                <a:solidFill>
+                  <a:sysClr val="windowText" lastClr="000000"/>
+                </a:solidFill>
+                <a:effectLst/>
+                <a:uLnTx/>
+                <a:uFillTx/>
+                <a:latin typeface="宋体"/>
+                <a:ea typeface="宋体"/>
+                <a:cs typeface="宋体"/>
+              </a:endParaRPr>
+            </a:p>
+          </p:txBody>
+        </p:sp>
+        <p:cxnSp>
+          <p:nvCxnSpPr>
+            <p:cNvPr id="26" name="直接箭头连接符 25"/>
+            <p:cNvCxnSpPr>
+              <a:stCxn id="21" idx="2"/>
+              <a:endCxn id="22" idx="0"/>
+            </p:cNvCxnSpPr>
+            <p:nvPr/>
+          </p:nvCxnSpPr>
+          <p:spPr>
+            <a:xfrm>
+              <a:off x="2643187" y="400050"/>
+              <a:ext cx="0" cy="228600"/>
+            </a:xfrm>
+            <a:prstGeom prst="straightConnector1">
+              <a:avLst/>
+            </a:prstGeom>
+            <a:noFill/>
+            <a:ln w="9525" cap="flat" cmpd="sng" algn="ctr">
+              <a:solidFill>
+                <a:srgbClr val="4F81BD">
+                  <a:shade val="95000"/>
+                  <a:satMod val="105000"/>
+                </a:srgbClr>
+              </a:solidFill>
+              <a:prstDash val="solid"/>
+              <a:tailEnd type="arrow"/>
+            </a:ln>
+            <a:effectLst/>
+          </p:spPr>
+        </p:cxnSp>
+        <p:cxnSp>
+          <p:nvCxnSpPr>
+            <p:cNvPr id="27" name="直接箭头连接符 26"/>
+            <p:cNvCxnSpPr>
+              <a:stCxn id="22" idx="2"/>
+              <a:endCxn id="23" idx="0"/>
+            </p:cNvCxnSpPr>
+            <p:nvPr/>
+          </p:nvCxnSpPr>
+          <p:spPr>
+            <a:xfrm>
+              <a:off x="2643187" y="971550"/>
+              <a:ext cx="1" cy="218100"/>
+            </a:xfrm>
+            <a:prstGeom prst="straightConnector1">
+              <a:avLst/>
+            </a:prstGeom>
+            <a:noFill/>
+            <a:ln w="9525" cap="flat" cmpd="sng" algn="ctr">
+              <a:solidFill>
+                <a:srgbClr val="4F81BD">
+                  <a:shade val="95000"/>
+                  <a:satMod val="105000"/>
+                </a:srgbClr>
+              </a:solidFill>
+              <a:prstDash val="solid"/>
+              <a:tailEnd type="arrow"/>
+            </a:ln>
+            <a:effectLst/>
+          </p:spPr>
+        </p:cxnSp>
+        <p:cxnSp>
+          <p:nvCxnSpPr>
+            <p:cNvPr id="28" name="直接箭头连接符 27"/>
+            <p:cNvCxnSpPr>
+              <a:stCxn id="23" idx="2"/>
+              <a:endCxn id="24" idx="0"/>
+            </p:cNvCxnSpPr>
+            <p:nvPr/>
+          </p:nvCxnSpPr>
+          <p:spPr>
+            <a:xfrm>
+              <a:off x="2643188" y="1532550"/>
+              <a:ext cx="8550" cy="257175"/>
+            </a:xfrm>
+            <a:prstGeom prst="straightConnector1">
+              <a:avLst/>
+            </a:prstGeom>
+            <a:noFill/>
+            <a:ln w="9525" cap="flat" cmpd="sng" algn="ctr">
+              <a:solidFill>
+                <a:srgbClr val="4F81BD">
+                  <a:shade val="95000"/>
+                  <a:satMod val="105000"/>
+                </a:srgbClr>
+              </a:solidFill>
+              <a:prstDash val="solid"/>
+              <a:tailEnd type="arrow"/>
+            </a:ln>
+            <a:effectLst/>
+          </p:spPr>
+        </p:cxnSp>
+        <p:cxnSp>
+          <p:nvCxnSpPr>
+            <p:cNvPr id="29" name="直接箭头连接符 28"/>
+            <p:cNvCxnSpPr>
+              <a:stCxn id="24" idx="2"/>
+              <a:endCxn id="25" idx="0"/>
+            </p:cNvCxnSpPr>
+            <p:nvPr/>
+          </p:nvCxnSpPr>
+          <p:spPr>
+            <a:xfrm>
+              <a:off x="2651738" y="2132625"/>
+              <a:ext cx="0" cy="276225"/>
+            </a:xfrm>
+            <a:prstGeom prst="straightConnector1">
+              <a:avLst/>
+            </a:prstGeom>
+            <a:noFill/>
+            <a:ln w="9525" cap="flat" cmpd="sng" algn="ctr">
+              <a:solidFill>
+                <a:srgbClr val="4F81BD">
+                  <a:shade val="95000"/>
+                  <a:satMod val="105000"/>
+                </a:srgbClr>
+              </a:solidFill>
+              <a:prstDash val="solid"/>
+              <a:tailEnd type="arrow"/>
+            </a:ln>
+            <a:effectLst/>
+          </p:spPr>
+        </p:cxnSp>
+      </p:grpSp>
+    </p:spTree>
+    <p:extLst>
+      <p:ext uri="{BB962C8B-B14F-4D97-AF65-F5344CB8AC3E}">
+        <p14:creationId xmlns:p14="http://schemas.microsoft.com/office/powerpoint/2010/main" val="1448192440"/>
+      </p:ext>
+    </p:extLst>
+  </p:cSld>
+  <p:clrMapOvr>
+    <a:masterClrMapping/>
+  </p:clrMapOvr>
+  <p:timing>
+    <p:tnLst>
+      <p:par>
+        <p:cTn id="1" dur="indefinite" restart="never" nodeType="tmRoot"/>
+      </p:par>
+    </p:tnLst>
+  </p:timing>
+</p:sld>
+</file>
+
+<file path=ppt/slides/slide17.xml><?xml version="1.0" encoding="utf-8"?>
+<p:sld xmlns:a="http://schemas.openxmlformats.org/drawingml/2006/main" xmlns:r="http://schemas.openxmlformats.org/officeDocument/2006/relationships" xmlns:p="http://schemas.openxmlformats.org/presentationml/2006/main">
+  <p:cSld>
+    <p:spTree>
+      <p:nvGrpSpPr>
+        <p:cNvPr id="1" name=""/>
+        <p:cNvGrpSpPr/>
+        <p:nvPr/>
+      </p:nvGrpSpPr>
+      <p:grpSpPr>
+        <a:xfrm>
+          <a:off x="0" y="0"/>
+          <a:ext cx="0" cy="0"/>
+          <a:chOff x="0" y="0"/>
+          <a:chExt cx="0" cy="0"/>
+        </a:xfrm>
+      </p:grpSpPr>
+      <p:sp>
+        <p:nvSpPr>
+          <p:cNvPr id="2" name="标题 1"/>
+          <p:cNvSpPr>
+            <a:spLocks noGrp="1"/>
+          </p:cNvSpPr>
+          <p:nvPr>
+            <p:ph type="title"/>
+          </p:nvPr>
+        </p:nvSpPr>
+        <p:spPr>
+          <a:xfrm>
+            <a:off x="2631489" y="5715000"/>
+            <a:ext cx="6512511" cy="1143000"/>
+          </a:xfrm>
+        </p:spPr>
+        <p:txBody>
+          <a:bodyPr/>
+          <a:lstStyle/>
+          <a:p>
+            <a:r>
+              <a:rPr lang="zh-CN" altLang="en-US" dirty="0" smtClean="0"/>
               <a:t>图像灰度化操作</a:t>
             </a:r>
             <a:endParaRPr lang="zh-CN" altLang="en-US" dirty="0"/>
           </a:p>
         </p:txBody>
       </p:sp>
-      <mc:AlternateContent xmlns:mc="http://schemas.openxmlformats.org/markup-compatibility/2006">
-        <mc:Choice xmlns:a14="http://schemas.microsoft.com/office/drawing/2010/main" Requires="a14">
+      <mc:AlternateContent xmlns:mc="http://schemas.openxmlformats.org/markup-compatibility/2006" xmlns:a14="http://schemas.microsoft.com/office/drawing/2010/main">
+        <mc:Choice Requires="a14">
           <p:sp>
             <p:nvSpPr>
               <p:cNvPr id="4" name="矩形 3"/>
@@ -7608,52 +8543,72 @@
                       <m:rPr>
                         <m:sty m:val="p"/>
                       </m:rPr>
-                      <a:rPr lang="en-US" altLang="zh-CN"/>
+                      <a:rPr lang="en-US" altLang="zh-CN">
+                        <a:latin typeface="Cambria Math"/>
+                      </a:rPr>
                       <m:t>Gray</m:t>
                     </m:r>
                     <m:r>
-                      <a:rPr lang="en-US" altLang="zh-CN"/>
+                      <a:rPr lang="en-US" altLang="zh-CN">
+                        <a:latin typeface="Cambria Math"/>
+                      </a:rPr>
                       <m:t>=0.299</m:t>
                     </m:r>
                     <m:r>
-                      <a:rPr lang="en-US" altLang="zh-CN" i="1"/>
+                      <a:rPr lang="en-US" altLang="zh-CN" i="1">
+                        <a:latin typeface="Cambria Math"/>
+                      </a:rPr>
                       <m:t>∗</m:t>
                     </m:r>
                     <m:r>
                       <m:rPr>
                         <m:sty m:val="p"/>
                       </m:rPr>
-                      <a:rPr lang="en-US" altLang="zh-CN"/>
+                      <a:rPr lang="en-US" altLang="zh-CN">
+                        <a:latin typeface="Cambria Math"/>
+                      </a:rPr>
                       <m:t>R</m:t>
                     </m:r>
                     <m:r>
-                      <a:rPr lang="en-US" altLang="zh-CN"/>
+                      <a:rPr lang="en-US" altLang="zh-CN">
+                        <a:latin typeface="Cambria Math"/>
+                      </a:rPr>
                       <m:t>+0.587</m:t>
                     </m:r>
                     <m:r>
-                      <a:rPr lang="en-US" altLang="zh-CN" i="1"/>
+                      <a:rPr lang="en-US" altLang="zh-CN" i="1">
+                        <a:latin typeface="Cambria Math"/>
+                      </a:rPr>
                       <m:t>∗</m:t>
                     </m:r>
                     <m:r>
                       <m:rPr>
                         <m:sty m:val="p"/>
                       </m:rPr>
-                      <a:rPr lang="en-US" altLang="zh-CN"/>
+                      <a:rPr lang="en-US" altLang="zh-CN">
+                        <a:latin typeface="Cambria Math"/>
+                      </a:rPr>
                       <m:t>G</m:t>
                     </m:r>
                     <m:r>
-                      <a:rPr lang="en-US" altLang="zh-CN"/>
+                      <a:rPr lang="en-US" altLang="zh-CN">
+                        <a:latin typeface="Cambria Math"/>
+                      </a:rPr>
                       <m:t>+0.114</m:t>
                     </m:r>
                     <m:r>
-                      <a:rPr lang="en-US" altLang="zh-CN" i="1"/>
+                      <a:rPr lang="en-US" altLang="zh-CN" i="1">
+                        <a:latin typeface="Cambria Math"/>
+                      </a:rPr>
                       <m:t>∗</m:t>
                     </m:r>
                     <m:r>
                       <m:rPr>
                         <m:sty m:val="p"/>
                       </m:rPr>
-                      <a:rPr lang="en-US" altLang="zh-CN"/>
+                      <a:rPr lang="en-US" altLang="zh-CN">
+                        <a:latin typeface="Cambria Math"/>
+                      </a:rPr>
                       <m:t>B</m:t>
                     </m:r>
                   </m:oMath>
@@ -7667,7 +8622,7 @@
             </p:txBody>
           </p:sp>
         </mc:Choice>
-        <mc:Fallback>
+        <mc:Fallback xmlns="">
           <p:sp>
             <p:nvSpPr>
               <p:cNvPr id="4" name="矩形 3"/>
@@ -7706,8 +8661,8 @@
           </p:sp>
         </mc:Fallback>
       </mc:AlternateContent>
-      <mc:AlternateContent xmlns:mc="http://schemas.openxmlformats.org/markup-compatibility/2006">
-        <mc:Choice xmlns:a14="http://schemas.microsoft.com/office/drawing/2010/main" Requires="a14">
+      <mc:AlternateContent xmlns:mc="http://schemas.openxmlformats.org/markup-compatibility/2006" xmlns:a14="http://schemas.microsoft.com/office/drawing/2010/main">
+        <mc:Choice Requires="a14">
           <p:sp>
             <p:nvSpPr>
               <p:cNvPr id="5" name="矩形 4"/>
@@ -7751,56 +8706,78 @@
                       <m:rPr>
                         <m:sty m:val="p"/>
                       </m:rPr>
-                      <a:rPr lang="en-US" altLang="zh-CN"/>
+                      <a:rPr lang="en-US" altLang="zh-CN">
+                        <a:latin typeface="Cambria Math"/>
+                      </a:rPr>
                       <m:t>Gray</m:t>
                     </m:r>
                     <m:r>
-                      <a:rPr lang="en-US" altLang="zh-CN"/>
+                      <a:rPr lang="en-US" altLang="zh-CN">
+                        <a:latin typeface="Cambria Math"/>
+                      </a:rPr>
                       <m:t>=(299</m:t>
                     </m:r>
                     <m:r>
-                      <a:rPr lang="en-US" altLang="zh-CN" i="1"/>
+                      <a:rPr lang="en-US" altLang="zh-CN" i="1">
+                        <a:latin typeface="Cambria Math"/>
+                      </a:rPr>
                       <m:t>∗</m:t>
                     </m:r>
                     <m:r>
                       <m:rPr>
                         <m:sty m:val="p"/>
                       </m:rPr>
-                      <a:rPr lang="en-US" altLang="zh-CN"/>
+                      <a:rPr lang="en-US" altLang="zh-CN">
+                        <a:latin typeface="Cambria Math"/>
+                      </a:rPr>
                       <m:t>R</m:t>
                     </m:r>
                     <m:r>
-                      <a:rPr lang="en-US" altLang="zh-CN"/>
+                      <a:rPr lang="en-US" altLang="zh-CN">
+                        <a:latin typeface="Cambria Math"/>
+                      </a:rPr>
                       <m:t>+587</m:t>
                     </m:r>
                     <m:r>
-                      <a:rPr lang="en-US" altLang="zh-CN" i="1"/>
+                      <a:rPr lang="en-US" altLang="zh-CN" i="1">
+                        <a:latin typeface="Cambria Math"/>
+                      </a:rPr>
                       <m:t>∗</m:t>
                     </m:r>
                     <m:r>
                       <m:rPr>
                         <m:sty m:val="p"/>
                       </m:rPr>
-                      <a:rPr lang="en-US" altLang="zh-CN"/>
+                      <a:rPr lang="en-US" altLang="zh-CN">
+                        <a:latin typeface="Cambria Math"/>
+                      </a:rPr>
                       <m:t>G</m:t>
                     </m:r>
                     <m:r>
-                      <a:rPr lang="en-US" altLang="zh-CN"/>
+                      <a:rPr lang="en-US" altLang="zh-CN">
+                        <a:latin typeface="Cambria Math"/>
+                      </a:rPr>
                       <m:t>+144</m:t>
                     </m:r>
                     <m:r>
-                      <a:rPr lang="en-US" altLang="zh-CN" i="1"/>
+                      <a:rPr lang="en-US" altLang="zh-CN" i="1">
+                        <a:latin typeface="Cambria Math"/>
+                      </a:rPr>
                       <m:t>∗</m:t>
                     </m:r>
                     <m:r>
                       <m:rPr>
                         <m:sty m:val="p"/>
                       </m:rPr>
-                      <a:rPr lang="en-US" altLang="zh-CN"/>
+                      <a:rPr lang="en-US" altLang="zh-CN">
+                        <a:latin typeface="Cambria Math"/>
+                      </a:rPr>
                       <m:t>B</m:t>
                     </m:r>
                     <m:r>
-                      <a:rPr lang="en-US" altLang="zh-CN"/>
+                      <a:rPr lang="en-US" altLang="zh-CN">
+                        <a:latin typeface="Cambria Math"/>
+                      </a:rPr>
                       <m:t>+500)/1000</m:t>
                     </m:r>
                   </m:oMath>
@@ -7814,7 +8791,7 @@
             </p:txBody>
           </p:sp>
         </mc:Choice>
-        <mc:Fallback>
+        <mc:Fallback xmlns="">
           <p:sp>
             <p:nvSpPr>
               <p:cNvPr id="5" name="矩形 4"/>
@@ -7853,8 +8830,8 @@
           </p:sp>
         </mc:Fallback>
       </mc:AlternateContent>
-      <mc:AlternateContent xmlns:mc="http://schemas.openxmlformats.org/markup-compatibility/2006">
-        <mc:Choice xmlns:a14="http://schemas.microsoft.com/office/drawing/2010/main" Requires="a14">
+      <mc:AlternateContent xmlns:mc="http://schemas.openxmlformats.org/markup-compatibility/2006" xmlns:a14="http://schemas.microsoft.com/office/drawing/2010/main">
+        <mc:Choice Requires="a14">
           <p:sp>
             <p:nvSpPr>
               <p:cNvPr id="6" name="矩形 5"/>
@@ -7898,69 +8875,95 @@
                       <m:rPr>
                         <m:sty m:val="p"/>
                       </m:rPr>
-                      <a:rPr lang="en-US" altLang="zh-CN"/>
+                      <a:rPr lang="en-US" altLang="zh-CN">
+                        <a:latin typeface="Cambria Math"/>
+                      </a:rPr>
                       <m:t>Gray</m:t>
                     </m:r>
                     <m:r>
-                      <a:rPr lang="en-US" altLang="zh-CN"/>
+                      <a:rPr lang="en-US" altLang="zh-CN">
+                        <a:latin typeface="Cambria Math"/>
+                      </a:rPr>
                       <m:t>=</m:t>
                     </m:r>
                     <m:d>
                       <m:dPr>
                         <m:ctrlPr>
-                          <a:rPr lang="zh-CN" altLang="zh-CN" i="1"/>
+                          <a:rPr lang="zh-CN" altLang="zh-CN" i="1">
+                            <a:latin typeface="Cambria Math"/>
+                          </a:rPr>
                         </m:ctrlPr>
                       </m:dPr>
                       <m:e>
                         <m:r>
-                          <a:rPr lang="en-US" altLang="zh-CN"/>
+                          <a:rPr lang="en-US" altLang="zh-CN">
+                            <a:latin typeface="Cambria Math"/>
+                          </a:rPr>
                           <m:t>19595</m:t>
                         </m:r>
                         <m:r>
-                          <a:rPr lang="en-US" altLang="zh-CN" i="1"/>
+                          <a:rPr lang="en-US" altLang="zh-CN" i="1">
+                            <a:latin typeface="Cambria Math"/>
+                          </a:rPr>
                           <m:t>∗</m:t>
                         </m:r>
                         <m:r>
                           <m:rPr>
                             <m:sty m:val="p"/>
                           </m:rPr>
-                          <a:rPr lang="en-US" altLang="zh-CN"/>
+                          <a:rPr lang="en-US" altLang="zh-CN">
+                            <a:latin typeface="Cambria Math"/>
+                          </a:rPr>
                           <m:t>R</m:t>
                         </m:r>
                         <m:r>
-                          <a:rPr lang="en-US" altLang="zh-CN"/>
+                          <a:rPr lang="en-US" altLang="zh-CN">
+                            <a:latin typeface="Cambria Math"/>
+                          </a:rPr>
                           <m:t>+38469</m:t>
                         </m:r>
                         <m:r>
-                          <a:rPr lang="en-US" altLang="zh-CN" i="1"/>
+                          <a:rPr lang="en-US" altLang="zh-CN" i="1">
+                            <a:latin typeface="Cambria Math"/>
+                          </a:rPr>
                           <m:t>∗</m:t>
                         </m:r>
                         <m:r>
                           <m:rPr>
                             <m:sty m:val="p"/>
                           </m:rPr>
-                          <a:rPr lang="en-US" altLang="zh-CN"/>
+                          <a:rPr lang="en-US" altLang="zh-CN">
+                            <a:latin typeface="Cambria Math"/>
+                          </a:rPr>
                           <m:t>G</m:t>
                         </m:r>
                         <m:r>
-                          <a:rPr lang="en-US" altLang="zh-CN"/>
+                          <a:rPr lang="en-US" altLang="zh-CN">
+                            <a:latin typeface="Cambria Math"/>
+                          </a:rPr>
                           <m:t>+7471</m:t>
                         </m:r>
                         <m:r>
-                          <a:rPr lang="en-US" altLang="zh-CN" i="1"/>
+                          <a:rPr lang="en-US" altLang="zh-CN" i="1">
+                            <a:latin typeface="Cambria Math"/>
+                          </a:rPr>
                           <m:t>∗</m:t>
                         </m:r>
                         <m:r>
                           <m:rPr>
                             <m:sty m:val="p"/>
                           </m:rPr>
-                          <a:rPr lang="en-US" altLang="zh-CN"/>
+                          <a:rPr lang="en-US" altLang="zh-CN">
+                            <a:latin typeface="Cambria Math"/>
+                          </a:rPr>
                           <m:t>B</m:t>
                         </m:r>
                       </m:e>
                     </m:d>
                     <m:r>
-                      <a:rPr lang="en-US" altLang="zh-CN"/>
+                      <a:rPr lang="en-US" altLang="zh-CN">
+                        <a:latin typeface="Cambria Math"/>
+                      </a:rPr>
                       <m:t>≫16</m:t>
                     </m:r>
                   </m:oMath>
@@ -7974,7 +8977,7 @@
             </p:txBody>
           </p:sp>
         </mc:Choice>
-        <mc:Fallback>
+        <mc:Fallback xmlns="">
           <p:sp>
             <p:nvSpPr>
               <p:cNvPr id="6" name="矩形 5"/>
@@ -8722,7 +9725,7 @@
 </p:sld>
 </file>
 
-<file path=ppt/slides/slide17.xml><?xml version="1.0" encoding="utf-8"?>
+<file path=ppt/slides/slide18.xml><?xml version="1.0" encoding="utf-8"?>
 <p:sld xmlns:a="http://schemas.openxmlformats.org/drawingml/2006/main" xmlns:r="http://schemas.openxmlformats.org/officeDocument/2006/relationships" xmlns:p="http://schemas.openxmlformats.org/presentationml/2006/main">
   <p:cSld>
     <p:spTree>
@@ -8767,6 +9770,530 @@
           </a:p>
         </p:txBody>
       </p:sp>
+      <p:pic>
+        <p:nvPicPr>
+          <p:cNvPr id="1026" name="Picture 2"/>
+          <p:cNvPicPr>
+            <a:picLocks noChangeAspect="1" noChangeArrowheads="1"/>
+          </p:cNvPicPr>
+          <p:nvPr/>
+        </p:nvPicPr>
+        <p:blipFill>
+          <a:blip r:embed="rId2">
+            <a:extLst>
+              <a:ext uri="{28A0092B-C50C-407E-A947-70E740481C1C}">
+                <a14:useLocalDpi xmlns:a14="http://schemas.microsoft.com/office/drawing/2010/main" val="0"/>
+              </a:ext>
+            </a:extLst>
+          </a:blip>
+          <a:srcRect/>
+          <a:stretch>
+            <a:fillRect/>
+          </a:stretch>
+        </p:blipFill>
+        <p:spPr bwMode="auto">
+          <a:xfrm>
+            <a:off x="3676089" y="2636912"/>
+            <a:ext cx="5486400" cy="3084513"/>
+          </a:xfrm>
+          <a:prstGeom prst="rect">
+            <a:avLst/>
+          </a:prstGeom>
+          <a:noFill/>
+          <a:ln>
+            <a:noFill/>
+          </a:ln>
+          <a:effectLst/>
+          <a:extLst>
+            <a:ext uri="{909E8E84-426E-40DD-AFC4-6F175D3DCCD1}">
+              <a14:hiddenFill xmlns:a14="http://schemas.microsoft.com/office/drawing/2010/main">
+                <a:solidFill>
+                  <a:schemeClr val="accent1"/>
+                </a:solidFill>
+              </a14:hiddenFill>
+            </a:ext>
+            <a:ext uri="{91240B29-F687-4F45-9708-019B960494DF}">
+              <a14:hiddenLine xmlns:a14="http://schemas.microsoft.com/office/drawing/2010/main" w="9525">
+                <a:solidFill>
+                  <a:schemeClr val="tx1"/>
+                </a:solidFill>
+                <a:miter lim="800000"/>
+                <a:headEnd/>
+                <a:tailEnd/>
+              </a14:hiddenLine>
+            </a:ext>
+            <a:ext uri="{AF507438-7753-43E0-B8FC-AC1667EBCBE1}">
+              <a14:hiddenEffects xmlns:a14="http://schemas.microsoft.com/office/drawing/2010/main">
+                <a:effectLst>
+                  <a:outerShdw dist="35921" dir="2700000" algn="ctr" rotWithShape="0">
+                    <a:schemeClr val="bg2"/>
+                  </a:outerShdw>
+                </a:effectLst>
+              </a14:hiddenEffects>
+            </a:ext>
+          </a:extLst>
+        </p:spPr>
+      </p:pic>
+      <p:pic>
+        <p:nvPicPr>
+          <p:cNvPr id="1027" name="Picture 3"/>
+          <p:cNvPicPr>
+            <a:picLocks noChangeAspect="1" noChangeArrowheads="1"/>
+          </p:cNvPicPr>
+          <p:nvPr/>
+        </p:nvPicPr>
+        <p:blipFill>
+          <a:blip r:embed="rId3">
+            <a:extLst>
+              <a:ext uri="{28A0092B-C50C-407E-A947-70E740481C1C}">
+                <a14:useLocalDpi xmlns:a14="http://schemas.microsoft.com/office/drawing/2010/main" val="0"/>
+              </a:ext>
+            </a:extLst>
+          </a:blip>
+          <a:srcRect/>
+          <a:stretch>
+            <a:fillRect/>
+          </a:stretch>
+        </p:blipFill>
+        <p:spPr bwMode="auto">
+          <a:xfrm>
+            <a:off x="-8712" y="-19972"/>
+            <a:ext cx="5486400" cy="3090863"/>
+          </a:xfrm>
+          <a:prstGeom prst="rect">
+            <a:avLst/>
+          </a:prstGeom>
+          <a:noFill/>
+          <a:ln>
+            <a:noFill/>
+          </a:ln>
+          <a:effectLst/>
+          <a:extLst>
+            <a:ext uri="{909E8E84-426E-40DD-AFC4-6F175D3DCCD1}">
+              <a14:hiddenFill xmlns:a14="http://schemas.microsoft.com/office/drawing/2010/main">
+                <a:solidFill>
+                  <a:schemeClr val="accent1"/>
+                </a:solidFill>
+              </a14:hiddenFill>
+            </a:ext>
+            <a:ext uri="{91240B29-F687-4F45-9708-019B960494DF}">
+              <a14:hiddenLine xmlns:a14="http://schemas.microsoft.com/office/drawing/2010/main" w="9525">
+                <a:solidFill>
+                  <a:schemeClr val="tx1"/>
+                </a:solidFill>
+                <a:miter lim="800000"/>
+                <a:headEnd/>
+                <a:tailEnd/>
+              </a14:hiddenLine>
+            </a:ext>
+            <a:ext uri="{AF507438-7753-43E0-B8FC-AC1667EBCBE1}">
+              <a14:hiddenEffects xmlns:a14="http://schemas.microsoft.com/office/drawing/2010/main">
+                <a:effectLst>
+                  <a:outerShdw dist="35921" dir="2700000" algn="ctr" rotWithShape="0">
+                    <a:schemeClr val="bg2"/>
+                  </a:outerShdw>
+                </a:effectLst>
+              </a14:hiddenEffects>
+            </a:ext>
+          </a:extLst>
+        </p:spPr>
+      </p:pic>
+      <mc:AlternateContent xmlns:mc="http://schemas.openxmlformats.org/markup-compatibility/2006" xmlns:a14="http://schemas.microsoft.com/office/drawing/2010/main">
+        <mc:Choice Requires="a14">
+          <p:sp>
+            <p:nvSpPr>
+              <p:cNvPr id="3" name="矩形 2"/>
+              <p:cNvSpPr/>
+              <p:nvPr/>
+            </p:nvSpPr>
+            <p:spPr>
+              <a:xfrm>
+                <a:off x="-8712" y="3573016"/>
+                <a:ext cx="3167084" cy="369332"/>
+              </a:xfrm>
+              <a:prstGeom prst="rect">
+                <a:avLst/>
+              </a:prstGeom>
+            </p:spPr>
+            <p:txBody>
+              <a:bodyPr wrap="none">
+                <a:spAutoFit/>
+              </a:bodyPr>
+              <a:lstStyle/>
+              <a:p>
+                <a:pPr/>
+                <a14:m>
+                  <m:oMathPara xmlns:m="http://schemas.openxmlformats.org/officeDocument/2006/math">
+                    <m:oMathParaPr>
+                      <m:jc m:val="centerGroup"/>
+                    </m:oMathParaPr>
+                    <m:oMath xmlns:m="http://schemas.openxmlformats.org/officeDocument/2006/math">
+                      <m:r>
+                        <a:rPr lang="en-US" altLang="zh-CN" i="1">
+                          <a:latin typeface="Cambria Math"/>
+                        </a:rPr>
+                        <m:t>𝑇</m:t>
+                      </m:r>
+                      <m:d>
+                        <m:dPr>
+                          <m:ctrlPr>
+                            <a:rPr lang="zh-CN" altLang="zh-CN" i="1">
+                              <a:latin typeface="Cambria Math"/>
+                            </a:rPr>
+                          </m:ctrlPr>
+                        </m:dPr>
+                        <m:e>
+                          <m:r>
+                            <a:rPr lang="en-US" altLang="zh-CN" i="1">
+                              <a:latin typeface="Cambria Math"/>
+                            </a:rPr>
+                            <m:t>𝑛</m:t>
+                          </m:r>
+                          <m:r>
+                            <a:rPr lang="en-US" altLang="zh-CN" i="1">
+                              <a:latin typeface="Cambria Math"/>
+                            </a:rPr>
+                            <m:t>,</m:t>
+                          </m:r>
+                          <m:r>
+                            <a:rPr lang="en-US" altLang="zh-CN" i="1">
+                              <a:latin typeface="Cambria Math"/>
+                            </a:rPr>
+                            <m:t>𝑤</m:t>
+                          </m:r>
+                          <m:r>
+                            <a:rPr lang="en-US" altLang="zh-CN" i="1">
+                              <a:latin typeface="Cambria Math"/>
+                            </a:rPr>
+                            <m:t>,</m:t>
+                          </m:r>
+                          <m:r>
+                            <a:rPr lang="en-US" altLang="zh-CN" i="1">
+                              <a:latin typeface="Cambria Math"/>
+                            </a:rPr>
+                            <m:t>h</m:t>
+                          </m:r>
+                        </m:e>
+                      </m:d>
+                      <m:r>
+                        <a:rPr lang="en-US" altLang="zh-CN" i="1">
+                          <a:latin typeface="Cambria Math"/>
+                        </a:rPr>
+                        <m:t>=</m:t>
+                      </m:r>
+                      <m:r>
+                        <a:rPr lang="en-US" altLang="zh-CN" i="1">
+                          <a:latin typeface="Cambria Math"/>
+                        </a:rPr>
+                        <m:t>𝑂</m:t>
+                      </m:r>
+                      <m:r>
+                        <a:rPr lang="en-US" altLang="zh-CN" i="1">
+                          <a:latin typeface="Cambria Math"/>
+                        </a:rPr>
+                        <m:t>(</m:t>
+                      </m:r>
+                      <m:r>
+                        <a:rPr lang="en-US" altLang="zh-CN" i="1">
+                          <a:latin typeface="Cambria Math"/>
+                        </a:rPr>
+                        <m:t>𝑛𝑙𝑜𝑔𝑛</m:t>
+                      </m:r>
+                      <m:r>
+                        <a:rPr lang="en-US" altLang="zh-CN" i="1">
+                          <a:latin typeface="Cambria Math"/>
+                        </a:rPr>
+                        <m:t>∗</m:t>
+                      </m:r>
+                      <m:r>
+                        <a:rPr lang="en-US" altLang="zh-CN" i="1">
+                          <a:latin typeface="Cambria Math"/>
+                        </a:rPr>
+                        <m:t>𝑤</m:t>
+                      </m:r>
+                      <m:r>
+                        <a:rPr lang="en-US" altLang="zh-CN" i="1">
+                          <a:latin typeface="Cambria Math"/>
+                        </a:rPr>
+                        <m:t>∗</m:t>
+                      </m:r>
+                      <m:r>
+                        <a:rPr lang="en-US" altLang="zh-CN" i="1">
+                          <a:latin typeface="Cambria Math"/>
+                        </a:rPr>
+                        <m:t>h</m:t>
+                      </m:r>
+                      <m:r>
+                        <a:rPr lang="en-US" altLang="zh-CN" i="1">
+                          <a:latin typeface="Cambria Math"/>
+                        </a:rPr>
+                        <m:t>)</m:t>
+                      </m:r>
+                    </m:oMath>
+                  </m:oMathPara>
+                </a14:m>
+                <a:endParaRPr lang="zh-CN" altLang="zh-CN" dirty="0"/>
+              </a:p>
+            </p:txBody>
+          </p:sp>
+        </mc:Choice>
+        <mc:Fallback xmlns="">
+          <p:sp>
+            <p:nvSpPr>
+              <p:cNvPr id="3" name="矩形 2"/>
+              <p:cNvSpPr>
+                <a:spLocks noRot="1" noChangeAspect="1" noMove="1" noResize="1" noEditPoints="1" noAdjustHandles="1" noChangeArrowheads="1" noChangeShapeType="1" noTextEdit="1"/>
+              </p:cNvSpPr>
+              <p:nvPr/>
+            </p:nvSpPr>
+            <p:spPr>
+              <a:xfrm>
+                <a:off x="-8712" y="3573016"/>
+                <a:ext cx="3167084" cy="369332"/>
+              </a:xfrm>
+              <a:prstGeom prst="rect">
+                <a:avLst/>
+              </a:prstGeom>
+              <a:blipFill rotWithShape="1">
+                <a:blip r:embed="rId4"/>
+                <a:stretch>
+                  <a:fillRect b="-13115"/>
+                </a:stretch>
+              </a:blipFill>
+            </p:spPr>
+            <p:txBody>
+              <a:bodyPr/>
+              <a:lstStyle/>
+              <a:p>
+                <a:r>
+                  <a:rPr lang="zh-CN" altLang="en-US">
+                    <a:noFill/>
+                  </a:rPr>
+                  <a:t> </a:t>
+                </a:r>
+              </a:p>
+            </p:txBody>
+          </p:sp>
+        </mc:Fallback>
+      </mc:AlternateContent>
+      <mc:AlternateContent xmlns:mc="http://schemas.openxmlformats.org/markup-compatibility/2006" xmlns:a14="http://schemas.microsoft.com/office/drawing/2010/main">
+        <mc:Choice Requires="a14">
+          <p:sp>
+            <p:nvSpPr>
+              <p:cNvPr id="4" name="矩形 3"/>
+              <p:cNvSpPr/>
+              <p:nvPr/>
+            </p:nvSpPr>
+            <p:spPr>
+              <a:xfrm>
+                <a:off x="226127" y="4725144"/>
+                <a:ext cx="2697405" cy="369332"/>
+              </a:xfrm>
+              <a:prstGeom prst="rect">
+                <a:avLst/>
+              </a:prstGeom>
+            </p:spPr>
+            <p:txBody>
+              <a:bodyPr wrap="none">
+                <a:spAutoFit/>
+              </a:bodyPr>
+              <a:lstStyle/>
+              <a:p>
+                <a:pPr/>
+                <a14:m>
+                  <m:oMathPara xmlns:m="http://schemas.openxmlformats.org/officeDocument/2006/math">
+                    <m:oMathParaPr>
+                      <m:jc m:val="centerGroup"/>
+                    </m:oMathParaPr>
+                    <m:oMath xmlns:m="http://schemas.openxmlformats.org/officeDocument/2006/math">
+                      <m:r>
+                        <a:rPr lang="en-US" altLang="zh-CN" i="1">
+                          <a:latin typeface="Cambria Math"/>
+                        </a:rPr>
+                        <m:t>𝑇</m:t>
+                      </m:r>
+                      <m:d>
+                        <m:dPr>
+                          <m:ctrlPr>
+                            <a:rPr lang="zh-CN" altLang="zh-CN" i="1">
+                              <a:latin typeface="Cambria Math"/>
+                            </a:rPr>
+                          </m:ctrlPr>
+                        </m:dPr>
+                        <m:e>
+                          <m:r>
+                            <a:rPr lang="en-US" altLang="zh-CN" i="1">
+                              <a:latin typeface="Cambria Math"/>
+                            </a:rPr>
+                            <m:t>𝑛</m:t>
+                          </m:r>
+                          <m:r>
+                            <a:rPr lang="en-US" altLang="zh-CN" i="1">
+                              <a:latin typeface="Cambria Math"/>
+                            </a:rPr>
+                            <m:t>,</m:t>
+                          </m:r>
+                          <m:r>
+                            <a:rPr lang="en-US" altLang="zh-CN" i="1">
+                              <a:latin typeface="Cambria Math"/>
+                            </a:rPr>
+                            <m:t>𝑤</m:t>
+                          </m:r>
+                          <m:r>
+                            <a:rPr lang="en-US" altLang="zh-CN" i="1">
+                              <a:latin typeface="Cambria Math"/>
+                            </a:rPr>
+                            <m:t>,</m:t>
+                          </m:r>
+                          <m:r>
+                            <a:rPr lang="en-US" altLang="zh-CN" i="1">
+                              <a:latin typeface="Cambria Math"/>
+                            </a:rPr>
+                            <m:t>h</m:t>
+                          </m:r>
+                        </m:e>
+                      </m:d>
+                      <m:r>
+                        <a:rPr lang="en-US" altLang="zh-CN" i="1">
+                          <a:latin typeface="Cambria Math"/>
+                        </a:rPr>
+                        <m:t>=</m:t>
+                      </m:r>
+                      <m:r>
+                        <a:rPr lang="en-US" altLang="zh-CN" i="1">
+                          <a:latin typeface="Cambria Math"/>
+                        </a:rPr>
+                        <m:t>𝑂</m:t>
+                      </m:r>
+                      <m:r>
+                        <a:rPr lang="en-US" altLang="zh-CN" i="1">
+                          <a:latin typeface="Cambria Math"/>
+                        </a:rPr>
+                        <m:t>(</m:t>
+                      </m:r>
+                      <m:r>
+                        <a:rPr lang="en-US" altLang="zh-CN" i="1">
+                          <a:latin typeface="Cambria Math"/>
+                        </a:rPr>
+                        <m:t>𝑛</m:t>
+                      </m:r>
+                      <m:r>
+                        <a:rPr lang="en-US" altLang="zh-CN" i="1">
+                          <a:latin typeface="Cambria Math"/>
+                        </a:rPr>
+                        <m:t>∗</m:t>
+                      </m:r>
+                      <m:r>
+                        <a:rPr lang="en-US" altLang="zh-CN" i="1">
+                          <a:latin typeface="Cambria Math"/>
+                        </a:rPr>
+                        <m:t>𝑤</m:t>
+                      </m:r>
+                      <m:r>
+                        <a:rPr lang="en-US" altLang="zh-CN" i="1">
+                          <a:latin typeface="Cambria Math"/>
+                        </a:rPr>
+                        <m:t>∗</m:t>
+                      </m:r>
+                      <m:r>
+                        <a:rPr lang="en-US" altLang="zh-CN" i="1">
+                          <a:latin typeface="Cambria Math"/>
+                        </a:rPr>
+                        <m:t>h</m:t>
+                      </m:r>
+                      <m:r>
+                        <a:rPr lang="en-US" altLang="zh-CN" i="1">
+                          <a:latin typeface="Cambria Math"/>
+                        </a:rPr>
+                        <m:t>)</m:t>
+                      </m:r>
+                    </m:oMath>
+                  </m:oMathPara>
+                </a14:m>
+                <a:endParaRPr lang="zh-CN" altLang="zh-CN" dirty="0"/>
+              </a:p>
+            </p:txBody>
+          </p:sp>
+        </mc:Choice>
+        <mc:Fallback xmlns="">
+          <p:sp>
+            <p:nvSpPr>
+              <p:cNvPr id="4" name="矩形 3"/>
+              <p:cNvSpPr>
+                <a:spLocks noRot="1" noChangeAspect="1" noMove="1" noResize="1" noEditPoints="1" noAdjustHandles="1" noChangeArrowheads="1" noChangeShapeType="1" noTextEdit="1"/>
+              </p:cNvSpPr>
+              <p:nvPr/>
+            </p:nvSpPr>
+            <p:spPr>
+              <a:xfrm>
+                <a:off x="226127" y="4725144"/>
+                <a:ext cx="2697405" cy="369332"/>
+              </a:xfrm>
+              <a:prstGeom prst="rect">
+                <a:avLst/>
+              </a:prstGeom>
+              <a:blipFill rotWithShape="1">
+                <a:blip r:embed="rId5"/>
+                <a:stretch>
+                  <a:fillRect b="-13115"/>
+                </a:stretch>
+              </a:blipFill>
+            </p:spPr>
+            <p:txBody>
+              <a:bodyPr/>
+              <a:lstStyle/>
+              <a:p>
+                <a:r>
+                  <a:rPr lang="zh-CN" altLang="en-US">
+                    <a:noFill/>
+                  </a:rPr>
+                  <a:t> </a:t>
+                </a:r>
+              </a:p>
+            </p:txBody>
+          </p:sp>
+        </mc:Fallback>
+      </mc:AlternateContent>
+      <p:sp>
+        <p:nvSpPr>
+          <p:cNvPr id="5" name="下箭头 4"/>
+          <p:cNvSpPr/>
+          <p:nvPr/>
+        </p:nvSpPr>
+        <p:spPr>
+          <a:xfrm>
+            <a:off x="1430813" y="3989168"/>
+            <a:ext cx="260867" cy="735976"/>
+          </a:xfrm>
+          <a:prstGeom prst="downArrow">
+            <a:avLst/>
+          </a:prstGeom>
+        </p:spPr>
+        <p:style>
+          <a:lnRef idx="2">
+            <a:schemeClr val="accent1">
+              <a:shade val="50000"/>
+            </a:schemeClr>
+          </a:lnRef>
+          <a:fillRef idx="1">
+            <a:schemeClr val="accent1"/>
+          </a:fillRef>
+          <a:effectRef idx="0">
+            <a:schemeClr val="accent1"/>
+          </a:effectRef>
+          <a:fontRef idx="minor">
+            <a:schemeClr val="lt1"/>
+          </a:fontRef>
+        </p:style>
+        <p:txBody>
+          <a:bodyPr rtlCol="0" anchor="ctr"/>
+          <a:lstStyle/>
+          <a:p>
+            <a:pPr algn="ctr"/>
+            <a:endParaRPr lang="zh-CN" altLang="en-US" dirty="0"/>
+          </a:p>
+        </p:txBody>
+      </p:sp>
     </p:spTree>
     <p:extLst>
       <p:ext uri="{BB962C8B-B14F-4D97-AF65-F5344CB8AC3E}">
@@ -8780,306 +10307,272 @@
   <p:timing>
     <p:tnLst>
       <p:par>
-        <p:cTn id="1" dur="indefinite" restart="never" nodeType="tmRoot"/>
+        <p:cTn id="1" dur="indefinite" restart="never" nodeType="tmRoot">
+          <p:childTnLst>
+            <p:seq concurrent="1" nextAc="seek">
+              <p:cTn id="2" dur="indefinite" nodeType="mainSeq">
+                <p:childTnLst>
+                  <p:par>
+                    <p:cTn id="3" fill="hold">
+                      <p:stCondLst>
+                        <p:cond delay="indefinite"/>
+                      </p:stCondLst>
+                      <p:childTnLst>
+                        <p:par>
+                          <p:cTn id="4" fill="hold">
+                            <p:stCondLst>
+                              <p:cond delay="0"/>
+                            </p:stCondLst>
+                            <p:childTnLst>
+                              <p:par>
+                                <p:cTn id="5" presetID="10" presetClass="entr" presetSubtype="0" fill="hold" grpId="0" nodeType="clickEffect">
+                                  <p:stCondLst>
+                                    <p:cond delay="0"/>
+                                  </p:stCondLst>
+                                  <p:childTnLst>
+                                    <p:set>
+                                      <p:cBhvr>
+                                        <p:cTn id="6" dur="1" fill="hold">
+                                          <p:stCondLst>
+                                            <p:cond delay="0"/>
+                                          </p:stCondLst>
+                                        </p:cTn>
+                                        <p:tgtEl>
+                                          <p:spTgt spid="3"/>
+                                        </p:tgtEl>
+                                        <p:attrNameLst>
+                                          <p:attrName>style.visibility</p:attrName>
+                                        </p:attrNameLst>
+                                      </p:cBhvr>
+                                      <p:to>
+                                        <p:strVal val="visible"/>
+                                      </p:to>
+                                    </p:set>
+                                    <p:animEffect transition="in" filter="fade">
+                                      <p:cBhvr>
+                                        <p:cTn id="7" dur="500"/>
+                                        <p:tgtEl>
+                                          <p:spTgt spid="3"/>
+                                        </p:tgtEl>
+                                      </p:cBhvr>
+                                    </p:animEffect>
+                                  </p:childTnLst>
+                                </p:cTn>
+                              </p:par>
+                            </p:childTnLst>
+                          </p:cTn>
+                        </p:par>
+                      </p:childTnLst>
+                    </p:cTn>
+                  </p:par>
+                  <p:par>
+                    <p:cTn id="8" fill="hold">
+                      <p:stCondLst>
+                        <p:cond delay="indefinite"/>
+                      </p:stCondLst>
+                      <p:childTnLst>
+                        <p:par>
+                          <p:cTn id="9" fill="hold">
+                            <p:stCondLst>
+                              <p:cond delay="0"/>
+                            </p:stCondLst>
+                            <p:childTnLst>
+                              <p:par>
+                                <p:cTn id="10" presetID="2" presetClass="entr" presetSubtype="4" fill="hold" grpId="0" nodeType="clickEffect">
+                                  <p:stCondLst>
+                                    <p:cond delay="0"/>
+                                  </p:stCondLst>
+                                  <p:childTnLst>
+                                    <p:set>
+                                      <p:cBhvr>
+                                        <p:cTn id="11" dur="1" fill="hold">
+                                          <p:stCondLst>
+                                            <p:cond delay="0"/>
+                                          </p:stCondLst>
+                                        </p:cTn>
+                                        <p:tgtEl>
+                                          <p:spTgt spid="5"/>
+                                        </p:tgtEl>
+                                        <p:attrNameLst>
+                                          <p:attrName>style.visibility</p:attrName>
+                                        </p:attrNameLst>
+                                      </p:cBhvr>
+                                      <p:to>
+                                        <p:strVal val="visible"/>
+                                      </p:to>
+                                    </p:set>
+                                    <p:anim calcmode="lin" valueType="num">
+                                      <p:cBhvr additive="base">
+                                        <p:cTn id="12" dur="500" fill="hold"/>
+                                        <p:tgtEl>
+                                          <p:spTgt spid="5"/>
+                                        </p:tgtEl>
+                                        <p:attrNameLst>
+                                          <p:attrName>ppt_x</p:attrName>
+                                        </p:attrNameLst>
+                                      </p:cBhvr>
+                                      <p:tavLst>
+                                        <p:tav tm="0">
+                                          <p:val>
+                                            <p:strVal val="#ppt_x"/>
+                                          </p:val>
+                                        </p:tav>
+                                        <p:tav tm="100000">
+                                          <p:val>
+                                            <p:strVal val="#ppt_x"/>
+                                          </p:val>
+                                        </p:tav>
+                                      </p:tavLst>
+                                    </p:anim>
+                                    <p:anim calcmode="lin" valueType="num">
+                                      <p:cBhvr additive="base">
+                                        <p:cTn id="13" dur="500" fill="hold"/>
+                                        <p:tgtEl>
+                                          <p:spTgt spid="5"/>
+                                        </p:tgtEl>
+                                        <p:attrNameLst>
+                                          <p:attrName>ppt_y</p:attrName>
+                                        </p:attrNameLst>
+                                      </p:cBhvr>
+                                      <p:tavLst>
+                                        <p:tav tm="0">
+                                          <p:val>
+                                            <p:strVal val="1+#ppt_h/2"/>
+                                          </p:val>
+                                        </p:tav>
+                                        <p:tav tm="100000">
+                                          <p:val>
+                                            <p:strVal val="#ppt_y"/>
+                                          </p:val>
+                                        </p:tav>
+                                      </p:tavLst>
+                                    </p:anim>
+                                  </p:childTnLst>
+                                </p:cTn>
+                              </p:par>
+                            </p:childTnLst>
+                          </p:cTn>
+                        </p:par>
+                      </p:childTnLst>
+                    </p:cTn>
+                  </p:par>
+                  <p:par>
+                    <p:cTn id="14" fill="hold">
+                      <p:stCondLst>
+                        <p:cond delay="indefinite"/>
+                      </p:stCondLst>
+                      <p:childTnLst>
+                        <p:par>
+                          <p:cTn id="15" fill="hold">
+                            <p:stCondLst>
+                              <p:cond delay="0"/>
+                            </p:stCondLst>
+                            <p:childTnLst>
+                              <p:par>
+                                <p:cTn id="16" presetID="2" presetClass="entr" presetSubtype="4" fill="hold" grpId="0" nodeType="clickEffect">
+                                  <p:stCondLst>
+                                    <p:cond delay="0"/>
+                                  </p:stCondLst>
+                                  <p:childTnLst>
+                                    <p:set>
+                                      <p:cBhvr>
+                                        <p:cTn id="17" dur="1" fill="hold">
+                                          <p:stCondLst>
+                                            <p:cond delay="0"/>
+                                          </p:stCondLst>
+                                        </p:cTn>
+                                        <p:tgtEl>
+                                          <p:spTgt spid="4"/>
+                                        </p:tgtEl>
+                                        <p:attrNameLst>
+                                          <p:attrName>style.visibility</p:attrName>
+                                        </p:attrNameLst>
+                                      </p:cBhvr>
+                                      <p:to>
+                                        <p:strVal val="visible"/>
+                                      </p:to>
+                                    </p:set>
+                                    <p:anim calcmode="lin" valueType="num">
+                                      <p:cBhvr additive="base">
+                                        <p:cTn id="18" dur="500" fill="hold"/>
+                                        <p:tgtEl>
+                                          <p:spTgt spid="4"/>
+                                        </p:tgtEl>
+                                        <p:attrNameLst>
+                                          <p:attrName>ppt_x</p:attrName>
+                                        </p:attrNameLst>
+                                      </p:cBhvr>
+                                      <p:tavLst>
+                                        <p:tav tm="0">
+                                          <p:val>
+                                            <p:strVal val="#ppt_x"/>
+                                          </p:val>
+                                        </p:tav>
+                                        <p:tav tm="100000">
+                                          <p:val>
+                                            <p:strVal val="#ppt_x"/>
+                                          </p:val>
+                                        </p:tav>
+                                      </p:tavLst>
+                                    </p:anim>
+                                    <p:anim calcmode="lin" valueType="num">
+                                      <p:cBhvr additive="base">
+                                        <p:cTn id="19" dur="500" fill="hold"/>
+                                        <p:tgtEl>
+                                          <p:spTgt spid="4"/>
+                                        </p:tgtEl>
+                                        <p:attrNameLst>
+                                          <p:attrName>ppt_y</p:attrName>
+                                        </p:attrNameLst>
+                                      </p:cBhvr>
+                                      <p:tavLst>
+                                        <p:tav tm="0">
+                                          <p:val>
+                                            <p:strVal val="1+#ppt_h/2"/>
+                                          </p:val>
+                                        </p:tav>
+                                        <p:tav tm="100000">
+                                          <p:val>
+                                            <p:strVal val="#ppt_y"/>
+                                          </p:val>
+                                        </p:tav>
+                                      </p:tavLst>
+                                    </p:anim>
+                                  </p:childTnLst>
+                                </p:cTn>
+                              </p:par>
+                            </p:childTnLst>
+                          </p:cTn>
+                        </p:par>
+                      </p:childTnLst>
+                    </p:cTn>
+                  </p:par>
+                </p:childTnLst>
+              </p:cTn>
+              <p:prevCondLst>
+                <p:cond evt="onPrev" delay="0">
+                  <p:tgtEl>
+                    <p:sldTgt/>
+                  </p:tgtEl>
+                </p:cond>
+              </p:prevCondLst>
+              <p:nextCondLst>
+                <p:cond evt="onNext" delay="0">
+                  <p:tgtEl>
+                    <p:sldTgt/>
+                  </p:tgtEl>
+                </p:cond>
+              </p:nextCondLst>
+            </p:seq>
+          </p:childTnLst>
+        </p:cTn>
       </p:par>
     </p:tnLst>
-  </p:timing>
-</p:sld>
-</file>
-
-<file path=ppt/slides/slide18.xml><?xml version="1.0" encoding="utf-8"?>
-<p:sld xmlns:a="http://schemas.openxmlformats.org/drawingml/2006/main" xmlns:r="http://schemas.openxmlformats.org/officeDocument/2006/relationships" xmlns:p="http://schemas.openxmlformats.org/presentationml/2006/main">
-  <p:cSld>
-    <p:spTree>
-      <p:nvGrpSpPr>
-        <p:cNvPr id="1" name=""/>
-        <p:cNvGrpSpPr/>
-        <p:nvPr/>
-      </p:nvGrpSpPr>
-      <p:grpSpPr>
-        <a:xfrm>
-          <a:off x="0" y="0"/>
-          <a:ext cx="0" cy="0"/>
-          <a:chOff x="0" y="0"/>
-          <a:chExt cx="0" cy="0"/>
-        </a:xfrm>
-      </p:grpSpPr>
-      <p:sp>
-        <p:nvSpPr>
-          <p:cNvPr id="2" name="标题 1"/>
-          <p:cNvSpPr>
-            <a:spLocks noGrp="1"/>
-          </p:cNvSpPr>
-          <p:nvPr>
-            <p:ph type="title"/>
-          </p:nvPr>
-        </p:nvSpPr>
-        <p:spPr>
-          <a:xfrm>
-            <a:off x="2627784" y="5742384"/>
-            <a:ext cx="6512511" cy="1143000"/>
-          </a:xfrm>
-        </p:spPr>
-        <p:txBody>
-          <a:bodyPr/>
-          <a:lstStyle/>
-          <a:p>
-            <a:r>
-              <a:rPr lang="zh-CN" altLang="en-US" smtClean="0"/>
-              <a:t>特征提取关键</a:t>
-            </a:r>
-            <a:r>
-              <a:rPr lang="zh-CN" altLang="en-US" dirty="0" smtClean="0"/>
-              <a:t>技术</a:t>
-            </a:r>
-            <a:endParaRPr lang="zh-CN" altLang="en-US" dirty="0"/>
-          </a:p>
-        </p:txBody>
-      </p:sp>
-      <p:sp>
-        <p:nvSpPr>
-          <p:cNvPr id="8" name="左大括号 7"/>
-          <p:cNvSpPr/>
-          <p:nvPr/>
-        </p:nvSpPr>
-        <p:spPr>
-          <a:xfrm>
-            <a:off x="2995273" y="2348880"/>
-            <a:ext cx="396044" cy="1903566"/>
-          </a:xfrm>
-          <a:prstGeom prst="leftBrace">
-            <a:avLst/>
-          </a:prstGeom>
-        </p:spPr>
-        <p:style>
-          <a:lnRef idx="1">
-            <a:schemeClr val="accent1"/>
-          </a:lnRef>
-          <a:fillRef idx="0">
-            <a:schemeClr val="accent1"/>
-          </a:fillRef>
-          <a:effectRef idx="0">
-            <a:schemeClr val="accent1"/>
-          </a:effectRef>
-          <a:fontRef idx="minor">
-            <a:schemeClr val="tx1"/>
-          </a:fontRef>
-        </p:style>
-        <p:txBody>
-          <a:bodyPr rtlCol="0" anchor="ctr"/>
-          <a:lstStyle/>
-          <a:p>
-            <a:pPr algn="ctr"/>
-            <a:endParaRPr lang="zh-CN" altLang="en-US"/>
-          </a:p>
-        </p:txBody>
-      </p:sp>
-      <p:sp>
-        <p:nvSpPr>
-          <p:cNvPr id="9" name="TextBox 8"/>
-          <p:cNvSpPr txBox="1"/>
-          <p:nvPr/>
-        </p:nvSpPr>
-        <p:spPr>
-          <a:xfrm>
-            <a:off x="3369643" y="2122970"/>
-            <a:ext cx="2749471" cy="400110"/>
-          </a:xfrm>
-          <a:prstGeom prst="rect">
-            <a:avLst/>
-          </a:prstGeom>
-          <a:noFill/>
-        </p:spPr>
-        <p:txBody>
-          <a:bodyPr wrap="none" rtlCol="0">
-            <a:spAutoFit/>
-          </a:bodyPr>
-          <a:lstStyle/>
-          <a:p>
-            <a:r>
-              <a:rPr lang="zh-CN" altLang="en-US" sz="2000" dirty="0" smtClean="0"/>
-              <a:t>颜色特征：颜色直方图</a:t>
-            </a:r>
-            <a:endParaRPr lang="zh-CN" altLang="en-US" sz="2000" dirty="0"/>
-          </a:p>
-        </p:txBody>
-      </p:sp>
-      <p:sp>
-        <p:nvSpPr>
-          <p:cNvPr id="10" name="矩形 9"/>
-          <p:cNvSpPr/>
-          <p:nvPr/>
-        </p:nvSpPr>
-        <p:spPr>
-          <a:xfrm>
-            <a:off x="3339733" y="2627026"/>
-            <a:ext cx="2539157" cy="400110"/>
-          </a:xfrm>
-          <a:prstGeom prst="rect">
-            <a:avLst/>
-          </a:prstGeom>
-        </p:spPr>
-        <p:txBody>
-          <a:bodyPr wrap="none">
-            <a:spAutoFit/>
-          </a:bodyPr>
-          <a:lstStyle/>
-          <a:p>
-            <a:pPr marL="45720" indent="0">
-              <a:buNone/>
-            </a:pPr>
-            <a:r>
-              <a:rPr lang="zh-CN" altLang="en-US" sz="2000" dirty="0" smtClean="0"/>
-              <a:t>运动方向：轨迹跟踪</a:t>
-            </a:r>
-            <a:endParaRPr lang="en-US" altLang="zh-CN" sz="2000" dirty="0"/>
-          </a:p>
-        </p:txBody>
-      </p:sp>
-      <p:sp>
-        <p:nvSpPr>
-          <p:cNvPr id="11" name="矩形 10"/>
-          <p:cNvSpPr/>
-          <p:nvPr/>
-        </p:nvSpPr>
-        <p:spPr>
-          <a:xfrm>
-            <a:off x="3341767" y="3121790"/>
-            <a:ext cx="4591000" cy="400110"/>
-          </a:xfrm>
-          <a:prstGeom prst="rect">
-            <a:avLst/>
-          </a:prstGeom>
-        </p:spPr>
-        <p:txBody>
-          <a:bodyPr wrap="none">
-            <a:spAutoFit/>
-          </a:bodyPr>
-          <a:lstStyle/>
-          <a:p>
-            <a:pPr marL="45720" indent="0">
-              <a:buNone/>
-            </a:pPr>
-            <a:r>
-              <a:rPr lang="zh-CN" altLang="en-US" sz="2000" dirty="0" smtClean="0"/>
-              <a:t>目标类型：行人分类器和车辆分类器等</a:t>
-            </a:r>
-            <a:endParaRPr lang="en-US" altLang="zh-CN" sz="2000" dirty="0"/>
-          </a:p>
-        </p:txBody>
-      </p:sp>
-      <p:sp>
-        <p:nvSpPr>
-          <p:cNvPr id="12" name="矩形 11"/>
-          <p:cNvSpPr/>
-          <p:nvPr/>
-        </p:nvSpPr>
-        <p:spPr>
-          <a:xfrm>
-            <a:off x="3318209" y="3521900"/>
-            <a:ext cx="2539157" cy="400110"/>
-          </a:xfrm>
-          <a:prstGeom prst="rect">
-            <a:avLst/>
-          </a:prstGeom>
-        </p:spPr>
-        <p:txBody>
-          <a:bodyPr wrap="none">
-            <a:spAutoFit/>
-          </a:bodyPr>
-          <a:lstStyle/>
-          <a:p>
-            <a:pPr marL="45720" indent="0">
-              <a:buNone/>
-            </a:pPr>
-            <a:r>
-              <a:rPr lang="zh-CN" altLang="en-US" sz="2000" dirty="0" smtClean="0"/>
-              <a:t>入侵区域：轨迹跟踪</a:t>
-            </a:r>
-            <a:endParaRPr lang="en-US" altLang="zh-CN" sz="2000" dirty="0"/>
-          </a:p>
-        </p:txBody>
-      </p:sp>
-      <p:sp>
-        <p:nvSpPr>
-          <p:cNvPr id="13" name="矩形 12"/>
-          <p:cNvSpPr/>
-          <p:nvPr/>
-        </p:nvSpPr>
-        <p:spPr>
-          <a:xfrm>
-            <a:off x="3353279" y="4067780"/>
-            <a:ext cx="1256754" cy="400110"/>
-          </a:xfrm>
-          <a:prstGeom prst="rect">
-            <a:avLst/>
-          </a:prstGeom>
-        </p:spPr>
-        <p:txBody>
-          <a:bodyPr wrap="none">
-            <a:spAutoFit/>
-          </a:bodyPr>
-          <a:lstStyle/>
-          <a:p>
-            <a:pPr marL="45720" indent="0">
-              <a:buNone/>
-            </a:pPr>
-            <a:r>
-              <a:rPr lang="zh-CN" altLang="en-US" sz="2000" dirty="0" smtClean="0"/>
-              <a:t>形状大小</a:t>
-            </a:r>
-            <a:endParaRPr lang="en-US" altLang="zh-CN" sz="2000" dirty="0"/>
-          </a:p>
-        </p:txBody>
-      </p:sp>
-      <p:sp>
-        <p:nvSpPr>
-          <p:cNvPr id="15" name="矩形 14"/>
-          <p:cNvSpPr/>
-          <p:nvPr/>
-        </p:nvSpPr>
-        <p:spPr>
-          <a:xfrm>
-            <a:off x="1547664" y="3068960"/>
-            <a:ext cx="1461939" cy="461665"/>
-          </a:xfrm>
-          <a:prstGeom prst="rect">
-            <a:avLst/>
-          </a:prstGeom>
-        </p:spPr>
-        <p:txBody>
-          <a:bodyPr wrap="none">
-            <a:spAutoFit/>
-          </a:bodyPr>
-          <a:lstStyle/>
-          <a:p>
-            <a:pPr marL="45720" indent="0">
-              <a:buNone/>
-            </a:pPr>
-            <a:r>
-              <a:rPr lang="zh-CN" altLang="en-US" sz="2400" dirty="0" smtClean="0"/>
-              <a:t>特征查找</a:t>
-            </a:r>
-            <a:endParaRPr lang="en-US" altLang="zh-CN" sz="2400" dirty="0"/>
-          </a:p>
-        </p:txBody>
-      </p:sp>
-    </p:spTree>
-    <p:extLst>
-      <p:ext uri="{BB962C8B-B14F-4D97-AF65-F5344CB8AC3E}">
-        <p14:creationId xmlns:p14="http://schemas.microsoft.com/office/powerpoint/2010/main" val="412558560"/>
-      </p:ext>
-    </p:extLst>
-  </p:cSld>
-  <p:clrMapOvr>
-    <a:masterClrMapping/>
-  </p:clrMapOvr>
-  <p:timing>
-    <p:tnLst>
-      <p:par>
-        <p:cTn id="1" dur="indefinite" restart="never" nodeType="tmRoot"/>
-      </p:par>
-    </p:tnLst>
+    <p:bldLst>
+      <p:bldP spid="3" grpId="0"/>
+      <p:bldP spid="4" grpId="0"/>
+      <p:bldP spid="5" grpId="0" animBg="1"/>
+    </p:bldLst>
   </p:timing>
 </p:sld>
 </file>
@@ -9113,8 +10606,8 @@
         </p:nvSpPr>
         <p:spPr>
           <a:xfrm>
-            <a:off x="2595993" y="5742384"/>
-            <a:ext cx="6512511" cy="1143000"/>
+            <a:off x="1475656" y="5742684"/>
+            <a:ext cx="7674242" cy="1143000"/>
           </a:xfrm>
         </p:spPr>
         <p:txBody>
@@ -9123,76 +10616,22 @@
           <a:p>
             <a:r>
               <a:rPr lang="zh-CN" altLang="en-US" dirty="0" smtClean="0"/>
-              <a:t>特征提取技术路线</a:t>
+              <a:t>形态学处理与运动点团提取</a:t>
             </a:r>
             <a:endParaRPr lang="zh-CN" altLang="en-US" dirty="0"/>
           </a:p>
         </p:txBody>
       </p:sp>
-      <p:pic>
-        <p:nvPicPr>
-          <p:cNvPr id="1026" name="Picture 2"/>
-          <p:cNvPicPr>
-            <a:picLocks noChangeAspect="1" noChangeArrowheads="1"/>
-          </p:cNvPicPr>
-          <p:nvPr/>
-        </p:nvPicPr>
-        <p:blipFill>
-          <a:blip r:embed="rId2">
-            <a:extLst>
-              <a:ext uri="{28A0092B-C50C-407E-A947-70E740481C1C}">
-                <a14:useLocalDpi xmlns:a14="http://schemas.microsoft.com/office/drawing/2010/main" val="0"/>
-              </a:ext>
-            </a:extLst>
-          </a:blip>
-          <a:srcRect/>
-          <a:stretch>
-            <a:fillRect/>
-          </a:stretch>
-        </p:blipFill>
-        <p:spPr bwMode="auto">
-          <a:xfrm>
-            <a:off x="4352900" y="7494"/>
-            <a:ext cx="2019300" cy="5200650"/>
-          </a:xfrm>
-          <a:prstGeom prst="rect">
-            <a:avLst/>
-          </a:prstGeom>
-          <a:noFill/>
-          <a:ln>
-            <a:noFill/>
-          </a:ln>
-          <a:extLst>
-            <a:ext uri="{909E8E84-426E-40DD-AFC4-6F175D3DCCD1}">
-              <a14:hiddenFill xmlns:a14="http://schemas.microsoft.com/office/drawing/2010/main">
-                <a:solidFill>
-                  <a:schemeClr val="accent1"/>
-                </a:solidFill>
-              </a14:hiddenFill>
-            </a:ext>
-            <a:ext uri="{91240B29-F687-4F45-9708-019B960494DF}">
-              <a14:hiddenLine xmlns:a14="http://schemas.microsoft.com/office/drawing/2010/main" w="9525">
-                <a:solidFill>
-                  <a:schemeClr val="tx1"/>
-                </a:solidFill>
-                <a:miter lim="800000"/>
-                <a:headEnd/>
-                <a:tailEnd/>
-              </a14:hiddenLine>
-            </a:ext>
-          </a:extLst>
-        </p:spPr>
-      </p:pic>
       <p:sp>
         <p:nvSpPr>
-          <p:cNvPr id="3" name="TextBox 2"/>
+          <p:cNvPr id="7" name="TextBox 6"/>
           <p:cNvSpPr txBox="1"/>
           <p:nvPr/>
         </p:nvSpPr>
         <p:spPr>
           <a:xfrm>
-            <a:off x="2404209" y="548680"/>
-            <a:ext cx="1015663" cy="4392488"/>
+            <a:off x="2627784" y="836712"/>
+            <a:ext cx="3262432" cy="400110"/>
           </a:xfrm>
           <a:prstGeom prst="rect">
             <a:avLst/>
@@ -9200,23 +10639,53 @@
           <a:noFill/>
         </p:spPr>
         <p:txBody>
-          <a:bodyPr vert="eaVert" wrap="square" rtlCol="0">
+          <a:bodyPr wrap="none" rtlCol="0">
             <a:spAutoFit/>
           </a:bodyPr>
           <a:lstStyle/>
           <a:p>
             <a:r>
-              <a:rPr lang="zh-CN" altLang="en-US" dirty="0"/>
-              <a:t>基于视频摘要的视频信息检索，只需要对视频有意义的部分进行检索操作，将大大缩小视频特征处理的时间。</a:t>
+              <a:rPr lang="zh-CN" altLang="en-US" sz="2000" dirty="0" smtClean="0"/>
+              <a:t>形态学闭操作：膨胀后腐蚀</a:t>
             </a:r>
-            <a:endParaRPr lang="en-US" altLang="zh-CN" dirty="0"/>
+            <a:endParaRPr lang="zh-CN" altLang="en-US" sz="2000" dirty="0"/>
+          </a:p>
+        </p:txBody>
+      </p:sp>
+      <p:sp>
+        <p:nvSpPr>
+          <p:cNvPr id="8" name="TextBox 7"/>
+          <p:cNvSpPr txBox="1"/>
+          <p:nvPr/>
+        </p:nvSpPr>
+        <p:spPr>
+          <a:xfrm>
+            <a:off x="2608894" y="1916832"/>
+            <a:ext cx="2954655" cy="400110"/>
+          </a:xfrm>
+          <a:prstGeom prst="rect">
+            <a:avLst/>
+          </a:prstGeom>
+          <a:noFill/>
+        </p:spPr>
+        <p:txBody>
+          <a:bodyPr wrap="square" rtlCol="0">
+            <a:spAutoFit/>
+          </a:bodyPr>
+          <a:lstStyle/>
+          <a:p>
+            <a:r>
+              <a:rPr lang="zh-CN" altLang="en-US" sz="2000" dirty="0" smtClean="0"/>
+              <a:t>线段编码检测连通区域</a:t>
+            </a:r>
+            <a:endParaRPr lang="zh-CN" altLang="en-US" sz="2000" dirty="0"/>
           </a:p>
         </p:txBody>
       </p:sp>
     </p:spTree>
     <p:extLst>
       <p:ext uri="{BB962C8B-B14F-4D97-AF65-F5344CB8AC3E}">
-        <p14:creationId xmlns:p14="http://schemas.microsoft.com/office/powerpoint/2010/main" val="1037395504"/>
+        <p14:creationId xmlns:p14="http://schemas.microsoft.com/office/powerpoint/2010/main" val="439102851"/>
       </p:ext>
     </p:extLst>
   </p:cSld>
@@ -9859,8 +11328,8 @@
         </p:nvSpPr>
         <p:spPr>
           <a:xfrm>
-            <a:off x="2627784" y="5742384"/>
-            <a:ext cx="6512511" cy="1143000"/>
+            <a:off x="5004048" y="5715000"/>
+            <a:ext cx="4139952" cy="1143000"/>
           </a:xfrm>
         </p:spPr>
         <p:txBody>
@@ -9869,109 +11338,2366 @@
           <a:p>
             <a:r>
               <a:rPr lang="zh-CN" altLang="en-US" dirty="0" smtClean="0"/>
-              <a:t>技术难点</a:t>
+              <a:t>运动点团提取</a:t>
             </a:r>
             <a:endParaRPr lang="zh-CN" altLang="en-US" dirty="0"/>
           </a:p>
         </p:txBody>
       </p:sp>
-      <p:sp>
-        <p:nvSpPr>
-          <p:cNvPr id="3" name="内容占位符 2"/>
-          <p:cNvSpPr>
-            <a:spLocks noGrp="1"/>
-          </p:cNvSpPr>
-          <p:nvPr>
-            <p:ph sz="quarter" idx="13"/>
-          </p:nvPr>
-        </p:nvSpPr>
-        <p:spPr/>
-        <p:txBody>
-          <a:bodyPr>
-            <a:normAutofit fontScale="92500"/>
-          </a:bodyPr>
-          <a:lstStyle/>
-          <a:p>
-            <a:r>
-              <a:rPr lang="zh-CN" altLang="en-US" dirty="0" smtClean="0"/>
-              <a:t>运动对象的复杂性</a:t>
-            </a:r>
-            <a:endParaRPr lang="en-US" altLang="zh-CN" dirty="0" smtClean="0"/>
-          </a:p>
-          <a:p>
-            <a:pPr marL="45720" indent="0">
-              <a:buNone/>
-            </a:pPr>
-            <a:r>
-              <a:rPr lang="en-US" altLang="zh-CN" dirty="0"/>
-              <a:t> </a:t>
-            </a:r>
-            <a:r>
-              <a:rPr lang="en-US" altLang="zh-CN" dirty="0" smtClean="0"/>
-              <a:t>  </a:t>
-            </a:r>
-            <a:r>
-              <a:rPr lang="zh-CN" altLang="en-US" dirty="0" smtClean="0"/>
-              <a:t>运动对象太多，太杂会对跟踪造成很大的影响，具体表现为当两个运动对象有交错重叠的时候应该如何区分。</a:t>
-            </a:r>
-            <a:endParaRPr lang="en-US" altLang="zh-CN" dirty="0" smtClean="0"/>
-          </a:p>
-          <a:p>
-            <a:r>
-              <a:rPr lang="zh-CN" altLang="en-US" dirty="0" smtClean="0"/>
-              <a:t>场景的复杂性</a:t>
-            </a:r>
-            <a:endParaRPr lang="en-US" altLang="zh-CN" dirty="0" smtClean="0"/>
-          </a:p>
-          <a:p>
-            <a:pPr marL="45720" indent="0">
-              <a:buNone/>
-            </a:pPr>
-            <a:r>
-              <a:rPr lang="en-US" altLang="zh-CN" dirty="0"/>
-              <a:t> </a:t>
-            </a:r>
-            <a:r>
-              <a:rPr lang="en-US" altLang="zh-CN" dirty="0" smtClean="0"/>
-              <a:t>  </a:t>
-            </a:r>
-            <a:r>
-              <a:rPr lang="zh-CN" altLang="en-US" dirty="0" smtClean="0"/>
-              <a:t>背景因素的干扰会对运动物体检测造成一定的影响，比如下雨天的雨点，随风摇摆的树枝等。</a:t>
-            </a:r>
-            <a:endParaRPr lang="en-US" altLang="zh-CN" dirty="0" smtClean="0"/>
-          </a:p>
-          <a:p>
-            <a:r>
-              <a:rPr lang="zh-CN" altLang="en-US" dirty="0" smtClean="0"/>
-              <a:t>监控视频色彩失真</a:t>
-            </a:r>
-            <a:endParaRPr lang="en-US" altLang="zh-CN" dirty="0" smtClean="0"/>
-          </a:p>
-          <a:p>
-            <a:pPr marL="45720" indent="0">
-              <a:buNone/>
-            </a:pPr>
-            <a:r>
-              <a:rPr lang="en-US" altLang="zh-CN" dirty="0"/>
-              <a:t> </a:t>
-            </a:r>
-            <a:r>
-              <a:rPr lang="en-US" altLang="zh-CN" dirty="0" smtClean="0"/>
-              <a:t>  </a:t>
-            </a:r>
-            <a:r>
-              <a:rPr lang="zh-CN" altLang="en-US" dirty="0" smtClean="0"/>
-              <a:t>监控摄像头拍摄的画面可能会有些许颜色失真，会对事件的特征分析带来一定影响。</a:t>
-            </a:r>
-            <a:endParaRPr lang="zh-CN" altLang="en-US" dirty="0"/>
-          </a:p>
-        </p:txBody>
-      </p:sp>
+      <p:grpSp>
+        <p:nvGrpSpPr>
+          <p:cNvPr id="26" name="画布 10"/>
+          <p:cNvGrpSpPr/>
+          <p:nvPr/>
+        </p:nvGrpSpPr>
+        <p:grpSpPr>
+          <a:xfrm>
+            <a:off x="1534191" y="159064"/>
+            <a:ext cx="6424611" cy="5138075"/>
+            <a:chOff x="0" y="0"/>
+            <a:chExt cx="5276850" cy="4180500"/>
+          </a:xfrm>
+        </p:grpSpPr>
+        <p:sp>
+          <p:nvSpPr>
+            <p:cNvPr id="28" name="矩形 27"/>
+            <p:cNvSpPr/>
+            <p:nvPr/>
+          </p:nvSpPr>
+          <p:spPr>
+            <a:xfrm>
+              <a:off x="0" y="0"/>
+              <a:ext cx="2581275" cy="1800225"/>
+            </a:xfrm>
+            <a:prstGeom prst="rect">
+              <a:avLst/>
+            </a:prstGeom>
+            <a:noFill/>
+            <a:ln w="19050" cap="flat" cmpd="sng" algn="ctr">
+              <a:solidFill>
+                <a:sysClr val="windowText" lastClr="000000"/>
+              </a:solidFill>
+              <a:prstDash val="solid"/>
+            </a:ln>
+            <a:effectLst/>
+          </p:spPr>
+          <p:txBody>
+            <a:bodyPr rot="0" spcFirstLastPara="0" vert="horz" wrap="square" lIns="91440" tIns="45720" rIns="91440" bIns="45720" numCol="1" spcCol="0" rtlCol="0" fromWordArt="0" anchor="ctr" anchorCtr="0" forceAA="0" compatLnSpc="1">
+              <a:prstTxWarp prst="textNoShape">
+                <a:avLst/>
+              </a:prstTxWarp>
+              <a:noAutofit/>
+            </a:bodyPr>
+            <a:lstStyle/>
+            <a:p>
+              <a:pPr marL="0" marR="0" lvl="0" indent="0" defTabSz="914400" eaLnBrk="1" fontAlgn="auto" latinLnBrk="0" hangingPunct="1">
+                <a:lnSpc>
+                  <a:spcPct val="100000"/>
+                </a:lnSpc>
+                <a:spcBef>
+                  <a:spcPts val="0"/>
+                </a:spcBef>
+                <a:spcAft>
+                  <a:spcPts val="0"/>
+                </a:spcAft>
+                <a:buClrTx/>
+                <a:buSzTx/>
+                <a:buFontTx/>
+                <a:buNone/>
+                <a:tabLst/>
+                <a:defRPr/>
+              </a:pPr>
+              <a:endParaRPr kumimoji="0" lang="zh-CN" altLang="en-US" sz="1800" b="0" i="0" u="none" strike="noStrike" kern="0" cap="none" spc="0" normalizeH="0" baseline="0" noProof="0">
+                <a:ln>
+                  <a:noFill/>
+                </a:ln>
+                <a:solidFill>
+                  <a:sysClr val="window" lastClr="FFFFFF"/>
+                </a:solidFill>
+                <a:effectLst/>
+                <a:uLnTx/>
+                <a:uFillTx/>
+                <a:latin typeface="Calibri"/>
+                <a:ea typeface="宋体"/>
+              </a:endParaRPr>
+            </a:p>
+          </p:txBody>
+        </p:sp>
+        <p:sp>
+          <p:nvSpPr>
+            <p:cNvPr id="29" name="矩形 28"/>
+            <p:cNvSpPr/>
+            <p:nvPr/>
+          </p:nvSpPr>
+          <p:spPr>
+            <a:xfrm>
+              <a:off x="342900" y="266700"/>
+              <a:ext cx="523875" cy="514349"/>
+            </a:xfrm>
+            <a:prstGeom prst="rect">
+              <a:avLst/>
+            </a:prstGeom>
+            <a:noFill/>
+            <a:ln w="25400" cap="flat" cmpd="sng" algn="ctr">
+              <a:solidFill>
+                <a:sysClr val="windowText" lastClr="000000"/>
+              </a:solidFill>
+              <a:prstDash val="dash"/>
+            </a:ln>
+            <a:effectLst/>
+          </p:spPr>
+          <p:txBody>
+            <a:bodyPr rot="0" spcFirstLastPara="0" vert="horz" wrap="square" lIns="91440" tIns="45720" rIns="91440" bIns="45720" numCol="1" spcCol="0" rtlCol="0" fromWordArt="0" anchor="ctr" anchorCtr="0" forceAA="0" compatLnSpc="1">
+              <a:prstTxWarp prst="textNoShape">
+                <a:avLst/>
+              </a:prstTxWarp>
+              <a:noAutofit/>
+            </a:bodyPr>
+            <a:lstStyle/>
+            <a:p>
+              <a:pPr marL="0" marR="0" lvl="0" indent="0" defTabSz="914400" eaLnBrk="1" fontAlgn="auto" latinLnBrk="0" hangingPunct="1">
+                <a:lnSpc>
+                  <a:spcPct val="100000"/>
+                </a:lnSpc>
+                <a:spcBef>
+                  <a:spcPts val="0"/>
+                </a:spcBef>
+                <a:spcAft>
+                  <a:spcPts val="0"/>
+                </a:spcAft>
+                <a:buClrTx/>
+                <a:buSzTx/>
+                <a:buFontTx/>
+                <a:buNone/>
+                <a:tabLst/>
+                <a:defRPr/>
+              </a:pPr>
+              <a:endParaRPr kumimoji="0" lang="zh-CN" altLang="en-US" sz="1800" b="0" i="0" u="none" strike="noStrike" kern="0" cap="none" spc="0" normalizeH="0" baseline="0" noProof="0">
+                <a:ln>
+                  <a:noFill/>
+                </a:ln>
+                <a:solidFill>
+                  <a:sysClr val="window" lastClr="FFFFFF"/>
+                </a:solidFill>
+                <a:effectLst/>
+                <a:uLnTx/>
+                <a:uFillTx/>
+                <a:latin typeface="Calibri"/>
+                <a:ea typeface="宋体"/>
+              </a:endParaRPr>
+            </a:p>
+          </p:txBody>
+        </p:sp>
+        <p:sp>
+          <p:nvSpPr>
+            <p:cNvPr id="30" name="矩形 29"/>
+            <p:cNvSpPr/>
+            <p:nvPr/>
+          </p:nvSpPr>
+          <p:spPr>
+            <a:xfrm>
+              <a:off x="428625" y="371473"/>
+              <a:ext cx="542925" cy="514351"/>
+            </a:xfrm>
+            <a:prstGeom prst="rect">
+              <a:avLst/>
+            </a:prstGeom>
+            <a:noFill/>
+            <a:ln w="25400" cap="flat" cmpd="sng" algn="ctr">
+              <a:solidFill>
+                <a:sysClr val="windowText" lastClr="000000"/>
+              </a:solidFill>
+              <a:prstDash val="solid"/>
+            </a:ln>
+            <a:effectLst/>
+          </p:spPr>
+          <p:txBody>
+            <a:bodyPr rot="0" spcFirstLastPara="0" vert="horz" wrap="square" lIns="91440" tIns="45720" rIns="91440" bIns="45720" numCol="1" spcCol="0" rtlCol="0" fromWordArt="0" anchor="ctr" anchorCtr="0" forceAA="0" compatLnSpc="1">
+              <a:prstTxWarp prst="textNoShape">
+                <a:avLst/>
+              </a:prstTxWarp>
+              <a:noAutofit/>
+            </a:bodyPr>
+            <a:lstStyle/>
+            <a:p>
+              <a:pPr marL="0" marR="0" lvl="0" indent="0" defTabSz="914400" eaLnBrk="1" fontAlgn="auto" latinLnBrk="0" hangingPunct="1">
+                <a:lnSpc>
+                  <a:spcPct val="100000"/>
+                </a:lnSpc>
+                <a:spcBef>
+                  <a:spcPts val="0"/>
+                </a:spcBef>
+                <a:spcAft>
+                  <a:spcPts val="0"/>
+                </a:spcAft>
+                <a:buClrTx/>
+                <a:buSzTx/>
+                <a:buFontTx/>
+                <a:buNone/>
+                <a:tabLst/>
+                <a:defRPr/>
+              </a:pPr>
+              <a:endParaRPr kumimoji="0" lang="zh-CN" altLang="en-US" sz="1800" b="0" i="0" u="none" strike="noStrike" kern="0" cap="none" spc="0" normalizeH="0" baseline="0" noProof="0">
+                <a:ln>
+                  <a:noFill/>
+                </a:ln>
+                <a:solidFill>
+                  <a:sysClr val="window" lastClr="FFFFFF"/>
+                </a:solidFill>
+                <a:effectLst/>
+                <a:uLnTx/>
+                <a:uFillTx/>
+                <a:latin typeface="Calibri"/>
+                <a:ea typeface="宋体"/>
+              </a:endParaRPr>
+            </a:p>
+          </p:txBody>
+        </p:sp>
+        <p:sp>
+          <p:nvSpPr>
+            <p:cNvPr id="31" name="矩形 30"/>
+            <p:cNvSpPr/>
+            <p:nvPr/>
+          </p:nvSpPr>
+          <p:spPr>
+            <a:xfrm>
+              <a:off x="2657475" y="0"/>
+              <a:ext cx="2619375" cy="1800225"/>
+            </a:xfrm>
+            <a:prstGeom prst="rect">
+              <a:avLst/>
+            </a:prstGeom>
+            <a:noFill/>
+            <a:ln w="19050" cap="flat" cmpd="sng" algn="ctr">
+              <a:solidFill>
+                <a:sysClr val="windowText" lastClr="000000"/>
+              </a:solidFill>
+              <a:prstDash val="solid"/>
+            </a:ln>
+            <a:effectLst/>
+          </p:spPr>
+          <p:txBody>
+            <a:bodyPr rot="0" spcFirstLastPara="0" vert="horz" wrap="square" lIns="91440" tIns="45720" rIns="91440" bIns="45720" numCol="1" spcCol="0" rtlCol="0" fromWordArt="0" anchor="ctr" anchorCtr="0" forceAA="0" compatLnSpc="1">
+              <a:prstTxWarp prst="textNoShape">
+                <a:avLst/>
+              </a:prstTxWarp>
+              <a:noAutofit/>
+            </a:bodyPr>
+            <a:lstStyle/>
+            <a:p>
+              <a:pPr marL="0" marR="0" lvl="0" indent="0" defTabSz="914400" eaLnBrk="1" fontAlgn="auto" latinLnBrk="0" hangingPunct="1">
+                <a:lnSpc>
+                  <a:spcPct val="100000"/>
+                </a:lnSpc>
+                <a:spcBef>
+                  <a:spcPts val="0"/>
+                </a:spcBef>
+                <a:spcAft>
+                  <a:spcPts val="0"/>
+                </a:spcAft>
+                <a:buClrTx/>
+                <a:buSzTx/>
+                <a:buFontTx/>
+                <a:buNone/>
+                <a:tabLst/>
+                <a:defRPr/>
+              </a:pPr>
+              <a:endParaRPr kumimoji="0" lang="zh-CN" altLang="en-US" sz="1800" b="0" i="0" u="none" strike="noStrike" kern="0" cap="none" spc="0" normalizeH="0" baseline="0" noProof="0">
+                <a:ln>
+                  <a:noFill/>
+                </a:ln>
+                <a:solidFill>
+                  <a:sysClr val="window" lastClr="FFFFFF"/>
+                </a:solidFill>
+                <a:effectLst/>
+                <a:uLnTx/>
+                <a:uFillTx/>
+                <a:latin typeface="Calibri"/>
+                <a:ea typeface="宋体"/>
+              </a:endParaRPr>
+            </a:p>
+          </p:txBody>
+        </p:sp>
+        <p:sp>
+          <p:nvSpPr>
+            <p:cNvPr id="32" name="矩形 31"/>
+            <p:cNvSpPr/>
+            <p:nvPr/>
+          </p:nvSpPr>
+          <p:spPr>
+            <a:xfrm>
+              <a:off x="3286125" y="428625"/>
+              <a:ext cx="1228725" cy="685799"/>
+            </a:xfrm>
+            <a:prstGeom prst="rect">
+              <a:avLst/>
+            </a:prstGeom>
+            <a:noFill/>
+            <a:ln w="25400" cap="flat" cmpd="sng" algn="ctr">
+              <a:solidFill>
+                <a:sysClr val="windowText" lastClr="000000"/>
+              </a:solidFill>
+              <a:prstDash val="dash"/>
+            </a:ln>
+            <a:effectLst/>
+          </p:spPr>
+          <p:txBody>
+            <a:bodyPr rot="0" spcFirstLastPara="0" vert="horz" wrap="square" lIns="91440" tIns="45720" rIns="91440" bIns="45720" numCol="1" spcCol="0" rtlCol="0" fromWordArt="0" anchor="ctr" anchorCtr="0" forceAA="0" compatLnSpc="1">
+              <a:prstTxWarp prst="textNoShape">
+                <a:avLst/>
+              </a:prstTxWarp>
+              <a:noAutofit/>
+            </a:bodyPr>
+            <a:lstStyle/>
+            <a:p>
+              <a:pPr marL="0" marR="0" lvl="0" indent="0" defTabSz="914400" eaLnBrk="1" fontAlgn="auto" latinLnBrk="0" hangingPunct="1">
+                <a:lnSpc>
+                  <a:spcPct val="100000"/>
+                </a:lnSpc>
+                <a:spcBef>
+                  <a:spcPts val="0"/>
+                </a:spcBef>
+                <a:spcAft>
+                  <a:spcPts val="0"/>
+                </a:spcAft>
+                <a:buClrTx/>
+                <a:buSzTx/>
+                <a:buFontTx/>
+                <a:buNone/>
+                <a:tabLst/>
+                <a:defRPr/>
+              </a:pPr>
+              <a:endParaRPr kumimoji="0" lang="zh-CN" altLang="en-US" sz="1800" b="0" i="0" u="none" strike="noStrike" kern="0" cap="none" spc="0" normalizeH="0" baseline="0" noProof="0">
+                <a:ln>
+                  <a:noFill/>
+                </a:ln>
+                <a:solidFill>
+                  <a:sysClr val="window" lastClr="FFFFFF"/>
+                </a:solidFill>
+                <a:effectLst/>
+                <a:uLnTx/>
+                <a:uFillTx/>
+                <a:latin typeface="Calibri"/>
+                <a:ea typeface="宋体"/>
+              </a:endParaRPr>
+            </a:p>
+          </p:txBody>
+        </p:sp>
+        <p:sp>
+          <p:nvSpPr>
+            <p:cNvPr id="33" name="矩形 32"/>
+            <p:cNvSpPr/>
+            <p:nvPr/>
+          </p:nvSpPr>
+          <p:spPr>
+            <a:xfrm>
+              <a:off x="3143251" y="561973"/>
+              <a:ext cx="666750" cy="657225"/>
+            </a:xfrm>
+            <a:prstGeom prst="rect">
+              <a:avLst/>
+            </a:prstGeom>
+            <a:noFill/>
+            <a:ln w="25400" cap="flat" cmpd="sng" algn="ctr">
+              <a:solidFill>
+                <a:sysClr val="windowText" lastClr="000000"/>
+              </a:solidFill>
+              <a:prstDash val="solid"/>
+            </a:ln>
+            <a:effectLst/>
+          </p:spPr>
+          <p:txBody>
+            <a:bodyPr rot="0" spcFirstLastPara="0" vert="horz" wrap="square" lIns="91440" tIns="45720" rIns="91440" bIns="45720" numCol="1" spcCol="0" rtlCol="0" fromWordArt="0" anchor="ctr" anchorCtr="0" forceAA="0" compatLnSpc="1">
+              <a:prstTxWarp prst="textNoShape">
+                <a:avLst/>
+              </a:prstTxWarp>
+              <a:noAutofit/>
+            </a:bodyPr>
+            <a:lstStyle/>
+            <a:p>
+              <a:pPr marL="0" marR="0" lvl="0" indent="0" defTabSz="914400" eaLnBrk="1" fontAlgn="auto" latinLnBrk="0" hangingPunct="1">
+                <a:lnSpc>
+                  <a:spcPct val="100000"/>
+                </a:lnSpc>
+                <a:spcBef>
+                  <a:spcPts val="0"/>
+                </a:spcBef>
+                <a:spcAft>
+                  <a:spcPts val="0"/>
+                </a:spcAft>
+                <a:buClrTx/>
+                <a:buSzTx/>
+                <a:buFontTx/>
+                <a:buNone/>
+                <a:tabLst/>
+                <a:defRPr/>
+              </a:pPr>
+              <a:endParaRPr kumimoji="0" lang="zh-CN" altLang="en-US" sz="1800" b="0" i="0" u="none" strike="noStrike" kern="0" cap="none" spc="0" normalizeH="0" baseline="0" noProof="0">
+                <a:ln>
+                  <a:noFill/>
+                </a:ln>
+                <a:solidFill>
+                  <a:sysClr val="window" lastClr="FFFFFF"/>
+                </a:solidFill>
+                <a:effectLst/>
+                <a:uLnTx/>
+                <a:uFillTx/>
+                <a:latin typeface="Calibri"/>
+                <a:ea typeface="宋体"/>
+              </a:endParaRPr>
+            </a:p>
+          </p:txBody>
+        </p:sp>
+        <p:sp>
+          <p:nvSpPr>
+            <p:cNvPr id="34" name="矩形 33"/>
+            <p:cNvSpPr/>
+            <p:nvPr/>
+          </p:nvSpPr>
+          <p:spPr>
+            <a:xfrm>
+              <a:off x="3933825" y="561974"/>
+              <a:ext cx="733425" cy="657225"/>
+            </a:xfrm>
+            <a:prstGeom prst="rect">
+              <a:avLst/>
+            </a:prstGeom>
+            <a:noFill/>
+            <a:ln w="25400" cap="flat" cmpd="sng" algn="ctr">
+              <a:solidFill>
+                <a:sysClr val="windowText" lastClr="000000"/>
+              </a:solidFill>
+              <a:prstDash val="solid"/>
+            </a:ln>
+            <a:effectLst/>
+          </p:spPr>
+          <p:txBody>
+            <a:bodyPr rot="0" spcFirstLastPara="0" vert="horz" wrap="square" lIns="91440" tIns="45720" rIns="91440" bIns="45720" numCol="1" spcCol="0" rtlCol="0" fromWordArt="0" anchor="ctr" anchorCtr="0" forceAA="0" compatLnSpc="1">
+              <a:prstTxWarp prst="textNoShape">
+                <a:avLst/>
+              </a:prstTxWarp>
+              <a:noAutofit/>
+            </a:bodyPr>
+            <a:lstStyle/>
+            <a:p>
+              <a:pPr marL="0" marR="0" lvl="0" indent="0" defTabSz="914400" eaLnBrk="1" fontAlgn="auto" latinLnBrk="0" hangingPunct="1">
+                <a:lnSpc>
+                  <a:spcPct val="100000"/>
+                </a:lnSpc>
+                <a:spcBef>
+                  <a:spcPts val="0"/>
+                </a:spcBef>
+                <a:spcAft>
+                  <a:spcPts val="0"/>
+                </a:spcAft>
+                <a:buClrTx/>
+                <a:buSzTx/>
+                <a:buFontTx/>
+                <a:buNone/>
+                <a:tabLst/>
+                <a:defRPr/>
+              </a:pPr>
+              <a:endParaRPr kumimoji="0" lang="zh-CN" altLang="en-US" sz="1800" b="0" i="0" u="none" strike="noStrike" kern="0" cap="none" spc="0" normalizeH="0" baseline="0" noProof="0">
+                <a:ln>
+                  <a:noFill/>
+                </a:ln>
+                <a:solidFill>
+                  <a:sysClr val="windowText" lastClr="000000"/>
+                </a:solidFill>
+                <a:effectLst/>
+                <a:uLnTx/>
+                <a:uFillTx/>
+                <a:latin typeface="Calibri"/>
+                <a:ea typeface="宋体"/>
+              </a:endParaRPr>
+            </a:p>
+          </p:txBody>
+        </p:sp>
+        <p:sp>
+          <p:nvSpPr>
+            <p:cNvPr id="35" name="矩形 34"/>
+            <p:cNvSpPr/>
+            <p:nvPr/>
+          </p:nvSpPr>
+          <p:spPr>
+            <a:xfrm>
+              <a:off x="0" y="2209799"/>
+              <a:ext cx="2581275" cy="1666876"/>
+            </a:xfrm>
+            <a:prstGeom prst="rect">
+              <a:avLst/>
+            </a:prstGeom>
+            <a:noFill/>
+            <a:ln w="19050" cap="flat" cmpd="sng" algn="ctr">
+              <a:solidFill>
+                <a:sysClr val="windowText" lastClr="000000"/>
+              </a:solidFill>
+              <a:prstDash val="solid"/>
+            </a:ln>
+            <a:effectLst/>
+          </p:spPr>
+          <p:txBody>
+            <a:bodyPr rot="0" spcFirstLastPara="0" vert="horz" wrap="square" lIns="91440" tIns="45720" rIns="91440" bIns="45720" numCol="1" spcCol="0" rtlCol="0" fromWordArt="0" anchor="ctr" anchorCtr="0" forceAA="0" compatLnSpc="1">
+              <a:prstTxWarp prst="textNoShape">
+                <a:avLst/>
+              </a:prstTxWarp>
+              <a:noAutofit/>
+            </a:bodyPr>
+            <a:lstStyle/>
+            <a:p>
+              <a:pPr marL="0" marR="0" lvl="0" indent="0" defTabSz="914400" eaLnBrk="1" fontAlgn="auto" latinLnBrk="0" hangingPunct="1">
+                <a:lnSpc>
+                  <a:spcPct val="100000"/>
+                </a:lnSpc>
+                <a:spcBef>
+                  <a:spcPts val="0"/>
+                </a:spcBef>
+                <a:spcAft>
+                  <a:spcPts val="0"/>
+                </a:spcAft>
+                <a:buClrTx/>
+                <a:buSzTx/>
+                <a:buFontTx/>
+                <a:buNone/>
+                <a:tabLst/>
+                <a:defRPr/>
+              </a:pPr>
+              <a:endParaRPr kumimoji="0" lang="zh-CN" altLang="en-US" sz="1800" b="0" i="0" u="none" strike="noStrike" kern="0" cap="none" spc="0" normalizeH="0" baseline="0" noProof="0">
+                <a:ln>
+                  <a:noFill/>
+                </a:ln>
+                <a:solidFill>
+                  <a:sysClr val="window" lastClr="FFFFFF"/>
+                </a:solidFill>
+                <a:effectLst/>
+                <a:uLnTx/>
+                <a:uFillTx/>
+                <a:latin typeface="Calibri"/>
+                <a:ea typeface="宋体"/>
+              </a:endParaRPr>
+            </a:p>
+          </p:txBody>
+        </p:sp>
+        <p:sp>
+          <p:nvSpPr>
+            <p:cNvPr id="36" name="矩形 35"/>
+            <p:cNvSpPr/>
+            <p:nvPr/>
+          </p:nvSpPr>
+          <p:spPr>
+            <a:xfrm>
+              <a:off x="485775" y="2447925"/>
+              <a:ext cx="590550" cy="561975"/>
+            </a:xfrm>
+            <a:prstGeom prst="rect">
+              <a:avLst/>
+            </a:prstGeom>
+            <a:noFill/>
+            <a:ln w="25400" cap="flat" cmpd="sng" algn="ctr">
+              <a:solidFill>
+                <a:sysClr val="windowText" lastClr="000000"/>
+              </a:solidFill>
+              <a:prstDash val="dash"/>
+            </a:ln>
+            <a:effectLst/>
+          </p:spPr>
+          <p:txBody>
+            <a:bodyPr rot="0" spcFirstLastPara="0" vert="horz" wrap="square" lIns="91440" tIns="45720" rIns="91440" bIns="45720" numCol="1" spcCol="0" rtlCol="0" fromWordArt="0" anchor="ctr" anchorCtr="0" forceAA="0" compatLnSpc="1">
+              <a:prstTxWarp prst="textNoShape">
+                <a:avLst/>
+              </a:prstTxWarp>
+              <a:noAutofit/>
+            </a:bodyPr>
+            <a:lstStyle/>
+            <a:p>
+              <a:pPr marL="0" marR="0" lvl="0" indent="0" defTabSz="914400" eaLnBrk="1" fontAlgn="auto" latinLnBrk="0" hangingPunct="1">
+                <a:lnSpc>
+                  <a:spcPct val="100000"/>
+                </a:lnSpc>
+                <a:spcBef>
+                  <a:spcPts val="0"/>
+                </a:spcBef>
+                <a:spcAft>
+                  <a:spcPts val="0"/>
+                </a:spcAft>
+                <a:buClrTx/>
+                <a:buSzTx/>
+                <a:buFontTx/>
+                <a:buNone/>
+                <a:tabLst/>
+                <a:defRPr/>
+              </a:pPr>
+              <a:endParaRPr kumimoji="0" lang="zh-CN" altLang="en-US" sz="1800" b="0" i="0" u="none" strike="noStrike" kern="0" cap="none" spc="0" normalizeH="0" baseline="0" noProof="0">
+                <a:ln>
+                  <a:noFill/>
+                </a:ln>
+                <a:solidFill>
+                  <a:sysClr val="window" lastClr="FFFFFF"/>
+                </a:solidFill>
+                <a:effectLst/>
+                <a:uLnTx/>
+                <a:uFillTx/>
+                <a:latin typeface="Calibri"/>
+                <a:ea typeface="宋体"/>
+              </a:endParaRPr>
+            </a:p>
+          </p:txBody>
+        </p:sp>
+        <p:sp>
+          <p:nvSpPr>
+            <p:cNvPr id="37" name="矩形 36"/>
+            <p:cNvSpPr/>
+            <p:nvPr/>
+          </p:nvSpPr>
+          <p:spPr>
+            <a:xfrm>
+              <a:off x="1162050" y="2447925"/>
+              <a:ext cx="904875" cy="561975"/>
+            </a:xfrm>
+            <a:prstGeom prst="rect">
+              <a:avLst/>
+            </a:prstGeom>
+            <a:noFill/>
+            <a:ln w="25400" cap="flat" cmpd="sng" algn="ctr">
+              <a:solidFill>
+                <a:sysClr val="windowText" lastClr="000000"/>
+              </a:solidFill>
+              <a:prstDash val="dash"/>
+            </a:ln>
+            <a:effectLst/>
+          </p:spPr>
+          <p:txBody>
+            <a:bodyPr rot="0" spcFirstLastPara="0" vert="horz" wrap="square" lIns="91440" tIns="45720" rIns="91440" bIns="45720" numCol="1" spcCol="0" rtlCol="0" fromWordArt="0" anchor="ctr" anchorCtr="0" forceAA="0" compatLnSpc="1">
+              <a:prstTxWarp prst="textNoShape">
+                <a:avLst/>
+              </a:prstTxWarp>
+              <a:noAutofit/>
+            </a:bodyPr>
+            <a:lstStyle/>
+            <a:p>
+              <a:pPr marL="0" marR="0" lvl="0" indent="0" defTabSz="914400" eaLnBrk="1" fontAlgn="auto" latinLnBrk="0" hangingPunct="1">
+                <a:lnSpc>
+                  <a:spcPct val="100000"/>
+                </a:lnSpc>
+                <a:spcBef>
+                  <a:spcPts val="0"/>
+                </a:spcBef>
+                <a:spcAft>
+                  <a:spcPts val="0"/>
+                </a:spcAft>
+                <a:buClrTx/>
+                <a:buSzTx/>
+                <a:buFontTx/>
+                <a:buNone/>
+                <a:tabLst/>
+                <a:defRPr/>
+              </a:pPr>
+              <a:endParaRPr kumimoji="0" lang="zh-CN" altLang="en-US" sz="1800" b="0" i="0" u="none" strike="noStrike" kern="0" cap="none" spc="0" normalizeH="0" baseline="0" noProof="0">
+                <a:ln>
+                  <a:noFill/>
+                </a:ln>
+                <a:solidFill>
+                  <a:sysClr val="window" lastClr="FFFFFF"/>
+                </a:solidFill>
+                <a:effectLst/>
+                <a:uLnTx/>
+                <a:uFillTx/>
+                <a:latin typeface="Calibri"/>
+                <a:ea typeface="宋体"/>
+              </a:endParaRPr>
+            </a:p>
+          </p:txBody>
+        </p:sp>
+        <p:sp>
+          <p:nvSpPr>
+            <p:cNvPr id="38" name="矩形 37"/>
+            <p:cNvSpPr/>
+            <p:nvPr/>
+          </p:nvSpPr>
+          <p:spPr>
+            <a:xfrm>
+              <a:off x="542925" y="2581276"/>
+              <a:ext cx="1419225" cy="552450"/>
+            </a:xfrm>
+            <a:prstGeom prst="rect">
+              <a:avLst/>
+            </a:prstGeom>
+            <a:noFill/>
+            <a:ln w="25400" cap="flat" cmpd="sng" algn="ctr">
+              <a:solidFill>
+                <a:sysClr val="windowText" lastClr="000000"/>
+              </a:solidFill>
+              <a:prstDash val="solid"/>
+            </a:ln>
+            <a:effectLst/>
+          </p:spPr>
+          <p:txBody>
+            <a:bodyPr rot="0" spcFirstLastPara="0" vert="horz" wrap="square" lIns="91440" tIns="45720" rIns="91440" bIns="45720" numCol="1" spcCol="0" rtlCol="0" fromWordArt="0" anchor="ctr" anchorCtr="0" forceAA="0" compatLnSpc="1">
+              <a:prstTxWarp prst="textNoShape">
+                <a:avLst/>
+              </a:prstTxWarp>
+              <a:noAutofit/>
+            </a:bodyPr>
+            <a:lstStyle/>
+            <a:p>
+              <a:pPr marL="0" marR="0" lvl="0" indent="0" defTabSz="914400" eaLnBrk="1" fontAlgn="auto" latinLnBrk="0" hangingPunct="1">
+                <a:lnSpc>
+                  <a:spcPct val="100000"/>
+                </a:lnSpc>
+                <a:spcBef>
+                  <a:spcPts val="0"/>
+                </a:spcBef>
+                <a:spcAft>
+                  <a:spcPts val="0"/>
+                </a:spcAft>
+                <a:buClrTx/>
+                <a:buSzTx/>
+                <a:buFontTx/>
+                <a:buNone/>
+                <a:tabLst/>
+                <a:defRPr/>
+              </a:pPr>
+              <a:endParaRPr kumimoji="0" lang="zh-CN" altLang="en-US" sz="1800" b="0" i="0" u="none" strike="noStrike" kern="0" cap="none" spc="0" normalizeH="0" baseline="0" noProof="0">
+                <a:ln>
+                  <a:noFill/>
+                </a:ln>
+                <a:solidFill>
+                  <a:sysClr val="window" lastClr="FFFFFF"/>
+                </a:solidFill>
+                <a:effectLst/>
+                <a:uLnTx/>
+                <a:uFillTx/>
+                <a:latin typeface="Calibri"/>
+                <a:ea typeface="宋体"/>
+              </a:endParaRPr>
+            </a:p>
+          </p:txBody>
+        </p:sp>
+        <p:sp>
+          <p:nvSpPr>
+            <p:cNvPr id="39" name="矩形 38"/>
+            <p:cNvSpPr/>
+            <p:nvPr/>
+          </p:nvSpPr>
+          <p:spPr>
+            <a:xfrm>
+              <a:off x="2657475" y="2209799"/>
+              <a:ext cx="2619375" cy="1666876"/>
+            </a:xfrm>
+            <a:prstGeom prst="rect">
+              <a:avLst/>
+            </a:prstGeom>
+            <a:noFill/>
+            <a:ln w="19050" cap="flat" cmpd="sng" algn="ctr">
+              <a:solidFill>
+                <a:sysClr val="windowText" lastClr="000000"/>
+              </a:solidFill>
+              <a:prstDash val="solid"/>
+            </a:ln>
+            <a:effectLst/>
+          </p:spPr>
+          <p:txBody>
+            <a:bodyPr rot="0" spcFirstLastPara="0" vert="horz" wrap="square" lIns="91440" tIns="45720" rIns="91440" bIns="45720" numCol="1" spcCol="0" rtlCol="0" fromWordArt="0" anchor="ctr" anchorCtr="0" forceAA="0" compatLnSpc="1">
+              <a:prstTxWarp prst="textNoShape">
+                <a:avLst/>
+              </a:prstTxWarp>
+              <a:noAutofit/>
+            </a:bodyPr>
+            <a:lstStyle/>
+            <a:p>
+              <a:pPr marL="0" marR="0" lvl="0" indent="0" defTabSz="914400" eaLnBrk="1" fontAlgn="auto" latinLnBrk="0" hangingPunct="1">
+                <a:lnSpc>
+                  <a:spcPct val="100000"/>
+                </a:lnSpc>
+                <a:spcBef>
+                  <a:spcPts val="0"/>
+                </a:spcBef>
+                <a:spcAft>
+                  <a:spcPts val="0"/>
+                </a:spcAft>
+                <a:buClrTx/>
+                <a:buSzTx/>
+                <a:buFontTx/>
+                <a:buNone/>
+                <a:tabLst/>
+                <a:defRPr/>
+              </a:pPr>
+              <a:endParaRPr kumimoji="0" lang="zh-CN" altLang="en-US" sz="1800" b="0" i="0" u="none" strike="noStrike" kern="0" cap="none" spc="0" normalizeH="0" baseline="0" noProof="0">
+                <a:ln>
+                  <a:noFill/>
+                </a:ln>
+                <a:solidFill>
+                  <a:sysClr val="window" lastClr="FFFFFF"/>
+                </a:solidFill>
+                <a:effectLst/>
+                <a:uLnTx/>
+                <a:uFillTx/>
+                <a:latin typeface="Calibri"/>
+                <a:ea typeface="宋体"/>
+              </a:endParaRPr>
+            </a:p>
+          </p:txBody>
+        </p:sp>
+        <p:sp>
+          <p:nvSpPr>
+            <p:cNvPr id="40" name="矩形 39"/>
+            <p:cNvSpPr/>
+            <p:nvPr/>
+          </p:nvSpPr>
+          <p:spPr>
+            <a:xfrm>
+              <a:off x="2819400" y="2305049"/>
+              <a:ext cx="533400" cy="561975"/>
+            </a:xfrm>
+            <a:prstGeom prst="rect">
+              <a:avLst/>
+            </a:prstGeom>
+            <a:noFill/>
+            <a:ln w="25400" cap="flat" cmpd="sng" algn="ctr">
+              <a:solidFill>
+                <a:sysClr val="windowText" lastClr="000000"/>
+              </a:solidFill>
+              <a:prstDash val="dash"/>
+            </a:ln>
+            <a:effectLst/>
+          </p:spPr>
+          <p:txBody>
+            <a:bodyPr rot="0" spcFirstLastPara="0" vert="horz" wrap="square" lIns="91440" tIns="45720" rIns="91440" bIns="45720" numCol="1" spcCol="0" rtlCol="0" fromWordArt="0" anchor="ctr" anchorCtr="0" forceAA="0" compatLnSpc="1">
+              <a:prstTxWarp prst="textNoShape">
+                <a:avLst/>
+              </a:prstTxWarp>
+              <a:noAutofit/>
+            </a:bodyPr>
+            <a:lstStyle/>
+            <a:p>
+              <a:pPr marL="0" marR="0" lvl="0" indent="0" defTabSz="914400" eaLnBrk="1" fontAlgn="auto" latinLnBrk="0" hangingPunct="1">
+                <a:lnSpc>
+                  <a:spcPct val="100000"/>
+                </a:lnSpc>
+                <a:spcBef>
+                  <a:spcPts val="0"/>
+                </a:spcBef>
+                <a:spcAft>
+                  <a:spcPts val="0"/>
+                </a:spcAft>
+                <a:buClrTx/>
+                <a:buSzTx/>
+                <a:buFontTx/>
+                <a:buNone/>
+                <a:tabLst/>
+                <a:defRPr/>
+              </a:pPr>
+              <a:endParaRPr kumimoji="0" lang="zh-CN" altLang="en-US" sz="1800" b="0" i="0" u="none" strike="noStrike" kern="0" cap="none" spc="0" normalizeH="0" baseline="0" noProof="0">
+                <a:ln>
+                  <a:noFill/>
+                </a:ln>
+                <a:solidFill>
+                  <a:sysClr val="window" lastClr="FFFFFF"/>
+                </a:solidFill>
+                <a:effectLst/>
+                <a:uLnTx/>
+                <a:uFillTx/>
+                <a:latin typeface="Calibri"/>
+                <a:ea typeface="宋体"/>
+              </a:endParaRPr>
+            </a:p>
+          </p:txBody>
+        </p:sp>
+        <p:sp>
+          <p:nvSpPr>
+            <p:cNvPr id="41" name="矩形 40"/>
+            <p:cNvSpPr/>
+            <p:nvPr/>
+          </p:nvSpPr>
+          <p:spPr>
+            <a:xfrm>
+              <a:off x="4562475" y="3228976"/>
+              <a:ext cx="542925" cy="523874"/>
+            </a:xfrm>
+            <a:prstGeom prst="rect">
+              <a:avLst/>
+            </a:prstGeom>
+            <a:noFill/>
+            <a:ln w="25400" cap="flat" cmpd="sng" algn="ctr">
+              <a:solidFill>
+                <a:sysClr val="windowText" lastClr="000000"/>
+              </a:solidFill>
+              <a:prstDash val="dash"/>
+            </a:ln>
+            <a:effectLst/>
+          </p:spPr>
+          <p:txBody>
+            <a:bodyPr rot="0" spcFirstLastPara="0" vert="horz" wrap="square" lIns="91440" tIns="45720" rIns="91440" bIns="45720" numCol="1" spcCol="0" rtlCol="0" fromWordArt="0" anchor="ctr" anchorCtr="0" forceAA="0" compatLnSpc="1">
+              <a:prstTxWarp prst="textNoShape">
+                <a:avLst/>
+              </a:prstTxWarp>
+              <a:noAutofit/>
+            </a:bodyPr>
+            <a:lstStyle/>
+            <a:p>
+              <a:pPr marL="0" marR="0" lvl="0" indent="0" defTabSz="914400" eaLnBrk="1" fontAlgn="auto" latinLnBrk="0" hangingPunct="1">
+                <a:lnSpc>
+                  <a:spcPct val="100000"/>
+                </a:lnSpc>
+                <a:spcBef>
+                  <a:spcPts val="0"/>
+                </a:spcBef>
+                <a:spcAft>
+                  <a:spcPts val="0"/>
+                </a:spcAft>
+                <a:buClrTx/>
+                <a:buSzTx/>
+                <a:buFontTx/>
+                <a:buNone/>
+                <a:tabLst/>
+                <a:defRPr/>
+              </a:pPr>
+              <a:endParaRPr kumimoji="0" lang="zh-CN" altLang="en-US" sz="1800" b="0" i="0" u="none" strike="noStrike" kern="0" cap="none" spc="0" normalizeH="0" baseline="0" noProof="0">
+                <a:ln>
+                  <a:noFill/>
+                </a:ln>
+                <a:solidFill>
+                  <a:sysClr val="window" lastClr="FFFFFF"/>
+                </a:solidFill>
+                <a:effectLst/>
+                <a:uLnTx/>
+                <a:uFillTx/>
+                <a:latin typeface="Calibri"/>
+                <a:ea typeface="宋体"/>
+              </a:endParaRPr>
+            </a:p>
+          </p:txBody>
+        </p:sp>
+        <p:sp>
+          <p:nvSpPr>
+            <p:cNvPr id="42" name="矩形 41"/>
+            <p:cNvSpPr/>
+            <p:nvPr/>
+          </p:nvSpPr>
+          <p:spPr>
+            <a:xfrm>
+              <a:off x="3514725" y="2628901"/>
+              <a:ext cx="895350" cy="809624"/>
+            </a:xfrm>
+            <a:prstGeom prst="rect">
+              <a:avLst/>
+            </a:prstGeom>
+            <a:noFill/>
+            <a:ln w="25400" cap="flat" cmpd="sng" algn="ctr">
+              <a:solidFill>
+                <a:sysClr val="windowText" lastClr="000000"/>
+              </a:solidFill>
+              <a:prstDash val="solid"/>
+            </a:ln>
+            <a:effectLst/>
+          </p:spPr>
+          <p:txBody>
+            <a:bodyPr rot="0" spcFirstLastPara="0" vert="horz" wrap="square" lIns="91440" tIns="45720" rIns="91440" bIns="45720" numCol="1" spcCol="0" rtlCol="0" fromWordArt="0" anchor="ctr" anchorCtr="0" forceAA="0" compatLnSpc="1">
+              <a:prstTxWarp prst="textNoShape">
+                <a:avLst/>
+              </a:prstTxWarp>
+              <a:noAutofit/>
+            </a:bodyPr>
+            <a:lstStyle/>
+            <a:p>
+              <a:pPr marL="0" marR="0" lvl="0" indent="0" defTabSz="914400" eaLnBrk="1" fontAlgn="auto" latinLnBrk="0" hangingPunct="1">
+                <a:lnSpc>
+                  <a:spcPct val="100000"/>
+                </a:lnSpc>
+                <a:spcBef>
+                  <a:spcPts val="0"/>
+                </a:spcBef>
+                <a:spcAft>
+                  <a:spcPts val="0"/>
+                </a:spcAft>
+                <a:buClrTx/>
+                <a:buSzTx/>
+                <a:buFontTx/>
+                <a:buNone/>
+                <a:tabLst/>
+                <a:defRPr/>
+              </a:pPr>
+              <a:endParaRPr kumimoji="0" lang="zh-CN" altLang="en-US" sz="1800" b="0" i="0" u="none" strike="noStrike" kern="0" cap="none" spc="0" normalizeH="0" baseline="0" noProof="0">
+                <a:ln>
+                  <a:noFill/>
+                </a:ln>
+                <a:solidFill>
+                  <a:sysClr val="window" lastClr="FFFFFF"/>
+                </a:solidFill>
+                <a:effectLst/>
+                <a:uLnTx/>
+                <a:uFillTx/>
+                <a:latin typeface="Calibri"/>
+                <a:ea typeface="宋体"/>
+              </a:endParaRPr>
+            </a:p>
+          </p:txBody>
+        </p:sp>
+        <p:cxnSp>
+          <p:nvCxnSpPr>
+            <p:cNvPr id="43" name="直接箭头连接符 42"/>
+            <p:cNvCxnSpPr/>
+            <p:nvPr/>
+          </p:nvCxnSpPr>
+          <p:spPr>
+            <a:xfrm flipH="1" flipV="1">
+              <a:off x="4210050" y="3133726"/>
+              <a:ext cx="666750" cy="390524"/>
+            </a:xfrm>
+            <a:prstGeom prst="straightConnector1">
+              <a:avLst/>
+            </a:prstGeom>
+            <a:noFill/>
+            <a:ln w="9525" cap="flat" cmpd="sng" algn="ctr">
+              <a:solidFill>
+                <a:sysClr val="windowText" lastClr="000000"/>
+              </a:solidFill>
+              <a:prstDash val="solid"/>
+              <a:tailEnd type="arrow"/>
+            </a:ln>
+            <a:effectLst/>
+          </p:spPr>
+        </p:cxnSp>
+        <p:cxnSp>
+          <p:nvCxnSpPr>
+            <p:cNvPr id="44" name="直接箭头连接符 43"/>
+            <p:cNvCxnSpPr/>
+            <p:nvPr/>
+          </p:nvCxnSpPr>
+          <p:spPr>
+            <a:xfrm>
+              <a:off x="3067050" y="2581276"/>
+              <a:ext cx="742951" cy="428624"/>
+            </a:xfrm>
+            <a:prstGeom prst="straightConnector1">
+              <a:avLst/>
+            </a:prstGeom>
+            <a:noFill/>
+            <a:ln w="9525" cap="flat" cmpd="sng" algn="ctr">
+              <a:solidFill>
+                <a:sysClr val="windowText" lastClr="000000"/>
+              </a:solidFill>
+              <a:prstDash val="solid"/>
+              <a:tailEnd type="arrow"/>
+            </a:ln>
+            <a:effectLst/>
+          </p:spPr>
+        </p:cxnSp>
+        <p:cxnSp>
+          <p:nvCxnSpPr>
+            <p:cNvPr id="45" name="直接箭头连接符 44"/>
+            <p:cNvCxnSpPr/>
+            <p:nvPr/>
+          </p:nvCxnSpPr>
+          <p:spPr>
+            <a:xfrm flipH="1">
+              <a:off x="3457575" y="809625"/>
+              <a:ext cx="190501" cy="771525"/>
+            </a:xfrm>
+            <a:prstGeom prst="straightConnector1">
+              <a:avLst/>
+            </a:prstGeom>
+            <a:noFill/>
+            <a:ln w="9525" cap="flat" cmpd="sng" algn="ctr">
+              <a:solidFill>
+                <a:sysClr val="windowText" lastClr="000000"/>
+              </a:solidFill>
+              <a:prstDash val="solid"/>
+              <a:tailEnd type="arrow"/>
+            </a:ln>
+            <a:effectLst/>
+          </p:spPr>
+        </p:cxnSp>
+        <p:cxnSp>
+          <p:nvCxnSpPr>
+            <p:cNvPr id="46" name="直接箭头连接符 45"/>
+            <p:cNvCxnSpPr/>
+            <p:nvPr/>
+          </p:nvCxnSpPr>
+          <p:spPr>
+            <a:xfrm>
+              <a:off x="4210050" y="762000"/>
+              <a:ext cx="304800" cy="819150"/>
+            </a:xfrm>
+            <a:prstGeom prst="straightConnector1">
+              <a:avLst/>
+            </a:prstGeom>
+            <a:noFill/>
+            <a:ln w="9525" cap="flat" cmpd="sng" algn="ctr">
+              <a:solidFill>
+                <a:sysClr val="windowText" lastClr="000000"/>
+              </a:solidFill>
+              <a:prstDash val="solid"/>
+              <a:tailEnd type="arrow"/>
+            </a:ln>
+            <a:effectLst/>
+          </p:spPr>
+        </p:cxnSp>
+        <p:cxnSp>
+          <p:nvCxnSpPr>
+            <p:cNvPr id="47" name="直接箭头连接符 46"/>
+            <p:cNvCxnSpPr/>
+            <p:nvPr/>
+          </p:nvCxnSpPr>
+          <p:spPr>
+            <a:xfrm>
+              <a:off x="542925" y="476250"/>
+              <a:ext cx="533400" cy="523875"/>
+            </a:xfrm>
+            <a:prstGeom prst="straightConnector1">
+              <a:avLst/>
+            </a:prstGeom>
+            <a:noFill/>
+            <a:ln w="9525" cap="flat" cmpd="sng" algn="ctr">
+              <a:solidFill>
+                <a:sysClr val="windowText" lastClr="000000"/>
+              </a:solidFill>
+              <a:prstDash val="solid"/>
+              <a:tailEnd type="arrow"/>
+            </a:ln>
+            <a:effectLst/>
+          </p:spPr>
+        </p:cxnSp>
+        <p:cxnSp>
+          <p:nvCxnSpPr>
+            <p:cNvPr id="48" name="直接箭头连接符 47"/>
+            <p:cNvCxnSpPr/>
+            <p:nvPr/>
+          </p:nvCxnSpPr>
+          <p:spPr>
+            <a:xfrm>
+              <a:off x="819150" y="2714625"/>
+              <a:ext cx="104775" cy="723900"/>
+            </a:xfrm>
+            <a:prstGeom prst="straightConnector1">
+              <a:avLst/>
+            </a:prstGeom>
+            <a:noFill/>
+            <a:ln w="9525" cap="flat" cmpd="sng" algn="ctr">
+              <a:solidFill>
+                <a:sysClr val="windowText" lastClr="000000"/>
+              </a:solidFill>
+              <a:prstDash val="solid"/>
+              <a:tailEnd type="arrow"/>
+            </a:ln>
+            <a:effectLst/>
+          </p:spPr>
+        </p:cxnSp>
+        <p:cxnSp>
+          <p:nvCxnSpPr>
+            <p:cNvPr id="49" name="直接箭头连接符 48"/>
+            <p:cNvCxnSpPr/>
+            <p:nvPr/>
+          </p:nvCxnSpPr>
+          <p:spPr>
+            <a:xfrm flipH="1">
+              <a:off x="1543050" y="2714625"/>
+              <a:ext cx="47625" cy="609600"/>
+            </a:xfrm>
+            <a:prstGeom prst="straightConnector1">
+              <a:avLst/>
+            </a:prstGeom>
+            <a:noFill/>
+            <a:ln w="9525" cap="flat" cmpd="sng" algn="ctr">
+              <a:solidFill>
+                <a:sysClr val="windowText" lastClr="000000"/>
+              </a:solidFill>
+              <a:prstDash val="solid"/>
+              <a:tailEnd type="arrow"/>
+            </a:ln>
+            <a:effectLst/>
+          </p:spPr>
+        </p:cxnSp>
+        <p:sp>
+          <p:nvSpPr>
+            <p:cNvPr id="50" name="文本框 114"/>
+            <p:cNvSpPr txBox="1"/>
+            <p:nvPr/>
+          </p:nvSpPr>
+          <p:spPr>
+            <a:xfrm>
+              <a:off x="1123950" y="1752601"/>
+              <a:ext cx="409575" cy="304800"/>
+            </a:xfrm>
+            <a:prstGeom prst="rect">
+              <a:avLst/>
+            </a:prstGeom>
+            <a:noFill/>
+            <a:ln w="6350">
+              <a:noFill/>
+            </a:ln>
+            <a:effectLst/>
+          </p:spPr>
+          <p:txBody>
+            <a:bodyPr rot="0" spcFirstLastPara="0" vert="horz" wrap="square" lIns="91440" tIns="45720" rIns="91440" bIns="45720" numCol="1" spcCol="0" rtlCol="0" fromWordArt="0" anchor="t" anchorCtr="0" forceAA="0" compatLnSpc="1">
+              <a:prstTxWarp prst="textNoShape">
+                <a:avLst/>
+              </a:prstTxWarp>
+              <a:noAutofit/>
+            </a:bodyPr>
+            <a:lstStyle/>
+            <a:p>
+              <a:pPr marL="0" marR="0" lvl="0" indent="0" algn="just" defTabSz="914400" eaLnBrk="1" fontAlgn="auto" latinLnBrk="0" hangingPunct="1">
+                <a:lnSpc>
+                  <a:spcPct val="100000"/>
+                </a:lnSpc>
+                <a:spcBef>
+                  <a:spcPts val="0"/>
+                </a:spcBef>
+                <a:spcAft>
+                  <a:spcPts val="0"/>
+                </a:spcAft>
+                <a:buClrTx/>
+                <a:buSzTx/>
+                <a:buFontTx/>
+                <a:buNone/>
+                <a:tabLst/>
+                <a:defRPr/>
+              </a:pPr>
+              <a:r>
+                <a:rPr kumimoji="0" lang="en-US" b="0" i="0" u="none" strike="noStrike" kern="0" cap="none" spc="0" normalizeH="0" baseline="0" noProof="0" dirty="0">
+                  <a:ln>
+                    <a:noFill/>
+                  </a:ln>
+                  <a:solidFill>
+                    <a:sysClr val="windowText" lastClr="000000"/>
+                  </a:solidFill>
+                  <a:effectLst/>
+                  <a:uLnTx/>
+                  <a:uFillTx/>
+                  <a:latin typeface="Times New Roman"/>
+                  <a:cs typeface="宋体"/>
+                </a:rPr>
+                <a:t>(a)</a:t>
+              </a:r>
+              <a:endParaRPr kumimoji="0" lang="zh-CN" altLang="en-US" b="0" i="0" u="none" strike="noStrike" kern="0" cap="none" spc="0" normalizeH="0" baseline="0" noProof="0" dirty="0">
+                <a:ln>
+                  <a:noFill/>
+                </a:ln>
+                <a:solidFill>
+                  <a:sysClr val="windowText" lastClr="000000"/>
+                </a:solidFill>
+                <a:effectLst/>
+                <a:uLnTx/>
+                <a:uFillTx/>
+                <a:latin typeface="宋体"/>
+                <a:ea typeface="宋体"/>
+                <a:cs typeface="宋体"/>
+              </a:endParaRPr>
+            </a:p>
+          </p:txBody>
+        </p:sp>
+        <p:sp>
+          <p:nvSpPr>
+            <p:cNvPr id="51" name="文本框 114"/>
+            <p:cNvSpPr txBox="1"/>
+            <p:nvPr/>
+          </p:nvSpPr>
+          <p:spPr>
+            <a:xfrm>
+              <a:off x="3790951" y="1771650"/>
+              <a:ext cx="409575" cy="304800"/>
+            </a:xfrm>
+            <a:prstGeom prst="rect">
+              <a:avLst/>
+            </a:prstGeom>
+            <a:noFill/>
+            <a:ln w="6350">
+              <a:noFill/>
+            </a:ln>
+            <a:effectLst/>
+          </p:spPr>
+          <p:txBody>
+            <a:bodyPr rot="0" spcFirstLastPara="0" vert="horz" wrap="square" lIns="91440" tIns="45720" rIns="91440" bIns="45720" numCol="1" spcCol="0" rtlCol="0" fromWordArt="0" anchor="t" anchorCtr="0" forceAA="0" compatLnSpc="1">
+              <a:prstTxWarp prst="textNoShape">
+                <a:avLst/>
+              </a:prstTxWarp>
+              <a:noAutofit/>
+            </a:bodyPr>
+            <a:lstStyle/>
+            <a:p>
+              <a:pPr marL="0" marR="0" lvl="0" indent="0" algn="just" defTabSz="914400" eaLnBrk="1" fontAlgn="auto" latinLnBrk="0" hangingPunct="1">
+                <a:lnSpc>
+                  <a:spcPct val="100000"/>
+                </a:lnSpc>
+                <a:spcBef>
+                  <a:spcPts val="0"/>
+                </a:spcBef>
+                <a:spcAft>
+                  <a:spcPts val="0"/>
+                </a:spcAft>
+                <a:buClrTx/>
+                <a:buSzTx/>
+                <a:buFontTx/>
+                <a:buNone/>
+                <a:tabLst/>
+                <a:defRPr/>
+              </a:pPr>
+              <a:r>
+                <a:rPr kumimoji="0" lang="en-US" b="0" i="0" u="none" strike="noStrike" kern="0" cap="none" spc="0" normalizeH="0" baseline="0" noProof="0" dirty="0">
+                  <a:ln>
+                    <a:noFill/>
+                  </a:ln>
+                  <a:solidFill>
+                    <a:sysClr val="windowText" lastClr="000000"/>
+                  </a:solidFill>
+                  <a:effectLst/>
+                  <a:uLnTx/>
+                  <a:uFillTx/>
+                  <a:latin typeface="Times New Roman"/>
+                  <a:cs typeface="宋体"/>
+                </a:rPr>
+                <a:t>(b)</a:t>
+              </a:r>
+              <a:endParaRPr kumimoji="0" lang="zh-CN" altLang="en-US" b="0" i="0" u="none" strike="noStrike" kern="0" cap="none" spc="0" normalizeH="0" baseline="0" noProof="0" dirty="0">
+                <a:ln>
+                  <a:noFill/>
+                </a:ln>
+                <a:solidFill>
+                  <a:sysClr val="windowText" lastClr="000000"/>
+                </a:solidFill>
+                <a:effectLst/>
+                <a:uLnTx/>
+                <a:uFillTx/>
+                <a:latin typeface="宋体"/>
+                <a:ea typeface="宋体"/>
+                <a:cs typeface="宋体"/>
+              </a:endParaRPr>
+            </a:p>
+          </p:txBody>
+        </p:sp>
+        <p:sp>
+          <p:nvSpPr>
+            <p:cNvPr id="52" name="文本框 114"/>
+            <p:cNvSpPr txBox="1"/>
+            <p:nvPr/>
+          </p:nvSpPr>
+          <p:spPr>
+            <a:xfrm>
+              <a:off x="1076325" y="3875700"/>
+              <a:ext cx="409575" cy="304800"/>
+            </a:xfrm>
+            <a:prstGeom prst="rect">
+              <a:avLst/>
+            </a:prstGeom>
+            <a:noFill/>
+            <a:ln w="6350">
+              <a:noFill/>
+            </a:ln>
+            <a:effectLst/>
+          </p:spPr>
+          <p:txBody>
+            <a:bodyPr rot="0" spcFirstLastPara="0" vert="horz" wrap="square" lIns="91440" tIns="45720" rIns="91440" bIns="45720" numCol="1" spcCol="0" rtlCol="0" fromWordArt="0" anchor="t" anchorCtr="0" forceAA="0" compatLnSpc="1">
+              <a:prstTxWarp prst="textNoShape">
+                <a:avLst/>
+              </a:prstTxWarp>
+              <a:noAutofit/>
+            </a:bodyPr>
+            <a:lstStyle/>
+            <a:p>
+              <a:pPr marL="0" marR="0" lvl="0" indent="0" algn="just" defTabSz="914400" eaLnBrk="1" fontAlgn="auto" latinLnBrk="0" hangingPunct="1">
+                <a:lnSpc>
+                  <a:spcPct val="100000"/>
+                </a:lnSpc>
+                <a:spcBef>
+                  <a:spcPts val="0"/>
+                </a:spcBef>
+                <a:spcAft>
+                  <a:spcPts val="0"/>
+                </a:spcAft>
+                <a:buClrTx/>
+                <a:buSzTx/>
+                <a:buFontTx/>
+                <a:buNone/>
+                <a:tabLst/>
+                <a:defRPr/>
+              </a:pPr>
+              <a:r>
+                <a:rPr kumimoji="0" lang="en-US" b="0" i="0" u="none" strike="noStrike" kern="0" cap="none" spc="0" normalizeH="0" baseline="0" noProof="0" dirty="0">
+                  <a:ln>
+                    <a:noFill/>
+                  </a:ln>
+                  <a:solidFill>
+                    <a:sysClr val="windowText" lastClr="000000"/>
+                  </a:solidFill>
+                  <a:effectLst/>
+                  <a:uLnTx/>
+                  <a:uFillTx/>
+                  <a:latin typeface="Times New Roman"/>
+                  <a:cs typeface="宋体"/>
+                </a:rPr>
+                <a:t>(c)</a:t>
+              </a:r>
+              <a:endParaRPr kumimoji="0" lang="zh-CN" altLang="en-US" b="0" i="0" u="none" strike="noStrike" kern="0" cap="none" spc="0" normalizeH="0" baseline="0" noProof="0" dirty="0">
+                <a:ln>
+                  <a:noFill/>
+                </a:ln>
+                <a:solidFill>
+                  <a:sysClr val="windowText" lastClr="000000"/>
+                </a:solidFill>
+                <a:effectLst/>
+                <a:uLnTx/>
+                <a:uFillTx/>
+                <a:latin typeface="宋体"/>
+                <a:ea typeface="宋体"/>
+                <a:cs typeface="宋体"/>
+              </a:endParaRPr>
+            </a:p>
+          </p:txBody>
+        </p:sp>
+        <p:sp>
+          <p:nvSpPr>
+            <p:cNvPr id="53" name="文本框 114"/>
+            <p:cNvSpPr txBox="1"/>
+            <p:nvPr/>
+          </p:nvSpPr>
+          <p:spPr>
+            <a:xfrm>
+              <a:off x="3809025" y="3875700"/>
+              <a:ext cx="409575" cy="304800"/>
+            </a:xfrm>
+            <a:prstGeom prst="rect">
+              <a:avLst/>
+            </a:prstGeom>
+            <a:noFill/>
+            <a:ln w="6350">
+              <a:noFill/>
+            </a:ln>
+            <a:effectLst/>
+          </p:spPr>
+          <p:txBody>
+            <a:bodyPr rot="0" spcFirstLastPara="0" vert="horz" wrap="square" lIns="91440" tIns="45720" rIns="91440" bIns="45720" numCol="1" spcCol="0" rtlCol="0" fromWordArt="0" anchor="t" anchorCtr="0" forceAA="0" compatLnSpc="1">
+              <a:prstTxWarp prst="textNoShape">
+                <a:avLst/>
+              </a:prstTxWarp>
+              <a:noAutofit/>
+            </a:bodyPr>
+            <a:lstStyle/>
+            <a:p>
+              <a:pPr marL="0" marR="0" lvl="0" indent="0" algn="just" defTabSz="914400" eaLnBrk="1" fontAlgn="auto" latinLnBrk="0" hangingPunct="1">
+                <a:lnSpc>
+                  <a:spcPct val="100000"/>
+                </a:lnSpc>
+                <a:spcBef>
+                  <a:spcPts val="0"/>
+                </a:spcBef>
+                <a:spcAft>
+                  <a:spcPts val="0"/>
+                </a:spcAft>
+                <a:buClrTx/>
+                <a:buSzTx/>
+                <a:buFontTx/>
+                <a:buNone/>
+                <a:tabLst/>
+                <a:defRPr/>
+              </a:pPr>
+              <a:r>
+                <a:rPr kumimoji="0" lang="en-US" b="0" i="0" u="none" strike="noStrike" kern="0" cap="none" spc="0" normalizeH="0" baseline="0" noProof="0" dirty="0">
+                  <a:ln>
+                    <a:noFill/>
+                  </a:ln>
+                  <a:solidFill>
+                    <a:sysClr val="windowText" lastClr="000000"/>
+                  </a:solidFill>
+                  <a:effectLst/>
+                  <a:uLnTx/>
+                  <a:uFillTx/>
+                  <a:latin typeface="Times New Roman"/>
+                  <a:cs typeface="宋体"/>
+                </a:rPr>
+                <a:t>(d)</a:t>
+              </a:r>
+              <a:endParaRPr kumimoji="0" lang="zh-CN" altLang="en-US" b="0" i="0" u="none" strike="noStrike" kern="0" cap="none" spc="0" normalizeH="0" baseline="0" noProof="0" dirty="0">
+                <a:ln>
+                  <a:noFill/>
+                </a:ln>
+                <a:solidFill>
+                  <a:sysClr val="windowText" lastClr="000000"/>
+                </a:solidFill>
+                <a:effectLst/>
+                <a:uLnTx/>
+                <a:uFillTx/>
+                <a:latin typeface="宋体"/>
+                <a:ea typeface="宋体"/>
+                <a:cs typeface="宋体"/>
+              </a:endParaRPr>
+            </a:p>
+          </p:txBody>
+        </p:sp>
+        <p:sp>
+          <p:nvSpPr>
+            <p:cNvPr id="55" name="文本框 114"/>
+            <p:cNvSpPr txBox="1"/>
+            <p:nvPr/>
+          </p:nvSpPr>
+          <p:spPr>
+            <a:xfrm>
+              <a:off x="70210" y="82652"/>
+              <a:ext cx="333375" cy="304800"/>
+            </a:xfrm>
+            <a:prstGeom prst="rect">
+              <a:avLst/>
+            </a:prstGeom>
+            <a:noFill/>
+            <a:ln w="6350">
+              <a:noFill/>
+            </a:ln>
+            <a:effectLst/>
+          </p:spPr>
+          <p:txBody>
+            <a:bodyPr rot="0" spcFirstLastPara="0" vert="horz" wrap="square" lIns="91440" tIns="45720" rIns="91440" bIns="45720" numCol="1" spcCol="0" rtlCol="0" fromWordArt="0" anchor="t" anchorCtr="0" forceAA="0" compatLnSpc="1">
+              <a:prstTxWarp prst="textNoShape">
+                <a:avLst/>
+              </a:prstTxWarp>
+              <a:noAutofit/>
+            </a:bodyPr>
+            <a:lstStyle/>
+            <a:p>
+              <a:pPr marL="0" marR="0" lvl="0" indent="0" algn="just" defTabSz="914400" eaLnBrk="1" fontAlgn="auto" latinLnBrk="0" hangingPunct="1">
+                <a:lnSpc>
+                  <a:spcPct val="100000"/>
+                </a:lnSpc>
+                <a:spcBef>
+                  <a:spcPts val="0"/>
+                </a:spcBef>
+                <a:spcAft>
+                  <a:spcPts val="0"/>
+                </a:spcAft>
+                <a:buClrTx/>
+                <a:buSzTx/>
+                <a:buFontTx/>
+                <a:buNone/>
+                <a:tabLst/>
+                <a:defRPr/>
+              </a:pPr>
+              <a:r>
+                <a:rPr kumimoji="0" lang="en-US" b="0" i="0" u="none" strike="noStrike" kern="0" cap="none" spc="0" normalizeH="0" baseline="0" noProof="0" dirty="0">
+                  <a:ln>
+                    <a:noFill/>
+                  </a:ln>
+                  <a:solidFill>
+                    <a:sysClr val="windowText" lastClr="000000"/>
+                  </a:solidFill>
+                  <a:effectLst/>
+                  <a:uLnTx/>
+                  <a:uFillTx/>
+                  <a:latin typeface="Times New Roman"/>
+                  <a:cs typeface="宋体"/>
+                </a:rPr>
+                <a:t>A</a:t>
+              </a:r>
+              <a:endParaRPr kumimoji="0" lang="zh-CN" altLang="en-US" b="0" i="0" u="none" strike="noStrike" kern="0" cap="none" spc="0" normalizeH="0" baseline="0" noProof="0" dirty="0">
+                <a:ln>
+                  <a:noFill/>
+                </a:ln>
+                <a:solidFill>
+                  <a:sysClr val="windowText" lastClr="000000"/>
+                </a:solidFill>
+                <a:effectLst/>
+                <a:uLnTx/>
+                <a:uFillTx/>
+                <a:latin typeface="宋体"/>
+                <a:ea typeface="宋体"/>
+                <a:cs typeface="宋体"/>
+              </a:endParaRPr>
+            </a:p>
+          </p:txBody>
+        </p:sp>
+        <p:sp>
+          <p:nvSpPr>
+            <p:cNvPr id="56" name="文本框 114"/>
+            <p:cNvSpPr txBox="1"/>
+            <p:nvPr/>
+          </p:nvSpPr>
+          <p:spPr>
+            <a:xfrm>
+              <a:off x="638175" y="865798"/>
+              <a:ext cx="333375" cy="304800"/>
+            </a:xfrm>
+            <a:prstGeom prst="rect">
+              <a:avLst/>
+            </a:prstGeom>
+            <a:noFill/>
+            <a:ln w="6350">
+              <a:noFill/>
+            </a:ln>
+            <a:effectLst/>
+          </p:spPr>
+          <p:txBody>
+            <a:bodyPr rot="0" spcFirstLastPara="0" vert="horz" wrap="square" lIns="91440" tIns="45720" rIns="91440" bIns="45720" numCol="1" spcCol="0" rtlCol="0" fromWordArt="0" anchor="t" anchorCtr="0" forceAA="0" compatLnSpc="1">
+              <a:prstTxWarp prst="textNoShape">
+                <a:avLst/>
+              </a:prstTxWarp>
+              <a:noAutofit/>
+            </a:bodyPr>
+            <a:lstStyle/>
+            <a:p>
+              <a:pPr marL="0" marR="0" lvl="0" indent="0" algn="just" defTabSz="914400" eaLnBrk="1" fontAlgn="auto" latinLnBrk="0" hangingPunct="1">
+                <a:lnSpc>
+                  <a:spcPct val="100000"/>
+                </a:lnSpc>
+                <a:spcBef>
+                  <a:spcPts val="0"/>
+                </a:spcBef>
+                <a:spcAft>
+                  <a:spcPts val="0"/>
+                </a:spcAft>
+                <a:buClrTx/>
+                <a:buSzTx/>
+                <a:buFontTx/>
+                <a:buNone/>
+                <a:tabLst/>
+                <a:defRPr/>
+              </a:pPr>
+              <a:r>
+                <a:rPr kumimoji="0" lang="en-US" b="0" i="0" u="none" strike="noStrike" kern="0" cap="none" spc="0" normalizeH="0" baseline="0" noProof="0" dirty="0">
+                  <a:ln>
+                    <a:noFill/>
+                  </a:ln>
+                  <a:solidFill>
+                    <a:sysClr val="windowText" lastClr="000000"/>
+                  </a:solidFill>
+                  <a:effectLst/>
+                  <a:uLnTx/>
+                  <a:uFillTx/>
+                  <a:latin typeface="Times New Roman"/>
+                  <a:cs typeface="宋体"/>
+                </a:rPr>
+                <a:t>B</a:t>
+              </a:r>
+              <a:endParaRPr kumimoji="0" lang="zh-CN" altLang="en-US" b="0" i="0" u="none" strike="noStrike" kern="0" cap="none" spc="0" normalizeH="0" baseline="0" noProof="0" dirty="0">
+                <a:ln>
+                  <a:noFill/>
+                </a:ln>
+                <a:solidFill>
+                  <a:sysClr val="windowText" lastClr="000000"/>
+                </a:solidFill>
+                <a:effectLst/>
+                <a:uLnTx/>
+                <a:uFillTx/>
+                <a:latin typeface="宋体"/>
+                <a:ea typeface="宋体"/>
+                <a:cs typeface="宋体"/>
+              </a:endParaRPr>
+            </a:p>
+          </p:txBody>
+        </p:sp>
+        <p:sp>
+          <p:nvSpPr>
+            <p:cNvPr id="57" name="文本框 114"/>
+            <p:cNvSpPr txBox="1"/>
+            <p:nvPr/>
+          </p:nvSpPr>
+          <p:spPr>
+            <a:xfrm>
+              <a:off x="3724275" y="141240"/>
+              <a:ext cx="333375" cy="304800"/>
+            </a:xfrm>
+            <a:prstGeom prst="rect">
+              <a:avLst/>
+            </a:prstGeom>
+            <a:noFill/>
+            <a:ln w="6350">
+              <a:noFill/>
+            </a:ln>
+            <a:effectLst/>
+          </p:spPr>
+          <p:txBody>
+            <a:bodyPr rot="0" spcFirstLastPara="0" vert="horz" wrap="square" lIns="91440" tIns="45720" rIns="91440" bIns="45720" numCol="1" spcCol="0" rtlCol="0" fromWordArt="0" anchor="t" anchorCtr="0" forceAA="0" compatLnSpc="1">
+              <a:prstTxWarp prst="textNoShape">
+                <a:avLst/>
+              </a:prstTxWarp>
+              <a:noAutofit/>
+            </a:bodyPr>
+            <a:lstStyle/>
+            <a:p>
+              <a:pPr marL="0" marR="0" lvl="0" indent="0" algn="just" defTabSz="914400" eaLnBrk="1" fontAlgn="auto" latinLnBrk="0" hangingPunct="1">
+                <a:lnSpc>
+                  <a:spcPct val="100000"/>
+                </a:lnSpc>
+                <a:spcBef>
+                  <a:spcPts val="0"/>
+                </a:spcBef>
+                <a:spcAft>
+                  <a:spcPts val="0"/>
+                </a:spcAft>
+                <a:buClrTx/>
+                <a:buSzTx/>
+                <a:buFontTx/>
+                <a:buNone/>
+                <a:tabLst/>
+                <a:defRPr/>
+              </a:pPr>
+              <a:r>
+                <a:rPr kumimoji="0" lang="en-US" b="0" i="0" u="none" strike="noStrike" kern="0" cap="none" spc="0" normalizeH="0" baseline="0" noProof="0" dirty="0">
+                  <a:ln>
+                    <a:noFill/>
+                  </a:ln>
+                  <a:solidFill>
+                    <a:sysClr val="windowText" lastClr="000000"/>
+                  </a:solidFill>
+                  <a:effectLst/>
+                  <a:uLnTx/>
+                  <a:uFillTx/>
+                  <a:latin typeface="Times New Roman"/>
+                  <a:cs typeface="宋体"/>
+                </a:rPr>
+                <a:t>A</a:t>
+              </a:r>
+              <a:endParaRPr kumimoji="0" lang="zh-CN" altLang="en-US" b="0" i="0" u="none" strike="noStrike" kern="0" cap="none" spc="0" normalizeH="0" baseline="0" noProof="0" dirty="0">
+                <a:ln>
+                  <a:noFill/>
+                </a:ln>
+                <a:solidFill>
+                  <a:sysClr val="windowText" lastClr="000000"/>
+                </a:solidFill>
+                <a:effectLst/>
+                <a:uLnTx/>
+                <a:uFillTx/>
+                <a:latin typeface="宋体"/>
+                <a:ea typeface="宋体"/>
+                <a:cs typeface="宋体"/>
+              </a:endParaRPr>
+            </a:p>
+          </p:txBody>
+        </p:sp>
+        <p:sp>
+          <p:nvSpPr>
+            <p:cNvPr id="58" name="文本框 114"/>
+            <p:cNvSpPr txBox="1"/>
+            <p:nvPr/>
+          </p:nvSpPr>
+          <p:spPr>
+            <a:xfrm>
+              <a:off x="2905125" y="761024"/>
+              <a:ext cx="333375" cy="304800"/>
+            </a:xfrm>
+            <a:prstGeom prst="rect">
+              <a:avLst/>
+            </a:prstGeom>
+            <a:noFill/>
+            <a:ln w="6350">
+              <a:noFill/>
+            </a:ln>
+            <a:effectLst/>
+          </p:spPr>
+          <p:txBody>
+            <a:bodyPr rot="0" spcFirstLastPara="0" vert="horz" wrap="square" lIns="91440" tIns="45720" rIns="91440" bIns="45720" numCol="1" spcCol="0" rtlCol="0" fromWordArt="0" anchor="t" anchorCtr="0" forceAA="0" compatLnSpc="1">
+              <a:prstTxWarp prst="textNoShape">
+                <a:avLst/>
+              </a:prstTxWarp>
+              <a:noAutofit/>
+            </a:bodyPr>
+            <a:lstStyle/>
+            <a:p>
+              <a:pPr marL="0" marR="0" lvl="0" indent="0" algn="just" defTabSz="914400" eaLnBrk="1" fontAlgn="auto" latinLnBrk="0" hangingPunct="1">
+                <a:lnSpc>
+                  <a:spcPct val="100000"/>
+                </a:lnSpc>
+                <a:spcBef>
+                  <a:spcPts val="0"/>
+                </a:spcBef>
+                <a:spcAft>
+                  <a:spcPts val="0"/>
+                </a:spcAft>
+                <a:buClrTx/>
+                <a:buSzTx/>
+                <a:buFontTx/>
+                <a:buNone/>
+                <a:tabLst/>
+                <a:defRPr/>
+              </a:pPr>
+              <a:r>
+                <a:rPr kumimoji="0" lang="en-US" b="0" i="0" u="none" strike="noStrike" kern="0" cap="none" spc="0" normalizeH="0" baseline="0" noProof="0" dirty="0">
+                  <a:ln>
+                    <a:noFill/>
+                  </a:ln>
+                  <a:solidFill>
+                    <a:sysClr val="windowText" lastClr="000000"/>
+                  </a:solidFill>
+                  <a:effectLst/>
+                  <a:uLnTx/>
+                  <a:uFillTx/>
+                  <a:latin typeface="Times New Roman"/>
+                  <a:cs typeface="宋体"/>
+                </a:rPr>
+                <a:t>B</a:t>
+              </a:r>
+              <a:endParaRPr kumimoji="0" lang="zh-CN" altLang="en-US" b="0" i="0" u="none" strike="noStrike" kern="0" cap="none" spc="0" normalizeH="0" baseline="0" noProof="0" dirty="0">
+                <a:ln>
+                  <a:noFill/>
+                </a:ln>
+                <a:solidFill>
+                  <a:sysClr val="windowText" lastClr="000000"/>
+                </a:solidFill>
+                <a:effectLst/>
+                <a:uLnTx/>
+                <a:uFillTx/>
+                <a:latin typeface="宋体"/>
+                <a:ea typeface="宋体"/>
+                <a:cs typeface="宋体"/>
+              </a:endParaRPr>
+            </a:p>
+          </p:txBody>
+        </p:sp>
+        <p:sp>
+          <p:nvSpPr>
+            <p:cNvPr id="59" name="文本框 114"/>
+            <p:cNvSpPr txBox="1"/>
+            <p:nvPr/>
+          </p:nvSpPr>
+          <p:spPr>
+            <a:xfrm>
+              <a:off x="4638675" y="714375"/>
+              <a:ext cx="333375" cy="304800"/>
+            </a:xfrm>
+            <a:prstGeom prst="rect">
+              <a:avLst/>
+            </a:prstGeom>
+            <a:noFill/>
+            <a:ln w="6350">
+              <a:noFill/>
+            </a:ln>
+            <a:effectLst/>
+          </p:spPr>
+          <p:txBody>
+            <a:bodyPr rot="0" spcFirstLastPara="0" vert="horz" wrap="square" lIns="91440" tIns="45720" rIns="91440" bIns="45720" numCol="1" spcCol="0" rtlCol="0" fromWordArt="0" anchor="t" anchorCtr="0" forceAA="0" compatLnSpc="1">
+              <a:prstTxWarp prst="textNoShape">
+                <a:avLst/>
+              </a:prstTxWarp>
+              <a:noAutofit/>
+            </a:bodyPr>
+            <a:lstStyle/>
+            <a:p>
+              <a:pPr marL="0" marR="0" lvl="0" indent="0" algn="just" defTabSz="914400" eaLnBrk="1" fontAlgn="auto" latinLnBrk="0" hangingPunct="1">
+                <a:lnSpc>
+                  <a:spcPct val="100000"/>
+                </a:lnSpc>
+                <a:spcBef>
+                  <a:spcPts val="0"/>
+                </a:spcBef>
+                <a:spcAft>
+                  <a:spcPts val="0"/>
+                </a:spcAft>
+                <a:buClrTx/>
+                <a:buSzTx/>
+                <a:buFontTx/>
+                <a:buNone/>
+                <a:tabLst/>
+                <a:defRPr/>
+              </a:pPr>
+              <a:r>
+                <a:rPr kumimoji="0" lang="en-US" b="0" i="0" u="none" strike="noStrike" kern="0" cap="none" spc="0" normalizeH="0" baseline="0" noProof="0" dirty="0">
+                  <a:ln>
+                    <a:noFill/>
+                  </a:ln>
+                  <a:solidFill>
+                    <a:sysClr val="windowText" lastClr="000000"/>
+                  </a:solidFill>
+                  <a:effectLst/>
+                  <a:uLnTx/>
+                  <a:uFillTx/>
+                  <a:latin typeface="Times New Roman"/>
+                  <a:cs typeface="宋体"/>
+                </a:rPr>
+                <a:t>C</a:t>
+              </a:r>
+              <a:endParaRPr kumimoji="0" lang="zh-CN" altLang="en-US" b="0" i="0" u="none" strike="noStrike" kern="0" cap="none" spc="0" normalizeH="0" baseline="0" noProof="0" dirty="0">
+                <a:ln>
+                  <a:noFill/>
+                </a:ln>
+                <a:solidFill>
+                  <a:sysClr val="windowText" lastClr="000000"/>
+                </a:solidFill>
+                <a:effectLst/>
+                <a:uLnTx/>
+                <a:uFillTx/>
+                <a:latin typeface="宋体"/>
+                <a:ea typeface="宋体"/>
+                <a:cs typeface="宋体"/>
+              </a:endParaRPr>
+            </a:p>
+          </p:txBody>
+        </p:sp>
+        <p:sp>
+          <p:nvSpPr>
+            <p:cNvPr id="60" name="文本框 114"/>
+            <p:cNvSpPr txBox="1"/>
+            <p:nvPr/>
+          </p:nvSpPr>
+          <p:spPr>
+            <a:xfrm>
+              <a:off x="247641" y="2343152"/>
+              <a:ext cx="276225" cy="304800"/>
+            </a:xfrm>
+            <a:prstGeom prst="rect">
+              <a:avLst/>
+            </a:prstGeom>
+            <a:noFill/>
+            <a:ln w="6350">
+              <a:noFill/>
+            </a:ln>
+            <a:effectLst/>
+          </p:spPr>
+          <p:txBody>
+            <a:bodyPr rot="0" spcFirstLastPara="0" vert="horz" wrap="square" lIns="91440" tIns="45720" rIns="91440" bIns="45720" numCol="1" spcCol="0" rtlCol="0" fromWordArt="0" anchor="t" anchorCtr="0" forceAA="0" compatLnSpc="1">
+              <a:prstTxWarp prst="textNoShape">
+                <a:avLst/>
+              </a:prstTxWarp>
+              <a:noAutofit/>
+            </a:bodyPr>
+            <a:lstStyle/>
+            <a:p>
+              <a:pPr marL="0" marR="0" lvl="0" indent="0" algn="just" defTabSz="914400" eaLnBrk="1" fontAlgn="auto" latinLnBrk="0" hangingPunct="1">
+                <a:lnSpc>
+                  <a:spcPct val="100000"/>
+                </a:lnSpc>
+                <a:spcBef>
+                  <a:spcPts val="0"/>
+                </a:spcBef>
+                <a:spcAft>
+                  <a:spcPts val="0"/>
+                </a:spcAft>
+                <a:buClrTx/>
+                <a:buSzTx/>
+                <a:buFontTx/>
+                <a:buNone/>
+                <a:tabLst/>
+                <a:defRPr/>
+              </a:pPr>
+              <a:r>
+                <a:rPr kumimoji="0" lang="en-US" b="0" i="0" u="none" strike="noStrike" kern="0" cap="none" spc="0" normalizeH="0" baseline="0" noProof="0" dirty="0">
+                  <a:ln>
+                    <a:noFill/>
+                  </a:ln>
+                  <a:solidFill>
+                    <a:sysClr val="windowText" lastClr="000000"/>
+                  </a:solidFill>
+                  <a:effectLst/>
+                  <a:uLnTx/>
+                  <a:uFillTx/>
+                  <a:latin typeface="Times New Roman"/>
+                  <a:cs typeface="宋体"/>
+                </a:rPr>
+                <a:t>A</a:t>
+              </a:r>
+              <a:endParaRPr kumimoji="0" lang="zh-CN" altLang="en-US" b="0" i="0" u="none" strike="noStrike" kern="0" cap="none" spc="0" normalizeH="0" baseline="0" noProof="0" dirty="0">
+                <a:ln>
+                  <a:noFill/>
+                </a:ln>
+                <a:solidFill>
+                  <a:sysClr val="windowText" lastClr="000000"/>
+                </a:solidFill>
+                <a:effectLst/>
+                <a:uLnTx/>
+                <a:uFillTx/>
+                <a:latin typeface="宋体"/>
+                <a:ea typeface="宋体"/>
+                <a:cs typeface="宋体"/>
+              </a:endParaRPr>
+            </a:p>
+          </p:txBody>
+        </p:sp>
+        <p:sp>
+          <p:nvSpPr>
+            <p:cNvPr id="61" name="文本框 114"/>
+            <p:cNvSpPr txBox="1"/>
+            <p:nvPr/>
+          </p:nvSpPr>
+          <p:spPr>
+            <a:xfrm>
+              <a:off x="2066925" y="2305049"/>
+              <a:ext cx="276225" cy="304800"/>
+            </a:xfrm>
+            <a:prstGeom prst="rect">
+              <a:avLst/>
+            </a:prstGeom>
+            <a:noFill/>
+            <a:ln w="6350">
+              <a:noFill/>
+            </a:ln>
+            <a:effectLst/>
+          </p:spPr>
+          <p:txBody>
+            <a:bodyPr rot="0" spcFirstLastPara="0" vert="horz" wrap="square" lIns="91440" tIns="45720" rIns="91440" bIns="45720" numCol="1" spcCol="0" rtlCol="0" fromWordArt="0" anchor="t" anchorCtr="0" forceAA="0" compatLnSpc="1">
+              <a:prstTxWarp prst="textNoShape">
+                <a:avLst/>
+              </a:prstTxWarp>
+              <a:noAutofit/>
+            </a:bodyPr>
+            <a:lstStyle/>
+            <a:p>
+              <a:pPr marL="0" marR="0" lvl="0" indent="0" algn="just" defTabSz="914400" eaLnBrk="1" fontAlgn="auto" latinLnBrk="0" hangingPunct="1">
+                <a:lnSpc>
+                  <a:spcPct val="100000"/>
+                </a:lnSpc>
+                <a:spcBef>
+                  <a:spcPts val="0"/>
+                </a:spcBef>
+                <a:spcAft>
+                  <a:spcPts val="0"/>
+                </a:spcAft>
+                <a:buClrTx/>
+                <a:buSzTx/>
+                <a:buFontTx/>
+                <a:buNone/>
+                <a:tabLst/>
+                <a:defRPr/>
+              </a:pPr>
+              <a:r>
+                <a:rPr kumimoji="0" lang="en-US" b="0" i="0" u="none" strike="noStrike" kern="0" cap="none" spc="0" normalizeH="0" baseline="0" noProof="0" dirty="0">
+                  <a:ln>
+                    <a:noFill/>
+                  </a:ln>
+                  <a:solidFill>
+                    <a:sysClr val="windowText" lastClr="000000"/>
+                  </a:solidFill>
+                  <a:effectLst/>
+                  <a:uLnTx/>
+                  <a:uFillTx/>
+                  <a:latin typeface="Times New Roman"/>
+                  <a:cs typeface="宋体"/>
+                </a:rPr>
+                <a:t>B</a:t>
+              </a:r>
+              <a:endParaRPr kumimoji="0" lang="zh-CN" altLang="en-US" b="0" i="0" u="none" strike="noStrike" kern="0" cap="none" spc="0" normalizeH="0" baseline="0" noProof="0" dirty="0">
+                <a:ln>
+                  <a:noFill/>
+                </a:ln>
+                <a:solidFill>
+                  <a:sysClr val="windowText" lastClr="000000"/>
+                </a:solidFill>
+                <a:effectLst/>
+                <a:uLnTx/>
+                <a:uFillTx/>
+                <a:latin typeface="宋体"/>
+                <a:ea typeface="宋体"/>
+                <a:cs typeface="宋体"/>
+              </a:endParaRPr>
+            </a:p>
+          </p:txBody>
+        </p:sp>
+        <p:sp>
+          <p:nvSpPr>
+            <p:cNvPr id="62" name="文本框 114"/>
+            <p:cNvSpPr txBox="1"/>
+            <p:nvPr/>
+          </p:nvSpPr>
+          <p:spPr>
+            <a:xfrm>
+              <a:off x="1076325" y="3104175"/>
+              <a:ext cx="276225" cy="304800"/>
+            </a:xfrm>
+            <a:prstGeom prst="rect">
+              <a:avLst/>
+            </a:prstGeom>
+            <a:noFill/>
+            <a:ln w="6350">
+              <a:noFill/>
+            </a:ln>
+            <a:effectLst/>
+          </p:spPr>
+          <p:txBody>
+            <a:bodyPr rot="0" spcFirstLastPara="0" vert="horz" wrap="square" lIns="91440" tIns="45720" rIns="91440" bIns="45720" numCol="1" spcCol="0" rtlCol="0" fromWordArt="0" anchor="t" anchorCtr="0" forceAA="0" compatLnSpc="1">
+              <a:prstTxWarp prst="textNoShape">
+                <a:avLst/>
+              </a:prstTxWarp>
+              <a:noAutofit/>
+            </a:bodyPr>
+            <a:lstStyle/>
+            <a:p>
+              <a:pPr marL="0" marR="0" lvl="0" indent="0" algn="just" defTabSz="914400" eaLnBrk="1" fontAlgn="auto" latinLnBrk="0" hangingPunct="1">
+                <a:lnSpc>
+                  <a:spcPct val="100000"/>
+                </a:lnSpc>
+                <a:spcBef>
+                  <a:spcPts val="0"/>
+                </a:spcBef>
+                <a:spcAft>
+                  <a:spcPts val="0"/>
+                </a:spcAft>
+                <a:buClrTx/>
+                <a:buSzTx/>
+                <a:buFontTx/>
+                <a:buNone/>
+                <a:tabLst/>
+                <a:defRPr/>
+              </a:pPr>
+              <a:r>
+                <a:rPr kumimoji="0" lang="en-US" b="0" i="0" u="none" strike="noStrike" kern="0" cap="none" spc="0" normalizeH="0" baseline="0" noProof="0" dirty="0">
+                  <a:ln>
+                    <a:noFill/>
+                  </a:ln>
+                  <a:solidFill>
+                    <a:sysClr val="windowText" lastClr="000000"/>
+                  </a:solidFill>
+                  <a:effectLst/>
+                  <a:uLnTx/>
+                  <a:uFillTx/>
+                  <a:latin typeface="Times New Roman"/>
+                  <a:cs typeface="宋体"/>
+                </a:rPr>
+                <a:t>C</a:t>
+              </a:r>
+              <a:endParaRPr kumimoji="0" lang="zh-CN" altLang="en-US" b="0" i="0" u="none" strike="noStrike" kern="0" cap="none" spc="0" normalizeH="0" baseline="0" noProof="0" dirty="0">
+                <a:ln>
+                  <a:noFill/>
+                </a:ln>
+                <a:solidFill>
+                  <a:sysClr val="windowText" lastClr="000000"/>
+                </a:solidFill>
+                <a:effectLst/>
+                <a:uLnTx/>
+                <a:uFillTx/>
+                <a:latin typeface="宋体"/>
+                <a:ea typeface="宋体"/>
+                <a:cs typeface="宋体"/>
+              </a:endParaRPr>
+            </a:p>
+          </p:txBody>
+        </p:sp>
+        <p:sp>
+          <p:nvSpPr>
+            <p:cNvPr id="63" name="文本框 114"/>
+            <p:cNvSpPr txBox="1"/>
+            <p:nvPr/>
+          </p:nvSpPr>
+          <p:spPr>
+            <a:xfrm>
+              <a:off x="2867026" y="2799375"/>
+              <a:ext cx="276225" cy="304800"/>
+            </a:xfrm>
+            <a:prstGeom prst="rect">
+              <a:avLst/>
+            </a:prstGeom>
+            <a:noFill/>
+            <a:ln w="6350">
+              <a:noFill/>
+            </a:ln>
+            <a:effectLst/>
+          </p:spPr>
+          <p:txBody>
+            <a:bodyPr rot="0" spcFirstLastPara="0" vert="horz" wrap="square" lIns="91440" tIns="45720" rIns="91440" bIns="45720" numCol="1" spcCol="0" rtlCol="0" fromWordArt="0" anchor="t" anchorCtr="0" forceAA="0" compatLnSpc="1">
+              <a:prstTxWarp prst="textNoShape">
+                <a:avLst/>
+              </a:prstTxWarp>
+              <a:noAutofit/>
+            </a:bodyPr>
+            <a:lstStyle/>
+            <a:p>
+              <a:pPr marL="0" marR="0" lvl="0" indent="0" algn="just" defTabSz="914400" eaLnBrk="1" fontAlgn="auto" latinLnBrk="0" hangingPunct="1">
+                <a:lnSpc>
+                  <a:spcPct val="100000"/>
+                </a:lnSpc>
+                <a:spcBef>
+                  <a:spcPts val="0"/>
+                </a:spcBef>
+                <a:spcAft>
+                  <a:spcPts val="0"/>
+                </a:spcAft>
+                <a:buClrTx/>
+                <a:buSzTx/>
+                <a:buFontTx/>
+                <a:buNone/>
+                <a:tabLst/>
+                <a:defRPr/>
+              </a:pPr>
+              <a:r>
+                <a:rPr kumimoji="0" lang="en-US" b="0" i="0" u="none" strike="noStrike" kern="0" cap="none" spc="0" normalizeH="0" baseline="0" noProof="0" dirty="0">
+                  <a:ln>
+                    <a:noFill/>
+                  </a:ln>
+                  <a:solidFill>
+                    <a:sysClr val="windowText" lastClr="000000"/>
+                  </a:solidFill>
+                  <a:effectLst/>
+                  <a:uLnTx/>
+                  <a:uFillTx/>
+                  <a:latin typeface="Times New Roman"/>
+                  <a:cs typeface="宋体"/>
+                </a:rPr>
+                <a:t>A</a:t>
+              </a:r>
+              <a:endParaRPr kumimoji="0" lang="zh-CN" altLang="en-US" b="0" i="0" u="none" strike="noStrike" kern="0" cap="none" spc="0" normalizeH="0" baseline="0" noProof="0" dirty="0">
+                <a:ln>
+                  <a:noFill/>
+                </a:ln>
+                <a:solidFill>
+                  <a:sysClr val="windowText" lastClr="000000"/>
+                </a:solidFill>
+                <a:effectLst/>
+                <a:uLnTx/>
+                <a:uFillTx/>
+                <a:latin typeface="宋体"/>
+                <a:ea typeface="宋体"/>
+                <a:cs typeface="宋体"/>
+              </a:endParaRPr>
+            </a:p>
+          </p:txBody>
+        </p:sp>
+        <p:sp>
+          <p:nvSpPr>
+            <p:cNvPr id="64" name="文本框 114"/>
+            <p:cNvSpPr txBox="1"/>
+            <p:nvPr/>
+          </p:nvSpPr>
+          <p:spPr>
+            <a:xfrm>
+              <a:off x="4857750" y="2953463"/>
+              <a:ext cx="276225" cy="304800"/>
+            </a:xfrm>
+            <a:prstGeom prst="rect">
+              <a:avLst/>
+            </a:prstGeom>
+            <a:noFill/>
+            <a:ln w="6350">
+              <a:noFill/>
+            </a:ln>
+            <a:effectLst/>
+          </p:spPr>
+          <p:txBody>
+            <a:bodyPr rot="0" spcFirstLastPara="0" vert="horz" wrap="square" lIns="91440" tIns="45720" rIns="91440" bIns="45720" numCol="1" spcCol="0" rtlCol="0" fromWordArt="0" anchor="t" anchorCtr="0" forceAA="0" compatLnSpc="1">
+              <a:prstTxWarp prst="textNoShape">
+                <a:avLst/>
+              </a:prstTxWarp>
+              <a:noAutofit/>
+            </a:bodyPr>
+            <a:lstStyle/>
+            <a:p>
+              <a:pPr marL="0" marR="0" lvl="0" indent="0" algn="just" defTabSz="914400" eaLnBrk="1" fontAlgn="auto" latinLnBrk="0" hangingPunct="1">
+                <a:lnSpc>
+                  <a:spcPct val="100000"/>
+                </a:lnSpc>
+                <a:spcBef>
+                  <a:spcPts val="0"/>
+                </a:spcBef>
+                <a:spcAft>
+                  <a:spcPts val="0"/>
+                </a:spcAft>
+                <a:buClrTx/>
+                <a:buSzTx/>
+                <a:buFontTx/>
+                <a:buNone/>
+                <a:tabLst/>
+                <a:defRPr/>
+              </a:pPr>
+              <a:r>
+                <a:rPr kumimoji="0" lang="en-US" b="0" i="0" u="none" strike="noStrike" kern="0" cap="none" spc="0" normalizeH="0" baseline="0" noProof="0" dirty="0">
+                  <a:ln>
+                    <a:noFill/>
+                  </a:ln>
+                  <a:solidFill>
+                    <a:sysClr val="windowText" lastClr="000000"/>
+                  </a:solidFill>
+                  <a:effectLst/>
+                  <a:uLnTx/>
+                  <a:uFillTx/>
+                  <a:latin typeface="Times New Roman"/>
+                  <a:cs typeface="宋体"/>
+                </a:rPr>
+                <a:t>B</a:t>
+              </a:r>
+              <a:endParaRPr kumimoji="0" lang="zh-CN" altLang="en-US" b="0" i="0" u="none" strike="noStrike" kern="0" cap="none" spc="0" normalizeH="0" baseline="0" noProof="0" dirty="0">
+                <a:ln>
+                  <a:noFill/>
+                </a:ln>
+                <a:solidFill>
+                  <a:sysClr val="windowText" lastClr="000000"/>
+                </a:solidFill>
+                <a:effectLst/>
+                <a:uLnTx/>
+                <a:uFillTx/>
+                <a:latin typeface="宋体"/>
+                <a:ea typeface="宋体"/>
+                <a:cs typeface="宋体"/>
+              </a:endParaRPr>
+            </a:p>
+          </p:txBody>
+        </p:sp>
+        <p:sp>
+          <p:nvSpPr>
+            <p:cNvPr id="65" name="文本框 114"/>
+            <p:cNvSpPr txBox="1"/>
+            <p:nvPr/>
+          </p:nvSpPr>
+          <p:spPr>
+            <a:xfrm>
+              <a:off x="3638327" y="3410307"/>
+              <a:ext cx="276225" cy="304800"/>
+            </a:xfrm>
+            <a:prstGeom prst="rect">
+              <a:avLst/>
+            </a:prstGeom>
+            <a:noFill/>
+            <a:ln w="6350">
+              <a:noFill/>
+            </a:ln>
+            <a:effectLst/>
+          </p:spPr>
+          <p:txBody>
+            <a:bodyPr rot="0" spcFirstLastPara="0" vert="horz" wrap="square" lIns="91440" tIns="45720" rIns="91440" bIns="45720" numCol="1" spcCol="0" rtlCol="0" fromWordArt="0" anchor="t" anchorCtr="0" forceAA="0" compatLnSpc="1">
+              <a:prstTxWarp prst="textNoShape">
+                <a:avLst/>
+              </a:prstTxWarp>
+              <a:noAutofit/>
+            </a:bodyPr>
+            <a:lstStyle/>
+            <a:p>
+              <a:pPr marL="0" marR="0" lvl="0" indent="0" algn="just" defTabSz="914400" eaLnBrk="1" fontAlgn="auto" latinLnBrk="0" hangingPunct="1">
+                <a:lnSpc>
+                  <a:spcPct val="100000"/>
+                </a:lnSpc>
+                <a:spcBef>
+                  <a:spcPts val="0"/>
+                </a:spcBef>
+                <a:spcAft>
+                  <a:spcPts val="0"/>
+                </a:spcAft>
+                <a:buClrTx/>
+                <a:buSzTx/>
+                <a:buFontTx/>
+                <a:buNone/>
+                <a:tabLst/>
+                <a:defRPr/>
+              </a:pPr>
+              <a:r>
+                <a:rPr kumimoji="0" lang="en-US" b="0" i="0" u="none" strike="noStrike" kern="0" cap="none" spc="0" normalizeH="0" baseline="0" noProof="0" dirty="0">
+                  <a:ln>
+                    <a:noFill/>
+                  </a:ln>
+                  <a:solidFill>
+                    <a:sysClr val="windowText" lastClr="000000"/>
+                  </a:solidFill>
+                  <a:effectLst/>
+                  <a:uLnTx/>
+                  <a:uFillTx/>
+                  <a:latin typeface="Times New Roman"/>
+                  <a:cs typeface="宋体"/>
+                </a:rPr>
+                <a:t>C</a:t>
+              </a:r>
+              <a:endParaRPr kumimoji="0" lang="zh-CN" altLang="en-US" b="0" i="0" u="none" strike="noStrike" kern="0" cap="none" spc="0" normalizeH="0" baseline="0" noProof="0" dirty="0">
+                <a:ln>
+                  <a:noFill/>
+                </a:ln>
+                <a:solidFill>
+                  <a:sysClr val="windowText" lastClr="000000"/>
+                </a:solidFill>
+                <a:effectLst/>
+                <a:uLnTx/>
+                <a:uFillTx/>
+                <a:latin typeface="宋体"/>
+                <a:ea typeface="宋体"/>
+                <a:cs typeface="宋体"/>
+              </a:endParaRPr>
+            </a:p>
+          </p:txBody>
+        </p:sp>
+      </p:grpSp>
     </p:spTree>
     <p:extLst>
       <p:ext uri="{BB962C8B-B14F-4D97-AF65-F5344CB8AC3E}">
-        <p14:creationId xmlns:p14="http://schemas.microsoft.com/office/powerpoint/2010/main" val="2528434094"/>
+        <p14:creationId xmlns:p14="http://schemas.microsoft.com/office/powerpoint/2010/main" val="2782134580"/>
       </p:ext>
     </p:extLst>
   </p:cSld>
@@ -10017,7 +13743,7 @@
         </p:nvSpPr>
         <p:spPr>
           <a:xfrm>
-            <a:off x="2627784" y="5742384"/>
+            <a:off x="2640334" y="5715000"/>
             <a:ext cx="6512511" cy="1143000"/>
           </a:xfrm>
         </p:spPr>
@@ -10027,46 +13753,38 @@
           <a:p>
             <a:r>
               <a:rPr lang="zh-CN" altLang="en-US" dirty="0" smtClean="0"/>
-              <a:t>视频云摘要和云检索</a:t>
+              <a:t>视频摘要生成</a:t>
             </a:r>
             <a:endParaRPr lang="zh-CN" altLang="en-US" dirty="0"/>
           </a:p>
         </p:txBody>
       </p:sp>
-      <p:sp>
-        <p:nvSpPr>
-          <p:cNvPr id="3" name="内容占位符 2"/>
-          <p:cNvSpPr>
-            <a:spLocks noGrp="1"/>
-          </p:cNvSpPr>
-          <p:nvPr>
-            <p:ph sz="quarter" idx="13"/>
-          </p:nvPr>
-        </p:nvSpPr>
-        <p:spPr/>
-        <p:txBody>
-          <a:bodyPr/>
-          <a:lstStyle/>
-          <a:p>
-            <a:r>
-              <a:rPr lang="zh-CN" altLang="en-US" dirty="0" smtClean="0"/>
-              <a:t>单一监控摄像头或视频的摘要和查询问题解决了，但是仅仅解决了局部问题而不是整体问题。</a:t>
-            </a:r>
-            <a:endParaRPr lang="en-US" altLang="zh-CN" dirty="0" smtClean="0"/>
-          </a:p>
-          <a:p>
-            <a:r>
-              <a:rPr lang="zh-CN" altLang="en-US" dirty="0" smtClean="0"/>
-              <a:t>将视频摘要和视频信息检索跟云处理相结合，成为了海量监控视频摘要与检索的唯一出路。</a:t>
-            </a:r>
-            <a:endParaRPr lang="zh-CN" altLang="en-US" dirty="0"/>
-          </a:p>
-        </p:txBody>
-      </p:sp>
+      <p:pic>
+        <p:nvPicPr>
+          <p:cNvPr id="4" name="图片 3"/>
+          <p:cNvPicPr/>
+          <p:nvPr/>
+        </p:nvPicPr>
+        <p:blipFill>
+          <a:blip r:embed="rId2"/>
+          <a:stretch>
+            <a:fillRect/>
+          </a:stretch>
+        </p:blipFill>
+        <p:spPr>
+          <a:xfrm>
+            <a:off x="2123728" y="260648"/>
+            <a:ext cx="5400600" cy="4797152"/>
+          </a:xfrm>
+          <a:prstGeom prst="rect">
+            <a:avLst/>
+          </a:prstGeom>
+        </p:spPr>
+      </p:pic>
     </p:spTree>
     <p:extLst>
       <p:ext uri="{BB962C8B-B14F-4D97-AF65-F5344CB8AC3E}">
-        <p14:creationId xmlns:p14="http://schemas.microsoft.com/office/powerpoint/2010/main" val="3756721532"/>
+        <p14:creationId xmlns:p14="http://schemas.microsoft.com/office/powerpoint/2010/main" val="2843008778"/>
       </p:ext>
     </p:extLst>
   </p:cSld>
@@ -10121,71 +13839,249 @@
           <a:lstStyle/>
           <a:p>
             <a:r>
+              <a:rPr lang="zh-CN" altLang="en-US" smtClean="0"/>
+              <a:t>特征提取关键</a:t>
+            </a:r>
+            <a:r>
               <a:rPr lang="zh-CN" altLang="en-US" dirty="0" smtClean="0"/>
-              <a:t>云框架</a:t>
+              <a:t>技术</a:t>
             </a:r>
             <a:endParaRPr lang="zh-CN" altLang="en-US" dirty="0"/>
           </a:p>
         </p:txBody>
       </p:sp>
-      <p:pic>
-        <p:nvPicPr>
-          <p:cNvPr id="2050" name="Picture 2"/>
-          <p:cNvPicPr>
-            <a:picLocks noChangeAspect="1" noChangeArrowheads="1"/>
-          </p:cNvPicPr>
+      <p:sp>
+        <p:nvSpPr>
+          <p:cNvPr id="8" name="左大括号 7"/>
+          <p:cNvSpPr/>
           <p:nvPr/>
-        </p:nvPicPr>
-        <p:blipFill>
-          <a:blip r:embed="rId2">
-            <a:extLst>
-              <a:ext uri="{28A0092B-C50C-407E-A947-70E740481C1C}">
-                <a14:useLocalDpi xmlns:a14="http://schemas.microsoft.com/office/drawing/2010/main" val="0"/>
-              </a:ext>
-            </a:extLst>
-          </a:blip>
-          <a:srcRect/>
-          <a:stretch>
-            <a:fillRect/>
-          </a:stretch>
-        </p:blipFill>
-        <p:spPr bwMode="auto">
+        </p:nvSpPr>
+        <p:spPr>
           <a:xfrm>
-            <a:off x="971600" y="0"/>
-            <a:ext cx="6840760" cy="5655028"/>
+            <a:off x="2995273" y="1732746"/>
+            <a:ext cx="396044" cy="1903566"/>
+          </a:xfrm>
+          <a:prstGeom prst="leftBrace">
+            <a:avLst/>
+          </a:prstGeom>
+        </p:spPr>
+        <p:style>
+          <a:lnRef idx="1">
+            <a:schemeClr val="accent1"/>
+          </a:lnRef>
+          <a:fillRef idx="0">
+            <a:schemeClr val="accent1"/>
+          </a:fillRef>
+          <a:effectRef idx="0">
+            <a:schemeClr val="accent1"/>
+          </a:effectRef>
+          <a:fontRef idx="minor">
+            <a:schemeClr val="tx1"/>
+          </a:fontRef>
+        </p:style>
+        <p:txBody>
+          <a:bodyPr rtlCol="0" anchor="ctr"/>
+          <a:lstStyle/>
+          <a:p>
+            <a:pPr algn="ctr"/>
+            <a:endParaRPr lang="zh-CN" altLang="en-US"/>
+          </a:p>
+        </p:txBody>
+      </p:sp>
+      <p:sp>
+        <p:nvSpPr>
+          <p:cNvPr id="9" name="TextBox 8"/>
+          <p:cNvSpPr txBox="1"/>
+          <p:nvPr/>
+        </p:nvSpPr>
+        <p:spPr>
+          <a:xfrm>
+            <a:off x="3491880" y="3388930"/>
+            <a:ext cx="2749471" cy="400110"/>
           </a:xfrm>
           <a:prstGeom prst="rect">
             <a:avLst/>
           </a:prstGeom>
           <a:noFill/>
-          <a:ln>
-            <a:noFill/>
-          </a:ln>
-          <a:extLst>
-            <a:ext uri="{909E8E84-426E-40DD-AFC4-6F175D3DCCD1}">
-              <a14:hiddenFill xmlns:a14="http://schemas.microsoft.com/office/drawing/2010/main">
-                <a:solidFill>
-                  <a:schemeClr val="accent1"/>
-                </a:solidFill>
-              </a14:hiddenFill>
-            </a:ext>
-            <a:ext uri="{91240B29-F687-4F45-9708-019B960494DF}">
-              <a14:hiddenLine xmlns:a14="http://schemas.microsoft.com/office/drawing/2010/main" w="9525">
-                <a:solidFill>
-                  <a:schemeClr val="tx1"/>
-                </a:solidFill>
-                <a:miter lim="800000"/>
-                <a:headEnd/>
-                <a:tailEnd/>
-              </a14:hiddenLine>
-            </a:ext>
-          </a:extLst>
         </p:spPr>
-      </p:pic>
+        <p:txBody>
+          <a:bodyPr wrap="none" rtlCol="0">
+            <a:spAutoFit/>
+          </a:bodyPr>
+          <a:lstStyle/>
+          <a:p>
+            <a:r>
+              <a:rPr lang="zh-CN" altLang="en-US" sz="2000" dirty="0" smtClean="0"/>
+              <a:t>颜色特征：颜色直方图</a:t>
+            </a:r>
+            <a:endParaRPr lang="zh-CN" altLang="en-US" sz="2000" dirty="0"/>
+          </a:p>
+        </p:txBody>
+      </p:sp>
+      <p:sp>
+        <p:nvSpPr>
+          <p:cNvPr id="10" name="矩形 9"/>
+          <p:cNvSpPr/>
+          <p:nvPr/>
+        </p:nvSpPr>
+        <p:spPr>
+          <a:xfrm>
+            <a:off x="3459262" y="2524834"/>
+            <a:ext cx="1256754" cy="400110"/>
+          </a:xfrm>
+          <a:prstGeom prst="rect">
+            <a:avLst/>
+          </a:prstGeom>
+        </p:spPr>
+        <p:txBody>
+          <a:bodyPr wrap="none">
+            <a:spAutoFit/>
+          </a:bodyPr>
+          <a:lstStyle/>
+          <a:p>
+            <a:pPr marL="45720" indent="0">
+              <a:buNone/>
+            </a:pPr>
+            <a:r>
+              <a:rPr lang="zh-CN" altLang="en-US" sz="2000" dirty="0" smtClean="0"/>
+              <a:t>运动方向</a:t>
+            </a:r>
+            <a:endParaRPr lang="en-US" altLang="zh-CN" sz="2000" dirty="0"/>
+          </a:p>
+        </p:txBody>
+      </p:sp>
+      <p:sp>
+        <p:nvSpPr>
+          <p:cNvPr id="11" name="矩形 10"/>
+          <p:cNvSpPr/>
+          <p:nvPr/>
+        </p:nvSpPr>
+        <p:spPr>
+          <a:xfrm>
+            <a:off x="3437384" y="2956882"/>
+            <a:ext cx="4591000" cy="400110"/>
+          </a:xfrm>
+          <a:prstGeom prst="rect">
+            <a:avLst/>
+          </a:prstGeom>
+        </p:spPr>
+        <p:txBody>
+          <a:bodyPr wrap="none">
+            <a:spAutoFit/>
+          </a:bodyPr>
+          <a:lstStyle/>
+          <a:p>
+            <a:pPr marL="45720" indent="0">
+              <a:buNone/>
+            </a:pPr>
+            <a:r>
+              <a:rPr lang="zh-CN" altLang="en-US" sz="2000" dirty="0" smtClean="0"/>
+              <a:t>目标类型：行人分类器和车辆分类器等</a:t>
+            </a:r>
+            <a:endParaRPr lang="en-US" altLang="zh-CN" sz="2000" dirty="0"/>
+          </a:p>
+        </p:txBody>
+      </p:sp>
+      <p:sp>
+        <p:nvSpPr>
+          <p:cNvPr id="12" name="矩形 11"/>
+          <p:cNvSpPr/>
+          <p:nvPr/>
+        </p:nvSpPr>
+        <p:spPr>
+          <a:xfrm>
+            <a:off x="3459262" y="2092786"/>
+            <a:ext cx="1256754" cy="400110"/>
+          </a:xfrm>
+          <a:prstGeom prst="rect">
+            <a:avLst/>
+          </a:prstGeom>
+        </p:spPr>
+        <p:txBody>
+          <a:bodyPr wrap="none">
+            <a:spAutoFit/>
+          </a:bodyPr>
+          <a:lstStyle/>
+          <a:p>
+            <a:pPr marL="45720" indent="0">
+              <a:buNone/>
+            </a:pPr>
+            <a:r>
+              <a:rPr lang="zh-CN" altLang="en-US" sz="2000" dirty="0" smtClean="0"/>
+              <a:t>入侵区域</a:t>
+            </a:r>
+            <a:endParaRPr lang="en-US" altLang="zh-CN" sz="2000" dirty="0"/>
+          </a:p>
+        </p:txBody>
+      </p:sp>
+      <p:sp>
+        <p:nvSpPr>
+          <p:cNvPr id="15" name="矩形 14"/>
+          <p:cNvSpPr/>
+          <p:nvPr/>
+        </p:nvSpPr>
+        <p:spPr>
+          <a:xfrm>
+            <a:off x="1547664" y="2452826"/>
+            <a:ext cx="1461939" cy="461665"/>
+          </a:xfrm>
+          <a:prstGeom prst="rect">
+            <a:avLst/>
+          </a:prstGeom>
+        </p:spPr>
+        <p:txBody>
+          <a:bodyPr wrap="none">
+            <a:spAutoFit/>
+          </a:bodyPr>
+          <a:lstStyle/>
+          <a:p>
+            <a:pPr marL="45720" indent="0">
+              <a:buNone/>
+            </a:pPr>
+            <a:r>
+              <a:rPr lang="zh-CN" altLang="en-US" sz="2400" dirty="0" smtClean="0"/>
+              <a:t>特征查找</a:t>
+            </a:r>
+            <a:endParaRPr lang="en-US" altLang="zh-CN" sz="2400" dirty="0"/>
+          </a:p>
+        </p:txBody>
+      </p:sp>
+      <p:sp>
+        <p:nvSpPr>
+          <p:cNvPr id="14" name="矩形 13"/>
+          <p:cNvSpPr/>
+          <p:nvPr/>
+        </p:nvSpPr>
+        <p:spPr>
+          <a:xfrm>
+            <a:off x="3494387" y="1588730"/>
+            <a:ext cx="1256754" cy="400110"/>
+          </a:xfrm>
+          <a:prstGeom prst="rect">
+            <a:avLst/>
+          </a:prstGeom>
+        </p:spPr>
+        <p:txBody>
+          <a:bodyPr wrap="none">
+            <a:spAutoFit/>
+          </a:bodyPr>
+          <a:lstStyle/>
+          <a:p>
+            <a:pPr marL="45720" indent="0">
+              <a:buNone/>
+            </a:pPr>
+            <a:r>
+              <a:rPr lang="zh-CN" altLang="en-US" sz="2000" dirty="0" smtClean="0"/>
+              <a:t>发生时间</a:t>
+            </a:r>
+            <a:endParaRPr lang="en-US" altLang="zh-CN" sz="2000" dirty="0"/>
+          </a:p>
+        </p:txBody>
+      </p:sp>
     </p:spTree>
     <p:extLst>
       <p:ext uri="{BB962C8B-B14F-4D97-AF65-F5344CB8AC3E}">
-        <p14:creationId xmlns:p14="http://schemas.microsoft.com/office/powerpoint/2010/main" val="1059875998"/>
+        <p14:creationId xmlns:p14="http://schemas.microsoft.com/office/powerpoint/2010/main" val="412558560"/>
       </p:ext>
     </p:extLst>
   </p:cSld>
@@ -10231,6 +14127,413 @@
         </p:nvSpPr>
         <p:spPr>
           <a:xfrm>
+            <a:off x="2595993" y="5742384"/>
+            <a:ext cx="6512511" cy="1143000"/>
+          </a:xfrm>
+        </p:spPr>
+        <p:txBody>
+          <a:bodyPr/>
+          <a:lstStyle/>
+          <a:p>
+            <a:r>
+              <a:rPr lang="zh-CN" altLang="en-US" dirty="0" smtClean="0"/>
+              <a:t>特征提取技术路线</a:t>
+            </a:r>
+            <a:endParaRPr lang="zh-CN" altLang="en-US" dirty="0"/>
+          </a:p>
+        </p:txBody>
+      </p:sp>
+      <p:pic>
+        <p:nvPicPr>
+          <p:cNvPr id="1026" name="Picture 2"/>
+          <p:cNvPicPr>
+            <a:picLocks noChangeAspect="1" noChangeArrowheads="1"/>
+          </p:cNvPicPr>
+          <p:nvPr/>
+        </p:nvPicPr>
+        <p:blipFill>
+          <a:blip r:embed="rId2">
+            <a:extLst>
+              <a:ext uri="{28A0092B-C50C-407E-A947-70E740481C1C}">
+                <a14:useLocalDpi xmlns:a14="http://schemas.microsoft.com/office/drawing/2010/main" val="0"/>
+              </a:ext>
+            </a:extLst>
+          </a:blip>
+          <a:srcRect/>
+          <a:stretch>
+            <a:fillRect/>
+          </a:stretch>
+        </p:blipFill>
+        <p:spPr bwMode="auto">
+          <a:xfrm>
+            <a:off x="4352900" y="7494"/>
+            <a:ext cx="2019300" cy="5200650"/>
+          </a:xfrm>
+          <a:prstGeom prst="rect">
+            <a:avLst/>
+          </a:prstGeom>
+          <a:noFill/>
+          <a:ln>
+            <a:noFill/>
+          </a:ln>
+          <a:extLst>
+            <a:ext uri="{909E8E84-426E-40DD-AFC4-6F175D3DCCD1}">
+              <a14:hiddenFill xmlns:a14="http://schemas.microsoft.com/office/drawing/2010/main">
+                <a:solidFill>
+                  <a:schemeClr val="accent1"/>
+                </a:solidFill>
+              </a14:hiddenFill>
+            </a:ext>
+            <a:ext uri="{91240B29-F687-4F45-9708-019B960494DF}">
+              <a14:hiddenLine xmlns:a14="http://schemas.microsoft.com/office/drawing/2010/main" w="9525">
+                <a:solidFill>
+                  <a:schemeClr val="tx1"/>
+                </a:solidFill>
+                <a:miter lim="800000"/>
+                <a:headEnd/>
+                <a:tailEnd/>
+              </a14:hiddenLine>
+            </a:ext>
+          </a:extLst>
+        </p:spPr>
+      </p:pic>
+      <p:sp>
+        <p:nvSpPr>
+          <p:cNvPr id="3" name="TextBox 2"/>
+          <p:cNvSpPr txBox="1"/>
+          <p:nvPr/>
+        </p:nvSpPr>
+        <p:spPr>
+          <a:xfrm>
+            <a:off x="2404209" y="548680"/>
+            <a:ext cx="1015663" cy="4392488"/>
+          </a:xfrm>
+          <a:prstGeom prst="rect">
+            <a:avLst/>
+          </a:prstGeom>
+          <a:noFill/>
+        </p:spPr>
+        <p:txBody>
+          <a:bodyPr vert="eaVert" wrap="square" rtlCol="0">
+            <a:spAutoFit/>
+          </a:bodyPr>
+          <a:lstStyle/>
+          <a:p>
+            <a:r>
+              <a:rPr lang="zh-CN" altLang="en-US" dirty="0"/>
+              <a:t>基于视频摘要的视频信息检索，只需要对视频有意义的部分进行检索操作，将大大缩小视频特征处理的时间。</a:t>
+            </a:r>
+            <a:endParaRPr lang="en-US" altLang="zh-CN" dirty="0"/>
+          </a:p>
+        </p:txBody>
+      </p:sp>
+    </p:spTree>
+    <p:extLst>
+      <p:ext uri="{BB962C8B-B14F-4D97-AF65-F5344CB8AC3E}">
+        <p14:creationId xmlns:p14="http://schemas.microsoft.com/office/powerpoint/2010/main" val="1037395504"/>
+      </p:ext>
+    </p:extLst>
+  </p:cSld>
+  <p:clrMapOvr>
+    <a:masterClrMapping/>
+  </p:clrMapOvr>
+  <p:timing>
+    <p:tnLst>
+      <p:par>
+        <p:cTn id="1" dur="indefinite" restart="never" nodeType="tmRoot"/>
+      </p:par>
+    </p:tnLst>
+  </p:timing>
+</p:sld>
+</file>
+
+<file path=ppt/slides/slide24.xml><?xml version="1.0" encoding="utf-8"?>
+<p:sld xmlns:a="http://schemas.openxmlformats.org/drawingml/2006/main" xmlns:r="http://schemas.openxmlformats.org/officeDocument/2006/relationships" xmlns:p="http://schemas.openxmlformats.org/presentationml/2006/main">
+  <p:cSld>
+    <p:spTree>
+      <p:nvGrpSpPr>
+        <p:cNvPr id="1" name=""/>
+        <p:cNvGrpSpPr/>
+        <p:nvPr/>
+      </p:nvGrpSpPr>
+      <p:grpSpPr>
+        <a:xfrm>
+          <a:off x="0" y="0"/>
+          <a:ext cx="0" cy="0"/>
+          <a:chOff x="0" y="0"/>
+          <a:chExt cx="0" cy="0"/>
+        </a:xfrm>
+      </p:grpSpPr>
+      <p:sp>
+        <p:nvSpPr>
+          <p:cNvPr id="2" name="标题 1"/>
+          <p:cNvSpPr>
+            <a:spLocks noGrp="1"/>
+          </p:cNvSpPr>
+          <p:nvPr>
+            <p:ph type="title"/>
+          </p:nvPr>
+        </p:nvSpPr>
+        <p:spPr>
+          <a:xfrm>
+            <a:off x="2627784" y="5742384"/>
+            <a:ext cx="6512511" cy="1143000"/>
+          </a:xfrm>
+        </p:spPr>
+        <p:txBody>
+          <a:bodyPr/>
+          <a:lstStyle/>
+          <a:p>
+            <a:r>
+              <a:rPr lang="zh-CN" altLang="en-US" dirty="0" smtClean="0"/>
+              <a:t>技术难点</a:t>
+            </a:r>
+            <a:endParaRPr lang="zh-CN" altLang="en-US" dirty="0"/>
+          </a:p>
+        </p:txBody>
+      </p:sp>
+      <p:sp>
+        <p:nvSpPr>
+          <p:cNvPr id="3" name="内容占位符 2"/>
+          <p:cNvSpPr>
+            <a:spLocks noGrp="1"/>
+          </p:cNvSpPr>
+          <p:nvPr>
+            <p:ph sz="quarter" idx="13"/>
+          </p:nvPr>
+        </p:nvSpPr>
+        <p:spPr/>
+        <p:txBody>
+          <a:bodyPr>
+            <a:normAutofit fontScale="92500"/>
+          </a:bodyPr>
+          <a:lstStyle/>
+          <a:p>
+            <a:r>
+              <a:rPr lang="zh-CN" altLang="en-US" dirty="0" smtClean="0"/>
+              <a:t>运动对象的复杂性</a:t>
+            </a:r>
+            <a:endParaRPr lang="en-US" altLang="zh-CN" dirty="0" smtClean="0"/>
+          </a:p>
+          <a:p>
+            <a:pPr marL="45720" indent="0">
+              <a:buNone/>
+            </a:pPr>
+            <a:r>
+              <a:rPr lang="en-US" altLang="zh-CN" dirty="0"/>
+              <a:t> </a:t>
+            </a:r>
+            <a:r>
+              <a:rPr lang="en-US" altLang="zh-CN" dirty="0" smtClean="0"/>
+              <a:t>  </a:t>
+            </a:r>
+            <a:r>
+              <a:rPr lang="zh-CN" altLang="en-US" dirty="0" smtClean="0"/>
+              <a:t>运动对象太多，太杂会对跟踪造成很大的影响，具体表现为当两个运动对象有交错重叠的时候应该如何区分。</a:t>
+            </a:r>
+            <a:endParaRPr lang="en-US" altLang="zh-CN" dirty="0" smtClean="0"/>
+          </a:p>
+          <a:p>
+            <a:r>
+              <a:rPr lang="zh-CN" altLang="en-US" dirty="0" smtClean="0"/>
+              <a:t>场景的复杂性</a:t>
+            </a:r>
+            <a:endParaRPr lang="en-US" altLang="zh-CN" dirty="0" smtClean="0"/>
+          </a:p>
+          <a:p>
+            <a:pPr marL="45720" indent="0">
+              <a:buNone/>
+            </a:pPr>
+            <a:r>
+              <a:rPr lang="en-US" altLang="zh-CN" dirty="0"/>
+              <a:t> </a:t>
+            </a:r>
+            <a:r>
+              <a:rPr lang="en-US" altLang="zh-CN" dirty="0" smtClean="0"/>
+              <a:t>  </a:t>
+            </a:r>
+            <a:r>
+              <a:rPr lang="zh-CN" altLang="en-US" dirty="0" smtClean="0"/>
+              <a:t>背景因素的干扰会对运动物体检测造成一定的影响，比如下雨天的雨点，随风摇摆的树枝等。</a:t>
+            </a:r>
+            <a:endParaRPr lang="en-US" altLang="zh-CN" dirty="0" smtClean="0"/>
+          </a:p>
+          <a:p>
+            <a:r>
+              <a:rPr lang="zh-CN" altLang="en-US" dirty="0" smtClean="0"/>
+              <a:t>监控视频色彩失真</a:t>
+            </a:r>
+            <a:endParaRPr lang="en-US" altLang="zh-CN" dirty="0" smtClean="0"/>
+          </a:p>
+          <a:p>
+            <a:pPr marL="45720" indent="0">
+              <a:buNone/>
+            </a:pPr>
+            <a:r>
+              <a:rPr lang="en-US" altLang="zh-CN" dirty="0"/>
+              <a:t> </a:t>
+            </a:r>
+            <a:r>
+              <a:rPr lang="en-US" altLang="zh-CN" dirty="0" smtClean="0"/>
+              <a:t>  </a:t>
+            </a:r>
+            <a:r>
+              <a:rPr lang="zh-CN" altLang="en-US" dirty="0" smtClean="0"/>
+              <a:t>监控摄像头拍摄的画面可能会有些许颜色失真，会对事件的特征分析带来一定影响。</a:t>
+            </a:r>
+            <a:endParaRPr lang="zh-CN" altLang="en-US" dirty="0"/>
+          </a:p>
+        </p:txBody>
+      </p:sp>
+    </p:spTree>
+    <p:extLst>
+      <p:ext uri="{BB962C8B-B14F-4D97-AF65-F5344CB8AC3E}">
+        <p14:creationId xmlns:p14="http://schemas.microsoft.com/office/powerpoint/2010/main" val="2528434094"/>
+      </p:ext>
+    </p:extLst>
+  </p:cSld>
+  <p:clrMapOvr>
+    <a:masterClrMapping/>
+  </p:clrMapOvr>
+  <p:timing>
+    <p:tnLst>
+      <p:par>
+        <p:cTn id="1" dur="indefinite" restart="never" nodeType="tmRoot"/>
+      </p:par>
+    </p:tnLst>
+  </p:timing>
+</p:sld>
+</file>
+
+<file path=ppt/slides/slide25.xml><?xml version="1.0" encoding="utf-8"?>
+<p:sld xmlns:a="http://schemas.openxmlformats.org/drawingml/2006/main" xmlns:r="http://schemas.openxmlformats.org/officeDocument/2006/relationships" xmlns:p="http://schemas.openxmlformats.org/presentationml/2006/main">
+  <p:cSld>
+    <p:spTree>
+      <p:nvGrpSpPr>
+        <p:cNvPr id="1" name=""/>
+        <p:cNvGrpSpPr/>
+        <p:nvPr/>
+      </p:nvGrpSpPr>
+      <p:grpSpPr>
+        <a:xfrm>
+          <a:off x="0" y="0"/>
+          <a:ext cx="0" cy="0"/>
+          <a:chOff x="0" y="0"/>
+          <a:chExt cx="0" cy="0"/>
+        </a:xfrm>
+      </p:grpSpPr>
+      <p:sp>
+        <p:nvSpPr>
+          <p:cNvPr id="2" name="标题 1"/>
+          <p:cNvSpPr>
+            <a:spLocks noGrp="1"/>
+          </p:cNvSpPr>
+          <p:nvPr>
+            <p:ph type="title"/>
+          </p:nvPr>
+        </p:nvSpPr>
+        <p:spPr>
+          <a:xfrm>
+            <a:off x="5508104" y="5742384"/>
+            <a:ext cx="3632191" cy="1143000"/>
+          </a:xfrm>
+        </p:spPr>
+        <p:txBody>
+          <a:bodyPr/>
+          <a:lstStyle/>
+          <a:p>
+            <a:r>
+              <a:rPr lang="zh-CN" altLang="en-US" dirty="0" smtClean="0"/>
+              <a:t>结果与展望</a:t>
+            </a:r>
+            <a:endParaRPr lang="zh-CN" altLang="en-US" dirty="0"/>
+          </a:p>
+        </p:txBody>
+      </p:sp>
+      <p:sp>
+        <p:nvSpPr>
+          <p:cNvPr id="3" name="内容占位符 2"/>
+          <p:cNvSpPr>
+            <a:spLocks noGrp="1"/>
+          </p:cNvSpPr>
+          <p:nvPr>
+            <p:ph sz="quarter" idx="13"/>
+          </p:nvPr>
+        </p:nvSpPr>
+        <p:spPr>
+          <a:xfrm>
+            <a:off x="1143000" y="731520"/>
+            <a:ext cx="6400800" cy="1905392"/>
+          </a:xfrm>
+        </p:spPr>
+        <p:txBody>
+          <a:bodyPr/>
+          <a:lstStyle/>
+          <a:p>
+            <a:r>
+              <a:rPr lang="zh-CN" altLang="en-US" dirty="0" smtClean="0"/>
+              <a:t>单一监控摄像头或视频的摘要和查询问题解决了，但是仅仅解决了局部问题而不是整体问题。</a:t>
+            </a:r>
+            <a:endParaRPr lang="en-US" altLang="zh-CN" dirty="0" smtClean="0"/>
+          </a:p>
+          <a:p>
+            <a:r>
+              <a:rPr lang="zh-CN" altLang="en-US" dirty="0" smtClean="0"/>
+              <a:t>将视频摘要和视频信息检索跟云处理相结合，成为了海量监控视频摘要与检索的唯一出路。</a:t>
+            </a:r>
+            <a:endParaRPr lang="zh-CN" altLang="en-US" dirty="0"/>
+          </a:p>
+        </p:txBody>
+      </p:sp>
+    </p:spTree>
+    <p:extLst>
+      <p:ext uri="{BB962C8B-B14F-4D97-AF65-F5344CB8AC3E}">
+        <p14:creationId xmlns:p14="http://schemas.microsoft.com/office/powerpoint/2010/main" val="3756721532"/>
+      </p:ext>
+    </p:extLst>
+  </p:cSld>
+  <p:clrMapOvr>
+    <a:masterClrMapping/>
+  </p:clrMapOvr>
+  <p:timing>
+    <p:tnLst>
+      <p:par>
+        <p:cTn id="1" dur="indefinite" restart="never" nodeType="tmRoot"/>
+      </p:par>
+    </p:tnLst>
+  </p:timing>
+</p:sld>
+</file>
+
+<file path=ppt/slides/slide26.xml><?xml version="1.0" encoding="utf-8"?>
+<p:sld xmlns:a="http://schemas.openxmlformats.org/drawingml/2006/main" xmlns:r="http://schemas.openxmlformats.org/officeDocument/2006/relationships" xmlns:p="http://schemas.openxmlformats.org/presentationml/2006/main">
+  <p:cSld>
+    <p:spTree>
+      <p:nvGrpSpPr>
+        <p:cNvPr id="1" name=""/>
+        <p:cNvGrpSpPr/>
+        <p:nvPr/>
+      </p:nvGrpSpPr>
+      <p:grpSpPr>
+        <a:xfrm>
+          <a:off x="0" y="0"/>
+          <a:ext cx="0" cy="0"/>
+          <a:chOff x="0" y="0"/>
+          <a:chExt cx="0" cy="0"/>
+        </a:xfrm>
+      </p:grpSpPr>
+      <p:sp>
+        <p:nvSpPr>
+          <p:cNvPr id="2" name="标题 1"/>
+          <p:cNvSpPr>
+            <a:spLocks noGrp="1"/>
+          </p:cNvSpPr>
+          <p:nvPr>
+            <p:ph type="title"/>
+          </p:nvPr>
+        </p:nvSpPr>
+        <p:spPr>
+          <a:xfrm>
             <a:off x="2627784" y="5742384"/>
             <a:ext cx="6512511" cy="1143000"/>
           </a:xfrm>
@@ -10303,7 +14606,7 @@
 </p:sld>
 </file>
 
-<file path=ppt/slides/slide24.xml><?xml version="1.0" encoding="utf-8"?>
+<file path=ppt/slides/slide27.xml><?xml version="1.0" encoding="utf-8"?>
 <p:sld xmlns:a="http://schemas.openxmlformats.org/drawingml/2006/main" xmlns:r="http://schemas.openxmlformats.org/officeDocument/2006/relationships" xmlns:p="http://schemas.openxmlformats.org/presentationml/2006/main">
   <p:cSld>
     <p:spTree>
@@ -10569,11 +14872,7 @@
           <a:p>
             <a:r>
               <a:rPr lang="zh-CN" altLang="en-US" sz="3200" dirty="0" smtClean="0"/>
-              <a:t>目标</a:t>
-            </a:r>
-            <a:r>
-              <a:rPr lang="zh-CN" altLang="en-US" sz="3200" dirty="0" smtClean="0"/>
-              <a:t>：</a:t>
+              <a:t>目标：</a:t>
             </a:r>
             <a:endParaRPr lang="en-US" altLang="zh-CN" sz="3200" dirty="0" smtClean="0"/>
           </a:p>
@@ -11026,15 +15325,7 @@
             </a:r>
             <a:r>
               <a:rPr lang="zh-CN" altLang="en-US" sz="2000" dirty="0" smtClean="0"/>
-              <a:t>检测</a:t>
-            </a:r>
-            <a:r>
-              <a:rPr lang="zh-CN" altLang="en-US" sz="2000" dirty="0" smtClean="0"/>
-              <a:t>：与运动历史图结合的帧</a:t>
-            </a:r>
-            <a:r>
-              <a:rPr lang="zh-CN" altLang="en-US" sz="2000" dirty="0" smtClean="0"/>
-              <a:t>差法</a:t>
+              <a:t>检测：与运动历史图结合的帧差法</a:t>
             </a:r>
             <a:endParaRPr lang="en-US" altLang="zh-CN" sz="2000" dirty="0"/>
           </a:p>
@@ -11069,11 +15360,7 @@
             </a:r>
             <a:r>
               <a:rPr lang="zh-CN" altLang="en-US" sz="2000" dirty="0" smtClean="0"/>
-              <a:t>物体跟踪：矩形</a:t>
-            </a:r>
-            <a:r>
-              <a:rPr lang="zh-CN" altLang="en-US" sz="2000" dirty="0" smtClean="0"/>
-              <a:t>轮廓</a:t>
+              <a:t>物体跟踪：矩形轮廓</a:t>
             </a:r>
             <a:r>
               <a:rPr lang="zh-CN" altLang="en-US" sz="2000" dirty="0"/>
@@ -11175,25 +15462,6 @@
               <a:rPr lang="zh-CN" altLang="en-US" dirty="0" smtClean="0"/>
               <a:t>视频摘要技术路线</a:t>
             </a:r>
-            <a:endParaRPr lang="zh-CN" altLang="en-US" dirty="0"/>
-          </a:p>
-        </p:txBody>
-      </p:sp>
-      <p:sp>
-        <p:nvSpPr>
-          <p:cNvPr id="3" name="内容占位符 2"/>
-          <p:cNvSpPr>
-            <a:spLocks noGrp="1"/>
-          </p:cNvSpPr>
-          <p:nvPr>
-            <p:ph sz="quarter" idx="13"/>
-          </p:nvPr>
-        </p:nvSpPr>
-        <p:spPr/>
-        <p:txBody>
-          <a:bodyPr/>
-          <a:lstStyle/>
-          <a:p>
             <a:endParaRPr lang="zh-CN" altLang="en-US" dirty="0"/>
           </a:p>
         </p:txBody>
@@ -11418,18 +15686,7 @@
                   </a:schemeClr>
                 </a:solidFill>
               </a:rPr>
-              <a:t>、背景</a:t>
-            </a:r>
-            <a:r>
-              <a:rPr lang="zh-CN" altLang="en-US" sz="2200" dirty="0">
-                <a:solidFill>
-                  <a:schemeClr val="tx1">
-                    <a:lumMod val="75000"/>
-                    <a:lumOff val="25000"/>
-                  </a:schemeClr>
-                </a:solidFill>
-              </a:rPr>
-              <a:t>差分法</a:t>
+              <a:t>、背景差分法</a:t>
             </a:r>
             <a:endParaRPr lang="en-US" altLang="zh-CN" sz="2200" dirty="0">
               <a:solidFill>
